--- a/MAT2034_MAT2404_GTS_HK1_Python/GTS_Chương_4_Least_Square_new.pptx
+++ b/MAT2034_MAT2404_GTS_HK1_Python/GTS_Chương_4_Least_Square_new.pptx
@@ -5,27 +5,31 @@
     <p:sldMasterId id="2147483648" r:id="rId1"/>
   </p:sldMasterIdLst>
   <p:notesMasterIdLst>
-    <p:notesMasterId r:id="rId20"/>
+    <p:notesMasterId r:id="rId24"/>
   </p:notesMasterIdLst>
   <p:sldIdLst>
     <p:sldId id="256" r:id="rId2"/>
-    <p:sldId id="257" r:id="rId3"/>
-    <p:sldId id="268" r:id="rId4"/>
-    <p:sldId id="269" r:id="rId5"/>
-    <p:sldId id="270" r:id="rId6"/>
-    <p:sldId id="258" r:id="rId7"/>
-    <p:sldId id="271" r:id="rId8"/>
-    <p:sldId id="274" r:id="rId9"/>
-    <p:sldId id="272" r:id="rId10"/>
-    <p:sldId id="275" r:id="rId11"/>
-    <p:sldId id="278" r:id="rId12"/>
-    <p:sldId id="277" r:id="rId13"/>
-    <p:sldId id="279" r:id="rId14"/>
-    <p:sldId id="280" r:id="rId15"/>
-    <p:sldId id="281" r:id="rId16"/>
-    <p:sldId id="283" r:id="rId17"/>
-    <p:sldId id="284" r:id="rId18"/>
-    <p:sldId id="267" r:id="rId19"/>
+    <p:sldId id="285" r:id="rId3"/>
+    <p:sldId id="257" r:id="rId4"/>
+    <p:sldId id="268" r:id="rId5"/>
+    <p:sldId id="269" r:id="rId6"/>
+    <p:sldId id="270" r:id="rId7"/>
+    <p:sldId id="258" r:id="rId8"/>
+    <p:sldId id="271" r:id="rId9"/>
+    <p:sldId id="274" r:id="rId10"/>
+    <p:sldId id="272" r:id="rId11"/>
+    <p:sldId id="275" r:id="rId12"/>
+    <p:sldId id="278" r:id="rId13"/>
+    <p:sldId id="277" r:id="rId14"/>
+    <p:sldId id="279" r:id="rId15"/>
+    <p:sldId id="280" r:id="rId16"/>
+    <p:sldId id="281" r:id="rId17"/>
+    <p:sldId id="283" r:id="rId18"/>
+    <p:sldId id="284" r:id="rId19"/>
+    <p:sldId id="286" r:id="rId20"/>
+    <p:sldId id="287" r:id="rId21"/>
+    <p:sldId id="288" r:id="rId22"/>
+    <p:sldId id="267" r:id="rId23"/>
   </p:sldIdLst>
   <p:sldSz cx="12192000" cy="6858000"/>
   <p:notesSz cx="6858000" cy="9144000"/>
@@ -326,7 +330,7 @@
           <a:p>
             <a:fld id="{2E015DD1-8CD9-4846-AF97-8E3DE6C0D1B2}" type="datetimeFigureOut">
               <a:rPr lang="en-US" smtClean="0"/>
-              <a:t>11/14/2021</a:t>
+              <a:t>10/27/2022</a:t>
             </a:fld>
             <a:endParaRPr lang="en-US"/>
           </a:p>
@@ -785,7 +789,7 @@
             <a:fld id="{B61BEF0D-F0BB-DE4B-95CE-6DB70DBA9567}" type="datetimeFigureOut">
               <a:rPr lang="en-US" dirty="0"/>
               <a:pPr/>
-              <a:t>11/14/2021</a:t>
+              <a:t>10/27/2022</a:t>
             </a:fld>
             <a:endParaRPr lang="en-US" dirty="0"/>
           </a:p>
@@ -1218,7 +1222,7 @@
             <a:fld id="{B61BEF0D-F0BB-DE4B-95CE-6DB70DBA9567}" type="datetimeFigureOut">
               <a:rPr lang="en-US" dirty="0"/>
               <a:pPr/>
-              <a:t>11/14/2021</a:t>
+              <a:t>10/27/2022</a:t>
             </a:fld>
             <a:endParaRPr lang="en-US" dirty="0"/>
           </a:p>
@@ -1465,7 +1469,7 @@
             <a:fld id="{B61BEF0D-F0BB-DE4B-95CE-6DB70DBA9567}" type="datetimeFigureOut">
               <a:rPr lang="en-US" dirty="0"/>
               <a:pPr/>
-              <a:t>11/14/2021</a:t>
+              <a:t>10/27/2022</a:t>
             </a:fld>
             <a:endParaRPr lang="en-US" dirty="0"/>
           </a:p>
@@ -1770,7 +1774,7 @@
             <a:fld id="{B61BEF0D-F0BB-DE4B-95CE-6DB70DBA9567}" type="datetimeFigureOut">
               <a:rPr lang="en-US" dirty="0"/>
               <a:pPr/>
-              <a:t>11/14/2021</a:t>
+              <a:t>10/27/2022</a:t>
             </a:fld>
             <a:endParaRPr lang="en-US" dirty="0"/>
           </a:p>
@@ -2085,7 +2089,7 @@
             <a:fld id="{B61BEF0D-F0BB-DE4B-95CE-6DB70DBA9567}" type="datetimeFigureOut">
               <a:rPr lang="en-US" dirty="0"/>
               <a:pPr/>
-              <a:t>11/14/2021</a:t>
+              <a:t>10/27/2022</a:t>
             </a:fld>
             <a:endParaRPr lang="en-US" dirty="0"/>
           </a:p>
@@ -2384,7 +2388,7 @@
             <a:fld id="{B61BEF0D-F0BB-DE4B-95CE-6DB70DBA9567}" type="datetimeFigureOut">
               <a:rPr lang="en-US" dirty="0"/>
               <a:pPr/>
-              <a:t>11/14/2021</a:t>
+              <a:t>10/27/2022</a:t>
             </a:fld>
             <a:endParaRPr lang="en-US" dirty="0"/>
           </a:p>
@@ -2748,7 +2752,7 @@
             <a:fld id="{B61BEF0D-F0BB-DE4B-95CE-6DB70DBA9567}" type="datetimeFigureOut">
               <a:rPr lang="en-US" dirty="0"/>
               <a:pPr/>
-              <a:t>11/14/2021</a:t>
+              <a:t>10/27/2022</a:t>
             </a:fld>
             <a:endParaRPr lang="en-US" dirty="0"/>
           </a:p>
@@ -2919,7 +2923,7 @@
             <a:fld id="{B61BEF0D-F0BB-DE4B-95CE-6DB70DBA9567}" type="datetimeFigureOut">
               <a:rPr lang="en-US" dirty="0"/>
               <a:pPr/>
-              <a:t>11/14/2021</a:t>
+              <a:t>10/27/2022</a:t>
             </a:fld>
             <a:endParaRPr lang="en-US" dirty="0"/>
           </a:p>
@@ -3096,7 +3100,7 @@
             <a:fld id="{B61BEF0D-F0BB-DE4B-95CE-6DB70DBA9567}" type="datetimeFigureOut">
               <a:rPr lang="en-US" dirty="0"/>
               <a:pPr/>
-              <a:t>11/14/2021</a:t>
+              <a:t>10/27/2022</a:t>
             </a:fld>
             <a:endParaRPr lang="en-US" dirty="0"/>
           </a:p>
@@ -3263,7 +3267,7 @@
             <a:fld id="{B61BEF0D-F0BB-DE4B-95CE-6DB70DBA9567}" type="datetimeFigureOut">
               <a:rPr lang="en-US" dirty="0"/>
               <a:pPr/>
-              <a:t>11/14/2021</a:t>
+              <a:t>10/27/2022</a:t>
             </a:fld>
             <a:endParaRPr lang="en-US" dirty="0"/>
           </a:p>
@@ -3510,7 +3514,7 @@
             <a:fld id="{B61BEF0D-F0BB-DE4B-95CE-6DB70DBA9567}" type="datetimeFigureOut">
               <a:rPr lang="en-US" dirty="0"/>
               <a:pPr/>
-              <a:t>11/14/2021</a:t>
+              <a:t>10/27/2022</a:t>
             </a:fld>
             <a:endParaRPr lang="en-US" dirty="0"/>
           </a:p>
@@ -3743,7 +3747,7 @@
             <a:fld id="{B61BEF0D-F0BB-DE4B-95CE-6DB70DBA9567}" type="datetimeFigureOut">
               <a:rPr lang="en-US" dirty="0"/>
               <a:pPr/>
-              <a:t>11/14/2021</a:t>
+              <a:t>10/27/2022</a:t>
             </a:fld>
             <a:endParaRPr lang="en-US" dirty="0"/>
           </a:p>
@@ -4122,7 +4126,7 @@
             <a:fld id="{B61BEF0D-F0BB-DE4B-95CE-6DB70DBA9567}" type="datetimeFigureOut">
               <a:rPr lang="en-US" dirty="0"/>
               <a:pPr/>
-              <a:t>11/14/2021</a:t>
+              <a:t>10/27/2022</a:t>
             </a:fld>
             <a:endParaRPr lang="en-US" dirty="0"/>
           </a:p>
@@ -4237,7 +4241,7 @@
             <a:fld id="{B61BEF0D-F0BB-DE4B-95CE-6DB70DBA9567}" type="datetimeFigureOut">
               <a:rPr lang="en-US" dirty="0"/>
               <a:pPr/>
-              <a:t>11/14/2021</a:t>
+              <a:t>10/27/2022</a:t>
             </a:fld>
             <a:endParaRPr lang="en-US" dirty="0"/>
           </a:p>
@@ -4329,7 +4333,7 @@
             <a:fld id="{B61BEF0D-F0BB-DE4B-95CE-6DB70DBA9567}" type="datetimeFigureOut">
               <a:rPr lang="en-US" dirty="0"/>
               <a:pPr/>
-              <a:t>11/14/2021</a:t>
+              <a:t>10/27/2022</a:t>
             </a:fld>
             <a:endParaRPr lang="en-US" dirty="0"/>
           </a:p>
@@ -4581,7 +4585,7 @@
             <a:fld id="{B61BEF0D-F0BB-DE4B-95CE-6DB70DBA9567}" type="datetimeFigureOut">
               <a:rPr lang="en-US" dirty="0"/>
               <a:pPr/>
-              <a:t>11/14/2021</a:t>
+              <a:t>10/27/2022</a:t>
             </a:fld>
             <a:endParaRPr lang="en-US" dirty="0"/>
           </a:p>
@@ -4861,7 +4865,7 @@
             <a:fld id="{B61BEF0D-F0BB-DE4B-95CE-6DB70DBA9567}" type="datetimeFigureOut">
               <a:rPr lang="en-US" dirty="0"/>
               <a:pPr/>
-              <a:t>11/14/2021</a:t>
+              <a:t>10/27/2022</a:t>
             </a:fld>
             <a:endParaRPr lang="en-US" dirty="0"/>
           </a:p>
@@ -5269,7 +5273,7 @@
             <a:fld id="{B61BEF0D-F0BB-DE4B-95CE-6DB70DBA9567}" type="datetimeFigureOut">
               <a:rPr lang="en-US" dirty="0"/>
               <a:pPr/>
-              <a:t>11/14/2021</a:t>
+              <a:t>10/27/2022</a:t>
             </a:fld>
             <a:endParaRPr lang="en-US" dirty="0"/>
           </a:p>
@@ -6085,6 +6089,525 @@
           <a:chExt cx="0" cy="0"/>
         </a:xfrm>
       </p:grpSpPr>
+      <p:sp>
+        <p:nvSpPr>
+          <p:cNvPr id="3" name="Content Placeholder 2"/>
+          <p:cNvSpPr>
+            <a:spLocks noGrp="1"/>
+          </p:cNvSpPr>
+          <p:nvPr>
+            <p:ph idx="1"/>
+          </p:nvPr>
+        </p:nvSpPr>
+        <p:spPr>
+          <a:xfrm>
+            <a:off x="679902" y="1198485"/>
+            <a:ext cx="8678864" cy="4171920"/>
+          </a:xfrm>
+        </p:spPr>
+        <p:txBody>
+          <a:bodyPr>
+            <a:normAutofit fontScale="25000" lnSpcReduction="20000"/>
+          </a:bodyPr>
+          <a:lstStyle/>
+          <a:p>
+            <a:endParaRPr lang="en-US" dirty="0">
+              <a:solidFill>
+                <a:schemeClr val="tx1"/>
+              </a:solidFill>
+            </a:endParaRPr>
+          </a:p>
+          <a:p>
+            <a:endParaRPr lang="en-US" dirty="0">
+              <a:solidFill>
+                <a:schemeClr val="tx1"/>
+              </a:solidFill>
+            </a:endParaRPr>
+          </a:p>
+          <a:p>
+            <a:endParaRPr lang="en-US" sz="6400" dirty="0">
+              <a:solidFill>
+                <a:schemeClr val="tx1"/>
+              </a:solidFill>
+            </a:endParaRPr>
+          </a:p>
+          <a:p>
+            <a:endParaRPr lang="en-US" sz="6400" dirty="0">
+              <a:solidFill>
+                <a:schemeClr val="tx1"/>
+              </a:solidFill>
+            </a:endParaRPr>
+          </a:p>
+          <a:p>
+            <a:endParaRPr lang="en-US" sz="6400" dirty="0">
+              <a:solidFill>
+                <a:schemeClr val="tx1"/>
+              </a:solidFill>
+            </a:endParaRPr>
+          </a:p>
+          <a:p>
+            <a:endParaRPr lang="vi-VN" sz="5600" dirty="0">
+              <a:solidFill>
+                <a:schemeClr val="tx1"/>
+              </a:solidFill>
+            </a:endParaRPr>
+          </a:p>
+          <a:p>
+            <a:r>
+              <a:rPr lang="vi-VN" sz="7200" dirty="0">
+                <a:solidFill>
+                  <a:schemeClr val="tx1"/>
+                </a:solidFill>
+              </a:rPr>
+              <a:t>Sử dụng phân tích QR (trực chuẩn hóa Gram-Schmidt) (yêu cầu khi đi thi)</a:t>
+            </a:r>
+          </a:p>
+          <a:p>
+            <a:pPr marL="0" indent="0">
+              <a:buNone/>
+            </a:pPr>
+            <a:r>
+              <a:rPr lang="vi-VN" sz="7200" dirty="0">
+                <a:solidFill>
+                  <a:schemeClr val="tx1"/>
+                </a:solidFill>
+              </a:rPr>
+              <a:t>Trực chuẩn hóa Gram-Schmidt các cột của A. (ĐSTT dạy các em như thế nào) ta được phân tích QR trong đó Q là ma trận trực giao, R là ma trận tam giác trên. </a:t>
+            </a:r>
+          </a:p>
+          <a:p>
+            <a:pPr marL="0" indent="0">
+              <a:buNone/>
+            </a:pPr>
+            <a:endParaRPr lang="vi-VN" sz="7200" dirty="0">
+              <a:solidFill>
+                <a:schemeClr val="tx1"/>
+              </a:solidFill>
+            </a:endParaRPr>
+          </a:p>
+          <a:p>
+            <a:pPr marL="0" indent="0">
+              <a:buNone/>
+            </a:pPr>
+            <a:endParaRPr lang="vi-VN" sz="7200" dirty="0">
+              <a:solidFill>
+                <a:schemeClr val="tx1"/>
+              </a:solidFill>
+            </a:endParaRPr>
+          </a:p>
+          <a:p>
+            <a:pPr marL="0" indent="0">
+              <a:buNone/>
+            </a:pPr>
+            <a:endParaRPr lang="vi-VN" sz="7200" dirty="0">
+              <a:solidFill>
+                <a:schemeClr val="tx1"/>
+              </a:solidFill>
+            </a:endParaRPr>
+          </a:p>
+          <a:p>
+            <a:pPr marL="0" indent="0">
+              <a:buNone/>
+            </a:pPr>
+            <a:endParaRPr lang="en-US" sz="7200" dirty="0">
+              <a:solidFill>
+                <a:schemeClr val="tx1"/>
+              </a:solidFill>
+            </a:endParaRPr>
+          </a:p>
+          <a:p>
+            <a:pPr marL="0" indent="0">
+              <a:buNone/>
+            </a:pPr>
+            <a:endParaRPr lang="en-US" sz="7200" dirty="0">
+              <a:solidFill>
+                <a:schemeClr val="tx1"/>
+              </a:solidFill>
+            </a:endParaRPr>
+          </a:p>
+          <a:p>
+            <a:pPr marL="0" indent="0">
+              <a:buNone/>
+            </a:pPr>
+            <a:endParaRPr lang="vi-VN" sz="7200" dirty="0">
+              <a:solidFill>
+                <a:schemeClr val="tx1"/>
+              </a:solidFill>
+            </a:endParaRPr>
+          </a:p>
+          <a:p>
+            <a:pPr>
+              <a:buFont typeface="Wingdings" panose="05000000000000000000" pitchFamily="2" charset="2"/>
+              <a:buChar char="Ø"/>
+            </a:pPr>
+            <a:r>
+              <a:rPr lang="vi-VN" sz="7200" dirty="0">
+                <a:solidFill>
+                  <a:schemeClr val="tx1"/>
+                </a:solidFill>
+              </a:rPr>
+              <a:t>Khi đó, thay vì giải Ax=b ta đi giải </a:t>
+            </a:r>
+            <a:endParaRPr lang="en-US" sz="7200" dirty="0">
+              <a:solidFill>
+                <a:schemeClr val="tx1"/>
+              </a:solidFill>
+            </a:endParaRPr>
+          </a:p>
+          <a:p>
+            <a:pPr>
+              <a:buFont typeface="Wingdings" panose="05000000000000000000" pitchFamily="2" charset="2"/>
+              <a:buChar char="Ø"/>
+            </a:pPr>
+            <a:r>
+              <a:rPr lang="vi-VN" sz="7200" dirty="0">
+                <a:solidFill>
+                  <a:schemeClr val="tx1"/>
+                </a:solidFill>
+              </a:rPr>
+              <a:t>Ví dụ 2. Giải lại hệ trong VD1 bằng phương pháp QR.</a:t>
+            </a:r>
+          </a:p>
+          <a:p>
+            <a:pPr marL="0" indent="0">
+              <a:buNone/>
+            </a:pPr>
+            <a:endParaRPr lang="vi-VN" sz="7200" dirty="0">
+              <a:solidFill>
+                <a:schemeClr val="tx1"/>
+              </a:solidFill>
+            </a:endParaRPr>
+          </a:p>
+          <a:p>
+            <a:pPr marL="0" indent="0">
+              <a:buNone/>
+            </a:pPr>
+            <a:r>
+              <a:rPr lang="vi-VN" sz="7200" dirty="0">
+                <a:solidFill>
+                  <a:schemeClr val="tx1"/>
+                </a:solidFill>
+              </a:rPr>
+              <a:t>Bình luận: </a:t>
+            </a:r>
+            <a:r>
+              <a:rPr lang="en-US" sz="7200" dirty="0">
+                <a:solidFill>
+                  <a:schemeClr val="tx1"/>
+                </a:solidFill>
+              </a:rPr>
+              <a:t>	</a:t>
+            </a:r>
+            <a:r>
+              <a:rPr lang="vi-VN" sz="7200" dirty="0">
+                <a:solidFill>
+                  <a:schemeClr val="tx1"/>
+                </a:solidFill>
+              </a:rPr>
+              <a:t>1. Thực tế Matlab hay Python dùng cách 2 để giải các bài toán lớn.</a:t>
+            </a:r>
+          </a:p>
+          <a:p>
+            <a:pPr marL="0" indent="0">
+              <a:buNone/>
+            </a:pPr>
+            <a:r>
+              <a:rPr lang="en-US" sz="7200" dirty="0">
+                <a:solidFill>
+                  <a:schemeClr val="tx1"/>
+                </a:solidFill>
+              </a:rPr>
+              <a:t>			</a:t>
+            </a:r>
+            <a:r>
+              <a:rPr lang="vi-VN" sz="7200" dirty="0">
+                <a:solidFill>
+                  <a:schemeClr val="tx1"/>
+                </a:solidFill>
+              </a:rPr>
+              <a:t>2. Nhưng đối với sv tính tay thì cách 1 tốt hơn.</a:t>
+            </a:r>
+          </a:p>
+          <a:p>
+            <a:pPr marL="0" indent="0">
+              <a:buNone/>
+            </a:pPr>
+            <a:r>
+              <a:rPr lang="en-US" sz="7200" dirty="0">
+                <a:solidFill>
+                  <a:schemeClr val="tx1"/>
+                </a:solidFill>
+              </a:rPr>
+              <a:t>			</a:t>
+            </a:r>
+            <a:r>
+              <a:rPr lang="vi-VN" sz="7200" dirty="0">
+                <a:solidFill>
+                  <a:schemeClr val="tx1"/>
+                </a:solidFill>
+              </a:rPr>
+              <a:t>3. Đi thi yêu cầu làm cách 2, làm cách 1 được 1/3 số điểm.</a:t>
+            </a:r>
+          </a:p>
+          <a:p>
+            <a:pPr marL="0" indent="0">
+              <a:buNone/>
+            </a:pPr>
+            <a:endParaRPr lang="vi-VN" sz="6400" dirty="0"/>
+          </a:p>
+          <a:p>
+            <a:endParaRPr lang="vi-VN" dirty="0"/>
+          </a:p>
+        </p:txBody>
+      </p:sp>
+      <mc:AlternateContent xmlns:mc="http://schemas.openxmlformats.org/markup-compatibility/2006" xmlns:a14="http://schemas.microsoft.com/office/drawing/2010/main">
+        <mc:Choice Requires="a14">
+          <p:sp>
+            <p:nvSpPr>
+              <p:cNvPr id="13" name="Rectangle 12"/>
+              <p:cNvSpPr/>
+              <p:nvPr/>
+            </p:nvSpPr>
+            <p:spPr>
+              <a:xfrm>
+                <a:off x="4623031" y="4243170"/>
+                <a:ext cx="1342763" cy="369332"/>
+              </a:xfrm>
+              <a:prstGeom prst="rect">
+                <a:avLst/>
+              </a:prstGeom>
+            </p:spPr>
+            <p:txBody>
+              <a:bodyPr wrap="square">
+                <a:spAutoFit/>
+              </a:bodyPr>
+              <a:lstStyle/>
+              <a:p>
+                <a:pPr/>
+                <a14:m>
+                  <m:oMathPara xmlns:m="http://schemas.openxmlformats.org/officeDocument/2006/math">
+                    <m:oMathParaPr>
+                      <m:jc m:val="centerGroup"/>
+                    </m:oMathParaPr>
+                    <m:oMath xmlns:m="http://schemas.openxmlformats.org/officeDocument/2006/math">
+                      <m:r>
+                        <a:rPr lang="vi-VN" i="1">
+                          <a:latin typeface="Cambria Math" panose="02040503050406030204" pitchFamily="18" charset="0"/>
+                        </a:rPr>
+                        <m:t>𝑅𝑥</m:t>
+                      </m:r>
+                      <m:r>
+                        <m:rPr>
+                          <m:nor/>
+                        </m:rPr>
+                        <a:rPr lang="vi-VN" i="1">
+                          <a:latin typeface="Cambria Math" panose="02040503050406030204" pitchFamily="18" charset="0"/>
+                        </a:rPr>
+                        <m:t> </m:t>
+                      </m:r>
+                      <m:r>
+                        <a:rPr lang="vi-VN" i="0">
+                          <a:latin typeface="Cambria Math" panose="02040503050406030204" pitchFamily="18" charset="0"/>
+                        </a:rPr>
+                        <m:t>=</m:t>
+                      </m:r>
+                      <m:r>
+                        <m:rPr>
+                          <m:nor/>
+                        </m:rPr>
+                        <a:rPr lang="vi-VN" i="1">
+                          <a:latin typeface="Cambria Math" panose="02040503050406030204" pitchFamily="18" charset="0"/>
+                        </a:rPr>
+                        <m:t> </m:t>
+                      </m:r>
+                      <m:sSup>
+                        <m:sSupPr>
+                          <m:ctrlPr>
+                            <a:rPr lang="vi-VN" i="1">
+                              <a:latin typeface="Cambria Math" panose="02040503050406030204" pitchFamily="18" charset="0"/>
+                            </a:rPr>
+                          </m:ctrlPr>
+                        </m:sSupPr>
+                        <m:e>
+                          <m:r>
+                            <a:rPr lang="vi-VN" i="1">
+                              <a:latin typeface="Cambria Math" panose="02040503050406030204" pitchFamily="18" charset="0"/>
+                            </a:rPr>
+                            <m:t>𝑄</m:t>
+                          </m:r>
+                        </m:e>
+                        <m:sup>
+                          <m:r>
+                            <a:rPr lang="vi-VN" i="1">
+                              <a:latin typeface="Cambria Math" panose="02040503050406030204" pitchFamily="18" charset="0"/>
+                            </a:rPr>
+                            <m:t>𝑇</m:t>
+                          </m:r>
+                        </m:sup>
+                      </m:sSup>
+                      <m:r>
+                        <a:rPr lang="vi-VN" i="1">
+                          <a:latin typeface="Cambria Math" panose="02040503050406030204" pitchFamily="18" charset="0"/>
+                        </a:rPr>
+                        <m:t>𝑏</m:t>
+                      </m:r>
+                    </m:oMath>
+                  </m:oMathPara>
+                </a14:m>
+                <a:endParaRPr lang="vi-VN" dirty="0"/>
+              </a:p>
+            </p:txBody>
+          </p:sp>
+        </mc:Choice>
+        <mc:Fallback xmlns="">
+          <p:sp>
+            <p:nvSpPr>
+              <p:cNvPr id="13" name="Rectangle 12"/>
+              <p:cNvSpPr>
+                <a:spLocks noRot="1" noChangeAspect="1" noMove="1" noResize="1" noEditPoints="1" noAdjustHandles="1" noChangeArrowheads="1" noChangeShapeType="1" noTextEdit="1"/>
+              </p:cNvSpPr>
+              <p:nvPr/>
+            </p:nvSpPr>
+            <p:spPr>
+              <a:xfrm>
+                <a:off x="4623031" y="4243170"/>
+                <a:ext cx="1342763" cy="369332"/>
+              </a:xfrm>
+              <a:prstGeom prst="rect">
+                <a:avLst/>
+              </a:prstGeom>
+              <a:blipFill>
+                <a:blip r:embed="rId2"/>
+                <a:stretch>
+                  <a:fillRect b="-11475"/>
+                </a:stretch>
+              </a:blipFill>
+            </p:spPr>
+            <p:txBody>
+              <a:bodyPr/>
+              <a:lstStyle/>
+              <a:p>
+                <a:r>
+                  <a:rPr lang="en-US">
+                    <a:noFill/>
+                  </a:rPr>
+                  <a:t> </a:t>
+                </a:r>
+              </a:p>
+            </p:txBody>
+          </p:sp>
+        </mc:Fallback>
+      </mc:AlternateContent>
+      <p:pic>
+        <p:nvPicPr>
+          <p:cNvPr id="14" name="Picture 13"/>
+          <p:cNvPicPr>
+            <a:picLocks noChangeAspect="1"/>
+          </p:cNvPicPr>
+          <p:nvPr/>
+        </p:nvPicPr>
+        <p:blipFill>
+          <a:blip r:embed="rId3"/>
+          <a:stretch>
+            <a:fillRect/>
+          </a:stretch>
+        </p:blipFill>
+        <p:spPr>
+          <a:xfrm>
+            <a:off x="2478517" y="2508242"/>
+            <a:ext cx="5338829" cy="1528108"/>
+          </a:xfrm>
+          <a:prstGeom prst="rect">
+            <a:avLst/>
+          </a:prstGeom>
+        </p:spPr>
+      </p:pic>
+      <p:sp>
+        <p:nvSpPr>
+          <p:cNvPr id="12" name="Title 1">
+            <a:extLst>
+              <a:ext uri="{FF2B5EF4-FFF2-40B4-BE49-F238E27FC236}">
+                <a16:creationId xmlns:a16="http://schemas.microsoft.com/office/drawing/2014/main" id="{91D311E4-D21C-4A5D-9429-96F96EFB6905}"/>
+              </a:ext>
+            </a:extLst>
+          </p:cNvPr>
+          <p:cNvSpPr>
+            <a:spLocks noGrp="1"/>
+          </p:cNvSpPr>
+          <p:nvPr>
+            <p:ph type="title"/>
+          </p:nvPr>
+        </p:nvSpPr>
+        <p:spPr>
+          <a:xfrm>
+            <a:off x="679902" y="378377"/>
+            <a:ext cx="10177203" cy="507076"/>
+          </a:xfrm>
+        </p:spPr>
+        <p:txBody>
+          <a:bodyPr>
+            <a:normAutofit fontScale="90000"/>
+          </a:bodyPr>
+          <a:lstStyle/>
+          <a:p>
+            <a:r>
+              <a:rPr lang="en-US" dirty="0" err="1"/>
+              <a:t>Phương</a:t>
+            </a:r>
+            <a:r>
+              <a:rPr lang="en-US" dirty="0"/>
+              <a:t> </a:t>
+            </a:r>
+            <a:r>
+              <a:rPr lang="en-US" dirty="0" err="1"/>
+              <a:t>pháp</a:t>
+            </a:r>
+            <a:r>
+              <a:rPr lang="en-US" dirty="0"/>
+              <a:t> 2: Phân </a:t>
+            </a:r>
+            <a:r>
+              <a:rPr lang="en-US" dirty="0" err="1"/>
+              <a:t>tích</a:t>
+            </a:r>
+            <a:r>
+              <a:rPr lang="en-US" dirty="0"/>
+              <a:t> QR</a:t>
+            </a:r>
+            <a:endParaRPr lang="vi-VN" dirty="0"/>
+          </a:p>
+        </p:txBody>
+      </p:sp>
+    </p:spTree>
+    <p:extLst>
+      <p:ext uri="{BB962C8B-B14F-4D97-AF65-F5344CB8AC3E}">
+        <p14:creationId xmlns:p14="http://schemas.microsoft.com/office/powerpoint/2010/main" val="370104146"/>
+      </p:ext>
+    </p:extLst>
+  </p:cSld>
+  <p:clrMapOvr>
+    <a:masterClrMapping/>
+  </p:clrMapOvr>
+</p:sld>
+</file>
+
+<file path=ppt/slides/slide11.xml><?xml version="1.0" encoding="utf-8"?>
+<p:sld xmlns:a="http://schemas.openxmlformats.org/drawingml/2006/main" xmlns:r="http://schemas.openxmlformats.org/officeDocument/2006/relationships" xmlns:p="http://schemas.openxmlformats.org/presentationml/2006/main">
+  <p:cSld>
+    <p:spTree>
+      <p:nvGrpSpPr>
+        <p:cNvPr id="1" name=""/>
+        <p:cNvGrpSpPr/>
+        <p:nvPr/>
+      </p:nvGrpSpPr>
+      <p:grpSpPr>
+        <a:xfrm>
+          <a:off x="0" y="0"/>
+          <a:ext cx="0" cy="0"/>
+          <a:chOff x="0" y="0"/>
+          <a:chExt cx="0" cy="0"/>
+        </a:xfrm>
+      </p:grpSpPr>
       <p:pic>
         <p:nvPicPr>
           <p:cNvPr id="5" name="Picture 4">
@@ -6128,7 +6651,7 @@
 </p:sld>
 </file>
 
-<file path=ppt/slides/slide11.xml><?xml version="1.0" encoding="utf-8"?>
+<file path=ppt/slides/slide12.xml><?xml version="1.0" encoding="utf-8"?>
 <p:sld xmlns:a="http://schemas.openxmlformats.org/drawingml/2006/main" xmlns:r="http://schemas.openxmlformats.org/officeDocument/2006/relationships" xmlns:p="http://schemas.openxmlformats.org/presentationml/2006/main">
   <p:cSld>
     <p:spTree>
@@ -6252,7 +6775,7 @@
 </p:sld>
 </file>
 
-<file path=ppt/slides/slide12.xml><?xml version="1.0" encoding="utf-8"?>
+<file path=ppt/slides/slide13.xml><?xml version="1.0" encoding="utf-8"?>
 <p:sld xmlns:a="http://schemas.openxmlformats.org/drawingml/2006/main" xmlns:r="http://schemas.openxmlformats.org/officeDocument/2006/relationships" xmlns:p="http://schemas.openxmlformats.org/presentationml/2006/main">
   <p:cSld>
     <p:spTree>
@@ -6342,7 +6865,7 @@
 </p:sld>
 </file>
 
-<file path=ppt/slides/slide13.xml><?xml version="1.0" encoding="utf-8"?>
+<file path=ppt/slides/slide14.xml><?xml version="1.0" encoding="utf-8"?>
 <p:sld xmlns:a="http://schemas.openxmlformats.org/drawingml/2006/main" xmlns:r="http://schemas.openxmlformats.org/officeDocument/2006/relationships" xmlns:p="http://schemas.openxmlformats.org/presentationml/2006/main">
   <p:cSld>
     <p:spTree>
@@ -6402,7 +6925,7 @@
 </p:sld>
 </file>
 
-<file path=ppt/slides/slide14.xml><?xml version="1.0" encoding="utf-8"?>
+<file path=ppt/slides/slide15.xml><?xml version="1.0" encoding="utf-8"?>
 <p:sld xmlns:a="http://schemas.openxmlformats.org/drawingml/2006/main" xmlns:r="http://schemas.openxmlformats.org/officeDocument/2006/relationships" xmlns:p="http://schemas.openxmlformats.org/presentationml/2006/main">
   <p:cSld>
     <p:spTree>
@@ -6462,7 +6985,7 @@
 </p:sld>
 </file>
 
-<file path=ppt/slides/slide15.xml><?xml version="1.0" encoding="utf-8"?>
+<file path=ppt/slides/slide16.xml><?xml version="1.0" encoding="utf-8"?>
 <p:sld xmlns:a="http://schemas.openxmlformats.org/drawingml/2006/main" xmlns:r="http://schemas.openxmlformats.org/officeDocument/2006/relationships" xmlns:p="http://schemas.openxmlformats.org/presentationml/2006/main">
   <p:cSld>
     <p:spTree>
@@ -6726,7 +7249,7 @@
 </p:sld>
 </file>
 
-<file path=ppt/slides/slide16.xml><?xml version="1.0" encoding="utf-8"?>
+<file path=ppt/slides/slide17.xml><?xml version="1.0" encoding="utf-8"?>
 <p:sld xmlns:a="http://schemas.openxmlformats.org/drawingml/2006/main" xmlns:r="http://schemas.openxmlformats.org/officeDocument/2006/relationships" xmlns:p="http://schemas.openxmlformats.org/presentationml/2006/main">
   <p:cSld>
     <p:spTree>
@@ -6765,7 +7288,7 @@
         </p:blipFill>
         <p:spPr>
           <a:xfrm>
-            <a:off x="864441" y="2422270"/>
+            <a:off x="1593978" y="2528802"/>
             <a:ext cx="8858250" cy="1543050"/>
           </a:xfrm>
           <a:prstGeom prst="rect">
@@ -6987,7 +7510,7 @@
 </p:sld>
 </file>
 
-<file path=ppt/slides/slide17.xml><?xml version="1.0" encoding="utf-8"?>
+<file path=ppt/slides/slide18.xml><?xml version="1.0" encoding="utf-8"?>
 <p:sld xmlns:a="http://schemas.openxmlformats.org/drawingml/2006/main" xmlns:r="http://schemas.openxmlformats.org/officeDocument/2006/relationships" xmlns:p="http://schemas.openxmlformats.org/presentationml/2006/main">
   <p:cSld>
     <p:spTree>
@@ -7427,7 +7950,3176 @@
 </p:sld>
 </file>
 
-<file path=ppt/slides/slide18.xml><?xml version="1.0" encoding="utf-8"?>
+<file path=ppt/slides/slide19.xml><?xml version="1.0" encoding="utf-8"?>
+<p:sld xmlns:a="http://schemas.openxmlformats.org/drawingml/2006/main" xmlns:r="http://schemas.openxmlformats.org/officeDocument/2006/relationships" xmlns:p="http://schemas.openxmlformats.org/presentationml/2006/main">
+  <p:cSld>
+    <p:spTree>
+      <p:nvGrpSpPr>
+        <p:cNvPr id="1" name=""/>
+        <p:cNvGrpSpPr/>
+        <p:nvPr/>
+      </p:nvGrpSpPr>
+      <p:grpSpPr>
+        <a:xfrm>
+          <a:off x="0" y="0"/>
+          <a:ext cx="0" cy="0"/>
+          <a:chOff x="0" y="0"/>
+          <a:chExt cx="0" cy="0"/>
+        </a:xfrm>
+      </p:grpSpPr>
+      <p:sp>
+        <p:nvSpPr>
+          <p:cNvPr id="2" name="Title 1">
+            <a:extLst>
+              <a:ext uri="{FF2B5EF4-FFF2-40B4-BE49-F238E27FC236}">
+                <a16:creationId xmlns:a16="http://schemas.microsoft.com/office/drawing/2014/main" id="{B5E95AA3-44C8-3ED1-29DB-790ECF5B4F2A}"/>
+              </a:ext>
+            </a:extLst>
+          </p:cNvPr>
+          <p:cNvSpPr>
+            <a:spLocks noGrp="1"/>
+          </p:cNvSpPr>
+          <p:nvPr>
+            <p:ph type="title"/>
+          </p:nvPr>
+        </p:nvSpPr>
+        <p:spPr>
+          <a:xfrm>
+            <a:off x="684212" y="155029"/>
+            <a:ext cx="6178228" cy="1507067"/>
+          </a:xfrm>
+        </p:spPr>
+        <p:txBody>
+          <a:bodyPr>
+            <a:normAutofit/>
+          </a:bodyPr>
+          <a:lstStyle/>
+          <a:p>
+            <a:r>
+              <a:rPr lang="en-US" sz="2400" dirty="0"/>
+              <a:t>Bài </a:t>
+            </a:r>
+            <a:r>
+              <a:rPr lang="en-US" sz="2400" dirty="0" err="1"/>
+              <a:t>toán</a:t>
+            </a:r>
+            <a:r>
+              <a:rPr lang="en-US" sz="2400" dirty="0"/>
+              <a:t> </a:t>
+            </a:r>
+            <a:r>
+              <a:rPr lang="en-US" sz="2400" dirty="0" err="1"/>
+              <a:t>hồi</a:t>
+            </a:r>
+            <a:r>
+              <a:rPr lang="en-US" sz="2400" dirty="0"/>
+              <a:t> </a:t>
+            </a:r>
+            <a:r>
+              <a:rPr lang="en-US" sz="2400" dirty="0" err="1"/>
+              <a:t>quy</a:t>
+            </a:r>
+            <a:r>
+              <a:rPr lang="en-US" sz="2400" dirty="0"/>
+              <a:t> </a:t>
+            </a:r>
+            <a:r>
+              <a:rPr lang="en-US" sz="2400" dirty="0" err="1"/>
+              <a:t>đa</a:t>
+            </a:r>
+            <a:r>
+              <a:rPr lang="en-US" sz="2400" dirty="0"/>
+              <a:t> </a:t>
+            </a:r>
+            <a:r>
+              <a:rPr lang="en-US" sz="2400" dirty="0" err="1"/>
+              <a:t>tuyến</a:t>
+            </a:r>
+            <a:r>
+              <a:rPr lang="en-US" sz="2400" dirty="0"/>
+              <a:t> </a:t>
+            </a:r>
+            <a:r>
+              <a:rPr lang="en-US" sz="2400" dirty="0" err="1"/>
+              <a:t>tính</a:t>
+            </a:r>
+            <a:r>
+              <a:rPr lang="en-US" sz="2400" dirty="0"/>
+              <a:t> </a:t>
+            </a:r>
+            <a:br>
+              <a:rPr lang="en-US" sz="2400" dirty="0"/>
+            </a:br>
+            <a:r>
+              <a:rPr lang="en-US" sz="2400" dirty="0"/>
+              <a:t>(multiple linear regression)</a:t>
+            </a:r>
+          </a:p>
+        </p:txBody>
+      </p:sp>
+      <p:pic>
+        <p:nvPicPr>
+          <p:cNvPr id="7" name="Picture 6">
+            <a:extLst>
+              <a:ext uri="{FF2B5EF4-FFF2-40B4-BE49-F238E27FC236}">
+                <a16:creationId xmlns:a16="http://schemas.microsoft.com/office/drawing/2014/main" id="{89FE2490-9B46-6F58-D19A-F5B0BEC70686}"/>
+              </a:ext>
+            </a:extLst>
+          </p:cNvPr>
+          <p:cNvPicPr>
+            <a:picLocks noChangeAspect="1"/>
+          </p:cNvPicPr>
+          <p:nvPr/>
+        </p:nvPicPr>
+        <p:blipFill>
+          <a:blip r:embed="rId2"/>
+          <a:stretch>
+            <a:fillRect/>
+          </a:stretch>
+        </p:blipFill>
+        <p:spPr>
+          <a:xfrm>
+            <a:off x="1042131" y="2030211"/>
+            <a:ext cx="10107738" cy="3216491"/>
+          </a:xfrm>
+          <a:prstGeom prst="rect">
+            <a:avLst/>
+          </a:prstGeom>
+        </p:spPr>
+      </p:pic>
+    </p:spTree>
+    <p:extLst>
+      <p:ext uri="{BB962C8B-B14F-4D97-AF65-F5344CB8AC3E}">
+        <p14:creationId xmlns:p14="http://schemas.microsoft.com/office/powerpoint/2010/main" val="2893062614"/>
+      </p:ext>
+    </p:extLst>
+  </p:cSld>
+  <p:clrMapOvr>
+    <a:masterClrMapping/>
+  </p:clrMapOvr>
+</p:sld>
+</file>
+
+<file path=ppt/slides/slide2.xml><?xml version="1.0" encoding="utf-8"?>
+<p:sld xmlns:a="http://schemas.openxmlformats.org/drawingml/2006/main" xmlns:r="http://schemas.openxmlformats.org/officeDocument/2006/relationships" xmlns:p="http://schemas.openxmlformats.org/presentationml/2006/main">
+  <p:cSld>
+    <p:spTree>
+      <p:nvGrpSpPr>
+        <p:cNvPr id="1" name=""/>
+        <p:cNvGrpSpPr/>
+        <p:nvPr/>
+      </p:nvGrpSpPr>
+      <p:grpSpPr>
+        <a:xfrm>
+          <a:off x="0" y="0"/>
+          <a:ext cx="0" cy="0"/>
+          <a:chOff x="0" y="0"/>
+          <a:chExt cx="0" cy="0"/>
+        </a:xfrm>
+      </p:grpSpPr>
+      <p:sp>
+        <p:nvSpPr>
+          <p:cNvPr id="2" name="Title 1">
+            <a:extLst>
+              <a:ext uri="{FF2B5EF4-FFF2-40B4-BE49-F238E27FC236}">
+                <a16:creationId xmlns:a16="http://schemas.microsoft.com/office/drawing/2014/main" id="{04C9D536-818A-4CC8-2CAF-32A0999F3A37}"/>
+              </a:ext>
+            </a:extLst>
+          </p:cNvPr>
+          <p:cNvSpPr>
+            <a:spLocks noGrp="1"/>
+          </p:cNvSpPr>
+          <p:nvPr>
+            <p:ph type="title"/>
+          </p:nvPr>
+        </p:nvSpPr>
+        <p:spPr>
+          <a:xfrm>
+            <a:off x="684212" y="332583"/>
+            <a:ext cx="9347555" cy="519673"/>
+          </a:xfrm>
+        </p:spPr>
+        <p:txBody>
+          <a:bodyPr>
+            <a:normAutofit fontScale="90000"/>
+          </a:bodyPr>
+          <a:lstStyle/>
+          <a:p>
+            <a:r>
+              <a:rPr lang="en-US" dirty="0" err="1"/>
+              <a:t>Ví</a:t>
+            </a:r>
+            <a:r>
+              <a:rPr lang="en-US" dirty="0"/>
+              <a:t> </a:t>
+            </a:r>
+            <a:r>
+              <a:rPr lang="en-US" dirty="0" err="1"/>
+              <a:t>dụ</a:t>
+            </a:r>
+            <a:r>
+              <a:rPr lang="en-US" dirty="0"/>
+              <a:t> </a:t>
+            </a:r>
+            <a:r>
+              <a:rPr lang="en-US" dirty="0" err="1"/>
+              <a:t>mô</a:t>
+            </a:r>
+            <a:r>
+              <a:rPr lang="en-US" dirty="0"/>
+              <a:t> </a:t>
+            </a:r>
+            <a:r>
+              <a:rPr lang="en-US" dirty="0" err="1"/>
+              <a:t>hình</a:t>
+            </a:r>
+            <a:r>
+              <a:rPr lang="en-US" dirty="0"/>
+              <a:t> </a:t>
+            </a:r>
+            <a:r>
+              <a:rPr lang="en-US" dirty="0" err="1"/>
+              <a:t>hồi</a:t>
+            </a:r>
+            <a:r>
+              <a:rPr lang="en-US" dirty="0"/>
+              <a:t> </a:t>
+            </a:r>
+            <a:r>
+              <a:rPr lang="en-US" dirty="0" err="1"/>
+              <a:t>quy</a:t>
+            </a:r>
+            <a:endParaRPr lang="en-US" dirty="0"/>
+          </a:p>
+        </p:txBody>
+      </p:sp>
+      <p:sp>
+        <p:nvSpPr>
+          <p:cNvPr id="3" name="Content Placeholder 2">
+            <a:extLst>
+              <a:ext uri="{FF2B5EF4-FFF2-40B4-BE49-F238E27FC236}">
+                <a16:creationId xmlns:a16="http://schemas.microsoft.com/office/drawing/2014/main" id="{E4962C37-1E7E-93D0-C6FB-1AB3F7603FCA}"/>
+              </a:ext>
+            </a:extLst>
+          </p:cNvPr>
+          <p:cNvSpPr>
+            <a:spLocks noGrp="1"/>
+          </p:cNvSpPr>
+          <p:nvPr>
+            <p:ph idx="1"/>
+          </p:nvPr>
+        </p:nvSpPr>
+        <p:spPr>
+          <a:xfrm>
+            <a:off x="817377" y="3508899"/>
+            <a:ext cx="10022258" cy="2376996"/>
+          </a:xfrm>
+        </p:spPr>
+        <p:txBody>
+          <a:bodyPr>
+            <a:noAutofit/>
+          </a:bodyPr>
+          <a:lstStyle/>
+          <a:p>
+            <a:pPr marL="0" indent="0">
+              <a:buNone/>
+            </a:pPr>
+            <a:r>
+              <a:rPr lang="en-US" dirty="0">
+                <a:solidFill>
+                  <a:schemeClr val="tx1"/>
+                </a:solidFill>
+                <a:latin typeface="Tahoma" panose="020B0604030504040204" pitchFamily="34" charset="0"/>
+                <a:ea typeface="Tahoma" panose="020B0604030504040204" pitchFamily="34" charset="0"/>
+                <a:cs typeface="Tahoma" panose="020B0604030504040204" pitchFamily="34" charset="0"/>
+              </a:rPr>
+              <a:t>Bài </a:t>
+            </a:r>
+            <a:r>
+              <a:rPr lang="en-US" dirty="0" err="1">
+                <a:solidFill>
+                  <a:schemeClr val="tx1"/>
+                </a:solidFill>
+                <a:latin typeface="Tahoma" panose="020B0604030504040204" pitchFamily="34" charset="0"/>
+                <a:ea typeface="Tahoma" panose="020B0604030504040204" pitchFamily="34" charset="0"/>
+                <a:cs typeface="Tahoma" panose="020B0604030504040204" pitchFamily="34" charset="0"/>
+              </a:rPr>
+              <a:t>toán</a:t>
+            </a:r>
+            <a:r>
+              <a:rPr lang="en-US" dirty="0">
+                <a:solidFill>
+                  <a:schemeClr val="tx1"/>
+                </a:solidFill>
+                <a:latin typeface="Tahoma" panose="020B0604030504040204" pitchFamily="34" charset="0"/>
+                <a:ea typeface="Tahoma" panose="020B0604030504040204" pitchFamily="34" charset="0"/>
+                <a:cs typeface="Tahoma" panose="020B0604030504040204" pitchFamily="34" charset="0"/>
+              </a:rPr>
+              <a:t> </a:t>
+            </a:r>
+            <a:r>
+              <a:rPr lang="en-US" dirty="0" err="1">
+                <a:solidFill>
+                  <a:schemeClr val="tx1"/>
+                </a:solidFill>
+                <a:latin typeface="Tahoma" panose="020B0604030504040204" pitchFamily="34" charset="0"/>
+                <a:ea typeface="Tahoma" panose="020B0604030504040204" pitchFamily="34" charset="0"/>
+                <a:cs typeface="Tahoma" panose="020B0604030504040204" pitchFamily="34" charset="0"/>
+              </a:rPr>
+              <a:t>hồi</a:t>
+            </a:r>
+            <a:r>
+              <a:rPr lang="en-US" dirty="0">
+                <a:solidFill>
+                  <a:schemeClr val="tx1"/>
+                </a:solidFill>
+                <a:latin typeface="Tahoma" panose="020B0604030504040204" pitchFamily="34" charset="0"/>
+                <a:ea typeface="Tahoma" panose="020B0604030504040204" pitchFamily="34" charset="0"/>
+                <a:cs typeface="Tahoma" panose="020B0604030504040204" pitchFamily="34" charset="0"/>
+              </a:rPr>
+              <a:t> </a:t>
+            </a:r>
+            <a:r>
+              <a:rPr lang="en-US" dirty="0" err="1">
+                <a:solidFill>
+                  <a:schemeClr val="tx1"/>
+                </a:solidFill>
+                <a:latin typeface="Tahoma" panose="020B0604030504040204" pitchFamily="34" charset="0"/>
+                <a:ea typeface="Tahoma" panose="020B0604030504040204" pitchFamily="34" charset="0"/>
+                <a:cs typeface="Tahoma" panose="020B0604030504040204" pitchFamily="34" charset="0"/>
+              </a:rPr>
+              <a:t>quy</a:t>
+            </a:r>
+            <a:r>
+              <a:rPr lang="en-US" dirty="0">
+                <a:solidFill>
+                  <a:schemeClr val="tx1"/>
+                </a:solidFill>
+                <a:latin typeface="Tahoma" panose="020B0604030504040204" pitchFamily="34" charset="0"/>
+                <a:ea typeface="Tahoma" panose="020B0604030504040204" pitchFamily="34" charset="0"/>
+                <a:cs typeface="Tahoma" panose="020B0604030504040204" pitchFamily="34" charset="0"/>
+              </a:rPr>
+              <a:t> </a:t>
+            </a:r>
+            <a:r>
+              <a:rPr lang="en-US" dirty="0" err="1">
+                <a:solidFill>
+                  <a:schemeClr val="tx1"/>
+                </a:solidFill>
+                <a:latin typeface="Tahoma" panose="020B0604030504040204" pitchFamily="34" charset="0"/>
+                <a:ea typeface="Tahoma" panose="020B0604030504040204" pitchFamily="34" charset="0"/>
+                <a:cs typeface="Tahoma" panose="020B0604030504040204" pitchFamily="34" charset="0"/>
+              </a:rPr>
+              <a:t>đa</a:t>
+            </a:r>
+            <a:r>
+              <a:rPr lang="en-US" dirty="0">
+                <a:solidFill>
+                  <a:schemeClr val="tx1"/>
+                </a:solidFill>
+                <a:latin typeface="Tahoma" panose="020B0604030504040204" pitchFamily="34" charset="0"/>
+                <a:ea typeface="Tahoma" panose="020B0604030504040204" pitchFamily="34" charset="0"/>
+                <a:cs typeface="Tahoma" panose="020B0604030504040204" pitchFamily="34" charset="0"/>
+              </a:rPr>
+              <a:t> </a:t>
+            </a:r>
+            <a:r>
+              <a:rPr lang="en-US" dirty="0" err="1">
+                <a:solidFill>
+                  <a:schemeClr val="tx1"/>
+                </a:solidFill>
+                <a:latin typeface="Tahoma" panose="020B0604030504040204" pitchFamily="34" charset="0"/>
+                <a:ea typeface="Tahoma" panose="020B0604030504040204" pitchFamily="34" charset="0"/>
+                <a:cs typeface="Tahoma" panose="020B0604030504040204" pitchFamily="34" charset="0"/>
+              </a:rPr>
+              <a:t>biến</a:t>
+            </a:r>
+            <a:r>
+              <a:rPr lang="en-US" dirty="0">
+                <a:solidFill>
+                  <a:schemeClr val="tx1"/>
+                </a:solidFill>
+                <a:latin typeface="Tahoma" panose="020B0604030504040204" pitchFamily="34" charset="0"/>
+                <a:ea typeface="Tahoma" panose="020B0604030504040204" pitchFamily="34" charset="0"/>
+                <a:cs typeface="Tahoma" panose="020B0604030504040204" pitchFamily="34" charset="0"/>
+              </a:rPr>
+              <a:t> (multiple regression)</a:t>
+            </a:r>
+          </a:p>
+          <a:p>
+            <a:pPr marL="0" indent="0">
+              <a:buNone/>
+            </a:pPr>
+            <a:r>
+              <a:rPr lang="vi-VN" dirty="0">
+                <a:solidFill>
+                  <a:schemeClr val="tx1"/>
+                </a:solidFill>
+                <a:latin typeface="Tahoma" panose="020B0604030504040204" pitchFamily="34" charset="0"/>
+                <a:ea typeface="Tahoma" panose="020B0604030504040204" pitchFamily="34" charset="0"/>
+                <a:cs typeface="Tahoma" panose="020B0604030504040204" pitchFamily="34" charset="0"/>
+              </a:rPr>
+              <a:t>Ví dụ</a:t>
+            </a:r>
+            <a:r>
+              <a:rPr lang="en-US" dirty="0">
+                <a:solidFill>
+                  <a:schemeClr val="tx1"/>
+                </a:solidFill>
+                <a:latin typeface="Tahoma" panose="020B0604030504040204" pitchFamily="34" charset="0"/>
+                <a:ea typeface="Tahoma" panose="020B0604030504040204" pitchFamily="34" charset="0"/>
+                <a:cs typeface="Tahoma" panose="020B0604030504040204" pitchFamily="34" charset="0"/>
+              </a:rPr>
+              <a:t> 2</a:t>
+            </a:r>
+            <a:r>
+              <a:rPr lang="vi-VN" dirty="0">
+                <a:solidFill>
+                  <a:schemeClr val="tx1"/>
+                </a:solidFill>
+                <a:latin typeface="Tahoma" panose="020B0604030504040204" pitchFamily="34" charset="0"/>
+                <a:ea typeface="Tahoma" panose="020B0604030504040204" pitchFamily="34" charset="0"/>
+                <a:cs typeface="Tahoma" panose="020B0604030504040204" pitchFamily="34" charset="0"/>
+              </a:rPr>
+              <a:t>: </a:t>
+            </a:r>
+            <a:r>
+              <a:rPr lang="en-US" dirty="0" err="1">
+                <a:solidFill>
+                  <a:schemeClr val="tx1"/>
+                </a:solidFill>
+                <a:latin typeface="Tahoma" panose="020B0604030504040204" pitchFamily="34" charset="0"/>
+                <a:ea typeface="Tahoma" panose="020B0604030504040204" pitchFamily="34" charset="0"/>
+                <a:cs typeface="Tahoma" panose="020B0604030504040204" pitchFamily="34" charset="0"/>
+              </a:rPr>
+              <a:t>Mức</a:t>
+            </a:r>
+            <a:r>
+              <a:rPr lang="en-US" dirty="0">
+                <a:solidFill>
+                  <a:schemeClr val="tx1"/>
+                </a:solidFill>
+                <a:latin typeface="Tahoma" panose="020B0604030504040204" pitchFamily="34" charset="0"/>
+                <a:ea typeface="Tahoma" panose="020B0604030504040204" pitchFamily="34" charset="0"/>
+                <a:cs typeface="Tahoma" panose="020B0604030504040204" pitchFamily="34" charset="0"/>
+              </a:rPr>
+              <a:t> chi </a:t>
+            </a:r>
+            <a:r>
+              <a:rPr lang="en-US" dirty="0" err="1">
+                <a:solidFill>
+                  <a:schemeClr val="tx1"/>
+                </a:solidFill>
+                <a:latin typeface="Tahoma" panose="020B0604030504040204" pitchFamily="34" charset="0"/>
+                <a:ea typeface="Tahoma" panose="020B0604030504040204" pitchFamily="34" charset="0"/>
+                <a:cs typeface="Tahoma" panose="020B0604030504040204" pitchFamily="34" charset="0"/>
+              </a:rPr>
+              <a:t>tiêu</a:t>
+            </a:r>
+            <a:r>
+              <a:rPr lang="en-US" dirty="0">
+                <a:solidFill>
+                  <a:schemeClr val="tx1"/>
+                </a:solidFill>
+                <a:latin typeface="Tahoma" panose="020B0604030504040204" pitchFamily="34" charset="0"/>
+                <a:ea typeface="Tahoma" panose="020B0604030504040204" pitchFamily="34" charset="0"/>
+                <a:cs typeface="Tahoma" panose="020B0604030504040204" pitchFamily="34" charset="0"/>
+              </a:rPr>
+              <a:t> </a:t>
+            </a:r>
+            <a:r>
+              <a:rPr lang="en-US" dirty="0" err="1">
+                <a:solidFill>
+                  <a:schemeClr val="tx1"/>
+                </a:solidFill>
+                <a:latin typeface="Tahoma" panose="020B0604030504040204" pitchFamily="34" charset="0"/>
+                <a:ea typeface="Tahoma" panose="020B0604030504040204" pitchFamily="34" charset="0"/>
+                <a:cs typeface="Tahoma" panose="020B0604030504040204" pitchFamily="34" charset="0"/>
+              </a:rPr>
+              <a:t>hộ</a:t>
+            </a:r>
+            <a:r>
+              <a:rPr lang="en-US" dirty="0">
+                <a:solidFill>
+                  <a:schemeClr val="tx1"/>
+                </a:solidFill>
+                <a:latin typeface="Tahoma" panose="020B0604030504040204" pitchFamily="34" charset="0"/>
+                <a:ea typeface="Tahoma" panose="020B0604030504040204" pitchFamily="34" charset="0"/>
+                <a:cs typeface="Tahoma" panose="020B0604030504040204" pitchFamily="34" charset="0"/>
+              </a:rPr>
+              <a:t> </a:t>
+            </a:r>
+            <a:r>
+              <a:rPr lang="en-US" dirty="0" err="1">
+                <a:solidFill>
+                  <a:schemeClr val="tx1"/>
+                </a:solidFill>
+                <a:latin typeface="Tahoma" panose="020B0604030504040204" pitchFamily="34" charset="0"/>
+                <a:ea typeface="Tahoma" panose="020B0604030504040204" pitchFamily="34" charset="0"/>
+                <a:cs typeface="Tahoma" panose="020B0604030504040204" pitchFamily="34" charset="0"/>
+              </a:rPr>
+              <a:t>gia</a:t>
+            </a:r>
+            <a:r>
+              <a:rPr lang="en-US" dirty="0">
+                <a:solidFill>
+                  <a:schemeClr val="tx1"/>
+                </a:solidFill>
+                <a:latin typeface="Tahoma" panose="020B0604030504040204" pitchFamily="34" charset="0"/>
+                <a:ea typeface="Tahoma" panose="020B0604030504040204" pitchFamily="34" charset="0"/>
+                <a:cs typeface="Tahoma" panose="020B0604030504040204" pitchFamily="34" charset="0"/>
+              </a:rPr>
+              <a:t> </a:t>
+            </a:r>
+            <a:r>
+              <a:rPr lang="en-US" dirty="0" err="1">
+                <a:solidFill>
+                  <a:schemeClr val="tx1"/>
+                </a:solidFill>
+                <a:latin typeface="Tahoma" panose="020B0604030504040204" pitchFamily="34" charset="0"/>
+                <a:ea typeface="Tahoma" panose="020B0604030504040204" pitchFamily="34" charset="0"/>
+                <a:cs typeface="Tahoma" panose="020B0604030504040204" pitchFamily="34" charset="0"/>
+              </a:rPr>
+              <a:t>đình</a:t>
+            </a:r>
+            <a:r>
+              <a:rPr lang="en-US" dirty="0">
+                <a:solidFill>
+                  <a:schemeClr val="tx1"/>
+                </a:solidFill>
+                <a:latin typeface="Tahoma" panose="020B0604030504040204" pitchFamily="34" charset="0"/>
+                <a:ea typeface="Tahoma" panose="020B0604030504040204" pitchFamily="34" charset="0"/>
+                <a:cs typeface="Tahoma" panose="020B0604030504040204" pitchFamily="34" charset="0"/>
+              </a:rPr>
+              <a:t> = f (Thu </a:t>
+            </a:r>
+            <a:r>
+              <a:rPr lang="en-US" dirty="0" err="1">
+                <a:solidFill>
+                  <a:schemeClr val="tx1"/>
+                </a:solidFill>
+                <a:latin typeface="Tahoma" panose="020B0604030504040204" pitchFamily="34" charset="0"/>
+                <a:ea typeface="Tahoma" panose="020B0604030504040204" pitchFamily="34" charset="0"/>
+                <a:cs typeface="Tahoma" panose="020B0604030504040204" pitchFamily="34" charset="0"/>
+              </a:rPr>
+              <a:t>nhập</a:t>
+            </a:r>
+            <a:r>
+              <a:rPr lang="en-US" dirty="0">
+                <a:solidFill>
+                  <a:schemeClr val="tx1"/>
+                </a:solidFill>
+                <a:latin typeface="Tahoma" panose="020B0604030504040204" pitchFamily="34" charset="0"/>
+                <a:ea typeface="Tahoma" panose="020B0604030504040204" pitchFamily="34" charset="0"/>
+                <a:cs typeface="Tahoma" panose="020B0604030504040204" pitchFamily="34" charset="0"/>
+              </a:rPr>
+              <a:t>, </a:t>
+            </a:r>
+            <a:r>
+              <a:rPr lang="en-US" dirty="0" err="1">
+                <a:solidFill>
+                  <a:schemeClr val="tx1"/>
+                </a:solidFill>
+                <a:latin typeface="Tahoma" panose="020B0604030504040204" pitchFamily="34" charset="0"/>
+                <a:ea typeface="Tahoma" panose="020B0604030504040204" pitchFamily="34" charset="0"/>
+                <a:cs typeface="Tahoma" panose="020B0604030504040204" pitchFamily="34" charset="0"/>
+              </a:rPr>
+              <a:t>Địa</a:t>
+            </a:r>
+            <a:r>
+              <a:rPr lang="en-US" dirty="0">
+                <a:solidFill>
+                  <a:schemeClr val="tx1"/>
+                </a:solidFill>
+                <a:latin typeface="Tahoma" panose="020B0604030504040204" pitchFamily="34" charset="0"/>
+                <a:ea typeface="Tahoma" panose="020B0604030504040204" pitchFamily="34" charset="0"/>
+                <a:cs typeface="Tahoma" panose="020B0604030504040204" pitchFamily="34" charset="0"/>
+              </a:rPr>
+              <a:t> </a:t>
+            </a:r>
+            <a:r>
+              <a:rPr lang="en-US" dirty="0" err="1">
+                <a:solidFill>
+                  <a:schemeClr val="tx1"/>
+                </a:solidFill>
+                <a:latin typeface="Tahoma" panose="020B0604030504040204" pitchFamily="34" charset="0"/>
+                <a:ea typeface="Tahoma" panose="020B0604030504040204" pitchFamily="34" charset="0"/>
+                <a:cs typeface="Tahoma" panose="020B0604030504040204" pitchFamily="34" charset="0"/>
+              </a:rPr>
+              <a:t>điểm</a:t>
+            </a:r>
+            <a:r>
+              <a:rPr lang="en-US" dirty="0">
+                <a:solidFill>
+                  <a:schemeClr val="tx1"/>
+                </a:solidFill>
+                <a:latin typeface="Tahoma" panose="020B0604030504040204" pitchFamily="34" charset="0"/>
+                <a:ea typeface="Tahoma" panose="020B0604030504040204" pitchFamily="34" charset="0"/>
+                <a:cs typeface="Tahoma" panose="020B0604030504040204" pitchFamily="34" charset="0"/>
+              </a:rPr>
+              <a:t>, </a:t>
+            </a:r>
+            <a:r>
+              <a:rPr lang="en-US" dirty="0" err="1">
+                <a:solidFill>
+                  <a:schemeClr val="tx1"/>
+                </a:solidFill>
+                <a:latin typeface="Tahoma" panose="020B0604030504040204" pitchFamily="34" charset="0"/>
+                <a:ea typeface="Tahoma" panose="020B0604030504040204" pitchFamily="34" charset="0"/>
+                <a:cs typeface="Tahoma" panose="020B0604030504040204" pitchFamily="34" charset="0"/>
+              </a:rPr>
+              <a:t>Số</a:t>
+            </a:r>
+            <a:r>
+              <a:rPr lang="en-US" dirty="0">
+                <a:solidFill>
+                  <a:schemeClr val="tx1"/>
+                </a:solidFill>
+                <a:latin typeface="Tahoma" panose="020B0604030504040204" pitchFamily="34" charset="0"/>
+                <a:ea typeface="Tahoma" panose="020B0604030504040204" pitchFamily="34" charset="0"/>
+                <a:cs typeface="Tahoma" panose="020B0604030504040204" pitchFamily="34" charset="0"/>
+              </a:rPr>
+              <a:t> </a:t>
+            </a:r>
+            <a:r>
+              <a:rPr lang="en-US" dirty="0" err="1">
+                <a:solidFill>
+                  <a:schemeClr val="tx1"/>
+                </a:solidFill>
+                <a:latin typeface="Tahoma" panose="020B0604030504040204" pitchFamily="34" charset="0"/>
+                <a:ea typeface="Tahoma" panose="020B0604030504040204" pitchFamily="34" charset="0"/>
+                <a:cs typeface="Tahoma" panose="020B0604030504040204" pitchFamily="34" charset="0"/>
+              </a:rPr>
+              <a:t>thành</a:t>
+            </a:r>
+            <a:r>
+              <a:rPr lang="en-US" dirty="0">
+                <a:solidFill>
+                  <a:schemeClr val="tx1"/>
+                </a:solidFill>
+                <a:latin typeface="Tahoma" panose="020B0604030504040204" pitchFamily="34" charset="0"/>
+                <a:ea typeface="Tahoma" panose="020B0604030504040204" pitchFamily="34" charset="0"/>
+                <a:cs typeface="Tahoma" panose="020B0604030504040204" pitchFamily="34" charset="0"/>
+              </a:rPr>
+              <a:t> viên)</a:t>
+            </a:r>
+          </a:p>
+          <a:p>
+            <a:pPr lvl="2">
+              <a:buFont typeface="Wingdings" panose="05000000000000000000" pitchFamily="2" charset="2"/>
+              <a:buChar char="Ø"/>
+            </a:pPr>
+            <a:r>
+              <a:rPr lang="vi-VN" sz="2000" dirty="0">
+                <a:solidFill>
+                  <a:schemeClr val="tx1"/>
+                </a:solidFill>
+                <a:latin typeface="Tahoma" panose="020B0604030504040204" pitchFamily="34" charset="0"/>
+                <a:ea typeface="Tahoma" panose="020B0604030504040204" pitchFamily="34" charset="0"/>
+                <a:cs typeface="Tahoma" panose="020B0604030504040204" pitchFamily="34" charset="0"/>
+              </a:rPr>
+              <a:t>Thu nhập ảnh hưởng đến chi tiêu</a:t>
+            </a:r>
+            <a:r>
+              <a:rPr lang="en-US" sz="2000" dirty="0">
+                <a:solidFill>
+                  <a:schemeClr val="tx1"/>
+                </a:solidFill>
+                <a:latin typeface="Tahoma" panose="020B0604030504040204" pitchFamily="34" charset="0"/>
+                <a:ea typeface="Tahoma" panose="020B0604030504040204" pitchFamily="34" charset="0"/>
+                <a:cs typeface="Tahoma" panose="020B0604030504040204" pitchFamily="34" charset="0"/>
+              </a:rPr>
+              <a:t>.</a:t>
+            </a:r>
+          </a:p>
+          <a:p>
+            <a:pPr lvl="2">
+              <a:buFont typeface="Wingdings" panose="05000000000000000000" pitchFamily="2" charset="2"/>
+              <a:buChar char="Ø"/>
+            </a:pPr>
+            <a:r>
+              <a:rPr lang="vi-VN" sz="2000" dirty="0">
+                <a:solidFill>
+                  <a:schemeClr val="tx1"/>
+                </a:solidFill>
+                <a:latin typeface="Tahoma" panose="020B0604030504040204" pitchFamily="34" charset="0"/>
+                <a:ea typeface="Tahoma" panose="020B0604030504040204" pitchFamily="34" charset="0"/>
+                <a:cs typeface="Tahoma" panose="020B0604030504040204" pitchFamily="34" charset="0"/>
+              </a:rPr>
+              <a:t>Địa điểm sinh sống ảnh hưởng đến chi tiêu. </a:t>
+            </a:r>
+            <a:endParaRPr lang="en-US" sz="2000" dirty="0">
+              <a:solidFill>
+                <a:schemeClr val="tx1"/>
+              </a:solidFill>
+              <a:latin typeface="Tahoma" panose="020B0604030504040204" pitchFamily="34" charset="0"/>
+              <a:ea typeface="Tahoma" panose="020B0604030504040204" pitchFamily="34" charset="0"/>
+              <a:cs typeface="Tahoma" panose="020B0604030504040204" pitchFamily="34" charset="0"/>
+            </a:endParaRPr>
+          </a:p>
+          <a:p>
+            <a:pPr lvl="2">
+              <a:buFont typeface="Wingdings" panose="05000000000000000000" pitchFamily="2" charset="2"/>
+              <a:buChar char="Ø"/>
+            </a:pPr>
+            <a:r>
+              <a:rPr lang="vi-VN" sz="2000" dirty="0">
+                <a:solidFill>
+                  <a:schemeClr val="tx1"/>
+                </a:solidFill>
+                <a:latin typeface="Tahoma" panose="020B0604030504040204" pitchFamily="34" charset="0"/>
+                <a:ea typeface="Tahoma" panose="020B0604030504040204" pitchFamily="34" charset="0"/>
+                <a:cs typeface="Tahoma" panose="020B0604030504040204" pitchFamily="34" charset="0"/>
+              </a:rPr>
+              <a:t>Số thành viên gia đình ảnh hưởng đến chi tiêu. </a:t>
+            </a:r>
+            <a:endParaRPr lang="en-US" sz="2000" dirty="0">
+              <a:solidFill>
+                <a:schemeClr val="tx1"/>
+              </a:solidFill>
+              <a:latin typeface="Tahoma" panose="020B0604030504040204" pitchFamily="34" charset="0"/>
+              <a:ea typeface="Tahoma" panose="020B0604030504040204" pitchFamily="34" charset="0"/>
+              <a:cs typeface="Tahoma" panose="020B0604030504040204" pitchFamily="34" charset="0"/>
+            </a:endParaRPr>
+          </a:p>
+          <a:p>
+            <a:pPr marL="914400" lvl="2" indent="0">
+              <a:buNone/>
+            </a:pPr>
+            <a:r>
+              <a:rPr lang="en-US" sz="2000" dirty="0" err="1">
+                <a:solidFill>
+                  <a:schemeClr val="tx1"/>
+                </a:solidFill>
+                <a:latin typeface="Tahoma" panose="020B0604030504040204" pitchFamily="34" charset="0"/>
+                <a:ea typeface="Tahoma" panose="020B0604030504040204" pitchFamily="34" charset="0"/>
+                <a:cs typeface="Tahoma" panose="020B0604030504040204" pitchFamily="34" charset="0"/>
+              </a:rPr>
+              <a:t>Dự</a:t>
+            </a:r>
+            <a:r>
+              <a:rPr lang="en-US" sz="2000" dirty="0">
+                <a:solidFill>
+                  <a:schemeClr val="tx1"/>
+                </a:solidFill>
+                <a:latin typeface="Tahoma" panose="020B0604030504040204" pitchFamily="34" charset="0"/>
+                <a:ea typeface="Tahoma" panose="020B0604030504040204" pitchFamily="34" charset="0"/>
+                <a:cs typeface="Tahoma" panose="020B0604030504040204" pitchFamily="34" charset="0"/>
+              </a:rPr>
+              <a:t> </a:t>
+            </a:r>
+            <a:r>
+              <a:rPr lang="en-US" sz="2000" dirty="0" err="1">
+                <a:solidFill>
+                  <a:schemeClr val="tx1"/>
+                </a:solidFill>
+                <a:latin typeface="Tahoma" panose="020B0604030504040204" pitchFamily="34" charset="0"/>
+                <a:ea typeface="Tahoma" panose="020B0604030504040204" pitchFamily="34" charset="0"/>
+                <a:cs typeface="Tahoma" panose="020B0604030504040204" pitchFamily="34" charset="0"/>
+              </a:rPr>
+              <a:t>đoán</a:t>
+            </a:r>
+            <a:r>
+              <a:rPr lang="en-US" sz="2000" dirty="0">
+                <a:solidFill>
+                  <a:schemeClr val="tx1"/>
+                </a:solidFill>
+                <a:latin typeface="Tahoma" panose="020B0604030504040204" pitchFamily="34" charset="0"/>
+                <a:ea typeface="Tahoma" panose="020B0604030504040204" pitchFamily="34" charset="0"/>
+                <a:cs typeface="Tahoma" panose="020B0604030504040204" pitchFamily="34" charset="0"/>
+              </a:rPr>
+              <a:t> </a:t>
+            </a:r>
+            <a:r>
+              <a:rPr lang="en-US" sz="2000" dirty="0" err="1">
+                <a:solidFill>
+                  <a:schemeClr val="tx1"/>
+                </a:solidFill>
+                <a:latin typeface="Tahoma" panose="020B0604030504040204" pitchFamily="34" charset="0"/>
+                <a:ea typeface="Tahoma" panose="020B0604030504040204" pitchFamily="34" charset="0"/>
+                <a:cs typeface="Tahoma" panose="020B0604030504040204" pitchFamily="34" charset="0"/>
+              </a:rPr>
+              <a:t>mức</a:t>
+            </a:r>
+            <a:r>
+              <a:rPr lang="en-US" sz="2000" dirty="0">
+                <a:solidFill>
+                  <a:schemeClr val="tx1"/>
+                </a:solidFill>
+                <a:latin typeface="Tahoma" panose="020B0604030504040204" pitchFamily="34" charset="0"/>
+                <a:ea typeface="Tahoma" panose="020B0604030504040204" pitchFamily="34" charset="0"/>
+                <a:cs typeface="Tahoma" panose="020B0604030504040204" pitchFamily="34" charset="0"/>
+              </a:rPr>
+              <a:t> </a:t>
+            </a:r>
+            <a:r>
+              <a:rPr lang="en-US" sz="2000" dirty="0" err="1">
+                <a:solidFill>
+                  <a:schemeClr val="tx1"/>
+                </a:solidFill>
+                <a:latin typeface="Tahoma" panose="020B0604030504040204" pitchFamily="34" charset="0"/>
+                <a:ea typeface="Tahoma" panose="020B0604030504040204" pitchFamily="34" charset="0"/>
+                <a:cs typeface="Tahoma" panose="020B0604030504040204" pitchFamily="34" charset="0"/>
+              </a:rPr>
+              <a:t>độ</a:t>
+            </a:r>
+            <a:r>
+              <a:rPr lang="en-US" sz="2000" dirty="0">
+                <a:solidFill>
+                  <a:schemeClr val="tx1"/>
+                </a:solidFill>
+                <a:latin typeface="Tahoma" panose="020B0604030504040204" pitchFamily="34" charset="0"/>
+                <a:ea typeface="Tahoma" panose="020B0604030504040204" pitchFamily="34" charset="0"/>
+                <a:cs typeface="Tahoma" panose="020B0604030504040204" pitchFamily="34" charset="0"/>
+              </a:rPr>
+              <a:t> chi </a:t>
+            </a:r>
+            <a:r>
+              <a:rPr lang="en-US" sz="2000" dirty="0" err="1">
+                <a:solidFill>
+                  <a:schemeClr val="tx1"/>
+                </a:solidFill>
+                <a:latin typeface="Tahoma" panose="020B0604030504040204" pitchFamily="34" charset="0"/>
+                <a:ea typeface="Tahoma" panose="020B0604030504040204" pitchFamily="34" charset="0"/>
+                <a:cs typeface="Tahoma" panose="020B0604030504040204" pitchFamily="34" charset="0"/>
+              </a:rPr>
+              <a:t>tiêu</a:t>
+            </a:r>
+            <a:r>
+              <a:rPr lang="en-US" sz="2000" dirty="0">
+                <a:solidFill>
+                  <a:schemeClr val="tx1"/>
+                </a:solidFill>
+                <a:latin typeface="Tahoma" panose="020B0604030504040204" pitchFamily="34" charset="0"/>
+                <a:ea typeface="Tahoma" panose="020B0604030504040204" pitchFamily="34" charset="0"/>
+                <a:cs typeface="Tahoma" panose="020B0604030504040204" pitchFamily="34" charset="0"/>
+              </a:rPr>
+              <a:t> </a:t>
+            </a:r>
+            <a:r>
+              <a:rPr lang="en-US" sz="2000" dirty="0" err="1">
+                <a:solidFill>
+                  <a:schemeClr val="tx1"/>
+                </a:solidFill>
+                <a:latin typeface="Tahoma" panose="020B0604030504040204" pitchFamily="34" charset="0"/>
+                <a:ea typeface="Tahoma" panose="020B0604030504040204" pitchFamily="34" charset="0"/>
+                <a:cs typeface="Tahoma" panose="020B0604030504040204" pitchFamily="34" charset="0"/>
+              </a:rPr>
+              <a:t>của</a:t>
+            </a:r>
+            <a:r>
+              <a:rPr lang="en-US" sz="2000" dirty="0">
+                <a:solidFill>
+                  <a:schemeClr val="tx1"/>
+                </a:solidFill>
+                <a:latin typeface="Tahoma" panose="020B0604030504040204" pitchFamily="34" charset="0"/>
+                <a:ea typeface="Tahoma" panose="020B0604030504040204" pitchFamily="34" charset="0"/>
+                <a:cs typeface="Tahoma" panose="020B0604030504040204" pitchFamily="34" charset="0"/>
+              </a:rPr>
+              <a:t> </a:t>
+            </a:r>
+            <a:r>
+              <a:rPr lang="en-US" sz="2000" dirty="0" err="1">
+                <a:solidFill>
+                  <a:schemeClr val="tx1"/>
+                </a:solidFill>
+                <a:latin typeface="Tahoma" panose="020B0604030504040204" pitchFamily="34" charset="0"/>
+                <a:ea typeface="Tahoma" panose="020B0604030504040204" pitchFamily="34" charset="0"/>
+                <a:cs typeface="Tahoma" panose="020B0604030504040204" pitchFamily="34" charset="0"/>
+              </a:rPr>
+              <a:t>một</a:t>
+            </a:r>
+            <a:r>
+              <a:rPr lang="en-US" sz="2000" dirty="0">
+                <a:solidFill>
+                  <a:schemeClr val="tx1"/>
+                </a:solidFill>
+                <a:latin typeface="Tahoma" panose="020B0604030504040204" pitchFamily="34" charset="0"/>
+                <a:ea typeface="Tahoma" panose="020B0604030504040204" pitchFamily="34" charset="0"/>
+                <a:cs typeface="Tahoma" panose="020B0604030504040204" pitchFamily="34" charset="0"/>
+              </a:rPr>
+              <a:t> </a:t>
+            </a:r>
+            <a:r>
+              <a:rPr lang="en-US" sz="2000" dirty="0" err="1">
+                <a:solidFill>
+                  <a:schemeClr val="tx1"/>
+                </a:solidFill>
+                <a:latin typeface="Tahoma" panose="020B0604030504040204" pitchFamily="34" charset="0"/>
+                <a:ea typeface="Tahoma" panose="020B0604030504040204" pitchFamily="34" charset="0"/>
+                <a:cs typeface="Tahoma" panose="020B0604030504040204" pitchFamily="34" charset="0"/>
+              </a:rPr>
+              <a:t>hộ</a:t>
+            </a:r>
+            <a:r>
+              <a:rPr lang="en-US" sz="2000" dirty="0">
+                <a:solidFill>
+                  <a:schemeClr val="tx1"/>
+                </a:solidFill>
+                <a:latin typeface="Tahoma" panose="020B0604030504040204" pitchFamily="34" charset="0"/>
+                <a:ea typeface="Tahoma" panose="020B0604030504040204" pitchFamily="34" charset="0"/>
+                <a:cs typeface="Tahoma" panose="020B0604030504040204" pitchFamily="34" charset="0"/>
+              </a:rPr>
+              <a:t> </a:t>
+            </a:r>
+            <a:r>
+              <a:rPr lang="en-US" sz="2000" dirty="0" err="1">
+                <a:solidFill>
+                  <a:schemeClr val="tx1"/>
+                </a:solidFill>
+                <a:latin typeface="Tahoma" panose="020B0604030504040204" pitchFamily="34" charset="0"/>
+                <a:ea typeface="Tahoma" panose="020B0604030504040204" pitchFamily="34" charset="0"/>
+                <a:cs typeface="Tahoma" panose="020B0604030504040204" pitchFamily="34" charset="0"/>
+              </a:rPr>
+              <a:t>gia</a:t>
+            </a:r>
+            <a:r>
+              <a:rPr lang="en-US" sz="2000" dirty="0">
+                <a:solidFill>
+                  <a:schemeClr val="tx1"/>
+                </a:solidFill>
+                <a:latin typeface="Tahoma" panose="020B0604030504040204" pitchFamily="34" charset="0"/>
+                <a:ea typeface="Tahoma" panose="020B0604030504040204" pitchFamily="34" charset="0"/>
+                <a:cs typeface="Tahoma" panose="020B0604030504040204" pitchFamily="34" charset="0"/>
+              </a:rPr>
+              <a:t> </a:t>
+            </a:r>
+            <a:r>
+              <a:rPr lang="en-US" sz="2000" dirty="0" err="1">
+                <a:solidFill>
+                  <a:schemeClr val="tx1"/>
+                </a:solidFill>
+                <a:latin typeface="Tahoma" panose="020B0604030504040204" pitchFamily="34" charset="0"/>
+                <a:ea typeface="Tahoma" panose="020B0604030504040204" pitchFamily="34" charset="0"/>
+                <a:cs typeface="Tahoma" panose="020B0604030504040204" pitchFamily="34" charset="0"/>
+              </a:rPr>
+              <a:t>đình</a:t>
+            </a:r>
+            <a:r>
+              <a:rPr lang="en-US" sz="2000" dirty="0">
+                <a:solidFill>
+                  <a:schemeClr val="tx1"/>
+                </a:solidFill>
+                <a:latin typeface="Tahoma" panose="020B0604030504040204" pitchFamily="34" charset="0"/>
+                <a:ea typeface="Tahoma" panose="020B0604030504040204" pitchFamily="34" charset="0"/>
+                <a:cs typeface="Tahoma" panose="020B0604030504040204" pitchFamily="34" charset="0"/>
+              </a:rPr>
+              <a:t> </a:t>
+            </a:r>
+            <a:r>
+              <a:rPr lang="en-US" sz="2000" dirty="0" err="1">
+                <a:solidFill>
+                  <a:schemeClr val="tx1"/>
+                </a:solidFill>
+                <a:latin typeface="Tahoma" panose="020B0604030504040204" pitchFamily="34" charset="0"/>
+                <a:ea typeface="Tahoma" panose="020B0604030504040204" pitchFamily="34" charset="0"/>
+                <a:cs typeface="Tahoma" panose="020B0604030504040204" pitchFamily="34" charset="0"/>
+              </a:rPr>
+              <a:t>mới</a:t>
+            </a:r>
+            <a:r>
+              <a:rPr lang="en-US" sz="2000" dirty="0">
+                <a:solidFill>
+                  <a:schemeClr val="tx1"/>
+                </a:solidFill>
+                <a:latin typeface="Tahoma" panose="020B0604030504040204" pitchFamily="34" charset="0"/>
+                <a:ea typeface="Tahoma" panose="020B0604030504040204" pitchFamily="34" charset="0"/>
+                <a:cs typeface="Tahoma" panose="020B0604030504040204" pitchFamily="34" charset="0"/>
+              </a:rPr>
+              <a:t> </a:t>
+            </a:r>
+            <a:r>
+              <a:rPr lang="en-US" sz="2000" dirty="0" err="1">
+                <a:solidFill>
+                  <a:schemeClr val="tx1"/>
+                </a:solidFill>
+                <a:latin typeface="Tahoma" panose="020B0604030504040204" pitchFamily="34" charset="0"/>
+                <a:ea typeface="Tahoma" panose="020B0604030504040204" pitchFamily="34" charset="0"/>
+                <a:cs typeface="Tahoma" panose="020B0604030504040204" pitchFamily="34" charset="0"/>
+              </a:rPr>
+              <a:t>chuyển</a:t>
+            </a:r>
+            <a:r>
+              <a:rPr lang="en-US" sz="2000" dirty="0">
+                <a:solidFill>
+                  <a:schemeClr val="tx1"/>
+                </a:solidFill>
+                <a:latin typeface="Tahoma" panose="020B0604030504040204" pitchFamily="34" charset="0"/>
+                <a:ea typeface="Tahoma" panose="020B0604030504040204" pitchFamily="34" charset="0"/>
+                <a:cs typeface="Tahoma" panose="020B0604030504040204" pitchFamily="34" charset="0"/>
+              </a:rPr>
+              <a:t> đến </a:t>
+            </a:r>
+            <a:r>
+              <a:rPr lang="en-US" sz="2000" dirty="0" err="1">
+                <a:solidFill>
+                  <a:schemeClr val="tx1"/>
+                </a:solidFill>
+                <a:latin typeface="Tahoma" panose="020B0604030504040204" pitchFamily="34" charset="0"/>
+                <a:ea typeface="Tahoma" panose="020B0604030504040204" pitchFamily="34" charset="0"/>
+                <a:cs typeface="Tahoma" panose="020B0604030504040204" pitchFamily="34" charset="0"/>
+              </a:rPr>
+              <a:t>sống</a:t>
+            </a:r>
+            <a:r>
+              <a:rPr lang="en-US" sz="2000" dirty="0">
+                <a:solidFill>
+                  <a:schemeClr val="tx1"/>
+                </a:solidFill>
+                <a:latin typeface="Tahoma" panose="020B0604030504040204" pitchFamily="34" charset="0"/>
+                <a:ea typeface="Tahoma" panose="020B0604030504040204" pitchFamily="34" charset="0"/>
+                <a:cs typeface="Tahoma" panose="020B0604030504040204" pitchFamily="34" charset="0"/>
+              </a:rPr>
+              <a:t>?</a:t>
+            </a:r>
+          </a:p>
+        </p:txBody>
+      </p:sp>
+      <p:sp>
+        <p:nvSpPr>
+          <p:cNvPr id="4" name="Content Placeholder 2">
+            <a:extLst>
+              <a:ext uri="{FF2B5EF4-FFF2-40B4-BE49-F238E27FC236}">
+                <a16:creationId xmlns:a16="http://schemas.microsoft.com/office/drawing/2014/main" id="{DA0123CE-1770-249E-2066-A1E92BBA02CA}"/>
+              </a:ext>
+            </a:extLst>
+          </p:cNvPr>
+          <p:cNvSpPr txBox="1">
+            <a:spLocks/>
+          </p:cNvSpPr>
+          <p:nvPr/>
+        </p:nvSpPr>
+        <p:spPr>
+          <a:xfrm>
+            <a:off x="817377" y="1131903"/>
+            <a:ext cx="10022258" cy="2376996"/>
+          </a:xfrm>
+          <a:prstGeom prst="rect">
+            <a:avLst/>
+          </a:prstGeom>
+        </p:spPr>
+        <p:txBody>
+          <a:bodyPr vert="horz" lIns="91440" tIns="45720" rIns="91440" bIns="45720" rtlCol="0" anchor="ctr">
+            <a:normAutofit/>
+          </a:bodyPr>
+          <a:lstStyle>
+            <a:lvl1pPr marL="285750" indent="-285750" algn="l" defTabSz="457200" rtl="0" eaLnBrk="1" latinLnBrk="0" hangingPunct="1">
+              <a:spcBef>
+                <a:spcPct val="20000"/>
+              </a:spcBef>
+              <a:spcAft>
+                <a:spcPts val="600"/>
+              </a:spcAft>
+              <a:buClr>
+                <a:schemeClr val="tx1"/>
+              </a:buClr>
+              <a:buSzPct val="80000"/>
+              <a:buFont typeface="Wingdings 3" panose="05040102010807070707" pitchFamily="18" charset="2"/>
+              <a:buChar char=""/>
+              <a:defRPr sz="2000" kern="1200" cap="none">
+                <a:solidFill>
+                  <a:schemeClr val="bg2">
+                    <a:lumMod val="75000"/>
+                  </a:schemeClr>
+                </a:solidFill>
+                <a:effectLst/>
+                <a:latin typeface="+mn-lt"/>
+                <a:ea typeface="+mn-ea"/>
+                <a:cs typeface="+mn-cs"/>
+              </a:defRPr>
+            </a:lvl1pPr>
+            <a:lvl2pPr marL="742950" indent="-285750" algn="l" defTabSz="457200" rtl="0" eaLnBrk="1" latinLnBrk="0" hangingPunct="1">
+              <a:spcBef>
+                <a:spcPct val="20000"/>
+              </a:spcBef>
+              <a:spcAft>
+                <a:spcPts val="600"/>
+              </a:spcAft>
+              <a:buClr>
+                <a:schemeClr val="tx1"/>
+              </a:buClr>
+              <a:buSzPct val="80000"/>
+              <a:buFont typeface="Wingdings 3" panose="05040102010807070707" pitchFamily="18" charset="2"/>
+              <a:buChar char=""/>
+              <a:defRPr sz="1800" kern="1200" cap="none">
+                <a:solidFill>
+                  <a:schemeClr val="bg2">
+                    <a:lumMod val="75000"/>
+                  </a:schemeClr>
+                </a:solidFill>
+                <a:effectLst/>
+                <a:latin typeface="+mn-lt"/>
+                <a:ea typeface="+mn-ea"/>
+                <a:cs typeface="+mn-cs"/>
+              </a:defRPr>
+            </a:lvl2pPr>
+            <a:lvl3pPr marL="1200150" indent="-285750" algn="l" defTabSz="457200" rtl="0" eaLnBrk="1" latinLnBrk="0" hangingPunct="1">
+              <a:spcBef>
+                <a:spcPct val="20000"/>
+              </a:spcBef>
+              <a:spcAft>
+                <a:spcPts val="600"/>
+              </a:spcAft>
+              <a:buClr>
+                <a:schemeClr val="tx1"/>
+              </a:buClr>
+              <a:buSzPct val="80000"/>
+              <a:buFont typeface="Wingdings 3" panose="05040102010807070707" pitchFamily="18" charset="2"/>
+              <a:buChar char=""/>
+              <a:defRPr sz="1600" kern="1200" cap="none">
+                <a:solidFill>
+                  <a:schemeClr val="bg2">
+                    <a:lumMod val="75000"/>
+                  </a:schemeClr>
+                </a:solidFill>
+                <a:effectLst/>
+                <a:latin typeface="+mn-lt"/>
+                <a:ea typeface="+mn-ea"/>
+                <a:cs typeface="+mn-cs"/>
+              </a:defRPr>
+            </a:lvl3pPr>
+            <a:lvl4pPr marL="1543050" indent="-171450" algn="l" defTabSz="457200" rtl="0" eaLnBrk="1" latinLnBrk="0" hangingPunct="1">
+              <a:spcBef>
+                <a:spcPct val="20000"/>
+              </a:spcBef>
+              <a:spcAft>
+                <a:spcPts val="600"/>
+              </a:spcAft>
+              <a:buClr>
+                <a:schemeClr val="tx1"/>
+              </a:buClr>
+              <a:buSzPct val="80000"/>
+              <a:buFont typeface="Wingdings 3" panose="05040102010807070707" pitchFamily="18" charset="2"/>
+              <a:buChar char=""/>
+              <a:defRPr sz="1400" kern="1200" cap="none">
+                <a:solidFill>
+                  <a:schemeClr val="bg2">
+                    <a:lumMod val="75000"/>
+                  </a:schemeClr>
+                </a:solidFill>
+                <a:effectLst/>
+                <a:latin typeface="+mn-lt"/>
+                <a:ea typeface="+mn-ea"/>
+                <a:cs typeface="+mn-cs"/>
+              </a:defRPr>
+            </a:lvl4pPr>
+            <a:lvl5pPr marL="2000250" indent="-171450" algn="l" defTabSz="457200" rtl="0" eaLnBrk="1" latinLnBrk="0" hangingPunct="1">
+              <a:spcBef>
+                <a:spcPct val="20000"/>
+              </a:spcBef>
+              <a:spcAft>
+                <a:spcPts val="600"/>
+              </a:spcAft>
+              <a:buClr>
+                <a:schemeClr val="tx1"/>
+              </a:buClr>
+              <a:buSzPct val="80000"/>
+              <a:buFont typeface="Wingdings 3" panose="05040102010807070707" pitchFamily="18" charset="2"/>
+              <a:buChar char=""/>
+              <a:defRPr sz="1400" kern="1200" cap="none">
+                <a:solidFill>
+                  <a:schemeClr val="bg2">
+                    <a:lumMod val="75000"/>
+                  </a:schemeClr>
+                </a:solidFill>
+                <a:effectLst/>
+                <a:latin typeface="+mn-lt"/>
+                <a:ea typeface="+mn-ea"/>
+                <a:cs typeface="+mn-cs"/>
+              </a:defRPr>
+            </a:lvl5pPr>
+            <a:lvl6pPr marL="2514600" indent="-228600" algn="l" defTabSz="457200" rtl="0" eaLnBrk="1" latinLnBrk="0" hangingPunct="1">
+              <a:spcBef>
+                <a:spcPct val="20000"/>
+              </a:spcBef>
+              <a:spcAft>
+                <a:spcPts val="600"/>
+              </a:spcAft>
+              <a:buClr>
+                <a:schemeClr val="tx1"/>
+              </a:buClr>
+              <a:buSzPct val="80000"/>
+              <a:buFont typeface="Wingdings 3" panose="05040102010807070707" pitchFamily="18" charset="2"/>
+              <a:buChar char=""/>
+              <a:defRPr sz="1400" kern="1200" cap="none">
+                <a:solidFill>
+                  <a:schemeClr val="bg2">
+                    <a:lumMod val="75000"/>
+                  </a:schemeClr>
+                </a:solidFill>
+                <a:effectLst/>
+                <a:latin typeface="+mn-lt"/>
+                <a:ea typeface="+mn-ea"/>
+                <a:cs typeface="+mn-cs"/>
+              </a:defRPr>
+            </a:lvl6pPr>
+            <a:lvl7pPr marL="2971800" indent="-228600" algn="l" defTabSz="457200" rtl="0" eaLnBrk="1" latinLnBrk="0" hangingPunct="1">
+              <a:spcBef>
+                <a:spcPct val="20000"/>
+              </a:spcBef>
+              <a:spcAft>
+                <a:spcPts val="600"/>
+              </a:spcAft>
+              <a:buClr>
+                <a:schemeClr val="tx1"/>
+              </a:buClr>
+              <a:buSzPct val="80000"/>
+              <a:buFont typeface="Wingdings 3" panose="05040102010807070707" pitchFamily="18" charset="2"/>
+              <a:buChar char=""/>
+              <a:defRPr sz="1400" kern="1200" cap="none">
+                <a:solidFill>
+                  <a:schemeClr val="bg2">
+                    <a:lumMod val="75000"/>
+                  </a:schemeClr>
+                </a:solidFill>
+                <a:effectLst/>
+                <a:latin typeface="+mn-lt"/>
+                <a:ea typeface="+mn-ea"/>
+                <a:cs typeface="+mn-cs"/>
+              </a:defRPr>
+            </a:lvl7pPr>
+            <a:lvl8pPr marL="3429000" indent="-228600" algn="l" defTabSz="457200" rtl="0" eaLnBrk="1" latinLnBrk="0" hangingPunct="1">
+              <a:spcBef>
+                <a:spcPct val="20000"/>
+              </a:spcBef>
+              <a:spcAft>
+                <a:spcPts val="600"/>
+              </a:spcAft>
+              <a:buClr>
+                <a:schemeClr val="tx1"/>
+              </a:buClr>
+              <a:buSzPct val="80000"/>
+              <a:buFont typeface="Wingdings 3" panose="05040102010807070707" pitchFamily="18" charset="2"/>
+              <a:buChar char=""/>
+              <a:defRPr sz="1400" kern="1200" cap="none">
+                <a:solidFill>
+                  <a:schemeClr val="bg2">
+                    <a:lumMod val="75000"/>
+                  </a:schemeClr>
+                </a:solidFill>
+                <a:effectLst/>
+                <a:latin typeface="+mn-lt"/>
+                <a:ea typeface="+mn-ea"/>
+                <a:cs typeface="+mn-cs"/>
+              </a:defRPr>
+            </a:lvl8pPr>
+            <a:lvl9pPr marL="3886200" indent="-228600" algn="l" defTabSz="457200" rtl="0" eaLnBrk="1" latinLnBrk="0" hangingPunct="1">
+              <a:spcBef>
+                <a:spcPct val="20000"/>
+              </a:spcBef>
+              <a:spcAft>
+                <a:spcPts val="600"/>
+              </a:spcAft>
+              <a:buClr>
+                <a:schemeClr val="tx1"/>
+              </a:buClr>
+              <a:buSzPct val="80000"/>
+              <a:buFont typeface="Wingdings 3" panose="05040102010807070707" pitchFamily="18" charset="2"/>
+              <a:buChar char=""/>
+              <a:defRPr sz="1400" kern="1200" cap="none">
+                <a:solidFill>
+                  <a:schemeClr val="bg2">
+                    <a:lumMod val="75000"/>
+                  </a:schemeClr>
+                </a:solidFill>
+                <a:effectLst/>
+                <a:latin typeface="+mn-lt"/>
+                <a:ea typeface="+mn-ea"/>
+                <a:cs typeface="+mn-cs"/>
+              </a:defRPr>
+            </a:lvl9pPr>
+          </a:lstStyle>
+          <a:p>
+            <a:pPr marL="0" indent="0">
+              <a:buFont typeface="Wingdings 3" panose="05040102010807070707" pitchFamily="18" charset="2"/>
+              <a:buNone/>
+            </a:pPr>
+            <a:r>
+              <a:rPr lang="en-US" dirty="0">
+                <a:solidFill>
+                  <a:schemeClr val="tx1"/>
+                </a:solidFill>
+                <a:latin typeface="Tahoma" panose="020B0604030504040204" pitchFamily="34" charset="0"/>
+                <a:ea typeface="Tahoma" panose="020B0604030504040204" pitchFamily="34" charset="0"/>
+                <a:cs typeface="Tahoma" panose="020B0604030504040204" pitchFamily="34" charset="0"/>
+              </a:rPr>
+              <a:t>Bài </a:t>
+            </a:r>
+            <a:r>
+              <a:rPr lang="en-US" dirty="0" err="1">
+                <a:solidFill>
+                  <a:schemeClr val="tx1"/>
+                </a:solidFill>
+                <a:latin typeface="Tahoma" panose="020B0604030504040204" pitchFamily="34" charset="0"/>
+                <a:ea typeface="Tahoma" panose="020B0604030504040204" pitchFamily="34" charset="0"/>
+                <a:cs typeface="Tahoma" panose="020B0604030504040204" pitchFamily="34" charset="0"/>
+              </a:rPr>
+              <a:t>toán</a:t>
+            </a:r>
+            <a:r>
+              <a:rPr lang="en-US" dirty="0">
+                <a:solidFill>
+                  <a:schemeClr val="tx1"/>
+                </a:solidFill>
+                <a:latin typeface="Tahoma" panose="020B0604030504040204" pitchFamily="34" charset="0"/>
+                <a:ea typeface="Tahoma" panose="020B0604030504040204" pitchFamily="34" charset="0"/>
+                <a:cs typeface="Tahoma" panose="020B0604030504040204" pitchFamily="34" charset="0"/>
+              </a:rPr>
+              <a:t> </a:t>
+            </a:r>
+            <a:r>
+              <a:rPr lang="en-US" dirty="0" err="1">
+                <a:solidFill>
+                  <a:schemeClr val="tx1"/>
+                </a:solidFill>
+                <a:latin typeface="Tahoma" panose="020B0604030504040204" pitchFamily="34" charset="0"/>
+                <a:ea typeface="Tahoma" panose="020B0604030504040204" pitchFamily="34" charset="0"/>
+                <a:cs typeface="Tahoma" panose="020B0604030504040204" pitchFamily="34" charset="0"/>
+              </a:rPr>
+              <a:t>hồi</a:t>
+            </a:r>
+            <a:r>
+              <a:rPr lang="en-US" dirty="0">
+                <a:solidFill>
+                  <a:schemeClr val="tx1"/>
+                </a:solidFill>
+                <a:latin typeface="Tahoma" panose="020B0604030504040204" pitchFamily="34" charset="0"/>
+                <a:ea typeface="Tahoma" panose="020B0604030504040204" pitchFamily="34" charset="0"/>
+                <a:cs typeface="Tahoma" panose="020B0604030504040204" pitchFamily="34" charset="0"/>
+              </a:rPr>
+              <a:t> </a:t>
+            </a:r>
+            <a:r>
+              <a:rPr lang="en-US" dirty="0" err="1">
+                <a:solidFill>
+                  <a:schemeClr val="tx1"/>
+                </a:solidFill>
+                <a:latin typeface="Tahoma" panose="020B0604030504040204" pitchFamily="34" charset="0"/>
+                <a:ea typeface="Tahoma" panose="020B0604030504040204" pitchFamily="34" charset="0"/>
+                <a:cs typeface="Tahoma" panose="020B0604030504040204" pitchFamily="34" charset="0"/>
+              </a:rPr>
+              <a:t>quy</a:t>
+            </a:r>
+            <a:r>
+              <a:rPr lang="en-US" dirty="0">
+                <a:solidFill>
+                  <a:schemeClr val="tx1"/>
+                </a:solidFill>
+                <a:latin typeface="Tahoma" panose="020B0604030504040204" pitchFamily="34" charset="0"/>
+                <a:ea typeface="Tahoma" panose="020B0604030504040204" pitchFamily="34" charset="0"/>
+                <a:cs typeface="Tahoma" panose="020B0604030504040204" pitchFamily="34" charset="0"/>
+              </a:rPr>
+              <a:t> </a:t>
+            </a:r>
+            <a:r>
+              <a:rPr lang="en-US" dirty="0" err="1">
+                <a:solidFill>
+                  <a:schemeClr val="tx1"/>
+                </a:solidFill>
+                <a:latin typeface="Tahoma" panose="020B0604030504040204" pitchFamily="34" charset="0"/>
+                <a:ea typeface="Tahoma" panose="020B0604030504040204" pitchFamily="34" charset="0"/>
+                <a:cs typeface="Tahoma" panose="020B0604030504040204" pitchFamily="34" charset="0"/>
+              </a:rPr>
+              <a:t>đơn</a:t>
+            </a:r>
+            <a:r>
+              <a:rPr lang="en-US" dirty="0">
+                <a:solidFill>
+                  <a:schemeClr val="tx1"/>
+                </a:solidFill>
+                <a:latin typeface="Tahoma" panose="020B0604030504040204" pitchFamily="34" charset="0"/>
+                <a:ea typeface="Tahoma" panose="020B0604030504040204" pitchFamily="34" charset="0"/>
+                <a:cs typeface="Tahoma" panose="020B0604030504040204" pitchFamily="34" charset="0"/>
+              </a:rPr>
+              <a:t> </a:t>
+            </a:r>
+            <a:r>
+              <a:rPr lang="en-US" dirty="0" err="1">
+                <a:solidFill>
+                  <a:schemeClr val="tx1"/>
+                </a:solidFill>
+                <a:latin typeface="Tahoma" panose="020B0604030504040204" pitchFamily="34" charset="0"/>
+                <a:ea typeface="Tahoma" panose="020B0604030504040204" pitchFamily="34" charset="0"/>
+                <a:cs typeface="Tahoma" panose="020B0604030504040204" pitchFamily="34" charset="0"/>
+              </a:rPr>
+              <a:t>biến</a:t>
+            </a:r>
+            <a:r>
+              <a:rPr lang="en-US" dirty="0">
+                <a:solidFill>
+                  <a:schemeClr val="tx1"/>
+                </a:solidFill>
+                <a:latin typeface="Tahoma" panose="020B0604030504040204" pitchFamily="34" charset="0"/>
+                <a:ea typeface="Tahoma" panose="020B0604030504040204" pitchFamily="34" charset="0"/>
+                <a:cs typeface="Tahoma" panose="020B0604030504040204" pitchFamily="34" charset="0"/>
+              </a:rPr>
+              <a:t> (simple regression)</a:t>
+            </a:r>
+          </a:p>
+          <a:p>
+            <a:pPr marL="0" indent="0">
+              <a:buFont typeface="Wingdings 3" panose="05040102010807070707" pitchFamily="18" charset="2"/>
+              <a:buNone/>
+            </a:pPr>
+            <a:r>
+              <a:rPr lang="vi-VN" dirty="0">
+                <a:solidFill>
+                  <a:schemeClr val="tx1"/>
+                </a:solidFill>
+                <a:latin typeface="Tahoma" panose="020B0604030504040204" pitchFamily="34" charset="0"/>
+                <a:ea typeface="Tahoma" panose="020B0604030504040204" pitchFamily="34" charset="0"/>
+                <a:cs typeface="Tahoma" panose="020B0604030504040204" pitchFamily="34" charset="0"/>
+              </a:rPr>
+              <a:t>Ví dụ</a:t>
+            </a:r>
+            <a:r>
+              <a:rPr lang="en-US" dirty="0">
+                <a:solidFill>
+                  <a:schemeClr val="tx1"/>
+                </a:solidFill>
+                <a:latin typeface="Tahoma" panose="020B0604030504040204" pitchFamily="34" charset="0"/>
+                <a:ea typeface="Tahoma" panose="020B0604030504040204" pitchFamily="34" charset="0"/>
+                <a:cs typeface="Tahoma" panose="020B0604030504040204" pitchFamily="34" charset="0"/>
+              </a:rPr>
+              <a:t> 1</a:t>
+            </a:r>
+            <a:r>
+              <a:rPr lang="vi-VN" dirty="0">
+                <a:solidFill>
+                  <a:schemeClr val="tx1"/>
+                </a:solidFill>
+                <a:latin typeface="Tahoma" panose="020B0604030504040204" pitchFamily="34" charset="0"/>
+                <a:ea typeface="Tahoma" panose="020B0604030504040204" pitchFamily="34" charset="0"/>
+                <a:cs typeface="Tahoma" panose="020B0604030504040204" pitchFamily="34" charset="0"/>
+              </a:rPr>
+              <a:t>: </a:t>
+            </a:r>
+            <a:r>
+              <a:rPr lang="en-US" dirty="0" err="1">
+                <a:solidFill>
+                  <a:schemeClr val="tx1"/>
+                </a:solidFill>
+                <a:latin typeface="Tahoma" panose="020B0604030504040204" pitchFamily="34" charset="0"/>
+                <a:ea typeface="Tahoma" panose="020B0604030504040204" pitchFamily="34" charset="0"/>
+                <a:cs typeface="Tahoma" panose="020B0604030504040204" pitchFamily="34" charset="0"/>
+              </a:rPr>
+              <a:t>Mức</a:t>
+            </a:r>
+            <a:r>
+              <a:rPr lang="en-US" dirty="0">
+                <a:solidFill>
+                  <a:schemeClr val="tx1"/>
+                </a:solidFill>
+                <a:latin typeface="Tahoma" panose="020B0604030504040204" pitchFamily="34" charset="0"/>
+                <a:ea typeface="Tahoma" panose="020B0604030504040204" pitchFamily="34" charset="0"/>
+                <a:cs typeface="Tahoma" panose="020B0604030504040204" pitchFamily="34" charset="0"/>
+              </a:rPr>
+              <a:t> chi </a:t>
+            </a:r>
+            <a:r>
+              <a:rPr lang="en-US" dirty="0" err="1">
+                <a:solidFill>
+                  <a:schemeClr val="tx1"/>
+                </a:solidFill>
+                <a:latin typeface="Tahoma" panose="020B0604030504040204" pitchFamily="34" charset="0"/>
+                <a:ea typeface="Tahoma" panose="020B0604030504040204" pitchFamily="34" charset="0"/>
+                <a:cs typeface="Tahoma" panose="020B0604030504040204" pitchFamily="34" charset="0"/>
+              </a:rPr>
+              <a:t>tiêu</a:t>
+            </a:r>
+            <a:r>
+              <a:rPr lang="en-US" dirty="0">
+                <a:solidFill>
+                  <a:schemeClr val="tx1"/>
+                </a:solidFill>
+                <a:latin typeface="Tahoma" panose="020B0604030504040204" pitchFamily="34" charset="0"/>
+                <a:ea typeface="Tahoma" panose="020B0604030504040204" pitchFamily="34" charset="0"/>
+                <a:cs typeface="Tahoma" panose="020B0604030504040204" pitchFamily="34" charset="0"/>
+              </a:rPr>
+              <a:t> sinh viên = </a:t>
+            </a:r>
+            <a:r>
+              <a:rPr lang="en-US" dirty="0">
+                <a:solidFill>
+                  <a:schemeClr val="tx1"/>
+                </a:solidFill>
+              </a:rPr>
+              <a:t>f (Thu </a:t>
+            </a:r>
+            <a:r>
+              <a:rPr lang="en-US" dirty="0" err="1">
+                <a:solidFill>
+                  <a:schemeClr val="tx1"/>
+                </a:solidFill>
+              </a:rPr>
+              <a:t>nhập</a:t>
+            </a:r>
+            <a:r>
+              <a:rPr lang="en-US" dirty="0">
+                <a:solidFill>
+                  <a:schemeClr val="tx1"/>
+                </a:solidFill>
+              </a:rPr>
+              <a:t> </a:t>
+            </a:r>
+            <a:r>
+              <a:rPr lang="en-US" dirty="0" err="1">
+                <a:solidFill>
+                  <a:schemeClr val="tx1"/>
+                </a:solidFill>
+              </a:rPr>
+              <a:t>gia</a:t>
+            </a:r>
+            <a:r>
+              <a:rPr lang="en-US" dirty="0">
+                <a:solidFill>
+                  <a:schemeClr val="tx1"/>
+                </a:solidFill>
+              </a:rPr>
+              <a:t> </a:t>
+            </a:r>
+            <a:r>
+              <a:rPr lang="en-US" dirty="0" err="1">
+                <a:solidFill>
+                  <a:schemeClr val="tx1"/>
+                </a:solidFill>
+              </a:rPr>
+              <a:t>đình</a:t>
+            </a:r>
+            <a:r>
+              <a:rPr lang="en-US" dirty="0">
+                <a:solidFill>
+                  <a:schemeClr val="tx1"/>
+                </a:solidFill>
+              </a:rPr>
+              <a:t> sinh viên </a:t>
+            </a:r>
+            <a:r>
+              <a:rPr lang="en-US" dirty="0" err="1">
+                <a:solidFill>
+                  <a:schemeClr val="tx1"/>
+                </a:solidFill>
+              </a:rPr>
+              <a:t>đó</a:t>
+            </a:r>
+            <a:r>
+              <a:rPr lang="en-US" dirty="0">
+                <a:solidFill>
+                  <a:schemeClr val="tx1"/>
+                </a:solidFill>
+              </a:rPr>
+              <a:t>)</a:t>
+            </a:r>
+            <a:endParaRPr lang="en-US" dirty="0">
+              <a:solidFill>
+                <a:schemeClr val="tx1"/>
+              </a:solidFill>
+              <a:latin typeface="Tahoma" panose="020B0604030504040204" pitchFamily="34" charset="0"/>
+              <a:ea typeface="Tahoma" panose="020B0604030504040204" pitchFamily="34" charset="0"/>
+              <a:cs typeface="Tahoma" panose="020B0604030504040204" pitchFamily="34" charset="0"/>
+            </a:endParaRPr>
+          </a:p>
+          <a:p>
+            <a:pPr lvl="2">
+              <a:buFont typeface="Wingdings" panose="05000000000000000000" pitchFamily="2" charset="2"/>
+              <a:buChar char="Ø"/>
+            </a:pPr>
+            <a:r>
+              <a:rPr lang="vi-VN" sz="2000" dirty="0">
+                <a:solidFill>
+                  <a:schemeClr val="tx1"/>
+                </a:solidFill>
+                <a:latin typeface="Tahoma" panose="020B0604030504040204" pitchFamily="34" charset="0"/>
+                <a:ea typeface="Tahoma" panose="020B0604030504040204" pitchFamily="34" charset="0"/>
+                <a:cs typeface="Tahoma" panose="020B0604030504040204" pitchFamily="34" charset="0"/>
+              </a:rPr>
+              <a:t>Thu nhập </a:t>
+            </a:r>
+            <a:r>
+              <a:rPr lang="en-US" sz="2000" dirty="0" err="1">
+                <a:solidFill>
+                  <a:schemeClr val="tx1"/>
+                </a:solidFill>
+                <a:latin typeface="Tahoma" panose="020B0604030504040204" pitchFamily="34" charset="0"/>
+                <a:ea typeface="Tahoma" panose="020B0604030504040204" pitchFamily="34" charset="0"/>
+                <a:cs typeface="Tahoma" panose="020B0604030504040204" pitchFamily="34" charset="0"/>
+              </a:rPr>
+              <a:t>gia</a:t>
+            </a:r>
+            <a:r>
+              <a:rPr lang="en-US" sz="2000" dirty="0">
+                <a:solidFill>
+                  <a:schemeClr val="tx1"/>
+                </a:solidFill>
+                <a:latin typeface="Tahoma" panose="020B0604030504040204" pitchFamily="34" charset="0"/>
+                <a:ea typeface="Tahoma" panose="020B0604030504040204" pitchFamily="34" charset="0"/>
+                <a:cs typeface="Tahoma" panose="020B0604030504040204" pitchFamily="34" charset="0"/>
+              </a:rPr>
+              <a:t> </a:t>
+            </a:r>
+            <a:r>
+              <a:rPr lang="en-US" sz="2000" dirty="0" err="1">
+                <a:solidFill>
+                  <a:schemeClr val="tx1"/>
+                </a:solidFill>
+                <a:latin typeface="Tahoma" panose="020B0604030504040204" pitchFamily="34" charset="0"/>
+                <a:ea typeface="Tahoma" panose="020B0604030504040204" pitchFamily="34" charset="0"/>
+                <a:cs typeface="Tahoma" panose="020B0604030504040204" pitchFamily="34" charset="0"/>
+              </a:rPr>
+              <a:t>đình</a:t>
+            </a:r>
+            <a:r>
+              <a:rPr lang="en-US" sz="2000" dirty="0">
+                <a:solidFill>
+                  <a:schemeClr val="tx1"/>
+                </a:solidFill>
+                <a:latin typeface="Tahoma" panose="020B0604030504040204" pitchFamily="34" charset="0"/>
+                <a:ea typeface="Tahoma" panose="020B0604030504040204" pitchFamily="34" charset="0"/>
+                <a:cs typeface="Tahoma" panose="020B0604030504040204" pitchFamily="34" charset="0"/>
+              </a:rPr>
+              <a:t> </a:t>
+            </a:r>
+            <a:r>
+              <a:rPr lang="en-US" sz="2000" dirty="0" err="1">
+                <a:solidFill>
+                  <a:schemeClr val="tx1"/>
+                </a:solidFill>
+                <a:latin typeface="Tahoma" panose="020B0604030504040204" pitchFamily="34" charset="0"/>
+                <a:ea typeface="Tahoma" panose="020B0604030504040204" pitchFamily="34" charset="0"/>
+                <a:cs typeface="Tahoma" panose="020B0604030504040204" pitchFamily="34" charset="0"/>
+              </a:rPr>
+              <a:t>của</a:t>
+            </a:r>
+            <a:r>
+              <a:rPr lang="en-US" sz="2000" dirty="0">
+                <a:solidFill>
+                  <a:schemeClr val="tx1"/>
+                </a:solidFill>
+                <a:latin typeface="Tahoma" panose="020B0604030504040204" pitchFamily="34" charset="0"/>
+                <a:ea typeface="Tahoma" panose="020B0604030504040204" pitchFamily="34" charset="0"/>
+                <a:cs typeface="Tahoma" panose="020B0604030504040204" pitchFamily="34" charset="0"/>
+              </a:rPr>
+              <a:t> </a:t>
+            </a:r>
+            <a:r>
+              <a:rPr lang="en-US" sz="2000" dirty="0" err="1">
+                <a:solidFill>
+                  <a:schemeClr val="tx1"/>
+                </a:solidFill>
+                <a:latin typeface="Tahoma" panose="020B0604030504040204" pitchFamily="34" charset="0"/>
+                <a:ea typeface="Tahoma" panose="020B0604030504040204" pitchFamily="34" charset="0"/>
+                <a:cs typeface="Tahoma" panose="020B0604030504040204" pitchFamily="34" charset="0"/>
+              </a:rPr>
+              <a:t>sv</a:t>
+            </a:r>
+            <a:r>
+              <a:rPr lang="en-US" sz="2000" dirty="0">
+                <a:solidFill>
+                  <a:schemeClr val="tx1"/>
+                </a:solidFill>
+                <a:latin typeface="Tahoma" panose="020B0604030504040204" pitchFamily="34" charset="0"/>
+                <a:ea typeface="Tahoma" panose="020B0604030504040204" pitchFamily="34" charset="0"/>
+                <a:cs typeface="Tahoma" panose="020B0604030504040204" pitchFamily="34" charset="0"/>
+              </a:rPr>
+              <a:t> </a:t>
+            </a:r>
+            <a:r>
+              <a:rPr lang="vi-VN" sz="2000" dirty="0">
+                <a:solidFill>
+                  <a:schemeClr val="tx1"/>
+                </a:solidFill>
+                <a:latin typeface="Tahoma" panose="020B0604030504040204" pitchFamily="34" charset="0"/>
+                <a:ea typeface="Tahoma" panose="020B0604030504040204" pitchFamily="34" charset="0"/>
+                <a:cs typeface="Tahoma" panose="020B0604030504040204" pitchFamily="34" charset="0"/>
+              </a:rPr>
+              <a:t>ảnh hưởng đến chi tiêu</a:t>
+            </a:r>
+            <a:r>
+              <a:rPr lang="en-US" sz="2000" dirty="0">
+                <a:solidFill>
+                  <a:schemeClr val="tx1"/>
+                </a:solidFill>
+                <a:latin typeface="Tahoma" panose="020B0604030504040204" pitchFamily="34" charset="0"/>
+                <a:ea typeface="Tahoma" panose="020B0604030504040204" pitchFamily="34" charset="0"/>
+                <a:cs typeface="Tahoma" panose="020B0604030504040204" pitchFamily="34" charset="0"/>
+              </a:rPr>
+              <a:t>.</a:t>
+            </a:r>
+          </a:p>
+          <a:p>
+            <a:pPr marL="914400" lvl="2" indent="0">
+              <a:buFont typeface="Wingdings 3" panose="05040102010807070707" pitchFamily="18" charset="2"/>
+              <a:buNone/>
+            </a:pPr>
+            <a:r>
+              <a:rPr lang="en-US" sz="2000" dirty="0" err="1">
+                <a:solidFill>
+                  <a:schemeClr val="tx1"/>
+                </a:solidFill>
+                <a:latin typeface="Tahoma" panose="020B0604030504040204" pitchFamily="34" charset="0"/>
+                <a:ea typeface="Tahoma" panose="020B0604030504040204" pitchFamily="34" charset="0"/>
+                <a:cs typeface="Tahoma" panose="020B0604030504040204" pitchFamily="34" charset="0"/>
+              </a:rPr>
+              <a:t>Dự</a:t>
+            </a:r>
+            <a:r>
+              <a:rPr lang="en-US" sz="2000" dirty="0">
+                <a:solidFill>
+                  <a:schemeClr val="tx1"/>
+                </a:solidFill>
+                <a:latin typeface="Tahoma" panose="020B0604030504040204" pitchFamily="34" charset="0"/>
+                <a:ea typeface="Tahoma" panose="020B0604030504040204" pitchFamily="34" charset="0"/>
+                <a:cs typeface="Tahoma" panose="020B0604030504040204" pitchFamily="34" charset="0"/>
+              </a:rPr>
+              <a:t> </a:t>
+            </a:r>
+            <a:r>
+              <a:rPr lang="en-US" sz="2000" dirty="0" err="1">
+                <a:solidFill>
+                  <a:schemeClr val="tx1"/>
+                </a:solidFill>
+                <a:latin typeface="Tahoma" panose="020B0604030504040204" pitchFamily="34" charset="0"/>
+                <a:ea typeface="Tahoma" panose="020B0604030504040204" pitchFamily="34" charset="0"/>
+                <a:cs typeface="Tahoma" panose="020B0604030504040204" pitchFamily="34" charset="0"/>
+              </a:rPr>
+              <a:t>đoán</a:t>
+            </a:r>
+            <a:r>
+              <a:rPr lang="en-US" sz="2000" dirty="0">
+                <a:solidFill>
+                  <a:schemeClr val="tx1"/>
+                </a:solidFill>
+                <a:latin typeface="Tahoma" panose="020B0604030504040204" pitchFamily="34" charset="0"/>
+                <a:ea typeface="Tahoma" panose="020B0604030504040204" pitchFamily="34" charset="0"/>
+                <a:cs typeface="Tahoma" panose="020B0604030504040204" pitchFamily="34" charset="0"/>
+              </a:rPr>
+              <a:t> </a:t>
+            </a:r>
+            <a:r>
+              <a:rPr lang="en-US" sz="2000" dirty="0" err="1">
+                <a:solidFill>
+                  <a:schemeClr val="tx1"/>
+                </a:solidFill>
+                <a:latin typeface="Tahoma" panose="020B0604030504040204" pitchFamily="34" charset="0"/>
+                <a:ea typeface="Tahoma" panose="020B0604030504040204" pitchFamily="34" charset="0"/>
+                <a:cs typeface="Tahoma" panose="020B0604030504040204" pitchFamily="34" charset="0"/>
+              </a:rPr>
+              <a:t>mức</a:t>
+            </a:r>
+            <a:r>
+              <a:rPr lang="en-US" sz="2000" dirty="0">
+                <a:solidFill>
+                  <a:schemeClr val="tx1"/>
+                </a:solidFill>
+                <a:latin typeface="Tahoma" panose="020B0604030504040204" pitchFamily="34" charset="0"/>
+                <a:ea typeface="Tahoma" panose="020B0604030504040204" pitchFamily="34" charset="0"/>
+                <a:cs typeface="Tahoma" panose="020B0604030504040204" pitchFamily="34" charset="0"/>
+              </a:rPr>
+              <a:t> </a:t>
+            </a:r>
+            <a:r>
+              <a:rPr lang="en-US" sz="2000" dirty="0" err="1">
+                <a:solidFill>
+                  <a:schemeClr val="tx1"/>
+                </a:solidFill>
+                <a:latin typeface="Tahoma" panose="020B0604030504040204" pitchFamily="34" charset="0"/>
+                <a:ea typeface="Tahoma" panose="020B0604030504040204" pitchFamily="34" charset="0"/>
+                <a:cs typeface="Tahoma" panose="020B0604030504040204" pitchFamily="34" charset="0"/>
+              </a:rPr>
+              <a:t>độ</a:t>
+            </a:r>
+            <a:r>
+              <a:rPr lang="en-US" sz="2000" dirty="0">
+                <a:solidFill>
+                  <a:schemeClr val="tx1"/>
+                </a:solidFill>
+                <a:latin typeface="Tahoma" panose="020B0604030504040204" pitchFamily="34" charset="0"/>
+                <a:ea typeface="Tahoma" panose="020B0604030504040204" pitchFamily="34" charset="0"/>
+                <a:cs typeface="Tahoma" panose="020B0604030504040204" pitchFamily="34" charset="0"/>
+              </a:rPr>
+              <a:t> chi </a:t>
+            </a:r>
+            <a:r>
+              <a:rPr lang="en-US" sz="2000" dirty="0" err="1">
+                <a:solidFill>
+                  <a:schemeClr val="tx1"/>
+                </a:solidFill>
+                <a:latin typeface="Tahoma" panose="020B0604030504040204" pitchFamily="34" charset="0"/>
+                <a:ea typeface="Tahoma" panose="020B0604030504040204" pitchFamily="34" charset="0"/>
+                <a:cs typeface="Tahoma" panose="020B0604030504040204" pitchFamily="34" charset="0"/>
+              </a:rPr>
+              <a:t>tiêu</a:t>
+            </a:r>
+            <a:r>
+              <a:rPr lang="en-US" sz="2000" dirty="0">
+                <a:solidFill>
+                  <a:schemeClr val="tx1"/>
+                </a:solidFill>
+                <a:latin typeface="Tahoma" panose="020B0604030504040204" pitchFamily="34" charset="0"/>
+                <a:ea typeface="Tahoma" panose="020B0604030504040204" pitchFamily="34" charset="0"/>
+                <a:cs typeface="Tahoma" panose="020B0604030504040204" pitchFamily="34" charset="0"/>
+              </a:rPr>
+              <a:t> </a:t>
+            </a:r>
+            <a:r>
+              <a:rPr lang="en-US" sz="2000" dirty="0" err="1">
+                <a:solidFill>
+                  <a:schemeClr val="tx1"/>
+                </a:solidFill>
+                <a:latin typeface="Tahoma" panose="020B0604030504040204" pitchFamily="34" charset="0"/>
+                <a:ea typeface="Tahoma" panose="020B0604030504040204" pitchFamily="34" charset="0"/>
+                <a:cs typeface="Tahoma" panose="020B0604030504040204" pitchFamily="34" charset="0"/>
+              </a:rPr>
+              <a:t>của</a:t>
+            </a:r>
+            <a:r>
+              <a:rPr lang="en-US" sz="2000" dirty="0">
+                <a:solidFill>
+                  <a:schemeClr val="tx1"/>
+                </a:solidFill>
+                <a:latin typeface="Tahoma" panose="020B0604030504040204" pitchFamily="34" charset="0"/>
+                <a:ea typeface="Tahoma" panose="020B0604030504040204" pitchFamily="34" charset="0"/>
+                <a:cs typeface="Tahoma" panose="020B0604030504040204" pitchFamily="34" charset="0"/>
+              </a:rPr>
+              <a:t> </a:t>
+            </a:r>
+            <a:r>
+              <a:rPr lang="en-US" sz="2000" dirty="0" err="1">
+                <a:solidFill>
+                  <a:schemeClr val="tx1"/>
+                </a:solidFill>
+                <a:latin typeface="Tahoma" panose="020B0604030504040204" pitchFamily="34" charset="0"/>
+                <a:ea typeface="Tahoma" panose="020B0604030504040204" pitchFamily="34" charset="0"/>
+                <a:cs typeface="Tahoma" panose="020B0604030504040204" pitchFamily="34" charset="0"/>
+              </a:rPr>
+              <a:t>một</a:t>
+            </a:r>
+            <a:r>
+              <a:rPr lang="en-US" sz="2000" dirty="0">
+                <a:solidFill>
+                  <a:schemeClr val="tx1"/>
+                </a:solidFill>
+                <a:latin typeface="Tahoma" panose="020B0604030504040204" pitchFamily="34" charset="0"/>
+                <a:ea typeface="Tahoma" panose="020B0604030504040204" pitchFamily="34" charset="0"/>
+                <a:cs typeface="Tahoma" panose="020B0604030504040204" pitchFamily="34" charset="0"/>
+              </a:rPr>
+              <a:t> </a:t>
+            </a:r>
+            <a:r>
+              <a:rPr lang="en-US" sz="2000" dirty="0" err="1">
+                <a:solidFill>
+                  <a:schemeClr val="tx1"/>
+                </a:solidFill>
+                <a:latin typeface="Tahoma" panose="020B0604030504040204" pitchFamily="34" charset="0"/>
+                <a:ea typeface="Tahoma" panose="020B0604030504040204" pitchFamily="34" charset="0"/>
+                <a:cs typeface="Tahoma" panose="020B0604030504040204" pitchFamily="34" charset="0"/>
+              </a:rPr>
+              <a:t>tân</a:t>
+            </a:r>
+            <a:r>
+              <a:rPr lang="en-US" sz="2000" dirty="0">
+                <a:solidFill>
+                  <a:schemeClr val="tx1"/>
+                </a:solidFill>
+                <a:latin typeface="Tahoma" panose="020B0604030504040204" pitchFamily="34" charset="0"/>
+                <a:ea typeface="Tahoma" panose="020B0604030504040204" pitchFamily="34" charset="0"/>
+                <a:cs typeface="Tahoma" panose="020B0604030504040204" pitchFamily="34" charset="0"/>
+              </a:rPr>
+              <a:t> sinh viên?</a:t>
+            </a:r>
+          </a:p>
+        </p:txBody>
+      </p:sp>
+    </p:spTree>
+    <p:extLst>
+      <p:ext uri="{BB962C8B-B14F-4D97-AF65-F5344CB8AC3E}">
+        <p14:creationId xmlns:p14="http://schemas.microsoft.com/office/powerpoint/2010/main" val="2424571519"/>
+      </p:ext>
+    </p:extLst>
+  </p:cSld>
+  <p:clrMapOvr>
+    <a:masterClrMapping/>
+  </p:clrMapOvr>
+</p:sld>
+</file>
+
+<file path=ppt/slides/slide20.xml><?xml version="1.0" encoding="utf-8"?>
+<p:sld xmlns:a="http://schemas.openxmlformats.org/drawingml/2006/main" xmlns:r="http://schemas.openxmlformats.org/officeDocument/2006/relationships" xmlns:p="http://schemas.openxmlformats.org/presentationml/2006/main">
+  <p:cSld>
+    <p:spTree>
+      <p:nvGrpSpPr>
+        <p:cNvPr id="1" name=""/>
+        <p:cNvGrpSpPr/>
+        <p:nvPr/>
+      </p:nvGrpSpPr>
+      <p:grpSpPr>
+        <a:xfrm>
+          <a:off x="0" y="0"/>
+          <a:ext cx="0" cy="0"/>
+          <a:chOff x="0" y="0"/>
+          <a:chExt cx="0" cy="0"/>
+        </a:xfrm>
+      </p:grpSpPr>
+      <p:sp>
+        <p:nvSpPr>
+          <p:cNvPr id="3" name="Content Placeholder 2">
+            <a:extLst>
+              <a:ext uri="{FF2B5EF4-FFF2-40B4-BE49-F238E27FC236}">
+                <a16:creationId xmlns:a16="http://schemas.microsoft.com/office/drawing/2014/main" id="{E2A8164D-211F-6554-E844-FC6AE872E62D}"/>
+              </a:ext>
+            </a:extLst>
+          </p:cNvPr>
+          <p:cNvSpPr>
+            <a:spLocks noGrp="1"/>
+          </p:cNvSpPr>
+          <p:nvPr>
+            <p:ph idx="1"/>
+          </p:nvPr>
+        </p:nvSpPr>
+        <p:spPr>
+          <a:xfrm>
+            <a:off x="684212" y="685801"/>
+            <a:ext cx="6151594" cy="707994"/>
+          </a:xfrm>
+        </p:spPr>
+        <p:txBody>
+          <a:bodyPr>
+            <a:noAutofit/>
+          </a:bodyPr>
+          <a:lstStyle/>
+          <a:p>
+            <a:pPr>
+              <a:lnSpc>
+                <a:spcPct val="150000"/>
+              </a:lnSpc>
+            </a:pPr>
+            <a:r>
+              <a:rPr lang="en-US" sz="2600" dirty="0" err="1">
+                <a:solidFill>
+                  <a:schemeClr val="tx1"/>
+                </a:solidFill>
+                <a:latin typeface="Tahoma" panose="020B0604030504040204" pitchFamily="34" charset="0"/>
+                <a:ea typeface="Tahoma" panose="020B0604030504040204" pitchFamily="34" charset="0"/>
+                <a:cs typeface="Tahoma" panose="020B0604030504040204" pitchFamily="34" charset="0"/>
+              </a:rPr>
+              <a:t>Dạng</a:t>
+            </a:r>
+            <a:r>
+              <a:rPr lang="en-US" sz="2600" dirty="0">
+                <a:solidFill>
+                  <a:schemeClr val="tx1"/>
+                </a:solidFill>
+                <a:latin typeface="Tahoma" panose="020B0604030504040204" pitchFamily="34" charset="0"/>
+                <a:ea typeface="Tahoma" panose="020B0604030504040204" pitchFamily="34" charset="0"/>
+                <a:cs typeface="Tahoma" panose="020B0604030504040204" pitchFamily="34" charset="0"/>
+              </a:rPr>
+              <a:t> ma </a:t>
+            </a:r>
+            <a:r>
+              <a:rPr lang="en-US" sz="2600" dirty="0" err="1">
+                <a:solidFill>
+                  <a:schemeClr val="tx1"/>
+                </a:solidFill>
+                <a:latin typeface="Tahoma" panose="020B0604030504040204" pitchFamily="34" charset="0"/>
+                <a:ea typeface="Tahoma" panose="020B0604030504040204" pitchFamily="34" charset="0"/>
+                <a:cs typeface="Tahoma" panose="020B0604030504040204" pitchFamily="34" charset="0"/>
+              </a:rPr>
+              <a:t>trận</a:t>
+            </a:r>
+            <a:r>
+              <a:rPr lang="en-US" sz="2600" dirty="0">
+                <a:solidFill>
+                  <a:schemeClr val="tx1"/>
+                </a:solidFill>
+                <a:latin typeface="Tahoma" panose="020B0604030504040204" pitchFamily="34" charset="0"/>
+                <a:ea typeface="Tahoma" panose="020B0604030504040204" pitchFamily="34" charset="0"/>
+                <a:cs typeface="Tahoma" panose="020B0604030504040204" pitchFamily="34" charset="0"/>
+              </a:rPr>
+              <a:t> </a:t>
+            </a:r>
+            <a:r>
+              <a:rPr lang="en-US" sz="2600" dirty="0" err="1">
+                <a:solidFill>
+                  <a:schemeClr val="tx1"/>
+                </a:solidFill>
+                <a:latin typeface="Tahoma" panose="020B0604030504040204" pitchFamily="34" charset="0"/>
+                <a:ea typeface="Tahoma" panose="020B0604030504040204" pitchFamily="34" charset="0"/>
+                <a:cs typeface="Tahoma" panose="020B0604030504040204" pitchFamily="34" charset="0"/>
+              </a:rPr>
+              <a:t>của</a:t>
+            </a:r>
+            <a:r>
+              <a:rPr lang="en-US" sz="2600" dirty="0">
+                <a:solidFill>
+                  <a:schemeClr val="tx1"/>
+                </a:solidFill>
+                <a:latin typeface="Tahoma" panose="020B0604030504040204" pitchFamily="34" charset="0"/>
+                <a:ea typeface="Tahoma" panose="020B0604030504040204" pitchFamily="34" charset="0"/>
+                <a:cs typeface="Tahoma" panose="020B0604030504040204" pitchFamily="34" charset="0"/>
+              </a:rPr>
+              <a:t> </a:t>
+            </a:r>
+            <a:r>
+              <a:rPr lang="en-US" sz="2600" dirty="0" err="1">
+                <a:solidFill>
+                  <a:schemeClr val="tx1"/>
+                </a:solidFill>
+                <a:latin typeface="Tahoma" panose="020B0604030504040204" pitchFamily="34" charset="0"/>
+                <a:ea typeface="Tahoma" panose="020B0604030504040204" pitchFamily="34" charset="0"/>
+                <a:cs typeface="Tahoma" panose="020B0604030504040204" pitchFamily="34" charset="0"/>
+              </a:rPr>
+              <a:t>mô</a:t>
+            </a:r>
+            <a:r>
+              <a:rPr lang="en-US" sz="2600" dirty="0">
+                <a:solidFill>
+                  <a:schemeClr val="tx1"/>
+                </a:solidFill>
+                <a:latin typeface="Tahoma" panose="020B0604030504040204" pitchFamily="34" charset="0"/>
+                <a:ea typeface="Tahoma" panose="020B0604030504040204" pitchFamily="34" charset="0"/>
+                <a:cs typeface="Tahoma" panose="020B0604030504040204" pitchFamily="34" charset="0"/>
+              </a:rPr>
+              <a:t> </a:t>
+            </a:r>
+            <a:r>
+              <a:rPr lang="en-US" sz="2600" dirty="0" err="1">
+                <a:solidFill>
+                  <a:schemeClr val="tx1"/>
+                </a:solidFill>
+                <a:latin typeface="Tahoma" panose="020B0604030504040204" pitchFamily="34" charset="0"/>
+                <a:ea typeface="Tahoma" panose="020B0604030504040204" pitchFamily="34" charset="0"/>
+                <a:cs typeface="Tahoma" panose="020B0604030504040204" pitchFamily="34" charset="0"/>
+              </a:rPr>
+              <a:t>hình</a:t>
+            </a:r>
+            <a:r>
+              <a:rPr lang="en-US" sz="2600" dirty="0">
+                <a:solidFill>
+                  <a:schemeClr val="tx1"/>
+                </a:solidFill>
+                <a:latin typeface="Tahoma" panose="020B0604030504040204" pitchFamily="34" charset="0"/>
+                <a:ea typeface="Tahoma" panose="020B0604030504040204" pitchFamily="34" charset="0"/>
+                <a:cs typeface="Tahoma" panose="020B0604030504040204" pitchFamily="34" charset="0"/>
+              </a:rPr>
+              <a:t> </a:t>
+            </a:r>
+            <a:r>
+              <a:rPr lang="en-US" sz="2600" dirty="0" err="1">
+                <a:solidFill>
+                  <a:schemeClr val="tx1"/>
+                </a:solidFill>
+                <a:latin typeface="Tahoma" panose="020B0604030504040204" pitchFamily="34" charset="0"/>
+                <a:ea typeface="Tahoma" panose="020B0604030504040204" pitchFamily="34" charset="0"/>
+                <a:cs typeface="Tahoma" panose="020B0604030504040204" pitchFamily="34" charset="0"/>
+              </a:rPr>
+              <a:t>xấp</a:t>
+            </a:r>
+            <a:r>
+              <a:rPr lang="en-US" sz="2600" dirty="0">
+                <a:solidFill>
+                  <a:schemeClr val="tx1"/>
+                </a:solidFill>
+                <a:latin typeface="Tahoma" panose="020B0604030504040204" pitchFamily="34" charset="0"/>
+                <a:ea typeface="Tahoma" panose="020B0604030504040204" pitchFamily="34" charset="0"/>
+                <a:cs typeface="Tahoma" panose="020B0604030504040204" pitchFamily="34" charset="0"/>
+              </a:rPr>
+              <a:t> </a:t>
+            </a:r>
+            <a:r>
+              <a:rPr lang="en-US" sz="2600" dirty="0" err="1">
+                <a:solidFill>
+                  <a:schemeClr val="tx1"/>
+                </a:solidFill>
+                <a:latin typeface="Tahoma" panose="020B0604030504040204" pitchFamily="34" charset="0"/>
+                <a:ea typeface="Tahoma" panose="020B0604030504040204" pitchFamily="34" charset="0"/>
+                <a:cs typeface="Tahoma" panose="020B0604030504040204" pitchFamily="34" charset="0"/>
+              </a:rPr>
+              <a:t>xỉ</a:t>
+            </a:r>
+            <a:endParaRPr lang="en-US" sz="2600" dirty="0">
+              <a:solidFill>
+                <a:schemeClr val="tx1"/>
+              </a:solidFill>
+              <a:latin typeface="Tahoma" panose="020B0604030504040204" pitchFamily="34" charset="0"/>
+              <a:ea typeface="Tahoma" panose="020B0604030504040204" pitchFamily="34" charset="0"/>
+              <a:cs typeface="Tahoma" panose="020B0604030504040204" pitchFamily="34" charset="0"/>
+            </a:endParaRPr>
+          </a:p>
+          <a:p>
+            <a:pPr>
+              <a:lnSpc>
+                <a:spcPct val="150000"/>
+              </a:lnSpc>
+            </a:pPr>
+            <a:r>
+              <a:rPr lang="en-US" sz="2600" dirty="0" err="1">
+                <a:solidFill>
+                  <a:schemeClr val="tx1"/>
+                </a:solidFill>
+                <a:latin typeface="Tahoma" panose="020B0604030504040204" pitchFamily="34" charset="0"/>
+                <a:ea typeface="Tahoma" panose="020B0604030504040204" pitchFamily="34" charset="0"/>
+                <a:cs typeface="Tahoma" panose="020B0604030504040204" pitchFamily="34" charset="0"/>
+              </a:rPr>
+              <a:t>Dạng</a:t>
+            </a:r>
+            <a:r>
+              <a:rPr lang="en-US" sz="2600" dirty="0">
+                <a:solidFill>
+                  <a:schemeClr val="tx1"/>
+                </a:solidFill>
+                <a:latin typeface="Tahoma" panose="020B0604030504040204" pitchFamily="34" charset="0"/>
+                <a:ea typeface="Tahoma" panose="020B0604030504040204" pitchFamily="34" charset="0"/>
+                <a:cs typeface="Tahoma" panose="020B0604030504040204" pitchFamily="34" charset="0"/>
+              </a:rPr>
+              <a:t> ma </a:t>
+            </a:r>
+            <a:r>
+              <a:rPr lang="en-US" sz="2600" dirty="0" err="1">
+                <a:solidFill>
+                  <a:schemeClr val="tx1"/>
+                </a:solidFill>
+                <a:latin typeface="Tahoma" panose="020B0604030504040204" pitchFamily="34" charset="0"/>
+                <a:ea typeface="Tahoma" panose="020B0604030504040204" pitchFamily="34" charset="0"/>
+                <a:cs typeface="Tahoma" panose="020B0604030504040204" pitchFamily="34" charset="0"/>
+              </a:rPr>
+              <a:t>trận</a:t>
+            </a:r>
+            <a:r>
+              <a:rPr lang="en-US" sz="2600" dirty="0">
+                <a:solidFill>
+                  <a:schemeClr val="tx1"/>
+                </a:solidFill>
+                <a:latin typeface="Tahoma" panose="020B0604030504040204" pitchFamily="34" charset="0"/>
+                <a:ea typeface="Tahoma" panose="020B0604030504040204" pitchFamily="34" charset="0"/>
+                <a:cs typeface="Tahoma" panose="020B0604030504040204" pitchFamily="34" charset="0"/>
+              </a:rPr>
+              <a:t> </a:t>
+            </a:r>
+            <a:r>
+              <a:rPr lang="en-US" sz="2600" dirty="0" err="1">
+                <a:solidFill>
+                  <a:schemeClr val="tx1"/>
+                </a:solidFill>
+                <a:latin typeface="Tahoma" panose="020B0604030504040204" pitchFamily="34" charset="0"/>
+                <a:ea typeface="Tahoma" panose="020B0604030504040204" pitchFamily="34" charset="0"/>
+                <a:cs typeface="Tahoma" panose="020B0604030504040204" pitchFamily="34" charset="0"/>
+              </a:rPr>
+              <a:t>của</a:t>
+            </a:r>
+            <a:r>
+              <a:rPr lang="en-US" sz="2600" dirty="0">
+                <a:solidFill>
+                  <a:schemeClr val="tx1"/>
+                </a:solidFill>
+                <a:latin typeface="Tahoma" panose="020B0604030504040204" pitchFamily="34" charset="0"/>
+                <a:ea typeface="Tahoma" panose="020B0604030504040204" pitchFamily="34" charset="0"/>
+                <a:cs typeface="Tahoma" panose="020B0604030504040204" pitchFamily="34" charset="0"/>
+              </a:rPr>
+              <a:t> </a:t>
+            </a:r>
+            <a:r>
+              <a:rPr lang="en-US" sz="2600" dirty="0" err="1">
+                <a:solidFill>
+                  <a:schemeClr val="tx1"/>
+                </a:solidFill>
+                <a:latin typeface="Tahoma" panose="020B0604030504040204" pitchFamily="34" charset="0"/>
+                <a:ea typeface="Tahoma" panose="020B0604030504040204" pitchFamily="34" charset="0"/>
+                <a:cs typeface="Tahoma" panose="020B0604030504040204" pitchFamily="34" charset="0"/>
+              </a:rPr>
+              <a:t>mô</a:t>
+            </a:r>
+            <a:r>
+              <a:rPr lang="en-US" sz="2600" dirty="0">
+                <a:solidFill>
+                  <a:schemeClr val="tx1"/>
+                </a:solidFill>
+                <a:latin typeface="Tahoma" panose="020B0604030504040204" pitchFamily="34" charset="0"/>
+                <a:ea typeface="Tahoma" panose="020B0604030504040204" pitchFamily="34" charset="0"/>
+                <a:cs typeface="Tahoma" panose="020B0604030504040204" pitchFamily="34" charset="0"/>
+              </a:rPr>
+              <a:t> </a:t>
+            </a:r>
+            <a:r>
+              <a:rPr lang="en-US" sz="2600" dirty="0" err="1">
+                <a:solidFill>
+                  <a:schemeClr val="tx1"/>
+                </a:solidFill>
+                <a:latin typeface="Tahoma" panose="020B0604030504040204" pitchFamily="34" charset="0"/>
+                <a:ea typeface="Tahoma" panose="020B0604030504040204" pitchFamily="34" charset="0"/>
+                <a:cs typeface="Tahoma" panose="020B0604030504040204" pitchFamily="34" charset="0"/>
+              </a:rPr>
+              <a:t>hình</a:t>
+            </a:r>
+            <a:r>
+              <a:rPr lang="en-US" sz="2600" dirty="0">
+                <a:solidFill>
+                  <a:schemeClr val="tx1"/>
+                </a:solidFill>
+                <a:latin typeface="Tahoma" panose="020B0604030504040204" pitchFamily="34" charset="0"/>
+                <a:ea typeface="Tahoma" panose="020B0604030504040204" pitchFamily="34" charset="0"/>
+                <a:cs typeface="Tahoma" panose="020B0604030504040204" pitchFamily="34" charset="0"/>
+              </a:rPr>
+              <a:t> </a:t>
+            </a:r>
+            <a:r>
+              <a:rPr lang="en-US" sz="2600" dirty="0" err="1">
+                <a:solidFill>
+                  <a:schemeClr val="tx1"/>
+                </a:solidFill>
+                <a:latin typeface="Tahoma" panose="020B0604030504040204" pitchFamily="34" charset="0"/>
+                <a:ea typeface="Tahoma" panose="020B0604030504040204" pitchFamily="34" charset="0"/>
+                <a:cs typeface="Tahoma" panose="020B0604030504040204" pitchFamily="34" charset="0"/>
+              </a:rPr>
+              <a:t>thực</a:t>
+            </a:r>
+            <a:r>
+              <a:rPr lang="en-US" sz="2600" dirty="0">
+                <a:solidFill>
+                  <a:schemeClr val="tx1"/>
+                </a:solidFill>
+                <a:latin typeface="Tahoma" panose="020B0604030504040204" pitchFamily="34" charset="0"/>
+                <a:ea typeface="Tahoma" panose="020B0604030504040204" pitchFamily="34" charset="0"/>
+                <a:cs typeface="Tahoma" panose="020B0604030504040204" pitchFamily="34" charset="0"/>
+              </a:rPr>
+              <a:t> </a:t>
+            </a:r>
+            <a:r>
+              <a:rPr lang="en-US" sz="2600" dirty="0" err="1">
+                <a:solidFill>
+                  <a:schemeClr val="tx1"/>
+                </a:solidFill>
+                <a:latin typeface="Tahoma" panose="020B0604030504040204" pitchFamily="34" charset="0"/>
+                <a:ea typeface="Tahoma" panose="020B0604030504040204" pitchFamily="34" charset="0"/>
+                <a:cs typeface="Tahoma" panose="020B0604030504040204" pitchFamily="34" charset="0"/>
+              </a:rPr>
+              <a:t>tế</a:t>
+            </a:r>
+            <a:endParaRPr lang="en-US" sz="2600" dirty="0">
+              <a:solidFill>
+                <a:schemeClr val="tx1"/>
+              </a:solidFill>
+              <a:latin typeface="Tahoma" panose="020B0604030504040204" pitchFamily="34" charset="0"/>
+              <a:ea typeface="Tahoma" panose="020B0604030504040204" pitchFamily="34" charset="0"/>
+              <a:cs typeface="Tahoma" panose="020B0604030504040204" pitchFamily="34" charset="0"/>
+            </a:endParaRPr>
+          </a:p>
+        </p:txBody>
+      </p:sp>
+      <p:pic>
+        <p:nvPicPr>
+          <p:cNvPr id="11" name="Picture 10">
+            <a:extLst>
+              <a:ext uri="{FF2B5EF4-FFF2-40B4-BE49-F238E27FC236}">
+                <a16:creationId xmlns:a16="http://schemas.microsoft.com/office/drawing/2014/main" id="{E8CA30BC-E8DA-0319-E190-AC2E8C1A9F96}"/>
+              </a:ext>
+            </a:extLst>
+          </p:cNvPr>
+          <p:cNvPicPr>
+            <a:picLocks noChangeAspect="1"/>
+          </p:cNvPicPr>
+          <p:nvPr/>
+        </p:nvPicPr>
+        <p:blipFill>
+          <a:blip r:embed="rId2"/>
+          <a:stretch>
+            <a:fillRect/>
+          </a:stretch>
+        </p:blipFill>
+        <p:spPr>
+          <a:xfrm>
+            <a:off x="2575559" y="2095399"/>
+            <a:ext cx="5145055" cy="2486996"/>
+          </a:xfrm>
+          <a:prstGeom prst="rect">
+            <a:avLst/>
+          </a:prstGeom>
+        </p:spPr>
+      </p:pic>
+      <p:pic>
+        <p:nvPicPr>
+          <p:cNvPr id="13" name="Picture 12">
+            <a:extLst>
+              <a:ext uri="{FF2B5EF4-FFF2-40B4-BE49-F238E27FC236}">
+                <a16:creationId xmlns:a16="http://schemas.microsoft.com/office/drawing/2014/main" id="{33FEE06B-4583-7A28-45AD-805E28AC935B}"/>
+              </a:ext>
+            </a:extLst>
+          </p:cNvPr>
+          <p:cNvPicPr>
+            <a:picLocks noChangeAspect="1"/>
+          </p:cNvPicPr>
+          <p:nvPr/>
+        </p:nvPicPr>
+        <p:blipFill>
+          <a:blip r:embed="rId3"/>
+          <a:stretch>
+            <a:fillRect/>
+          </a:stretch>
+        </p:blipFill>
+        <p:spPr>
+          <a:xfrm>
+            <a:off x="2575559" y="5334966"/>
+            <a:ext cx="2972985" cy="1110084"/>
+          </a:xfrm>
+          <a:prstGeom prst="rect">
+            <a:avLst/>
+          </a:prstGeom>
+        </p:spPr>
+      </p:pic>
+      <p:sp>
+        <p:nvSpPr>
+          <p:cNvPr id="14" name="TextBox 13">
+            <a:extLst>
+              <a:ext uri="{FF2B5EF4-FFF2-40B4-BE49-F238E27FC236}">
+                <a16:creationId xmlns:a16="http://schemas.microsoft.com/office/drawing/2014/main" id="{46F2C124-C28F-078B-CDF5-FD71BA1521F2}"/>
+              </a:ext>
+            </a:extLst>
+          </p:cNvPr>
+          <p:cNvSpPr txBox="1"/>
+          <p:nvPr/>
+        </p:nvSpPr>
+        <p:spPr>
+          <a:xfrm>
+            <a:off x="950945" y="2059177"/>
+            <a:ext cx="1482571" cy="492443"/>
+          </a:xfrm>
+          <a:prstGeom prst="rect">
+            <a:avLst/>
+          </a:prstGeom>
+          <a:noFill/>
+        </p:spPr>
+        <p:txBody>
+          <a:bodyPr wrap="square" rtlCol="0">
+            <a:spAutoFit/>
+          </a:bodyPr>
+          <a:lstStyle/>
+          <a:p>
+            <a:r>
+              <a:rPr lang="en-US" sz="2600" dirty="0">
+                <a:latin typeface="Tahoma" panose="020B0604030504040204" pitchFamily="34" charset="0"/>
+                <a:ea typeface="Tahoma" panose="020B0604030504040204" pitchFamily="34" charset="0"/>
+                <a:cs typeface="Tahoma" panose="020B0604030504040204" pitchFamily="34" charset="0"/>
+              </a:rPr>
+              <a:t>trong </a:t>
+            </a:r>
+            <a:r>
+              <a:rPr lang="en-US" sz="2600" dirty="0" err="1">
+                <a:latin typeface="Tahoma" panose="020B0604030504040204" pitchFamily="34" charset="0"/>
+                <a:ea typeface="Tahoma" panose="020B0604030504040204" pitchFamily="34" charset="0"/>
+                <a:cs typeface="Tahoma" panose="020B0604030504040204" pitchFamily="34" charset="0"/>
+              </a:rPr>
+              <a:t>đó</a:t>
+            </a:r>
+            <a:endParaRPr lang="en-US" sz="2600" dirty="0">
+              <a:latin typeface="Tahoma" panose="020B0604030504040204" pitchFamily="34" charset="0"/>
+              <a:ea typeface="Tahoma" panose="020B0604030504040204" pitchFamily="34" charset="0"/>
+              <a:cs typeface="Tahoma" panose="020B0604030504040204" pitchFamily="34" charset="0"/>
+            </a:endParaRPr>
+          </a:p>
+        </p:txBody>
+      </p:sp>
+      <p:pic>
+        <p:nvPicPr>
+          <p:cNvPr id="21" name="Picture 20">
+            <a:extLst>
+              <a:ext uri="{FF2B5EF4-FFF2-40B4-BE49-F238E27FC236}">
+                <a16:creationId xmlns:a16="http://schemas.microsoft.com/office/drawing/2014/main" id="{113218CA-2326-AC50-39C9-1CB626EB7C72}"/>
+              </a:ext>
+            </a:extLst>
+          </p:cNvPr>
+          <p:cNvPicPr>
+            <a:picLocks noChangeAspect="1"/>
+          </p:cNvPicPr>
+          <p:nvPr/>
+        </p:nvPicPr>
+        <p:blipFill>
+          <a:blip r:embed="rId4"/>
+          <a:stretch>
+            <a:fillRect/>
+          </a:stretch>
+        </p:blipFill>
+        <p:spPr>
+          <a:xfrm>
+            <a:off x="6503827" y="563128"/>
+            <a:ext cx="1513341" cy="599343"/>
+          </a:xfrm>
+          <a:prstGeom prst="rect">
+            <a:avLst/>
+          </a:prstGeom>
+        </p:spPr>
+      </p:pic>
+      <p:pic>
+        <p:nvPicPr>
+          <p:cNvPr id="26" name="Picture 25">
+            <a:extLst>
+              <a:ext uri="{FF2B5EF4-FFF2-40B4-BE49-F238E27FC236}">
+                <a16:creationId xmlns:a16="http://schemas.microsoft.com/office/drawing/2014/main" id="{8DEE66F9-8284-4C54-086B-189ECB0DE55D}"/>
+              </a:ext>
+            </a:extLst>
+          </p:cNvPr>
+          <p:cNvPicPr>
+            <a:picLocks noChangeAspect="1"/>
+          </p:cNvPicPr>
+          <p:nvPr/>
+        </p:nvPicPr>
+        <p:blipFill>
+          <a:blip r:embed="rId5"/>
+          <a:stretch>
+            <a:fillRect/>
+          </a:stretch>
+        </p:blipFill>
+        <p:spPr>
+          <a:xfrm>
+            <a:off x="6431570" y="1162471"/>
+            <a:ext cx="3314695" cy="707993"/>
+          </a:xfrm>
+          <a:prstGeom prst="rect">
+            <a:avLst/>
+          </a:prstGeom>
+        </p:spPr>
+      </p:pic>
+      <p:sp>
+        <p:nvSpPr>
+          <p:cNvPr id="27" name="TextBox 26">
+            <a:extLst>
+              <a:ext uri="{FF2B5EF4-FFF2-40B4-BE49-F238E27FC236}">
+                <a16:creationId xmlns:a16="http://schemas.microsoft.com/office/drawing/2014/main" id="{FFB250CE-4840-3342-DF4B-BF5E11DCBD52}"/>
+              </a:ext>
+            </a:extLst>
+          </p:cNvPr>
+          <p:cNvSpPr txBox="1"/>
+          <p:nvPr/>
+        </p:nvSpPr>
+        <p:spPr>
+          <a:xfrm>
+            <a:off x="950945" y="4710850"/>
+            <a:ext cx="6524054" cy="492443"/>
+          </a:xfrm>
+          <a:prstGeom prst="rect">
+            <a:avLst/>
+          </a:prstGeom>
+          <a:noFill/>
+        </p:spPr>
+        <p:txBody>
+          <a:bodyPr wrap="square" rtlCol="0">
+            <a:spAutoFit/>
+          </a:bodyPr>
+          <a:lstStyle/>
+          <a:p>
+            <a:r>
+              <a:rPr lang="en-US" sz="2600" dirty="0">
+                <a:latin typeface="Tahoma" panose="020B0604030504040204" pitchFamily="34" charset="0"/>
+                <a:ea typeface="Tahoma" panose="020B0604030504040204" pitchFamily="34" charset="0"/>
+                <a:cs typeface="Tahoma" panose="020B0604030504040204" pitchFamily="34" charset="0"/>
+              </a:rPr>
+              <a:t>Ta </a:t>
+            </a:r>
+            <a:r>
+              <a:rPr lang="en-US" sz="2600" dirty="0" err="1">
+                <a:latin typeface="Tahoma" panose="020B0604030504040204" pitchFamily="34" charset="0"/>
+                <a:ea typeface="Tahoma" panose="020B0604030504040204" pitchFamily="34" charset="0"/>
+                <a:cs typeface="Tahoma" panose="020B0604030504040204" pitchFamily="34" charset="0"/>
+              </a:rPr>
+              <a:t>đi</a:t>
+            </a:r>
+            <a:r>
+              <a:rPr lang="en-US" sz="2600" dirty="0">
+                <a:latin typeface="Tahoma" panose="020B0604030504040204" pitchFamily="34" charset="0"/>
+                <a:ea typeface="Tahoma" panose="020B0604030504040204" pitchFamily="34" charset="0"/>
+                <a:cs typeface="Tahoma" panose="020B0604030504040204" pitchFamily="34" charset="0"/>
+              </a:rPr>
+              <a:t> </a:t>
+            </a:r>
+            <a:r>
+              <a:rPr lang="en-US" sz="2600" dirty="0" err="1">
+                <a:latin typeface="Tahoma" panose="020B0604030504040204" pitchFamily="34" charset="0"/>
+                <a:ea typeface="Tahoma" panose="020B0604030504040204" pitchFamily="34" charset="0"/>
+                <a:cs typeface="Tahoma" panose="020B0604030504040204" pitchFamily="34" charset="0"/>
+              </a:rPr>
+              <a:t>giải</a:t>
+            </a:r>
+            <a:r>
+              <a:rPr lang="en-US" sz="2600" dirty="0">
+                <a:latin typeface="Tahoma" panose="020B0604030504040204" pitchFamily="34" charset="0"/>
+                <a:ea typeface="Tahoma" panose="020B0604030504040204" pitchFamily="34" charset="0"/>
+                <a:cs typeface="Tahoma" panose="020B0604030504040204" pitchFamily="34" charset="0"/>
+              </a:rPr>
+              <a:t> bài </a:t>
+            </a:r>
+            <a:r>
+              <a:rPr lang="en-US" sz="2600" dirty="0" err="1">
+                <a:latin typeface="Tahoma" panose="020B0604030504040204" pitchFamily="34" charset="0"/>
+                <a:ea typeface="Tahoma" panose="020B0604030504040204" pitchFamily="34" charset="0"/>
+                <a:cs typeface="Tahoma" panose="020B0604030504040204" pitchFamily="34" charset="0"/>
+              </a:rPr>
+              <a:t>toán</a:t>
+            </a:r>
+            <a:r>
+              <a:rPr lang="en-US" sz="2600" dirty="0">
+                <a:latin typeface="Tahoma" panose="020B0604030504040204" pitchFamily="34" charset="0"/>
+                <a:ea typeface="Tahoma" panose="020B0604030504040204" pitchFamily="34" charset="0"/>
+                <a:cs typeface="Tahoma" panose="020B0604030504040204" pitchFamily="34" charset="0"/>
+              </a:rPr>
+              <a:t> </a:t>
+            </a:r>
+            <a:r>
+              <a:rPr lang="en-US" sz="2600" dirty="0" err="1">
+                <a:latin typeface="Tahoma" panose="020B0604030504040204" pitchFamily="34" charset="0"/>
+                <a:ea typeface="Tahoma" panose="020B0604030504040204" pitchFamily="34" charset="0"/>
+                <a:cs typeface="Tahoma" panose="020B0604030504040204" pitchFamily="34" charset="0"/>
+              </a:rPr>
+              <a:t>bình</a:t>
+            </a:r>
+            <a:r>
+              <a:rPr lang="en-US" sz="2600" dirty="0">
+                <a:latin typeface="Tahoma" panose="020B0604030504040204" pitchFamily="34" charset="0"/>
+                <a:ea typeface="Tahoma" panose="020B0604030504040204" pitchFamily="34" charset="0"/>
+                <a:cs typeface="Tahoma" panose="020B0604030504040204" pitchFamily="34" charset="0"/>
+              </a:rPr>
+              <a:t> </a:t>
+            </a:r>
+            <a:r>
+              <a:rPr lang="en-US" sz="2600" dirty="0" err="1">
+                <a:latin typeface="Tahoma" panose="020B0604030504040204" pitchFamily="34" charset="0"/>
+                <a:ea typeface="Tahoma" panose="020B0604030504040204" pitchFamily="34" charset="0"/>
+                <a:cs typeface="Tahoma" panose="020B0604030504040204" pitchFamily="34" charset="0"/>
+              </a:rPr>
+              <a:t>phương</a:t>
+            </a:r>
+            <a:r>
+              <a:rPr lang="en-US" sz="2600" dirty="0">
+                <a:latin typeface="Tahoma" panose="020B0604030504040204" pitchFamily="34" charset="0"/>
+                <a:ea typeface="Tahoma" panose="020B0604030504040204" pitchFamily="34" charset="0"/>
+                <a:cs typeface="Tahoma" panose="020B0604030504040204" pitchFamily="34" charset="0"/>
+              </a:rPr>
+              <a:t> </a:t>
+            </a:r>
+            <a:r>
+              <a:rPr lang="en-US" sz="2600" dirty="0" err="1">
+                <a:latin typeface="Tahoma" panose="020B0604030504040204" pitchFamily="34" charset="0"/>
+                <a:ea typeface="Tahoma" panose="020B0604030504040204" pitchFamily="34" charset="0"/>
+                <a:cs typeface="Tahoma" panose="020B0604030504040204" pitchFamily="34" charset="0"/>
+              </a:rPr>
+              <a:t>tối</a:t>
+            </a:r>
+            <a:r>
+              <a:rPr lang="en-US" sz="2600" dirty="0">
+                <a:latin typeface="Tahoma" panose="020B0604030504040204" pitchFamily="34" charset="0"/>
+                <a:ea typeface="Tahoma" panose="020B0604030504040204" pitchFamily="34" charset="0"/>
+                <a:cs typeface="Tahoma" panose="020B0604030504040204" pitchFamily="34" charset="0"/>
+              </a:rPr>
+              <a:t> </a:t>
+            </a:r>
+            <a:r>
+              <a:rPr lang="en-US" sz="2600" dirty="0" err="1">
+                <a:latin typeface="Tahoma" panose="020B0604030504040204" pitchFamily="34" charset="0"/>
+                <a:ea typeface="Tahoma" panose="020B0604030504040204" pitchFamily="34" charset="0"/>
+                <a:cs typeface="Tahoma" panose="020B0604030504040204" pitchFamily="34" charset="0"/>
+              </a:rPr>
+              <a:t>thiểu</a:t>
+            </a:r>
+            <a:endParaRPr lang="en-US" sz="2600" dirty="0">
+              <a:latin typeface="Tahoma" panose="020B0604030504040204" pitchFamily="34" charset="0"/>
+              <a:ea typeface="Tahoma" panose="020B0604030504040204" pitchFamily="34" charset="0"/>
+              <a:cs typeface="Tahoma" panose="020B0604030504040204" pitchFamily="34" charset="0"/>
+            </a:endParaRPr>
+          </a:p>
+        </p:txBody>
+      </p:sp>
+    </p:spTree>
+    <p:extLst>
+      <p:ext uri="{BB962C8B-B14F-4D97-AF65-F5344CB8AC3E}">
+        <p14:creationId xmlns:p14="http://schemas.microsoft.com/office/powerpoint/2010/main" val="2193073858"/>
+      </p:ext>
+    </p:extLst>
+  </p:cSld>
+  <p:clrMapOvr>
+    <a:masterClrMapping/>
+  </p:clrMapOvr>
+</p:sld>
+</file>
+
+<file path=ppt/slides/slide21.xml><?xml version="1.0" encoding="utf-8"?>
+<p:sld xmlns:a="http://schemas.openxmlformats.org/drawingml/2006/main" xmlns:r="http://schemas.openxmlformats.org/officeDocument/2006/relationships" xmlns:p="http://schemas.openxmlformats.org/presentationml/2006/main">
+  <p:cSld>
+    <p:spTree>
+      <p:nvGrpSpPr>
+        <p:cNvPr id="1" name=""/>
+        <p:cNvGrpSpPr/>
+        <p:nvPr/>
+      </p:nvGrpSpPr>
+      <p:grpSpPr>
+        <a:xfrm>
+          <a:off x="0" y="0"/>
+          <a:ext cx="0" cy="0"/>
+          <a:chOff x="0" y="0"/>
+          <a:chExt cx="0" cy="0"/>
+        </a:xfrm>
+      </p:grpSpPr>
+      <p:sp>
+        <p:nvSpPr>
+          <p:cNvPr id="4" name="TextBox 3">
+            <a:extLst>
+              <a:ext uri="{FF2B5EF4-FFF2-40B4-BE49-F238E27FC236}">
+                <a16:creationId xmlns:a16="http://schemas.microsoft.com/office/drawing/2014/main" id="{D868F8D4-5C5F-77D8-2E46-7119A569F9A7}"/>
+              </a:ext>
+            </a:extLst>
+          </p:cNvPr>
+          <p:cNvSpPr txBox="1"/>
+          <p:nvPr/>
+        </p:nvSpPr>
+        <p:spPr>
+          <a:xfrm>
+            <a:off x="768334" y="896645"/>
+            <a:ext cx="10177832" cy="4247317"/>
+          </a:xfrm>
+          <a:prstGeom prst="rect">
+            <a:avLst/>
+          </a:prstGeom>
+          <a:noFill/>
+        </p:spPr>
+        <p:txBody>
+          <a:bodyPr wrap="square" rtlCol="0">
+            <a:spAutoFit/>
+          </a:bodyPr>
+          <a:lstStyle/>
+          <a:p>
+            <a:pPr marL="342900" indent="-342900">
+              <a:lnSpc>
+                <a:spcPct val="150000"/>
+              </a:lnSpc>
+              <a:buFont typeface="Wingdings" panose="05000000000000000000" pitchFamily="2" charset="2"/>
+              <a:buChar char="Ø"/>
+            </a:pPr>
+            <a:r>
+              <a:rPr lang="vi-VN" sz="2000" b="0" i="0" dirty="0">
+                <a:effectLst/>
+                <a:latin typeface="Tahoma" panose="020B0604030504040204" pitchFamily="34" charset="0"/>
+                <a:ea typeface="Tahoma" panose="020B0604030504040204" pitchFamily="34" charset="0"/>
+                <a:cs typeface="Tahoma" panose="020B0604030504040204" pitchFamily="34" charset="0"/>
+              </a:rPr>
+              <a:t>Về mặt lý thuyết, phương pháp thường dùng để xác định các hệ số của phương trình hồi quy cho trường hợp hồi quy đa biến là bình phương cực tiểu (least square) có nguyên tắc tương tự như </a:t>
+            </a:r>
+            <a:r>
+              <a:rPr lang="vi-VN" sz="2000" b="0" i="0" u="none" strike="noStrike" dirty="0">
+                <a:effectLst/>
+                <a:latin typeface="Tahoma" panose="020B0604030504040204" pitchFamily="34" charset="0"/>
+                <a:ea typeface="Tahoma" panose="020B0604030504040204" pitchFamily="34" charset="0"/>
+                <a:cs typeface="Tahoma" panose="020B0604030504040204" pitchFamily="34" charset="0"/>
+                <a:hlinkClick r:id="rId2">
+                  <a:extLst>
+                    <a:ext uri="{A12FA001-AC4F-418D-AE19-62706E023703}">
+                      <ahyp:hlinkClr xmlns:ahyp="http://schemas.microsoft.com/office/drawing/2018/hyperlinkcolor" val="tx"/>
+                    </a:ext>
+                  </a:extLst>
+                </a:hlinkClick>
+              </a:rPr>
+              <a:t>trường hợp một biến độc lập</a:t>
+            </a:r>
+            <a:r>
+              <a:rPr lang="vi-VN" sz="2000" b="0" i="0" dirty="0">
+                <a:effectLst/>
+                <a:latin typeface="Tahoma" panose="020B0604030504040204" pitchFamily="34" charset="0"/>
+                <a:ea typeface="Tahoma" panose="020B0604030504040204" pitchFamily="34" charset="0"/>
+                <a:cs typeface="Tahoma" panose="020B0604030504040204" pitchFamily="34" charset="0"/>
+              </a:rPr>
+              <a:t>.</a:t>
+            </a:r>
+            <a:endParaRPr lang="en-US" sz="2000" b="0" i="0" dirty="0">
+              <a:effectLst/>
+              <a:latin typeface="Tahoma" panose="020B0604030504040204" pitchFamily="34" charset="0"/>
+              <a:ea typeface="Tahoma" panose="020B0604030504040204" pitchFamily="34" charset="0"/>
+              <a:cs typeface="Tahoma" panose="020B0604030504040204" pitchFamily="34" charset="0"/>
+            </a:endParaRPr>
+          </a:p>
+          <a:p>
+            <a:pPr marL="342900" indent="-342900">
+              <a:lnSpc>
+                <a:spcPct val="150000"/>
+              </a:lnSpc>
+              <a:buFont typeface="Wingdings" panose="05000000000000000000" pitchFamily="2" charset="2"/>
+              <a:buChar char="Ø"/>
+            </a:pPr>
+            <a:r>
+              <a:rPr lang="en-US" sz="2000" dirty="0" err="1">
+                <a:latin typeface="Tahoma" panose="020B0604030504040204" pitchFamily="34" charset="0"/>
+                <a:ea typeface="Tahoma" panose="020B0604030504040204" pitchFamily="34" charset="0"/>
+                <a:cs typeface="Tahoma" panose="020B0604030504040204" pitchFamily="34" charset="0"/>
+              </a:rPr>
+              <a:t>Như</a:t>
+            </a:r>
+            <a:r>
+              <a:rPr lang="en-US" sz="2000" dirty="0">
+                <a:latin typeface="Tahoma" panose="020B0604030504040204" pitchFamily="34" charset="0"/>
+                <a:ea typeface="Tahoma" panose="020B0604030504040204" pitchFamily="34" charset="0"/>
+                <a:cs typeface="Tahoma" panose="020B0604030504040204" pitchFamily="34" charset="0"/>
+              </a:rPr>
+              <a:t> </a:t>
+            </a:r>
+            <a:r>
+              <a:rPr lang="en-US" sz="2000" dirty="0" err="1">
+                <a:latin typeface="Tahoma" panose="020B0604030504040204" pitchFamily="34" charset="0"/>
+                <a:ea typeface="Tahoma" panose="020B0604030504040204" pitchFamily="34" charset="0"/>
+                <a:cs typeface="Tahoma" panose="020B0604030504040204" pitchFamily="34" charset="0"/>
+              </a:rPr>
+              <a:t>vậy</a:t>
+            </a:r>
+            <a:r>
+              <a:rPr lang="en-US" sz="2000" dirty="0">
+                <a:latin typeface="Tahoma" panose="020B0604030504040204" pitchFamily="34" charset="0"/>
+                <a:ea typeface="Tahoma" panose="020B0604030504040204" pitchFamily="34" charset="0"/>
+                <a:cs typeface="Tahoma" panose="020B0604030504040204" pitchFamily="34" charset="0"/>
+              </a:rPr>
+              <a:t> ta có 2 </a:t>
+            </a:r>
+            <a:r>
+              <a:rPr lang="en-US" sz="2000" dirty="0" err="1">
+                <a:latin typeface="Tahoma" panose="020B0604030504040204" pitchFamily="34" charset="0"/>
+                <a:ea typeface="Tahoma" panose="020B0604030504040204" pitchFamily="34" charset="0"/>
+                <a:cs typeface="Tahoma" panose="020B0604030504040204" pitchFamily="34" charset="0"/>
+              </a:rPr>
+              <a:t>cách</a:t>
+            </a:r>
+            <a:r>
+              <a:rPr lang="en-US" sz="2000" dirty="0">
+                <a:latin typeface="Tahoma" panose="020B0604030504040204" pitchFamily="34" charset="0"/>
+                <a:ea typeface="Tahoma" panose="020B0604030504040204" pitchFamily="34" charset="0"/>
+                <a:cs typeface="Tahoma" panose="020B0604030504040204" pitchFamily="34" charset="0"/>
+              </a:rPr>
+              <a:t> </a:t>
+            </a:r>
+            <a:r>
+              <a:rPr lang="en-US" sz="2000" dirty="0" err="1">
+                <a:latin typeface="Tahoma" panose="020B0604030504040204" pitchFamily="34" charset="0"/>
+                <a:ea typeface="Tahoma" panose="020B0604030504040204" pitchFamily="34" charset="0"/>
+                <a:cs typeface="Tahoma" panose="020B0604030504040204" pitchFamily="34" charset="0"/>
+              </a:rPr>
+              <a:t>tiếp</a:t>
+            </a:r>
+            <a:r>
+              <a:rPr lang="en-US" sz="2000" dirty="0">
+                <a:latin typeface="Tahoma" panose="020B0604030504040204" pitchFamily="34" charset="0"/>
+                <a:ea typeface="Tahoma" panose="020B0604030504040204" pitchFamily="34" charset="0"/>
+                <a:cs typeface="Tahoma" panose="020B0604030504040204" pitchFamily="34" charset="0"/>
+              </a:rPr>
+              <a:t> </a:t>
+            </a:r>
+            <a:r>
+              <a:rPr lang="en-US" sz="2000" dirty="0" err="1">
+                <a:latin typeface="Tahoma" panose="020B0604030504040204" pitchFamily="34" charset="0"/>
+                <a:ea typeface="Tahoma" panose="020B0604030504040204" pitchFamily="34" charset="0"/>
+                <a:cs typeface="Tahoma" panose="020B0604030504040204" pitchFamily="34" charset="0"/>
+              </a:rPr>
+              <a:t>cận</a:t>
+            </a:r>
+            <a:r>
+              <a:rPr lang="en-US" sz="2000" dirty="0">
+                <a:latin typeface="Tahoma" panose="020B0604030504040204" pitchFamily="34" charset="0"/>
+                <a:ea typeface="Tahoma" panose="020B0604030504040204" pitchFamily="34" charset="0"/>
+                <a:cs typeface="Tahoma" panose="020B0604030504040204" pitchFamily="34" charset="0"/>
+              </a:rPr>
+              <a:t>: </a:t>
+            </a:r>
+          </a:p>
+          <a:p>
+            <a:pPr marL="800100" lvl="1" indent="-342900">
+              <a:lnSpc>
+                <a:spcPct val="150000"/>
+              </a:lnSpc>
+              <a:buFont typeface="Arial" panose="020B0604020202020204" pitchFamily="34" charset="0"/>
+              <a:buChar char="•"/>
+            </a:pPr>
+            <a:r>
+              <a:rPr lang="en-US" sz="2000" dirty="0" err="1">
+                <a:latin typeface="Tahoma" panose="020B0604030504040204" pitchFamily="34" charset="0"/>
+                <a:ea typeface="Tahoma" panose="020B0604030504040204" pitchFamily="34" charset="0"/>
+                <a:cs typeface="Tahoma" panose="020B0604030504040204" pitchFamily="34" charset="0"/>
+              </a:rPr>
+              <a:t>Phương</a:t>
+            </a:r>
+            <a:r>
+              <a:rPr lang="en-US" sz="2000" dirty="0">
+                <a:latin typeface="Tahoma" panose="020B0604030504040204" pitchFamily="34" charset="0"/>
+                <a:ea typeface="Tahoma" panose="020B0604030504040204" pitchFamily="34" charset="0"/>
+                <a:cs typeface="Tahoma" panose="020B0604030504040204" pitchFamily="34" charset="0"/>
+              </a:rPr>
+              <a:t> </a:t>
+            </a:r>
+            <a:r>
+              <a:rPr lang="en-US" sz="2000" dirty="0" err="1">
+                <a:latin typeface="Tahoma" panose="020B0604030504040204" pitchFamily="34" charset="0"/>
+                <a:ea typeface="Tahoma" panose="020B0604030504040204" pitchFamily="34" charset="0"/>
+                <a:cs typeface="Tahoma" panose="020B0604030504040204" pitchFamily="34" charset="0"/>
+              </a:rPr>
+              <a:t>trình</a:t>
+            </a:r>
+            <a:r>
+              <a:rPr lang="en-US" sz="2000" dirty="0">
+                <a:latin typeface="Tahoma" panose="020B0604030504040204" pitchFamily="34" charset="0"/>
+                <a:ea typeface="Tahoma" panose="020B0604030504040204" pitchFamily="34" charset="0"/>
+                <a:cs typeface="Tahoma" panose="020B0604030504040204" pitchFamily="34" charset="0"/>
+              </a:rPr>
+              <a:t> </a:t>
+            </a:r>
+            <a:r>
+              <a:rPr lang="en-US" sz="2000" dirty="0" err="1">
+                <a:latin typeface="Tahoma" panose="020B0604030504040204" pitchFamily="34" charset="0"/>
+                <a:ea typeface="Tahoma" panose="020B0604030504040204" pitchFamily="34" charset="0"/>
+                <a:cs typeface="Tahoma" panose="020B0604030504040204" pitchFamily="34" charset="0"/>
+              </a:rPr>
+              <a:t>chính</a:t>
+            </a:r>
+            <a:r>
+              <a:rPr lang="en-US" sz="2000" dirty="0">
+                <a:latin typeface="Tahoma" panose="020B0604030504040204" pitchFamily="34" charset="0"/>
+                <a:ea typeface="Tahoma" panose="020B0604030504040204" pitchFamily="34" charset="0"/>
+                <a:cs typeface="Tahoma" panose="020B0604030504040204" pitchFamily="34" charset="0"/>
+              </a:rPr>
+              <a:t> </a:t>
+            </a:r>
+            <a:r>
+              <a:rPr lang="en-US" sz="2000" dirty="0" err="1">
+                <a:latin typeface="Tahoma" panose="020B0604030504040204" pitchFamily="34" charset="0"/>
+                <a:ea typeface="Tahoma" panose="020B0604030504040204" pitchFamily="34" charset="0"/>
+                <a:cs typeface="Tahoma" panose="020B0604030504040204" pitchFamily="34" charset="0"/>
+              </a:rPr>
+              <a:t>tắc</a:t>
+            </a:r>
+            <a:r>
+              <a:rPr lang="en-US" sz="2000" dirty="0">
+                <a:latin typeface="Tahoma" panose="020B0604030504040204" pitchFamily="34" charset="0"/>
+                <a:ea typeface="Tahoma" panose="020B0604030504040204" pitchFamily="34" charset="0"/>
+                <a:cs typeface="Tahoma" panose="020B0604030504040204" pitchFamily="34" charset="0"/>
+              </a:rPr>
+              <a:t> (normal equation)</a:t>
+            </a:r>
+          </a:p>
+          <a:p>
+            <a:pPr marL="800100" lvl="1" indent="-342900">
+              <a:buFont typeface="Arial" panose="020B0604020202020204" pitchFamily="34" charset="0"/>
+              <a:buChar char="•"/>
+            </a:pPr>
+            <a:endParaRPr lang="en-US" sz="2000" dirty="0">
+              <a:latin typeface="Tahoma" panose="020B0604030504040204" pitchFamily="34" charset="0"/>
+              <a:ea typeface="Tahoma" panose="020B0604030504040204" pitchFamily="34" charset="0"/>
+              <a:cs typeface="Tahoma" panose="020B0604030504040204" pitchFamily="34" charset="0"/>
+            </a:endParaRPr>
+          </a:p>
+          <a:p>
+            <a:pPr marL="800100" lvl="1" indent="-342900">
+              <a:buFont typeface="Arial" panose="020B0604020202020204" pitchFamily="34" charset="0"/>
+              <a:buChar char="•"/>
+            </a:pPr>
+            <a:endParaRPr lang="en-US" sz="2000" dirty="0">
+              <a:latin typeface="Tahoma" panose="020B0604030504040204" pitchFamily="34" charset="0"/>
+              <a:ea typeface="Tahoma" panose="020B0604030504040204" pitchFamily="34" charset="0"/>
+              <a:cs typeface="Tahoma" panose="020B0604030504040204" pitchFamily="34" charset="0"/>
+            </a:endParaRPr>
+          </a:p>
+          <a:p>
+            <a:pPr marL="800100" lvl="1" indent="-342900">
+              <a:buFont typeface="Arial" panose="020B0604020202020204" pitchFamily="34" charset="0"/>
+              <a:buChar char="•"/>
+            </a:pPr>
+            <a:endParaRPr lang="en-US" sz="2000" dirty="0">
+              <a:latin typeface="Tahoma" panose="020B0604030504040204" pitchFamily="34" charset="0"/>
+              <a:ea typeface="Tahoma" panose="020B0604030504040204" pitchFamily="34" charset="0"/>
+              <a:cs typeface="Tahoma" panose="020B0604030504040204" pitchFamily="34" charset="0"/>
+            </a:endParaRPr>
+          </a:p>
+          <a:p>
+            <a:pPr marL="800100" lvl="1" indent="-342900">
+              <a:buFont typeface="Arial" panose="020B0604020202020204" pitchFamily="34" charset="0"/>
+              <a:buChar char="•"/>
+            </a:pPr>
+            <a:r>
+              <a:rPr lang="en-US" sz="2000" dirty="0" err="1">
+                <a:latin typeface="Tahoma" panose="020B0604030504040204" pitchFamily="34" charset="0"/>
+                <a:ea typeface="Tahoma" panose="020B0604030504040204" pitchFamily="34" charset="0"/>
+                <a:cs typeface="Tahoma" panose="020B0604030504040204" pitchFamily="34" charset="0"/>
+              </a:rPr>
+              <a:t>Bình</a:t>
+            </a:r>
+            <a:r>
+              <a:rPr lang="en-US" sz="2000" dirty="0">
+                <a:latin typeface="Tahoma" panose="020B0604030504040204" pitchFamily="34" charset="0"/>
+                <a:ea typeface="Tahoma" panose="020B0604030504040204" pitchFamily="34" charset="0"/>
+                <a:cs typeface="Tahoma" panose="020B0604030504040204" pitchFamily="34" charset="0"/>
+              </a:rPr>
+              <a:t> </a:t>
+            </a:r>
+            <a:r>
+              <a:rPr lang="en-US" sz="2000" dirty="0" err="1">
+                <a:latin typeface="Tahoma" panose="020B0604030504040204" pitchFamily="34" charset="0"/>
+                <a:ea typeface="Tahoma" panose="020B0604030504040204" pitchFamily="34" charset="0"/>
+                <a:cs typeface="Tahoma" panose="020B0604030504040204" pitchFamily="34" charset="0"/>
+              </a:rPr>
+              <a:t>phương</a:t>
+            </a:r>
+            <a:r>
+              <a:rPr lang="en-US" sz="2000" dirty="0">
+                <a:latin typeface="Tahoma" panose="020B0604030504040204" pitchFamily="34" charset="0"/>
+                <a:ea typeface="Tahoma" panose="020B0604030504040204" pitchFamily="34" charset="0"/>
+                <a:cs typeface="Tahoma" panose="020B0604030504040204" pitchFamily="34" charset="0"/>
+              </a:rPr>
+              <a:t> </a:t>
+            </a:r>
+            <a:r>
+              <a:rPr lang="en-US" sz="2000" dirty="0" err="1">
+                <a:latin typeface="Tahoma" panose="020B0604030504040204" pitchFamily="34" charset="0"/>
+                <a:ea typeface="Tahoma" panose="020B0604030504040204" pitchFamily="34" charset="0"/>
+                <a:cs typeface="Tahoma" panose="020B0604030504040204" pitchFamily="34" charset="0"/>
+              </a:rPr>
+              <a:t>tối</a:t>
+            </a:r>
+            <a:r>
+              <a:rPr lang="en-US" sz="2000" dirty="0">
+                <a:latin typeface="Tahoma" panose="020B0604030504040204" pitchFamily="34" charset="0"/>
+                <a:ea typeface="Tahoma" panose="020B0604030504040204" pitchFamily="34" charset="0"/>
+                <a:cs typeface="Tahoma" panose="020B0604030504040204" pitchFamily="34" charset="0"/>
+              </a:rPr>
+              <a:t> </a:t>
+            </a:r>
+            <a:r>
+              <a:rPr lang="en-US" sz="2000" dirty="0" err="1">
+                <a:latin typeface="Tahoma" panose="020B0604030504040204" pitchFamily="34" charset="0"/>
+                <a:ea typeface="Tahoma" panose="020B0604030504040204" pitchFamily="34" charset="0"/>
+                <a:cs typeface="Tahoma" panose="020B0604030504040204" pitchFamily="34" charset="0"/>
+              </a:rPr>
+              <a:t>thiểu</a:t>
+            </a:r>
+            <a:r>
+              <a:rPr lang="en-US" sz="2000" dirty="0">
+                <a:latin typeface="Tahoma" panose="020B0604030504040204" pitchFamily="34" charset="0"/>
+                <a:ea typeface="Tahoma" panose="020B0604030504040204" pitchFamily="34" charset="0"/>
+                <a:cs typeface="Tahoma" panose="020B0604030504040204" pitchFamily="34" charset="0"/>
+              </a:rPr>
+              <a:t> </a:t>
+            </a:r>
+            <a:r>
+              <a:rPr lang="en-US" sz="2000" dirty="0" err="1">
+                <a:latin typeface="Tahoma" panose="020B0604030504040204" pitchFamily="34" charset="0"/>
+                <a:ea typeface="Tahoma" panose="020B0604030504040204" pitchFamily="34" charset="0"/>
+                <a:cs typeface="Tahoma" panose="020B0604030504040204" pitchFamily="34" charset="0"/>
+              </a:rPr>
+              <a:t>bằng</a:t>
+            </a:r>
+            <a:r>
+              <a:rPr lang="en-US" sz="2000" dirty="0">
+                <a:latin typeface="Tahoma" panose="020B0604030504040204" pitchFamily="34" charset="0"/>
+                <a:ea typeface="Tahoma" panose="020B0604030504040204" pitchFamily="34" charset="0"/>
+                <a:cs typeface="Tahoma" panose="020B0604030504040204" pitchFamily="34" charset="0"/>
+              </a:rPr>
+              <a:t> </a:t>
+            </a:r>
+            <a:r>
+              <a:rPr lang="en-US" sz="2000" dirty="0" err="1">
+                <a:latin typeface="Tahoma" panose="020B0604030504040204" pitchFamily="34" charset="0"/>
+                <a:ea typeface="Tahoma" panose="020B0604030504040204" pitchFamily="34" charset="0"/>
+                <a:cs typeface="Tahoma" panose="020B0604030504040204" pitchFamily="34" charset="0"/>
+              </a:rPr>
+              <a:t>phương</a:t>
+            </a:r>
+            <a:r>
+              <a:rPr lang="en-US" sz="2000" dirty="0">
+                <a:latin typeface="Tahoma" panose="020B0604030504040204" pitchFamily="34" charset="0"/>
+                <a:ea typeface="Tahoma" panose="020B0604030504040204" pitchFamily="34" charset="0"/>
+                <a:cs typeface="Tahoma" panose="020B0604030504040204" pitchFamily="34" charset="0"/>
+              </a:rPr>
+              <a:t> </a:t>
+            </a:r>
+            <a:r>
+              <a:rPr lang="en-US" sz="2000" dirty="0" err="1">
+                <a:latin typeface="Tahoma" panose="020B0604030504040204" pitchFamily="34" charset="0"/>
+                <a:ea typeface="Tahoma" panose="020B0604030504040204" pitchFamily="34" charset="0"/>
+                <a:cs typeface="Tahoma" panose="020B0604030504040204" pitchFamily="34" charset="0"/>
+              </a:rPr>
+              <a:t>pháp</a:t>
+            </a:r>
+            <a:r>
+              <a:rPr lang="en-US" sz="2000" dirty="0">
+                <a:latin typeface="Tahoma" panose="020B0604030504040204" pitchFamily="34" charset="0"/>
+                <a:ea typeface="Tahoma" panose="020B0604030504040204" pitchFamily="34" charset="0"/>
+                <a:cs typeface="Tahoma" panose="020B0604030504040204" pitchFamily="34" charset="0"/>
+              </a:rPr>
+              <a:t> QR </a:t>
+            </a:r>
+            <a:r>
+              <a:rPr lang="en-US" sz="2000" dirty="0" err="1">
+                <a:latin typeface="Tahoma" panose="020B0604030504040204" pitchFamily="34" charset="0"/>
+                <a:ea typeface="Tahoma" panose="020B0604030504040204" pitchFamily="34" charset="0"/>
+                <a:cs typeface="Tahoma" panose="020B0604030504040204" pitchFamily="34" charset="0"/>
+              </a:rPr>
+              <a:t>hoặc</a:t>
+            </a:r>
+            <a:r>
+              <a:rPr lang="en-US" sz="2000" dirty="0">
+                <a:latin typeface="Tahoma" panose="020B0604030504040204" pitchFamily="34" charset="0"/>
+                <a:ea typeface="Tahoma" panose="020B0604030504040204" pitchFamily="34" charset="0"/>
+                <a:cs typeface="Tahoma" panose="020B0604030504040204" pitchFamily="34" charset="0"/>
+              </a:rPr>
+              <a:t> SVD.</a:t>
+            </a:r>
+          </a:p>
+          <a:p>
+            <a:pPr marL="800100" lvl="1" indent="-342900">
+              <a:buFont typeface="Arial" panose="020B0604020202020204" pitchFamily="34" charset="0"/>
+              <a:buChar char="•"/>
+            </a:pPr>
+            <a:endParaRPr lang="en-US" sz="2000" dirty="0">
+              <a:latin typeface="Tahoma" panose="020B0604030504040204" pitchFamily="34" charset="0"/>
+              <a:ea typeface="Tahoma" panose="020B0604030504040204" pitchFamily="34" charset="0"/>
+              <a:cs typeface="Tahoma" panose="020B0604030504040204" pitchFamily="34" charset="0"/>
+            </a:endParaRPr>
+          </a:p>
+          <a:p>
+            <a:endParaRPr lang="en-US" sz="2000" dirty="0">
+              <a:latin typeface="Tahoma" panose="020B0604030504040204" pitchFamily="34" charset="0"/>
+              <a:ea typeface="Tahoma" panose="020B0604030504040204" pitchFamily="34" charset="0"/>
+              <a:cs typeface="Tahoma" panose="020B0604030504040204" pitchFamily="34" charset="0"/>
+            </a:endParaRPr>
+          </a:p>
+        </p:txBody>
+      </p:sp>
+      <p:pic>
+        <p:nvPicPr>
+          <p:cNvPr id="6" name="Picture 5">
+            <a:extLst>
+              <a:ext uri="{FF2B5EF4-FFF2-40B4-BE49-F238E27FC236}">
+                <a16:creationId xmlns:a16="http://schemas.microsoft.com/office/drawing/2014/main" id="{DB08FFBB-57E4-81E5-D5F8-947FACCDE1DB}"/>
+              </a:ext>
+            </a:extLst>
+          </p:cNvPr>
+          <p:cNvPicPr>
+            <a:picLocks noChangeAspect="1"/>
+          </p:cNvPicPr>
+          <p:nvPr/>
+        </p:nvPicPr>
+        <p:blipFill>
+          <a:blip r:embed="rId3"/>
+          <a:stretch>
+            <a:fillRect/>
+          </a:stretch>
+        </p:blipFill>
+        <p:spPr>
+          <a:xfrm>
+            <a:off x="3624819" y="3225007"/>
+            <a:ext cx="3915052" cy="723262"/>
+          </a:xfrm>
+          <a:prstGeom prst="rect">
+            <a:avLst/>
+          </a:prstGeom>
+        </p:spPr>
+      </p:pic>
+      <p:pic>
+        <p:nvPicPr>
+          <p:cNvPr id="10" name="Picture 9">
+            <a:extLst>
+              <a:ext uri="{FF2B5EF4-FFF2-40B4-BE49-F238E27FC236}">
+                <a16:creationId xmlns:a16="http://schemas.microsoft.com/office/drawing/2014/main" id="{8F13C638-3281-98AA-D58B-92710091FE74}"/>
+              </a:ext>
+            </a:extLst>
+          </p:cNvPr>
+          <p:cNvPicPr>
+            <a:picLocks noChangeAspect="1"/>
+          </p:cNvPicPr>
+          <p:nvPr/>
+        </p:nvPicPr>
+        <p:blipFill>
+          <a:blip r:embed="rId4"/>
+          <a:stretch>
+            <a:fillRect/>
+          </a:stretch>
+        </p:blipFill>
+        <p:spPr>
+          <a:xfrm>
+            <a:off x="1581520" y="4734061"/>
+            <a:ext cx="4275730" cy="1193532"/>
+          </a:xfrm>
+          <a:prstGeom prst="rect">
+            <a:avLst/>
+          </a:prstGeom>
+        </p:spPr>
+      </p:pic>
+      <p:pic>
+        <p:nvPicPr>
+          <p:cNvPr id="12" name="Picture 11">
+            <a:extLst>
+              <a:ext uri="{FF2B5EF4-FFF2-40B4-BE49-F238E27FC236}">
+                <a16:creationId xmlns:a16="http://schemas.microsoft.com/office/drawing/2014/main" id="{804B8060-C000-FF14-FEB0-85C03C6AC6CB}"/>
+              </a:ext>
+            </a:extLst>
+          </p:cNvPr>
+          <p:cNvPicPr>
+            <a:picLocks noChangeAspect="1"/>
+          </p:cNvPicPr>
+          <p:nvPr/>
+        </p:nvPicPr>
+        <p:blipFill>
+          <a:blip r:embed="rId5"/>
+          <a:stretch>
+            <a:fillRect/>
+          </a:stretch>
+        </p:blipFill>
+        <p:spPr>
+          <a:xfrm>
+            <a:off x="7838522" y="4653702"/>
+            <a:ext cx="2160924" cy="1193533"/>
+          </a:xfrm>
+          <a:prstGeom prst="rect">
+            <a:avLst/>
+          </a:prstGeom>
+        </p:spPr>
+      </p:pic>
+      <p:sp>
+        <p:nvSpPr>
+          <p:cNvPr id="13" name="TextBox 12">
+            <a:extLst>
+              <a:ext uri="{FF2B5EF4-FFF2-40B4-BE49-F238E27FC236}">
+                <a16:creationId xmlns:a16="http://schemas.microsoft.com/office/drawing/2014/main" id="{2615E4CC-CFC1-D648-A24B-707CE77F2568}"/>
+              </a:ext>
+            </a:extLst>
+          </p:cNvPr>
+          <p:cNvSpPr txBox="1"/>
+          <p:nvPr/>
+        </p:nvSpPr>
+        <p:spPr>
+          <a:xfrm>
+            <a:off x="6243732" y="4991899"/>
+            <a:ext cx="1296139" cy="477054"/>
+          </a:xfrm>
+          <a:prstGeom prst="rect">
+            <a:avLst/>
+          </a:prstGeom>
+          <a:noFill/>
+        </p:spPr>
+        <p:txBody>
+          <a:bodyPr wrap="square" rtlCol="0">
+            <a:spAutoFit/>
+          </a:bodyPr>
+          <a:lstStyle/>
+          <a:p>
+            <a:r>
+              <a:rPr lang="en-US" sz="2500" dirty="0" err="1"/>
+              <a:t>hoặc</a:t>
+            </a:r>
+            <a:endParaRPr lang="en-US" sz="2500" dirty="0"/>
+          </a:p>
+        </p:txBody>
+      </p:sp>
+    </p:spTree>
+    <p:extLst>
+      <p:ext uri="{BB962C8B-B14F-4D97-AF65-F5344CB8AC3E}">
+        <p14:creationId xmlns:p14="http://schemas.microsoft.com/office/powerpoint/2010/main" val="1180103900"/>
+      </p:ext>
+    </p:extLst>
+  </p:cSld>
+  <p:clrMapOvr>
+    <a:masterClrMapping/>
+  </p:clrMapOvr>
+</p:sld>
+</file>
+
+<file path=ppt/slides/slide22.xml><?xml version="1.0" encoding="utf-8"?>
 <p:sld xmlns:a="http://schemas.openxmlformats.org/drawingml/2006/main" xmlns:r="http://schemas.openxmlformats.org/officeDocument/2006/relationships" xmlns:p="http://schemas.openxmlformats.org/presentationml/2006/main">
   <p:cSld>
     <p:spTree>
@@ -7546,20 +11238,12 @@
           </a:p>
           <a:p>
             <a:r>
-              <a:rPr lang="vi-VN" sz="2400" dirty="0">
-                <a:solidFill>
-                  <a:schemeClr val="tx1"/>
-                </a:solidFill>
-              </a:rPr>
-              <a:t>Bài toán hồi quy </a:t>
-            </a:r>
-            <a:r>
               <a:rPr lang="en-US" sz="2400" dirty="0" err="1">
                 <a:solidFill>
                   <a:schemeClr val="tx1"/>
                 </a:solidFill>
               </a:rPr>
-              <a:t>đa</a:t>
+              <a:t>Hồi</a:t>
             </a:r>
             <a:r>
               <a:rPr lang="en-US" sz="2400" dirty="0">
@@ -7575,13 +11259,176 @@
                   <a:schemeClr val="tx1"/>
                 </a:solidFill>
               </a:rPr>
+              <a:t>quy</a:t>
+            </a:r>
+            <a:r>
+              <a:rPr lang="en-US" sz="2400" dirty="0">
+                <a:solidFill>
+                  <a:schemeClr val="tx1"/>
+                </a:solidFill>
+              </a:rPr>
+              <a:t> với </a:t>
+            </a:r>
+            <a:r>
+              <a:rPr lang="en-US" sz="2400" dirty="0" err="1">
+                <a:solidFill>
+                  <a:schemeClr val="tx1"/>
+                </a:solidFill>
+              </a:rPr>
               <a:t>biến</a:t>
             </a:r>
-            <a:endParaRPr lang="vi-VN" sz="2400" dirty="0">
-              <a:solidFill>
-                <a:schemeClr val="tx1"/>
-              </a:solidFill>
-            </a:endParaRPr>
+            <a:r>
+              <a:rPr lang="en-US" sz="2400" dirty="0">
+                <a:solidFill>
+                  <a:schemeClr val="tx1"/>
+                </a:solidFill>
+              </a:rPr>
+              <a:t> </a:t>
+            </a:r>
+            <a:r>
+              <a:rPr lang="en-US" sz="2400" dirty="0" err="1">
+                <a:solidFill>
+                  <a:schemeClr val="tx1"/>
+                </a:solidFill>
+              </a:rPr>
+              <a:t>giả</a:t>
+            </a:r>
+            <a:r>
+              <a:rPr lang="en-US" sz="2400" dirty="0">
+                <a:solidFill>
+                  <a:schemeClr val="tx1"/>
+                </a:solidFill>
+              </a:rPr>
+              <a:t> (dummy variables) trong </a:t>
+            </a:r>
+            <a:r>
+              <a:rPr lang="en-US" sz="2400" dirty="0" err="1">
+                <a:solidFill>
+                  <a:schemeClr val="tx1"/>
+                </a:solidFill>
+              </a:rPr>
+              <a:t>trường</a:t>
+            </a:r>
+            <a:r>
+              <a:rPr lang="en-US" sz="2400" dirty="0">
+                <a:solidFill>
+                  <a:schemeClr val="tx1"/>
+                </a:solidFill>
+              </a:rPr>
+              <a:t> </a:t>
+            </a:r>
+            <a:r>
+              <a:rPr lang="en-US" sz="2400" dirty="0" err="1">
+                <a:solidFill>
+                  <a:schemeClr val="tx1"/>
+                </a:solidFill>
+              </a:rPr>
+              <a:t>hợp</a:t>
+            </a:r>
+            <a:r>
+              <a:rPr lang="en-US" sz="2400" dirty="0">
+                <a:solidFill>
+                  <a:schemeClr val="tx1"/>
+                </a:solidFill>
+              </a:rPr>
+              <a:t> </a:t>
+            </a:r>
+            <a:r>
+              <a:rPr lang="en-US" sz="2400" dirty="0" err="1">
+                <a:solidFill>
+                  <a:schemeClr val="tx1"/>
+                </a:solidFill>
+              </a:rPr>
+              <a:t>dữ</a:t>
+            </a:r>
+            <a:r>
+              <a:rPr lang="en-US" sz="2400" dirty="0">
+                <a:solidFill>
+                  <a:schemeClr val="tx1"/>
+                </a:solidFill>
+              </a:rPr>
+              <a:t> </a:t>
+            </a:r>
+            <a:r>
+              <a:rPr lang="en-US" sz="2400" dirty="0" err="1">
+                <a:solidFill>
+                  <a:schemeClr val="tx1"/>
+                </a:solidFill>
+              </a:rPr>
+              <a:t>liệu</a:t>
+            </a:r>
+            <a:r>
+              <a:rPr lang="en-US" sz="2400" dirty="0">
+                <a:solidFill>
+                  <a:schemeClr val="tx1"/>
+                </a:solidFill>
+              </a:rPr>
+              <a:t> có </a:t>
+            </a:r>
+            <a:r>
+              <a:rPr lang="en-US" sz="2400" dirty="0" err="1">
+                <a:solidFill>
+                  <a:schemeClr val="tx1"/>
+                </a:solidFill>
+              </a:rPr>
+              <a:t>tính</a:t>
+            </a:r>
+            <a:r>
+              <a:rPr lang="en-US" sz="2400" dirty="0">
+                <a:solidFill>
+                  <a:schemeClr val="tx1"/>
+                </a:solidFill>
+              </a:rPr>
+              <a:t> </a:t>
+            </a:r>
+            <a:r>
+              <a:rPr lang="en-US" sz="2400" dirty="0" err="1">
+                <a:solidFill>
+                  <a:schemeClr val="tx1"/>
+                </a:solidFill>
+              </a:rPr>
+              <a:t>chất</a:t>
+            </a:r>
+            <a:r>
+              <a:rPr lang="en-US" sz="2400" dirty="0">
+                <a:solidFill>
+                  <a:schemeClr val="tx1"/>
+                </a:solidFill>
+              </a:rPr>
+              <a:t> </a:t>
+            </a:r>
+            <a:r>
+              <a:rPr lang="en-US" sz="2400" dirty="0" err="1">
+                <a:solidFill>
+                  <a:schemeClr val="tx1"/>
+                </a:solidFill>
+              </a:rPr>
+              <a:t>mùa</a:t>
+            </a:r>
+            <a:r>
+              <a:rPr lang="en-US" sz="2400" dirty="0">
+                <a:solidFill>
+                  <a:schemeClr val="tx1"/>
+                </a:solidFill>
+              </a:rPr>
+              <a:t> </a:t>
+            </a:r>
+            <a:r>
+              <a:rPr lang="en-US" sz="2400" dirty="0" err="1">
+                <a:solidFill>
+                  <a:schemeClr val="tx1"/>
+                </a:solidFill>
+              </a:rPr>
+              <a:t>vụ</a:t>
+            </a:r>
+            <a:r>
+              <a:rPr lang="en-US" sz="2400" dirty="0">
+                <a:solidFill>
+                  <a:schemeClr val="tx1"/>
+                </a:solidFill>
+              </a:rPr>
+              <a:t>.</a:t>
+            </a:r>
           </a:p>
           <a:p>
             <a:r>
@@ -7615,7 +11462,7 @@
 </p:sld>
 </file>
 
-<file path=ppt/slides/slide2.xml><?xml version="1.0" encoding="utf-8"?>
+<file path=ppt/slides/slide3.xml><?xml version="1.0" encoding="utf-8"?>
 <p:sld xmlns:a="http://schemas.openxmlformats.org/drawingml/2006/main" xmlns:r="http://schemas.openxmlformats.org/officeDocument/2006/relationships" xmlns:p="http://schemas.openxmlformats.org/presentationml/2006/main">
   <p:cSld>
     <p:spTree>
@@ -7645,19 +11492,24 @@
         <p:spPr>
           <a:xfrm>
             <a:off x="755234" y="5659185"/>
-            <a:ext cx="3372883" cy="608451"/>
+            <a:ext cx="8965815" cy="608451"/>
           </a:xfrm>
         </p:spPr>
         <p:txBody>
           <a:bodyPr>
-            <a:normAutofit fontScale="90000"/>
+            <a:noAutofit/>
           </a:bodyPr>
           <a:lstStyle/>
           <a:p>
             <a:r>
-              <a:rPr lang="vi-VN" dirty="0"/>
-              <a:t>Đặt Bài Toán</a:t>
-            </a:r>
+              <a:rPr lang="vi-VN" sz="2800" dirty="0"/>
+              <a:t>Bài Toán</a:t>
+            </a:r>
+            <a:r>
+              <a:rPr lang="en-US" sz="2800" dirty="0"/>
+              <a:t> HỒI QUY ĐƠN BIẾN (Curve fitting)</a:t>
+            </a:r>
+            <a:endParaRPr lang="vi-VN" sz="2800" dirty="0"/>
           </a:p>
         </p:txBody>
       </p:sp>
@@ -7679,7 +11531,7 @@
         </p:spPr>
         <p:txBody>
           <a:bodyPr>
-            <a:normAutofit/>
+            <a:normAutofit fontScale="92500" lnSpcReduction="20000"/>
           </a:bodyPr>
           <a:lstStyle/>
           <a:p>
@@ -8003,6 +11855,602 @@
           </a:p>
           <a:p>
             <a:r>
+              <a:rPr lang="en-US" dirty="0" err="1">
+                <a:solidFill>
+                  <a:schemeClr val="tx1"/>
+                </a:solidFill>
+                <a:latin typeface="Tahoma" panose="020B0604030504040204" pitchFamily="34" charset="0"/>
+                <a:ea typeface="Tahoma" panose="020B0604030504040204" pitchFamily="34" charset="0"/>
+                <a:cs typeface="Tahoma" panose="020B0604030504040204" pitchFamily="34" charset="0"/>
+              </a:rPr>
+              <a:t>Biến</a:t>
+            </a:r>
+            <a:r>
+              <a:rPr lang="en-US" dirty="0">
+                <a:solidFill>
+                  <a:schemeClr val="tx1"/>
+                </a:solidFill>
+                <a:latin typeface="Tahoma" panose="020B0604030504040204" pitchFamily="34" charset="0"/>
+                <a:ea typeface="Tahoma" panose="020B0604030504040204" pitchFamily="34" charset="0"/>
+                <a:cs typeface="Tahoma" panose="020B0604030504040204" pitchFamily="34" charset="0"/>
+              </a:rPr>
+              <a:t> </a:t>
+            </a:r>
+            <a:r>
+              <a:rPr lang="en-US" dirty="0" err="1">
+                <a:solidFill>
+                  <a:schemeClr val="tx1"/>
+                </a:solidFill>
+                <a:latin typeface="Tahoma" panose="020B0604030504040204" pitchFamily="34" charset="0"/>
+                <a:ea typeface="Tahoma" panose="020B0604030504040204" pitchFamily="34" charset="0"/>
+                <a:cs typeface="Tahoma" panose="020B0604030504040204" pitchFamily="34" charset="0"/>
+              </a:rPr>
+              <a:t>độc</a:t>
+            </a:r>
+            <a:r>
+              <a:rPr lang="en-US" dirty="0">
+                <a:solidFill>
+                  <a:schemeClr val="tx1"/>
+                </a:solidFill>
+                <a:latin typeface="Tahoma" panose="020B0604030504040204" pitchFamily="34" charset="0"/>
+                <a:ea typeface="Tahoma" panose="020B0604030504040204" pitchFamily="34" charset="0"/>
+                <a:cs typeface="Tahoma" panose="020B0604030504040204" pitchFamily="34" charset="0"/>
+              </a:rPr>
+              <a:t> </a:t>
+            </a:r>
+            <a:r>
+              <a:rPr lang="en-US" dirty="0" err="1">
+                <a:solidFill>
+                  <a:schemeClr val="tx1"/>
+                </a:solidFill>
+                <a:latin typeface="Tahoma" panose="020B0604030504040204" pitchFamily="34" charset="0"/>
+                <a:ea typeface="Tahoma" panose="020B0604030504040204" pitchFamily="34" charset="0"/>
+                <a:cs typeface="Tahoma" panose="020B0604030504040204" pitchFamily="34" charset="0"/>
+              </a:rPr>
+              <a:t>lập</a:t>
+            </a:r>
+            <a:r>
+              <a:rPr lang="en-US" dirty="0">
+                <a:solidFill>
+                  <a:schemeClr val="tx1"/>
+                </a:solidFill>
+                <a:latin typeface="Tahoma" panose="020B0604030504040204" pitchFamily="34" charset="0"/>
+                <a:ea typeface="Tahoma" panose="020B0604030504040204" pitchFamily="34" charset="0"/>
+                <a:cs typeface="Tahoma" panose="020B0604030504040204" pitchFamily="34" charset="0"/>
+              </a:rPr>
+              <a:t> x ở </a:t>
+            </a:r>
+            <a:r>
+              <a:rPr lang="en-US" dirty="0" err="1">
+                <a:solidFill>
+                  <a:schemeClr val="tx1"/>
+                </a:solidFill>
+                <a:latin typeface="Tahoma" panose="020B0604030504040204" pitchFamily="34" charset="0"/>
+                <a:ea typeface="Tahoma" panose="020B0604030504040204" pitchFamily="34" charset="0"/>
+                <a:cs typeface="Tahoma" panose="020B0604030504040204" pitchFamily="34" charset="0"/>
+              </a:rPr>
+              <a:t>đây</a:t>
+            </a:r>
+            <a:r>
+              <a:rPr lang="en-US" dirty="0">
+                <a:solidFill>
+                  <a:schemeClr val="tx1"/>
+                </a:solidFill>
+                <a:latin typeface="Tahoma" panose="020B0604030504040204" pitchFamily="34" charset="0"/>
+                <a:ea typeface="Tahoma" panose="020B0604030504040204" pitchFamily="34" charset="0"/>
+                <a:cs typeface="Tahoma" panose="020B0604030504040204" pitchFamily="34" charset="0"/>
+              </a:rPr>
+              <a:t> có </a:t>
+            </a:r>
+            <a:r>
+              <a:rPr lang="en-US" dirty="0" err="1">
+                <a:solidFill>
+                  <a:schemeClr val="tx1"/>
+                </a:solidFill>
+                <a:latin typeface="Tahoma" panose="020B0604030504040204" pitchFamily="34" charset="0"/>
+                <a:ea typeface="Tahoma" panose="020B0604030504040204" pitchFamily="34" charset="0"/>
+                <a:cs typeface="Tahoma" panose="020B0604030504040204" pitchFamily="34" charset="0"/>
+              </a:rPr>
+              <a:t>thể</a:t>
+            </a:r>
+            <a:r>
+              <a:rPr lang="en-US" dirty="0">
+                <a:solidFill>
+                  <a:schemeClr val="tx1"/>
+                </a:solidFill>
+                <a:latin typeface="Tahoma" panose="020B0604030504040204" pitchFamily="34" charset="0"/>
+                <a:ea typeface="Tahoma" panose="020B0604030504040204" pitchFamily="34" charset="0"/>
+                <a:cs typeface="Tahoma" panose="020B0604030504040204" pitchFamily="34" charset="0"/>
+              </a:rPr>
+              <a:t> </a:t>
+            </a:r>
+            <a:r>
+              <a:rPr lang="en-US" dirty="0" err="1">
+                <a:solidFill>
+                  <a:schemeClr val="tx1"/>
+                </a:solidFill>
+                <a:latin typeface="Tahoma" panose="020B0604030504040204" pitchFamily="34" charset="0"/>
+                <a:ea typeface="Tahoma" panose="020B0604030504040204" pitchFamily="34" charset="0"/>
+                <a:cs typeface="Tahoma" panose="020B0604030504040204" pitchFamily="34" charset="0"/>
+              </a:rPr>
+              <a:t>là</a:t>
+            </a:r>
+            <a:r>
+              <a:rPr lang="en-US" dirty="0">
+                <a:solidFill>
+                  <a:schemeClr val="tx1"/>
+                </a:solidFill>
+                <a:latin typeface="Tahoma" panose="020B0604030504040204" pitchFamily="34" charset="0"/>
+                <a:ea typeface="Tahoma" panose="020B0604030504040204" pitchFamily="34" charset="0"/>
+                <a:cs typeface="Tahoma" panose="020B0604030504040204" pitchFamily="34" charset="0"/>
+              </a:rPr>
+              <a:t> vector 1 </a:t>
+            </a:r>
+            <a:r>
+              <a:rPr lang="en-US" dirty="0" err="1">
+                <a:solidFill>
+                  <a:schemeClr val="tx1"/>
+                </a:solidFill>
+                <a:latin typeface="Tahoma" panose="020B0604030504040204" pitchFamily="34" charset="0"/>
+                <a:ea typeface="Tahoma" panose="020B0604030504040204" pitchFamily="34" charset="0"/>
+                <a:cs typeface="Tahoma" panose="020B0604030504040204" pitchFamily="34" charset="0"/>
+              </a:rPr>
+              <a:t>chiều</a:t>
+            </a:r>
+            <a:r>
+              <a:rPr lang="en-US" dirty="0">
+                <a:solidFill>
+                  <a:schemeClr val="tx1"/>
+                </a:solidFill>
+                <a:latin typeface="Tahoma" panose="020B0604030504040204" pitchFamily="34" charset="0"/>
+                <a:ea typeface="Tahoma" panose="020B0604030504040204" pitchFamily="34" charset="0"/>
+                <a:cs typeface="Tahoma" panose="020B0604030504040204" pitchFamily="34" charset="0"/>
+              </a:rPr>
+              <a:t> (</a:t>
+            </a:r>
+            <a:r>
+              <a:rPr lang="en-US" dirty="0" err="1">
+                <a:solidFill>
+                  <a:schemeClr val="tx1"/>
+                </a:solidFill>
+                <a:latin typeface="Tahoma" panose="020B0604030504040204" pitchFamily="34" charset="0"/>
+                <a:ea typeface="Tahoma" panose="020B0604030504040204" pitchFamily="34" charset="0"/>
+                <a:cs typeface="Tahoma" panose="020B0604030504040204" pitchFamily="34" charset="0"/>
+              </a:rPr>
+              <a:t>hồi</a:t>
+            </a:r>
+            <a:r>
+              <a:rPr lang="en-US" dirty="0">
+                <a:solidFill>
+                  <a:schemeClr val="tx1"/>
+                </a:solidFill>
+                <a:latin typeface="Tahoma" panose="020B0604030504040204" pitchFamily="34" charset="0"/>
+                <a:ea typeface="Tahoma" panose="020B0604030504040204" pitchFamily="34" charset="0"/>
+                <a:cs typeface="Tahoma" panose="020B0604030504040204" pitchFamily="34" charset="0"/>
+              </a:rPr>
+              <a:t> </a:t>
+            </a:r>
+            <a:r>
+              <a:rPr lang="en-US" dirty="0" err="1">
+                <a:solidFill>
+                  <a:schemeClr val="tx1"/>
+                </a:solidFill>
+                <a:latin typeface="Tahoma" panose="020B0604030504040204" pitchFamily="34" charset="0"/>
+                <a:ea typeface="Tahoma" panose="020B0604030504040204" pitchFamily="34" charset="0"/>
+                <a:cs typeface="Tahoma" panose="020B0604030504040204" pitchFamily="34" charset="0"/>
+              </a:rPr>
+              <a:t>quy</a:t>
+            </a:r>
+            <a:r>
+              <a:rPr lang="en-US" dirty="0">
+                <a:solidFill>
+                  <a:schemeClr val="tx1"/>
+                </a:solidFill>
+                <a:latin typeface="Tahoma" panose="020B0604030504040204" pitchFamily="34" charset="0"/>
+                <a:ea typeface="Tahoma" panose="020B0604030504040204" pitchFamily="34" charset="0"/>
+                <a:cs typeface="Tahoma" panose="020B0604030504040204" pitchFamily="34" charset="0"/>
+              </a:rPr>
+              <a:t> </a:t>
+            </a:r>
+            <a:r>
+              <a:rPr lang="en-US" dirty="0" err="1">
+                <a:solidFill>
+                  <a:schemeClr val="tx1"/>
+                </a:solidFill>
+                <a:latin typeface="Tahoma" panose="020B0604030504040204" pitchFamily="34" charset="0"/>
+                <a:ea typeface="Tahoma" panose="020B0604030504040204" pitchFamily="34" charset="0"/>
+                <a:cs typeface="Tahoma" panose="020B0604030504040204" pitchFamily="34" charset="0"/>
+              </a:rPr>
+              <a:t>đơn</a:t>
+            </a:r>
+            <a:r>
+              <a:rPr lang="en-US" dirty="0">
+                <a:solidFill>
+                  <a:schemeClr val="tx1"/>
+                </a:solidFill>
+                <a:latin typeface="Tahoma" panose="020B0604030504040204" pitchFamily="34" charset="0"/>
+                <a:ea typeface="Tahoma" panose="020B0604030504040204" pitchFamily="34" charset="0"/>
+                <a:cs typeface="Tahoma" panose="020B0604030504040204" pitchFamily="34" charset="0"/>
+              </a:rPr>
+              <a:t> </a:t>
+            </a:r>
+            <a:r>
+              <a:rPr lang="en-US" dirty="0" err="1">
+                <a:solidFill>
+                  <a:schemeClr val="tx1"/>
+                </a:solidFill>
+                <a:latin typeface="Tahoma" panose="020B0604030504040204" pitchFamily="34" charset="0"/>
+                <a:ea typeface="Tahoma" panose="020B0604030504040204" pitchFamily="34" charset="0"/>
+                <a:cs typeface="Tahoma" panose="020B0604030504040204" pitchFamily="34" charset="0"/>
+              </a:rPr>
+              <a:t>biến</a:t>
+            </a:r>
+            <a:r>
+              <a:rPr lang="en-US" dirty="0">
+                <a:solidFill>
+                  <a:schemeClr val="tx1"/>
+                </a:solidFill>
+                <a:latin typeface="Tahoma" panose="020B0604030504040204" pitchFamily="34" charset="0"/>
+                <a:ea typeface="Tahoma" panose="020B0604030504040204" pitchFamily="34" charset="0"/>
+                <a:cs typeface="Tahoma" panose="020B0604030504040204" pitchFamily="34" charset="0"/>
+              </a:rPr>
+              <a:t>/simple regression) </a:t>
+            </a:r>
+            <a:r>
+              <a:rPr lang="en-US" dirty="0" err="1">
+                <a:solidFill>
+                  <a:schemeClr val="tx1"/>
+                </a:solidFill>
+                <a:latin typeface="Tahoma" panose="020B0604030504040204" pitchFamily="34" charset="0"/>
+                <a:ea typeface="Tahoma" panose="020B0604030504040204" pitchFamily="34" charset="0"/>
+                <a:cs typeface="Tahoma" panose="020B0604030504040204" pitchFamily="34" charset="0"/>
+              </a:rPr>
+              <a:t>hoặc</a:t>
+            </a:r>
+            <a:r>
+              <a:rPr lang="en-US" dirty="0">
+                <a:solidFill>
+                  <a:schemeClr val="tx1"/>
+                </a:solidFill>
+                <a:latin typeface="Tahoma" panose="020B0604030504040204" pitchFamily="34" charset="0"/>
+                <a:ea typeface="Tahoma" panose="020B0604030504040204" pitchFamily="34" charset="0"/>
+                <a:cs typeface="Tahoma" panose="020B0604030504040204" pitchFamily="34" charset="0"/>
+              </a:rPr>
+              <a:t> 1 ma </a:t>
+            </a:r>
+            <a:r>
+              <a:rPr lang="en-US" dirty="0" err="1">
+                <a:solidFill>
+                  <a:schemeClr val="tx1"/>
+                </a:solidFill>
+                <a:latin typeface="Tahoma" panose="020B0604030504040204" pitchFamily="34" charset="0"/>
+                <a:ea typeface="Tahoma" panose="020B0604030504040204" pitchFamily="34" charset="0"/>
+                <a:cs typeface="Tahoma" panose="020B0604030504040204" pitchFamily="34" charset="0"/>
+              </a:rPr>
+              <a:t>trận</a:t>
+            </a:r>
+            <a:r>
+              <a:rPr lang="en-US" dirty="0">
+                <a:solidFill>
+                  <a:schemeClr val="tx1"/>
+                </a:solidFill>
+                <a:latin typeface="Tahoma" panose="020B0604030504040204" pitchFamily="34" charset="0"/>
+                <a:ea typeface="Tahoma" panose="020B0604030504040204" pitchFamily="34" charset="0"/>
+                <a:cs typeface="Tahoma" panose="020B0604030504040204" pitchFamily="34" charset="0"/>
+              </a:rPr>
+              <a:t> (</a:t>
+            </a:r>
+            <a:r>
+              <a:rPr lang="en-US" dirty="0" err="1">
+                <a:solidFill>
+                  <a:schemeClr val="tx1"/>
+                </a:solidFill>
+                <a:latin typeface="Tahoma" panose="020B0604030504040204" pitchFamily="34" charset="0"/>
+                <a:ea typeface="Tahoma" panose="020B0604030504040204" pitchFamily="34" charset="0"/>
+                <a:cs typeface="Tahoma" panose="020B0604030504040204" pitchFamily="34" charset="0"/>
+              </a:rPr>
+              <a:t>hồi</a:t>
+            </a:r>
+            <a:r>
+              <a:rPr lang="en-US" dirty="0">
+                <a:solidFill>
+                  <a:schemeClr val="tx1"/>
+                </a:solidFill>
+                <a:latin typeface="Tahoma" panose="020B0604030504040204" pitchFamily="34" charset="0"/>
+                <a:ea typeface="Tahoma" panose="020B0604030504040204" pitchFamily="34" charset="0"/>
+                <a:cs typeface="Tahoma" panose="020B0604030504040204" pitchFamily="34" charset="0"/>
+              </a:rPr>
+              <a:t> </a:t>
+            </a:r>
+            <a:r>
+              <a:rPr lang="en-US" dirty="0" err="1">
+                <a:solidFill>
+                  <a:schemeClr val="tx1"/>
+                </a:solidFill>
+                <a:latin typeface="Tahoma" panose="020B0604030504040204" pitchFamily="34" charset="0"/>
+                <a:ea typeface="Tahoma" panose="020B0604030504040204" pitchFamily="34" charset="0"/>
+                <a:cs typeface="Tahoma" panose="020B0604030504040204" pitchFamily="34" charset="0"/>
+              </a:rPr>
+              <a:t>quy</a:t>
+            </a:r>
+            <a:r>
+              <a:rPr lang="en-US" dirty="0">
+                <a:solidFill>
+                  <a:schemeClr val="tx1"/>
+                </a:solidFill>
+                <a:latin typeface="Tahoma" panose="020B0604030504040204" pitchFamily="34" charset="0"/>
+                <a:ea typeface="Tahoma" panose="020B0604030504040204" pitchFamily="34" charset="0"/>
+                <a:cs typeface="Tahoma" panose="020B0604030504040204" pitchFamily="34" charset="0"/>
+              </a:rPr>
+              <a:t> </a:t>
+            </a:r>
+            <a:r>
+              <a:rPr lang="en-US" dirty="0" err="1">
+                <a:solidFill>
+                  <a:schemeClr val="tx1"/>
+                </a:solidFill>
+                <a:latin typeface="Tahoma" panose="020B0604030504040204" pitchFamily="34" charset="0"/>
+                <a:ea typeface="Tahoma" panose="020B0604030504040204" pitchFamily="34" charset="0"/>
+                <a:cs typeface="Tahoma" panose="020B0604030504040204" pitchFamily="34" charset="0"/>
+              </a:rPr>
+              <a:t>đa</a:t>
+            </a:r>
+            <a:r>
+              <a:rPr lang="en-US" dirty="0">
+                <a:solidFill>
+                  <a:schemeClr val="tx1"/>
+                </a:solidFill>
+                <a:latin typeface="Tahoma" panose="020B0604030504040204" pitchFamily="34" charset="0"/>
+                <a:ea typeface="Tahoma" panose="020B0604030504040204" pitchFamily="34" charset="0"/>
+                <a:cs typeface="Tahoma" panose="020B0604030504040204" pitchFamily="34" charset="0"/>
+              </a:rPr>
+              <a:t> </a:t>
+            </a:r>
+            <a:r>
+              <a:rPr lang="en-US" dirty="0" err="1">
+                <a:solidFill>
+                  <a:schemeClr val="tx1"/>
+                </a:solidFill>
+                <a:latin typeface="Tahoma" panose="020B0604030504040204" pitchFamily="34" charset="0"/>
+                <a:ea typeface="Tahoma" panose="020B0604030504040204" pitchFamily="34" charset="0"/>
+                <a:cs typeface="Tahoma" panose="020B0604030504040204" pitchFamily="34" charset="0"/>
+              </a:rPr>
+              <a:t>biến</a:t>
+            </a:r>
+            <a:r>
+              <a:rPr lang="en-US" dirty="0">
+                <a:solidFill>
+                  <a:schemeClr val="tx1"/>
+                </a:solidFill>
+                <a:latin typeface="Tahoma" panose="020B0604030504040204" pitchFamily="34" charset="0"/>
+                <a:ea typeface="Tahoma" panose="020B0604030504040204" pitchFamily="34" charset="0"/>
+                <a:cs typeface="Tahoma" panose="020B0604030504040204" pitchFamily="34" charset="0"/>
+              </a:rPr>
+              <a:t>/multiple regression). </a:t>
+            </a:r>
+            <a:r>
+              <a:rPr lang="en-US" dirty="0" err="1">
+                <a:solidFill>
+                  <a:schemeClr val="tx1"/>
+                </a:solidFill>
+                <a:latin typeface="Tahoma" panose="020B0604030504040204" pitchFamily="34" charset="0"/>
+                <a:ea typeface="Tahoma" panose="020B0604030504040204" pitchFamily="34" charset="0"/>
+                <a:cs typeface="Tahoma" panose="020B0604030504040204" pitchFamily="34" charset="0"/>
+              </a:rPr>
+              <a:t>Dưới</a:t>
+            </a:r>
+            <a:r>
+              <a:rPr lang="en-US" dirty="0">
+                <a:solidFill>
+                  <a:schemeClr val="tx1"/>
+                </a:solidFill>
+                <a:latin typeface="Tahoma" panose="020B0604030504040204" pitchFamily="34" charset="0"/>
+                <a:ea typeface="Tahoma" panose="020B0604030504040204" pitchFamily="34" charset="0"/>
+                <a:cs typeface="Tahoma" panose="020B0604030504040204" pitchFamily="34" charset="0"/>
+              </a:rPr>
+              <a:t> </a:t>
+            </a:r>
+            <a:r>
+              <a:rPr lang="en-US" dirty="0" err="1">
+                <a:solidFill>
+                  <a:schemeClr val="tx1"/>
+                </a:solidFill>
+                <a:latin typeface="Tahoma" panose="020B0604030504040204" pitchFamily="34" charset="0"/>
+                <a:ea typeface="Tahoma" panose="020B0604030504040204" pitchFamily="34" charset="0"/>
+                <a:cs typeface="Tahoma" panose="020B0604030504040204" pitchFamily="34" charset="0"/>
+              </a:rPr>
+              <a:t>đây</a:t>
+            </a:r>
+            <a:r>
+              <a:rPr lang="en-US" dirty="0">
+                <a:solidFill>
+                  <a:schemeClr val="tx1"/>
+                </a:solidFill>
+                <a:latin typeface="Tahoma" panose="020B0604030504040204" pitchFamily="34" charset="0"/>
+                <a:ea typeface="Tahoma" panose="020B0604030504040204" pitchFamily="34" charset="0"/>
+                <a:cs typeface="Tahoma" panose="020B0604030504040204" pitchFamily="34" charset="0"/>
+              </a:rPr>
+              <a:t> ta </a:t>
+            </a:r>
+            <a:r>
+              <a:rPr lang="en-US" dirty="0" err="1">
+                <a:solidFill>
+                  <a:schemeClr val="tx1"/>
+                </a:solidFill>
+                <a:latin typeface="Tahoma" panose="020B0604030504040204" pitchFamily="34" charset="0"/>
+                <a:ea typeface="Tahoma" panose="020B0604030504040204" pitchFamily="34" charset="0"/>
+                <a:cs typeface="Tahoma" panose="020B0604030504040204" pitchFamily="34" charset="0"/>
+              </a:rPr>
+              <a:t>chỉ</a:t>
+            </a:r>
+            <a:r>
+              <a:rPr lang="en-US" dirty="0">
+                <a:solidFill>
+                  <a:schemeClr val="tx1"/>
+                </a:solidFill>
+                <a:latin typeface="Tahoma" panose="020B0604030504040204" pitchFamily="34" charset="0"/>
+                <a:ea typeface="Tahoma" panose="020B0604030504040204" pitchFamily="34" charset="0"/>
+                <a:cs typeface="Tahoma" panose="020B0604030504040204" pitchFamily="34" charset="0"/>
+              </a:rPr>
+              <a:t> </a:t>
+            </a:r>
+            <a:r>
+              <a:rPr lang="en-US" dirty="0" err="1">
+                <a:solidFill>
+                  <a:schemeClr val="tx1"/>
+                </a:solidFill>
+                <a:latin typeface="Tahoma" panose="020B0604030504040204" pitchFamily="34" charset="0"/>
+                <a:ea typeface="Tahoma" panose="020B0604030504040204" pitchFamily="34" charset="0"/>
+                <a:cs typeface="Tahoma" panose="020B0604030504040204" pitchFamily="34" charset="0"/>
+              </a:rPr>
+              <a:t>xét</a:t>
+            </a:r>
+            <a:r>
+              <a:rPr lang="en-US" dirty="0">
+                <a:solidFill>
+                  <a:schemeClr val="tx1"/>
+                </a:solidFill>
+                <a:latin typeface="Tahoma" panose="020B0604030504040204" pitchFamily="34" charset="0"/>
+                <a:ea typeface="Tahoma" panose="020B0604030504040204" pitchFamily="34" charset="0"/>
+                <a:cs typeface="Tahoma" panose="020B0604030504040204" pitchFamily="34" charset="0"/>
+              </a:rPr>
+              <a:t> </a:t>
+            </a:r>
+            <a:r>
+              <a:rPr lang="en-US" dirty="0" err="1">
+                <a:solidFill>
+                  <a:schemeClr val="tx1"/>
+                </a:solidFill>
+                <a:latin typeface="Tahoma" panose="020B0604030504040204" pitchFamily="34" charset="0"/>
+                <a:ea typeface="Tahoma" panose="020B0604030504040204" pitchFamily="34" charset="0"/>
+                <a:cs typeface="Tahoma" panose="020B0604030504040204" pitchFamily="34" charset="0"/>
+              </a:rPr>
+              <a:t>mô</a:t>
+            </a:r>
+            <a:r>
+              <a:rPr lang="en-US" dirty="0">
+                <a:solidFill>
+                  <a:schemeClr val="tx1"/>
+                </a:solidFill>
+                <a:latin typeface="Tahoma" panose="020B0604030504040204" pitchFamily="34" charset="0"/>
+                <a:ea typeface="Tahoma" panose="020B0604030504040204" pitchFamily="34" charset="0"/>
+                <a:cs typeface="Tahoma" panose="020B0604030504040204" pitchFamily="34" charset="0"/>
+              </a:rPr>
+              <a:t> </a:t>
+            </a:r>
+            <a:r>
+              <a:rPr lang="en-US" dirty="0" err="1">
+                <a:solidFill>
+                  <a:schemeClr val="tx1"/>
+                </a:solidFill>
+                <a:latin typeface="Tahoma" panose="020B0604030504040204" pitchFamily="34" charset="0"/>
+                <a:ea typeface="Tahoma" panose="020B0604030504040204" pitchFamily="34" charset="0"/>
+                <a:cs typeface="Tahoma" panose="020B0604030504040204" pitchFamily="34" charset="0"/>
+              </a:rPr>
+              <a:t>hình</a:t>
+            </a:r>
+            <a:r>
+              <a:rPr lang="en-US" dirty="0">
+                <a:solidFill>
+                  <a:schemeClr val="tx1"/>
+                </a:solidFill>
+                <a:latin typeface="Tahoma" panose="020B0604030504040204" pitchFamily="34" charset="0"/>
+                <a:ea typeface="Tahoma" panose="020B0604030504040204" pitchFamily="34" charset="0"/>
+                <a:cs typeface="Tahoma" panose="020B0604030504040204" pitchFamily="34" charset="0"/>
+              </a:rPr>
+              <a:t> </a:t>
+            </a:r>
+            <a:r>
+              <a:rPr lang="en-US" dirty="0" err="1">
+                <a:solidFill>
+                  <a:schemeClr val="tx1"/>
+                </a:solidFill>
+                <a:latin typeface="Tahoma" panose="020B0604030504040204" pitchFamily="34" charset="0"/>
+                <a:ea typeface="Tahoma" panose="020B0604030504040204" pitchFamily="34" charset="0"/>
+                <a:cs typeface="Tahoma" panose="020B0604030504040204" pitchFamily="34" charset="0"/>
+              </a:rPr>
+              <a:t>hồi</a:t>
+            </a:r>
+            <a:r>
+              <a:rPr lang="en-US" dirty="0">
+                <a:solidFill>
+                  <a:schemeClr val="tx1"/>
+                </a:solidFill>
+                <a:latin typeface="Tahoma" panose="020B0604030504040204" pitchFamily="34" charset="0"/>
+                <a:ea typeface="Tahoma" panose="020B0604030504040204" pitchFamily="34" charset="0"/>
+                <a:cs typeface="Tahoma" panose="020B0604030504040204" pitchFamily="34" charset="0"/>
+              </a:rPr>
+              <a:t> </a:t>
+            </a:r>
+            <a:r>
+              <a:rPr lang="en-US" dirty="0" err="1">
+                <a:solidFill>
+                  <a:schemeClr val="tx1"/>
+                </a:solidFill>
+                <a:latin typeface="Tahoma" panose="020B0604030504040204" pitchFamily="34" charset="0"/>
+                <a:ea typeface="Tahoma" panose="020B0604030504040204" pitchFamily="34" charset="0"/>
+                <a:cs typeface="Tahoma" panose="020B0604030504040204" pitchFamily="34" charset="0"/>
+              </a:rPr>
+              <a:t>quy</a:t>
+            </a:r>
+            <a:r>
+              <a:rPr lang="en-US" dirty="0">
+                <a:solidFill>
+                  <a:schemeClr val="tx1"/>
+                </a:solidFill>
+                <a:latin typeface="Tahoma" panose="020B0604030504040204" pitchFamily="34" charset="0"/>
+                <a:ea typeface="Tahoma" panose="020B0604030504040204" pitchFamily="34" charset="0"/>
+                <a:cs typeface="Tahoma" panose="020B0604030504040204" pitchFamily="34" charset="0"/>
+              </a:rPr>
+              <a:t> </a:t>
+            </a:r>
+            <a:r>
+              <a:rPr lang="en-US" dirty="0" err="1">
+                <a:solidFill>
+                  <a:schemeClr val="tx1"/>
+                </a:solidFill>
+                <a:latin typeface="Tahoma" panose="020B0604030504040204" pitchFamily="34" charset="0"/>
+                <a:ea typeface="Tahoma" panose="020B0604030504040204" pitchFamily="34" charset="0"/>
+                <a:cs typeface="Tahoma" panose="020B0604030504040204" pitchFamily="34" charset="0"/>
+              </a:rPr>
+              <a:t>đơn</a:t>
+            </a:r>
+            <a:r>
+              <a:rPr lang="en-US" dirty="0">
+                <a:solidFill>
+                  <a:schemeClr val="tx1"/>
+                </a:solidFill>
+                <a:latin typeface="Tahoma" panose="020B0604030504040204" pitchFamily="34" charset="0"/>
+                <a:ea typeface="Tahoma" panose="020B0604030504040204" pitchFamily="34" charset="0"/>
+                <a:cs typeface="Tahoma" panose="020B0604030504040204" pitchFamily="34" charset="0"/>
+              </a:rPr>
+              <a:t> </a:t>
+            </a:r>
+            <a:r>
+              <a:rPr lang="en-US" dirty="0" err="1">
+                <a:solidFill>
+                  <a:schemeClr val="tx1"/>
+                </a:solidFill>
+                <a:latin typeface="Tahoma" panose="020B0604030504040204" pitchFamily="34" charset="0"/>
+                <a:ea typeface="Tahoma" panose="020B0604030504040204" pitchFamily="34" charset="0"/>
+                <a:cs typeface="Tahoma" panose="020B0604030504040204" pitchFamily="34" charset="0"/>
+              </a:rPr>
+              <a:t>biến</a:t>
+            </a:r>
+            <a:r>
+              <a:rPr lang="en-US" dirty="0">
+                <a:solidFill>
+                  <a:schemeClr val="tx1"/>
+                </a:solidFill>
+                <a:latin typeface="Tahoma" panose="020B0604030504040204" pitchFamily="34" charset="0"/>
+                <a:ea typeface="Tahoma" panose="020B0604030504040204" pitchFamily="34" charset="0"/>
+                <a:cs typeface="Tahoma" panose="020B0604030504040204" pitchFamily="34" charset="0"/>
+              </a:rPr>
+              <a:t>.</a:t>
+            </a:r>
+          </a:p>
+          <a:p>
+            <a:r>
               <a:rPr lang="en-US" sz="2000" dirty="0" err="1">
                 <a:solidFill>
                   <a:schemeClr val="tx1"/>
@@ -8110,7 +12558,7 @@
                 <a:ea typeface="Tahoma" panose="020B0604030504040204" pitchFamily="34" charset="0"/>
                 <a:cs typeface="Tahoma" panose="020B0604030504040204" pitchFamily="34" charset="0"/>
               </a:rPr>
-              <a:t> </a:t>
+              <a:t> có </a:t>
             </a:r>
             <a:r>
               <a:rPr lang="en-US" sz="2000" dirty="0" err="1">
@@ -8121,6 +12569,1143 @@
                 <a:ea typeface="Tahoma" panose="020B0604030504040204" pitchFamily="34" charset="0"/>
                 <a:cs typeface="Tahoma" panose="020B0604030504040204" pitchFamily="34" charset="0"/>
               </a:rPr>
+              <a:t>thể</a:t>
+            </a:r>
+            <a:r>
+              <a:rPr lang="en-US" sz="2000" dirty="0">
+                <a:solidFill>
+                  <a:schemeClr val="tx1"/>
+                </a:solidFill>
+                <a:latin typeface="Tahoma" panose="020B0604030504040204" pitchFamily="34" charset="0"/>
+                <a:ea typeface="Tahoma" panose="020B0604030504040204" pitchFamily="34" charset="0"/>
+                <a:cs typeface="Tahoma" panose="020B0604030504040204" pitchFamily="34" charset="0"/>
+              </a:rPr>
+              <a:t> </a:t>
+            </a:r>
+            <a:r>
+              <a:rPr lang="en-US" sz="2000" dirty="0" err="1">
+                <a:solidFill>
+                  <a:schemeClr val="tx1"/>
+                </a:solidFill>
+                <a:latin typeface="Tahoma" panose="020B0604030504040204" pitchFamily="34" charset="0"/>
+                <a:ea typeface="Tahoma" panose="020B0604030504040204" pitchFamily="34" charset="0"/>
+                <a:cs typeface="Tahoma" panose="020B0604030504040204" pitchFamily="34" charset="0"/>
+              </a:rPr>
+              <a:t>bậc</a:t>
+            </a:r>
+            <a:r>
+              <a:rPr lang="en-US" sz="2000" dirty="0">
+                <a:solidFill>
+                  <a:schemeClr val="tx1"/>
+                </a:solidFill>
+                <a:latin typeface="Tahoma" panose="020B0604030504040204" pitchFamily="34" charset="0"/>
+                <a:ea typeface="Tahoma" panose="020B0604030504040204" pitchFamily="34" charset="0"/>
+                <a:cs typeface="Tahoma" panose="020B0604030504040204" pitchFamily="34" charset="0"/>
+              </a:rPr>
+              <a:t> </a:t>
+            </a:r>
+            <a:r>
+              <a:rPr lang="en-US" sz="2000" dirty="0" err="1">
+                <a:solidFill>
+                  <a:schemeClr val="tx1"/>
+                </a:solidFill>
+                <a:latin typeface="Tahoma" panose="020B0604030504040204" pitchFamily="34" charset="0"/>
+                <a:ea typeface="Tahoma" panose="020B0604030504040204" pitchFamily="34" charset="0"/>
+                <a:cs typeface="Tahoma" panose="020B0604030504040204" pitchFamily="34" charset="0"/>
+              </a:rPr>
+              <a:t>của</a:t>
+            </a:r>
+            <a:r>
+              <a:rPr lang="en-US" sz="2000" dirty="0">
+                <a:solidFill>
+                  <a:schemeClr val="tx1"/>
+                </a:solidFill>
+                <a:latin typeface="Tahoma" panose="020B0604030504040204" pitchFamily="34" charset="0"/>
+                <a:ea typeface="Tahoma" panose="020B0604030504040204" pitchFamily="34" charset="0"/>
+                <a:cs typeface="Tahoma" panose="020B0604030504040204" pitchFamily="34" charset="0"/>
+              </a:rPr>
+              <a:t> </a:t>
+            </a:r>
+            <a:r>
+              <a:rPr lang="en-US" sz="2000" dirty="0" err="1">
+                <a:solidFill>
+                  <a:schemeClr val="tx1"/>
+                </a:solidFill>
+                <a:latin typeface="Tahoma" panose="020B0604030504040204" pitchFamily="34" charset="0"/>
+                <a:ea typeface="Tahoma" panose="020B0604030504040204" pitchFamily="34" charset="0"/>
+                <a:cs typeface="Tahoma" panose="020B0604030504040204" pitchFamily="34" charset="0"/>
+              </a:rPr>
+              <a:t>đa</a:t>
+            </a:r>
+            <a:r>
+              <a:rPr lang="en-US" sz="2000" dirty="0">
+                <a:solidFill>
+                  <a:schemeClr val="tx1"/>
+                </a:solidFill>
+                <a:latin typeface="Tahoma" panose="020B0604030504040204" pitchFamily="34" charset="0"/>
+                <a:ea typeface="Tahoma" panose="020B0604030504040204" pitchFamily="34" charset="0"/>
+                <a:cs typeface="Tahoma" panose="020B0604030504040204" pitchFamily="34" charset="0"/>
+              </a:rPr>
+              <a:t> </a:t>
+            </a:r>
+            <a:r>
+              <a:rPr lang="en-US" sz="2000" dirty="0" err="1">
+                <a:solidFill>
+                  <a:schemeClr val="tx1"/>
+                </a:solidFill>
+                <a:latin typeface="Tahoma" panose="020B0604030504040204" pitchFamily="34" charset="0"/>
+                <a:ea typeface="Tahoma" panose="020B0604030504040204" pitchFamily="34" charset="0"/>
+                <a:cs typeface="Tahoma" panose="020B0604030504040204" pitchFamily="34" charset="0"/>
+              </a:rPr>
+              <a:t>thức</a:t>
+            </a:r>
+            <a:r>
+              <a:rPr lang="en-US" sz="2000" dirty="0">
+                <a:solidFill>
+                  <a:schemeClr val="tx1"/>
+                </a:solidFill>
+                <a:latin typeface="Tahoma" panose="020B0604030504040204" pitchFamily="34" charset="0"/>
+                <a:ea typeface="Tahoma" panose="020B0604030504040204" pitchFamily="34" charset="0"/>
+                <a:cs typeface="Tahoma" panose="020B0604030504040204" pitchFamily="34" charset="0"/>
+              </a:rPr>
+              <a:t> </a:t>
+            </a:r>
+            <a:r>
+              <a:rPr lang="en-US" sz="2000" dirty="0" err="1">
+                <a:solidFill>
+                  <a:schemeClr val="tx1"/>
+                </a:solidFill>
+                <a:latin typeface="Tahoma" panose="020B0604030504040204" pitchFamily="34" charset="0"/>
+                <a:ea typeface="Tahoma" panose="020B0604030504040204" pitchFamily="34" charset="0"/>
+                <a:cs typeface="Tahoma" panose="020B0604030504040204" pitchFamily="34" charset="0"/>
+              </a:rPr>
+              <a:t>nội</a:t>
+            </a:r>
+            <a:r>
+              <a:rPr lang="en-US" sz="2000" dirty="0">
+                <a:solidFill>
+                  <a:schemeClr val="tx1"/>
+                </a:solidFill>
+                <a:latin typeface="Tahoma" panose="020B0604030504040204" pitchFamily="34" charset="0"/>
+                <a:ea typeface="Tahoma" panose="020B0604030504040204" pitchFamily="34" charset="0"/>
+                <a:cs typeface="Tahoma" panose="020B0604030504040204" pitchFamily="34" charset="0"/>
+              </a:rPr>
+              <a:t> </a:t>
+            </a:r>
+            <a:r>
+              <a:rPr lang="en-US" sz="2000" dirty="0" err="1">
+                <a:solidFill>
+                  <a:schemeClr val="tx1"/>
+                </a:solidFill>
+                <a:latin typeface="Tahoma" panose="020B0604030504040204" pitchFamily="34" charset="0"/>
+                <a:ea typeface="Tahoma" panose="020B0604030504040204" pitchFamily="34" charset="0"/>
+                <a:cs typeface="Tahoma" panose="020B0604030504040204" pitchFamily="34" charset="0"/>
+              </a:rPr>
+              <a:t>suy</a:t>
+            </a:r>
+            <a:r>
+              <a:rPr lang="en-US" sz="2000" dirty="0">
+                <a:solidFill>
+                  <a:schemeClr val="tx1"/>
+                </a:solidFill>
+                <a:latin typeface="Tahoma" panose="020B0604030504040204" pitchFamily="34" charset="0"/>
+                <a:ea typeface="Tahoma" panose="020B0604030504040204" pitchFamily="34" charset="0"/>
+                <a:cs typeface="Tahoma" panose="020B0604030504040204" pitchFamily="34" charset="0"/>
+              </a:rPr>
+              <a:t> </a:t>
+            </a:r>
+            <a:r>
+              <a:rPr lang="en-US" sz="2000" dirty="0" err="1">
+                <a:solidFill>
+                  <a:schemeClr val="tx1"/>
+                </a:solidFill>
+                <a:latin typeface="Tahoma" panose="020B0604030504040204" pitchFamily="34" charset="0"/>
+                <a:ea typeface="Tahoma" panose="020B0604030504040204" pitchFamily="34" charset="0"/>
+                <a:cs typeface="Tahoma" panose="020B0604030504040204" pitchFamily="34" charset="0"/>
+              </a:rPr>
+              <a:t>rất</a:t>
+            </a:r>
+            <a:r>
+              <a:rPr lang="en-US" sz="2000" dirty="0">
+                <a:solidFill>
+                  <a:schemeClr val="tx1"/>
+                </a:solidFill>
+                <a:latin typeface="Tahoma" panose="020B0604030504040204" pitchFamily="34" charset="0"/>
+                <a:ea typeface="Tahoma" panose="020B0604030504040204" pitchFamily="34" charset="0"/>
+                <a:cs typeface="Tahoma" panose="020B0604030504040204" pitchFamily="34" charset="0"/>
+              </a:rPr>
+              <a:t> </a:t>
+            </a:r>
+            <a:r>
+              <a:rPr lang="en-US" sz="2000" dirty="0" err="1">
+                <a:solidFill>
+                  <a:schemeClr val="tx1"/>
+                </a:solidFill>
+                <a:latin typeface="Tahoma" panose="020B0604030504040204" pitchFamily="34" charset="0"/>
+                <a:ea typeface="Tahoma" panose="020B0604030504040204" pitchFamily="34" charset="0"/>
+                <a:cs typeface="Tahoma" panose="020B0604030504040204" pitchFamily="34" charset="0"/>
+              </a:rPr>
+              <a:t>lớn</a:t>
+            </a:r>
+            <a:r>
+              <a:rPr lang="en-US" sz="2000" dirty="0">
+                <a:solidFill>
+                  <a:schemeClr val="tx1"/>
+                </a:solidFill>
+                <a:latin typeface="Tahoma" panose="020B0604030504040204" pitchFamily="34" charset="0"/>
+                <a:ea typeface="Tahoma" panose="020B0604030504040204" pitchFamily="34" charset="0"/>
+                <a:cs typeface="Tahoma" panose="020B0604030504040204" pitchFamily="34" charset="0"/>
+              </a:rPr>
+              <a:t> (</a:t>
+            </a:r>
+            <a:r>
+              <a:rPr lang="en-US" sz="2000" dirty="0" err="1">
+                <a:solidFill>
+                  <a:schemeClr val="tx1"/>
+                </a:solidFill>
+                <a:latin typeface="Tahoma" panose="020B0604030504040204" pitchFamily="34" charset="0"/>
+                <a:ea typeface="Tahoma" panose="020B0604030504040204" pitchFamily="34" charset="0"/>
+                <a:cs typeface="Tahoma" panose="020B0604030504040204" pitchFamily="34" charset="0"/>
+              </a:rPr>
+              <a:t>nếu</a:t>
+            </a:r>
+            <a:r>
+              <a:rPr lang="en-US" sz="2000" dirty="0">
+                <a:solidFill>
+                  <a:schemeClr val="tx1"/>
+                </a:solidFill>
+                <a:latin typeface="Tahoma" panose="020B0604030504040204" pitchFamily="34" charset="0"/>
+                <a:ea typeface="Tahoma" panose="020B0604030504040204" pitchFamily="34" charset="0"/>
+                <a:cs typeface="Tahoma" panose="020B0604030504040204" pitchFamily="34" charset="0"/>
+              </a:rPr>
+              <a:t> n </a:t>
+            </a:r>
+            <a:r>
+              <a:rPr lang="en-US" sz="2000" dirty="0" err="1">
+                <a:solidFill>
+                  <a:schemeClr val="tx1"/>
+                </a:solidFill>
+                <a:latin typeface="Tahoma" panose="020B0604030504040204" pitchFamily="34" charset="0"/>
+                <a:ea typeface="Tahoma" panose="020B0604030504040204" pitchFamily="34" charset="0"/>
+                <a:cs typeface="Tahoma" panose="020B0604030504040204" pitchFamily="34" charset="0"/>
+              </a:rPr>
+              <a:t>rất</a:t>
+            </a:r>
+            <a:r>
+              <a:rPr lang="en-US" sz="2000" dirty="0">
+                <a:solidFill>
+                  <a:schemeClr val="tx1"/>
+                </a:solidFill>
+                <a:latin typeface="Tahoma" panose="020B0604030504040204" pitchFamily="34" charset="0"/>
+                <a:ea typeface="Tahoma" panose="020B0604030504040204" pitchFamily="34" charset="0"/>
+                <a:cs typeface="Tahoma" panose="020B0604030504040204" pitchFamily="34" charset="0"/>
+              </a:rPr>
+              <a:t> </a:t>
+            </a:r>
+            <a:r>
+              <a:rPr lang="en-US" sz="2000" dirty="0" err="1">
+                <a:solidFill>
+                  <a:schemeClr val="tx1"/>
+                </a:solidFill>
+                <a:latin typeface="Tahoma" panose="020B0604030504040204" pitchFamily="34" charset="0"/>
+                <a:ea typeface="Tahoma" panose="020B0604030504040204" pitchFamily="34" charset="0"/>
+                <a:cs typeface="Tahoma" panose="020B0604030504040204" pitchFamily="34" charset="0"/>
+              </a:rPr>
+              <a:t>lớn</a:t>
+            </a:r>
+            <a:r>
+              <a:rPr lang="en-US" sz="2000" dirty="0">
+                <a:solidFill>
+                  <a:schemeClr val="tx1"/>
+                </a:solidFill>
+                <a:latin typeface="Tahoma" panose="020B0604030504040204" pitchFamily="34" charset="0"/>
+                <a:ea typeface="Tahoma" panose="020B0604030504040204" pitchFamily="34" charset="0"/>
+                <a:cs typeface="Tahoma" panose="020B0604030504040204" pitchFamily="34" charset="0"/>
+              </a:rPr>
+              <a:t>), chi </a:t>
+            </a:r>
+            <a:r>
+              <a:rPr lang="en-US" sz="2000" dirty="0" err="1">
+                <a:solidFill>
+                  <a:schemeClr val="tx1"/>
+                </a:solidFill>
+                <a:latin typeface="Tahoma" panose="020B0604030504040204" pitchFamily="34" charset="0"/>
+                <a:ea typeface="Tahoma" panose="020B0604030504040204" pitchFamily="34" charset="0"/>
+                <a:cs typeface="Tahoma" panose="020B0604030504040204" pitchFamily="34" charset="0"/>
+              </a:rPr>
+              <a:t>phí</a:t>
+            </a:r>
+            <a:r>
+              <a:rPr lang="en-US" sz="2000" dirty="0">
+                <a:solidFill>
+                  <a:schemeClr val="tx1"/>
+                </a:solidFill>
+                <a:latin typeface="Tahoma" panose="020B0604030504040204" pitchFamily="34" charset="0"/>
+                <a:ea typeface="Tahoma" panose="020B0604030504040204" pitchFamily="34" charset="0"/>
+                <a:cs typeface="Tahoma" panose="020B0604030504040204" pitchFamily="34" charset="0"/>
+              </a:rPr>
+              <a:t> &amp; </a:t>
+            </a:r>
+            <a:r>
+              <a:rPr lang="en-US" sz="2000" dirty="0" err="1">
+                <a:solidFill>
+                  <a:schemeClr val="tx1"/>
+                </a:solidFill>
+                <a:latin typeface="Tahoma" panose="020B0604030504040204" pitchFamily="34" charset="0"/>
+                <a:ea typeface="Tahoma" panose="020B0604030504040204" pitchFamily="34" charset="0"/>
+                <a:cs typeface="Tahoma" panose="020B0604030504040204" pitchFamily="34" charset="0"/>
+              </a:rPr>
+              <a:t>thời</a:t>
+            </a:r>
+            <a:r>
+              <a:rPr lang="en-US" sz="2000" dirty="0">
+                <a:solidFill>
+                  <a:schemeClr val="tx1"/>
+                </a:solidFill>
+                <a:latin typeface="Tahoma" panose="020B0604030504040204" pitchFamily="34" charset="0"/>
+                <a:ea typeface="Tahoma" panose="020B0604030504040204" pitchFamily="34" charset="0"/>
+                <a:cs typeface="Tahoma" panose="020B0604030504040204" pitchFamily="34" charset="0"/>
+              </a:rPr>
+              <a:t> </a:t>
+            </a:r>
+            <a:r>
+              <a:rPr lang="en-US" sz="2000" dirty="0" err="1">
+                <a:solidFill>
+                  <a:schemeClr val="tx1"/>
+                </a:solidFill>
+                <a:latin typeface="Tahoma" panose="020B0604030504040204" pitchFamily="34" charset="0"/>
+                <a:ea typeface="Tahoma" panose="020B0604030504040204" pitchFamily="34" charset="0"/>
+                <a:cs typeface="Tahoma" panose="020B0604030504040204" pitchFamily="34" charset="0"/>
+              </a:rPr>
+              <a:t>gian</a:t>
+            </a:r>
+            <a:r>
+              <a:rPr lang="en-US" sz="2000" dirty="0">
+                <a:solidFill>
+                  <a:schemeClr val="tx1"/>
+                </a:solidFill>
+                <a:latin typeface="Tahoma" panose="020B0604030504040204" pitchFamily="34" charset="0"/>
+                <a:ea typeface="Tahoma" panose="020B0604030504040204" pitchFamily="34" charset="0"/>
+                <a:cs typeface="Tahoma" panose="020B0604030504040204" pitchFamily="34" charset="0"/>
+              </a:rPr>
+              <a:t> </a:t>
+            </a:r>
+            <a:r>
+              <a:rPr lang="en-US" sz="2000" dirty="0" err="1">
+                <a:solidFill>
+                  <a:schemeClr val="tx1"/>
+                </a:solidFill>
+                <a:latin typeface="Tahoma" panose="020B0604030504040204" pitchFamily="34" charset="0"/>
+                <a:ea typeface="Tahoma" panose="020B0604030504040204" pitchFamily="34" charset="0"/>
+                <a:cs typeface="Tahoma" panose="020B0604030504040204" pitchFamily="34" charset="0"/>
+              </a:rPr>
+              <a:t>tính</a:t>
+            </a:r>
+            <a:r>
+              <a:rPr lang="en-US" sz="2000" dirty="0">
+                <a:solidFill>
+                  <a:schemeClr val="tx1"/>
+                </a:solidFill>
+                <a:latin typeface="Tahoma" panose="020B0604030504040204" pitchFamily="34" charset="0"/>
+                <a:ea typeface="Tahoma" panose="020B0604030504040204" pitchFamily="34" charset="0"/>
+                <a:cs typeface="Tahoma" panose="020B0604030504040204" pitchFamily="34" charset="0"/>
+              </a:rPr>
+              <a:t> </a:t>
+            </a:r>
+            <a:r>
+              <a:rPr lang="en-US" sz="2000" dirty="0" err="1">
+                <a:solidFill>
+                  <a:schemeClr val="tx1"/>
+                </a:solidFill>
+                <a:latin typeface="Tahoma" panose="020B0604030504040204" pitchFamily="34" charset="0"/>
+                <a:ea typeface="Tahoma" panose="020B0604030504040204" pitchFamily="34" charset="0"/>
+                <a:cs typeface="Tahoma" panose="020B0604030504040204" pitchFamily="34" charset="0"/>
+              </a:rPr>
+              <a:t>toán</a:t>
+            </a:r>
+            <a:r>
+              <a:rPr lang="en-US" sz="2000" dirty="0">
+                <a:solidFill>
+                  <a:schemeClr val="tx1"/>
+                </a:solidFill>
+                <a:latin typeface="Tahoma" panose="020B0604030504040204" pitchFamily="34" charset="0"/>
+                <a:ea typeface="Tahoma" panose="020B0604030504040204" pitchFamily="34" charset="0"/>
+                <a:cs typeface="Tahoma" panose="020B0604030504040204" pitchFamily="34" charset="0"/>
+              </a:rPr>
+              <a:t> </a:t>
+            </a:r>
+            <a:r>
+              <a:rPr lang="en-US" sz="2000" dirty="0" err="1">
+                <a:solidFill>
+                  <a:schemeClr val="tx1"/>
+                </a:solidFill>
+                <a:latin typeface="Tahoma" panose="020B0604030504040204" pitchFamily="34" charset="0"/>
+                <a:ea typeface="Tahoma" panose="020B0604030504040204" pitchFamily="34" charset="0"/>
+                <a:cs typeface="Tahoma" panose="020B0604030504040204" pitchFamily="34" charset="0"/>
+              </a:rPr>
+              <a:t>lớn</a:t>
+            </a:r>
+            <a:r>
+              <a:rPr lang="en-US" sz="2000" dirty="0">
+                <a:solidFill>
+                  <a:schemeClr val="tx1"/>
+                </a:solidFill>
+                <a:latin typeface="Tahoma" panose="020B0604030504040204" pitchFamily="34" charset="0"/>
+                <a:ea typeface="Tahoma" panose="020B0604030504040204" pitchFamily="34" charset="0"/>
+                <a:cs typeface="Tahoma" panose="020B0604030504040204" pitchFamily="34" charset="0"/>
+              </a:rPr>
+              <a:t>. </a:t>
+            </a:r>
+          </a:p>
+          <a:p>
+            <a:r>
+              <a:rPr lang="en-US" sz="2000" dirty="0" err="1">
+                <a:solidFill>
+                  <a:schemeClr val="tx1"/>
+                </a:solidFill>
+                <a:latin typeface="Tahoma" panose="020B0604030504040204" pitchFamily="34" charset="0"/>
+                <a:ea typeface="Tahoma" panose="020B0604030504040204" pitchFamily="34" charset="0"/>
+                <a:cs typeface="Tahoma" panose="020B0604030504040204" pitchFamily="34" charset="0"/>
+              </a:rPr>
+              <a:t>Thay</a:t>
+            </a:r>
+            <a:r>
+              <a:rPr lang="en-US" sz="2000" dirty="0">
+                <a:solidFill>
+                  <a:schemeClr val="tx1"/>
+                </a:solidFill>
+                <a:latin typeface="Tahoma" panose="020B0604030504040204" pitchFamily="34" charset="0"/>
+                <a:ea typeface="Tahoma" panose="020B0604030504040204" pitchFamily="34" charset="0"/>
+                <a:cs typeface="Tahoma" panose="020B0604030504040204" pitchFamily="34" charset="0"/>
+              </a:rPr>
+              <a:t> </a:t>
+            </a:r>
+            <a:r>
+              <a:rPr lang="en-US" sz="2000" dirty="0" err="1">
+                <a:solidFill>
+                  <a:schemeClr val="tx1"/>
+                </a:solidFill>
+                <a:latin typeface="Tahoma" panose="020B0604030504040204" pitchFamily="34" charset="0"/>
+                <a:ea typeface="Tahoma" panose="020B0604030504040204" pitchFamily="34" charset="0"/>
+                <a:cs typeface="Tahoma" panose="020B0604030504040204" pitchFamily="34" charset="0"/>
+              </a:rPr>
+              <a:t>vào</a:t>
+            </a:r>
+            <a:r>
+              <a:rPr lang="en-US" sz="2000" dirty="0">
+                <a:solidFill>
+                  <a:schemeClr val="tx1"/>
+                </a:solidFill>
+                <a:latin typeface="Tahoma" panose="020B0604030504040204" pitchFamily="34" charset="0"/>
+                <a:ea typeface="Tahoma" panose="020B0604030504040204" pitchFamily="34" charset="0"/>
+                <a:cs typeface="Tahoma" panose="020B0604030504040204" pitchFamily="34" charset="0"/>
+              </a:rPr>
+              <a:t> </a:t>
+            </a:r>
+            <a:r>
+              <a:rPr lang="en-US" sz="2000" dirty="0" err="1">
+                <a:solidFill>
+                  <a:schemeClr val="tx1"/>
+                </a:solidFill>
+                <a:latin typeface="Tahoma" panose="020B0604030504040204" pitchFamily="34" charset="0"/>
+                <a:ea typeface="Tahoma" panose="020B0604030504040204" pitchFamily="34" charset="0"/>
+                <a:cs typeface="Tahoma" panose="020B0604030504040204" pitchFamily="34" charset="0"/>
+              </a:rPr>
+              <a:t>đó</a:t>
+            </a:r>
+            <a:r>
+              <a:rPr lang="en-US" sz="2000" dirty="0">
+                <a:solidFill>
+                  <a:schemeClr val="tx1"/>
+                </a:solidFill>
+                <a:latin typeface="Tahoma" panose="020B0604030504040204" pitchFamily="34" charset="0"/>
+                <a:ea typeface="Tahoma" panose="020B0604030504040204" pitchFamily="34" charset="0"/>
+                <a:cs typeface="Tahoma" panose="020B0604030504040204" pitchFamily="34" charset="0"/>
+              </a:rPr>
+              <a:t> </a:t>
+            </a:r>
+            <a:r>
+              <a:rPr lang="en-US" sz="2000" dirty="0" err="1">
+                <a:solidFill>
+                  <a:schemeClr val="tx1"/>
+                </a:solidFill>
+                <a:latin typeface="Tahoma" panose="020B0604030504040204" pitchFamily="34" charset="0"/>
+                <a:ea typeface="Tahoma" panose="020B0604030504040204" pitchFamily="34" charset="0"/>
+                <a:cs typeface="Tahoma" panose="020B0604030504040204" pitchFamily="34" charset="0"/>
+              </a:rPr>
+              <a:t>người</a:t>
+            </a:r>
+            <a:r>
+              <a:rPr lang="en-US" sz="2000" dirty="0">
+                <a:solidFill>
+                  <a:schemeClr val="tx1"/>
+                </a:solidFill>
+                <a:latin typeface="Tahoma" panose="020B0604030504040204" pitchFamily="34" charset="0"/>
+                <a:ea typeface="Tahoma" panose="020B0604030504040204" pitchFamily="34" charset="0"/>
+                <a:cs typeface="Tahoma" panose="020B0604030504040204" pitchFamily="34" charset="0"/>
+              </a:rPr>
+              <a:t> ta </a:t>
+            </a:r>
+            <a:r>
+              <a:rPr lang="en-US" sz="2000" dirty="0" err="1">
+                <a:solidFill>
+                  <a:schemeClr val="tx1"/>
+                </a:solidFill>
+                <a:latin typeface="Tahoma" panose="020B0604030504040204" pitchFamily="34" charset="0"/>
+                <a:ea typeface="Tahoma" panose="020B0604030504040204" pitchFamily="34" charset="0"/>
+                <a:cs typeface="Tahoma" panose="020B0604030504040204" pitchFamily="34" charset="0"/>
+              </a:rPr>
+              <a:t>sẽ</a:t>
+            </a:r>
+            <a:r>
+              <a:rPr lang="en-US" sz="2000" dirty="0">
+                <a:solidFill>
+                  <a:schemeClr val="tx1"/>
+                </a:solidFill>
+                <a:latin typeface="Tahoma" panose="020B0604030504040204" pitchFamily="34" charset="0"/>
+                <a:ea typeface="Tahoma" panose="020B0604030504040204" pitchFamily="34" charset="0"/>
+                <a:cs typeface="Tahoma" panose="020B0604030504040204" pitchFamily="34" charset="0"/>
+              </a:rPr>
+              <a:t> </a:t>
+            </a:r>
+            <a:r>
+              <a:rPr lang="en-US" sz="2000" dirty="0" err="1">
+                <a:solidFill>
+                  <a:schemeClr val="tx1"/>
+                </a:solidFill>
+                <a:latin typeface="Tahoma" panose="020B0604030504040204" pitchFamily="34" charset="0"/>
+                <a:ea typeface="Tahoma" panose="020B0604030504040204" pitchFamily="34" charset="0"/>
+                <a:cs typeface="Tahoma" panose="020B0604030504040204" pitchFamily="34" charset="0"/>
+              </a:rPr>
+              <a:t>dùng</a:t>
+            </a:r>
+            <a:r>
+              <a:rPr lang="en-US" sz="2000" dirty="0">
+                <a:solidFill>
+                  <a:schemeClr val="tx1"/>
+                </a:solidFill>
+                <a:latin typeface="Tahoma" panose="020B0604030504040204" pitchFamily="34" charset="0"/>
+                <a:ea typeface="Tahoma" panose="020B0604030504040204" pitchFamily="34" charset="0"/>
+                <a:cs typeface="Tahoma" panose="020B0604030504040204" pitchFamily="34" charset="0"/>
+              </a:rPr>
+              <a:t> </a:t>
+            </a:r>
+            <a:r>
+              <a:rPr lang="en-US" sz="2000" dirty="0" err="1">
+                <a:solidFill>
+                  <a:schemeClr val="tx1"/>
+                </a:solidFill>
+                <a:latin typeface="Tahoma" panose="020B0604030504040204" pitchFamily="34" charset="0"/>
+                <a:ea typeface="Tahoma" panose="020B0604030504040204" pitchFamily="34" charset="0"/>
+                <a:cs typeface="Tahoma" panose="020B0604030504040204" pitchFamily="34" charset="0"/>
+              </a:rPr>
+              <a:t>phương</a:t>
+            </a:r>
+            <a:r>
+              <a:rPr lang="en-US" sz="2000" dirty="0">
+                <a:solidFill>
+                  <a:schemeClr val="tx1"/>
+                </a:solidFill>
+                <a:latin typeface="Tahoma" panose="020B0604030504040204" pitchFamily="34" charset="0"/>
+                <a:ea typeface="Tahoma" panose="020B0604030504040204" pitchFamily="34" charset="0"/>
+                <a:cs typeface="Tahoma" panose="020B0604030504040204" pitchFamily="34" charset="0"/>
+              </a:rPr>
+              <a:t> </a:t>
+            </a:r>
+            <a:r>
+              <a:rPr lang="en-US" sz="2000" dirty="0" err="1">
+                <a:solidFill>
+                  <a:schemeClr val="tx1"/>
+                </a:solidFill>
+                <a:latin typeface="Tahoma" panose="020B0604030504040204" pitchFamily="34" charset="0"/>
+                <a:ea typeface="Tahoma" panose="020B0604030504040204" pitchFamily="34" charset="0"/>
+                <a:cs typeface="Tahoma" panose="020B0604030504040204" pitchFamily="34" charset="0"/>
+              </a:rPr>
+              <a:t>pháp</a:t>
+            </a:r>
+            <a:r>
+              <a:rPr lang="en-US" sz="2000" dirty="0">
+                <a:solidFill>
+                  <a:schemeClr val="tx1"/>
+                </a:solidFill>
+                <a:latin typeface="Tahoma" panose="020B0604030504040204" pitchFamily="34" charset="0"/>
+                <a:ea typeface="Tahoma" panose="020B0604030504040204" pitchFamily="34" charset="0"/>
+                <a:cs typeface="Tahoma" panose="020B0604030504040204" pitchFamily="34" charset="0"/>
+              </a:rPr>
+              <a:t> </a:t>
+            </a:r>
+            <a:r>
+              <a:rPr lang="en-US" sz="2000" dirty="0" err="1">
+                <a:solidFill>
+                  <a:schemeClr val="tx1"/>
+                </a:solidFill>
+                <a:latin typeface="Tahoma" panose="020B0604030504040204" pitchFamily="34" charset="0"/>
+                <a:ea typeface="Tahoma" panose="020B0604030504040204" pitchFamily="34" charset="0"/>
+                <a:cs typeface="Tahoma" panose="020B0604030504040204" pitchFamily="34" charset="0"/>
+              </a:rPr>
+              <a:t>bình</a:t>
+            </a:r>
+            <a:r>
+              <a:rPr lang="en-US" sz="2000" dirty="0">
+                <a:solidFill>
+                  <a:schemeClr val="tx1"/>
+                </a:solidFill>
+                <a:latin typeface="Tahoma" panose="020B0604030504040204" pitchFamily="34" charset="0"/>
+                <a:ea typeface="Tahoma" panose="020B0604030504040204" pitchFamily="34" charset="0"/>
+                <a:cs typeface="Tahoma" panose="020B0604030504040204" pitchFamily="34" charset="0"/>
+              </a:rPr>
+              <a:t> </a:t>
+            </a:r>
+            <a:r>
+              <a:rPr lang="en-US" sz="2000" dirty="0" err="1">
+                <a:solidFill>
+                  <a:schemeClr val="tx1"/>
+                </a:solidFill>
+                <a:latin typeface="Tahoma" panose="020B0604030504040204" pitchFamily="34" charset="0"/>
+                <a:ea typeface="Tahoma" panose="020B0604030504040204" pitchFamily="34" charset="0"/>
+                <a:cs typeface="Tahoma" panose="020B0604030504040204" pitchFamily="34" charset="0"/>
+              </a:rPr>
+              <a:t>phương</a:t>
+            </a:r>
+            <a:r>
+              <a:rPr lang="en-US" sz="2000" dirty="0">
+                <a:solidFill>
+                  <a:schemeClr val="tx1"/>
+                </a:solidFill>
+                <a:latin typeface="Tahoma" panose="020B0604030504040204" pitchFamily="34" charset="0"/>
+                <a:ea typeface="Tahoma" panose="020B0604030504040204" pitchFamily="34" charset="0"/>
+                <a:cs typeface="Tahoma" panose="020B0604030504040204" pitchFamily="34" charset="0"/>
+              </a:rPr>
+              <a:t> </a:t>
+            </a:r>
+            <a:r>
+              <a:rPr lang="en-US" sz="2000" dirty="0" err="1">
+                <a:solidFill>
+                  <a:schemeClr val="tx1"/>
+                </a:solidFill>
+                <a:latin typeface="Tahoma" panose="020B0604030504040204" pitchFamily="34" charset="0"/>
+                <a:ea typeface="Tahoma" panose="020B0604030504040204" pitchFamily="34" charset="0"/>
+                <a:cs typeface="Tahoma" panose="020B0604030504040204" pitchFamily="34" charset="0"/>
+              </a:rPr>
+              <a:t>tối</a:t>
+            </a:r>
+            <a:r>
+              <a:rPr lang="en-US" sz="2000" dirty="0">
+                <a:solidFill>
+                  <a:schemeClr val="tx1"/>
+                </a:solidFill>
+                <a:latin typeface="Tahoma" panose="020B0604030504040204" pitchFamily="34" charset="0"/>
+                <a:ea typeface="Tahoma" panose="020B0604030504040204" pitchFamily="34" charset="0"/>
+                <a:cs typeface="Tahoma" panose="020B0604030504040204" pitchFamily="34" charset="0"/>
+              </a:rPr>
+              <a:t> </a:t>
+            </a:r>
+            <a:r>
+              <a:rPr lang="en-US" sz="2000" dirty="0" err="1">
+                <a:solidFill>
+                  <a:schemeClr val="tx1"/>
+                </a:solidFill>
+                <a:latin typeface="Tahoma" panose="020B0604030504040204" pitchFamily="34" charset="0"/>
+                <a:ea typeface="Tahoma" panose="020B0604030504040204" pitchFamily="34" charset="0"/>
+                <a:cs typeface="Tahoma" panose="020B0604030504040204" pitchFamily="34" charset="0"/>
+              </a:rPr>
+              <a:t>thiểu</a:t>
+            </a:r>
+            <a:r>
+              <a:rPr lang="en-US" sz="2000" dirty="0">
+                <a:solidFill>
+                  <a:schemeClr val="tx1"/>
+                </a:solidFill>
+                <a:latin typeface="Tahoma" panose="020B0604030504040204" pitchFamily="34" charset="0"/>
+                <a:ea typeface="Tahoma" panose="020B0604030504040204" pitchFamily="34" charset="0"/>
+                <a:cs typeface="Tahoma" panose="020B0604030504040204" pitchFamily="34" charset="0"/>
+              </a:rPr>
+              <a:t> </a:t>
+            </a:r>
+            <a:r>
+              <a:rPr lang="en-US" sz="2000" dirty="0" err="1">
+                <a:solidFill>
+                  <a:schemeClr val="tx1"/>
+                </a:solidFill>
+                <a:latin typeface="Tahoma" panose="020B0604030504040204" pitchFamily="34" charset="0"/>
+                <a:ea typeface="Tahoma" panose="020B0604030504040204" pitchFamily="34" charset="0"/>
+                <a:cs typeface="Tahoma" panose="020B0604030504040204" pitchFamily="34" charset="0"/>
+              </a:rPr>
+              <a:t>để</a:t>
+            </a:r>
+            <a:r>
+              <a:rPr lang="en-US" sz="2000" dirty="0">
+                <a:solidFill>
+                  <a:schemeClr val="tx1"/>
+                </a:solidFill>
+                <a:latin typeface="Tahoma" panose="020B0604030504040204" pitchFamily="34" charset="0"/>
+                <a:ea typeface="Tahoma" panose="020B0604030504040204" pitchFamily="34" charset="0"/>
+                <a:cs typeface="Tahoma" panose="020B0604030504040204" pitchFamily="34" charset="0"/>
+              </a:rPr>
+              <a:t> </a:t>
+            </a:r>
+            <a:r>
+              <a:rPr lang="en-US" sz="2000" dirty="0" err="1">
+                <a:solidFill>
+                  <a:schemeClr val="tx1"/>
+                </a:solidFill>
+                <a:latin typeface="Tahoma" panose="020B0604030504040204" pitchFamily="34" charset="0"/>
+                <a:ea typeface="Tahoma" panose="020B0604030504040204" pitchFamily="34" charset="0"/>
+                <a:cs typeface="Tahoma" panose="020B0604030504040204" pitchFamily="34" charset="0"/>
+              </a:rPr>
+              <a:t>đi</a:t>
+            </a:r>
+            <a:r>
+              <a:rPr lang="en-US" sz="2000" dirty="0">
+                <a:solidFill>
+                  <a:schemeClr val="tx1"/>
+                </a:solidFill>
+                <a:latin typeface="Tahoma" panose="020B0604030504040204" pitchFamily="34" charset="0"/>
+                <a:ea typeface="Tahoma" panose="020B0604030504040204" pitchFamily="34" charset="0"/>
+                <a:cs typeface="Tahoma" panose="020B0604030504040204" pitchFamily="34" charset="0"/>
+              </a:rPr>
+              <a:t> </a:t>
+            </a:r>
+            <a:r>
+              <a:rPr lang="en-US" sz="2000" dirty="0" err="1">
+                <a:solidFill>
+                  <a:schemeClr val="tx1"/>
+                </a:solidFill>
+                <a:latin typeface="Tahoma" panose="020B0604030504040204" pitchFamily="34" charset="0"/>
+                <a:ea typeface="Tahoma" panose="020B0604030504040204" pitchFamily="34" charset="0"/>
+                <a:cs typeface="Tahoma" panose="020B0604030504040204" pitchFamily="34" charset="0"/>
+              </a:rPr>
+              <a:t>tìm</a:t>
+            </a:r>
+            <a:r>
+              <a:rPr lang="en-US" sz="2000" dirty="0">
+                <a:solidFill>
+                  <a:schemeClr val="tx1"/>
+                </a:solidFill>
+                <a:latin typeface="Tahoma" panose="020B0604030504040204" pitchFamily="34" charset="0"/>
+                <a:ea typeface="Tahoma" panose="020B0604030504040204" pitchFamily="34" charset="0"/>
+                <a:cs typeface="Tahoma" panose="020B0604030504040204" pitchFamily="34" charset="0"/>
+              </a:rPr>
+              <a:t> 1 </a:t>
+            </a:r>
+            <a:r>
+              <a:rPr lang="en-US" sz="2000" dirty="0" err="1">
+                <a:solidFill>
+                  <a:schemeClr val="tx1"/>
+                </a:solidFill>
+                <a:latin typeface="Tahoma" panose="020B0604030504040204" pitchFamily="34" charset="0"/>
+                <a:ea typeface="Tahoma" panose="020B0604030504040204" pitchFamily="34" charset="0"/>
+                <a:cs typeface="Tahoma" panose="020B0604030504040204" pitchFamily="34" charset="0"/>
+              </a:rPr>
+              <a:t>đường</a:t>
+            </a:r>
+            <a:r>
+              <a:rPr lang="en-US" sz="2000" dirty="0">
+                <a:solidFill>
+                  <a:schemeClr val="tx1"/>
+                </a:solidFill>
+                <a:latin typeface="Tahoma" panose="020B0604030504040204" pitchFamily="34" charset="0"/>
+                <a:ea typeface="Tahoma" panose="020B0604030504040204" pitchFamily="34" charset="0"/>
+                <a:cs typeface="Tahoma" panose="020B0604030504040204" pitchFamily="34" charset="0"/>
+              </a:rPr>
+              <a:t> </a:t>
+            </a:r>
+            <a:r>
+              <a:rPr lang="en-US" sz="2000" dirty="0" err="1">
+                <a:solidFill>
+                  <a:schemeClr val="tx1"/>
+                </a:solidFill>
+                <a:latin typeface="Tahoma" panose="020B0604030504040204" pitchFamily="34" charset="0"/>
+                <a:ea typeface="Tahoma" panose="020B0604030504040204" pitchFamily="34" charset="0"/>
+                <a:cs typeface="Tahoma" panose="020B0604030504040204" pitchFamily="34" charset="0"/>
+              </a:rPr>
+              <a:t>cong</a:t>
+            </a:r>
+            <a:r>
+              <a:rPr lang="en-US" sz="2000" dirty="0">
+                <a:solidFill>
+                  <a:schemeClr val="tx1"/>
+                </a:solidFill>
+                <a:latin typeface="Tahoma" panose="020B0604030504040204" pitchFamily="34" charset="0"/>
+                <a:ea typeface="Tahoma" panose="020B0604030504040204" pitchFamily="34" charset="0"/>
+                <a:cs typeface="Tahoma" panose="020B0604030504040204" pitchFamily="34" charset="0"/>
+              </a:rPr>
+              <a:t> </a:t>
+            </a:r>
+            <a:r>
+              <a:rPr lang="en-US" sz="2000" dirty="0" err="1">
+                <a:solidFill>
+                  <a:schemeClr val="tx1"/>
+                </a:solidFill>
+                <a:latin typeface="Tahoma" panose="020B0604030504040204" pitchFamily="34" charset="0"/>
+                <a:ea typeface="Tahoma" panose="020B0604030504040204" pitchFamily="34" charset="0"/>
+                <a:cs typeface="Tahoma" panose="020B0604030504040204" pitchFamily="34" charset="0"/>
+              </a:rPr>
+              <a:t>mà</a:t>
+            </a:r>
+            <a:r>
+              <a:rPr lang="en-US" sz="2000" dirty="0">
+                <a:solidFill>
+                  <a:schemeClr val="tx1"/>
+                </a:solidFill>
+                <a:latin typeface="Tahoma" panose="020B0604030504040204" pitchFamily="34" charset="0"/>
+                <a:ea typeface="Tahoma" panose="020B0604030504040204" pitchFamily="34" charset="0"/>
+                <a:cs typeface="Tahoma" panose="020B0604030504040204" pitchFamily="34" charset="0"/>
+              </a:rPr>
+              <a:t> </a:t>
+            </a:r>
+            <a:r>
+              <a:rPr lang="en-US" sz="2000" dirty="0" err="1">
+                <a:solidFill>
+                  <a:schemeClr val="tx1"/>
+                </a:solidFill>
+                <a:latin typeface="Tahoma" panose="020B0604030504040204" pitchFamily="34" charset="0"/>
+                <a:ea typeface="Tahoma" panose="020B0604030504040204" pitchFamily="34" charset="0"/>
+                <a:cs typeface="Tahoma" panose="020B0604030504040204" pitchFamily="34" charset="0"/>
+              </a:rPr>
+              <a:t>khi</a:t>
+            </a:r>
+            <a:r>
+              <a:rPr lang="en-US" sz="2000" dirty="0">
+                <a:solidFill>
+                  <a:schemeClr val="tx1"/>
+                </a:solidFill>
+                <a:latin typeface="Tahoma" panose="020B0604030504040204" pitchFamily="34" charset="0"/>
+                <a:ea typeface="Tahoma" panose="020B0604030504040204" pitchFamily="34" charset="0"/>
+                <a:cs typeface="Tahoma" panose="020B0604030504040204" pitchFamily="34" charset="0"/>
+              </a:rPr>
+              <a:t> </a:t>
+            </a:r>
+            <a:r>
+              <a:rPr lang="en-US" sz="2000" dirty="0" err="1">
+                <a:solidFill>
+                  <a:schemeClr val="tx1"/>
+                </a:solidFill>
+                <a:latin typeface="Tahoma" panose="020B0604030504040204" pitchFamily="34" charset="0"/>
+                <a:ea typeface="Tahoma" panose="020B0604030504040204" pitchFamily="34" charset="0"/>
+                <a:cs typeface="Tahoma" panose="020B0604030504040204" pitchFamily="34" charset="0"/>
+              </a:rPr>
+              <a:t>thay</a:t>
+            </a:r>
+            <a:r>
+              <a:rPr lang="en-US" sz="2000" dirty="0">
+                <a:solidFill>
+                  <a:schemeClr val="tx1"/>
+                </a:solidFill>
+                <a:latin typeface="Tahoma" panose="020B0604030504040204" pitchFamily="34" charset="0"/>
+                <a:ea typeface="Tahoma" panose="020B0604030504040204" pitchFamily="34" charset="0"/>
+                <a:cs typeface="Tahoma" panose="020B0604030504040204" pitchFamily="34" charset="0"/>
+              </a:rPr>
+              <a:t> </a:t>
+            </a:r>
+            <a:r>
+              <a:rPr lang="en-US" sz="2000" dirty="0" err="1">
+                <a:solidFill>
+                  <a:schemeClr val="tx1"/>
+                </a:solidFill>
+                <a:latin typeface="Tahoma" panose="020B0604030504040204" pitchFamily="34" charset="0"/>
+                <a:ea typeface="Tahoma" panose="020B0604030504040204" pitchFamily="34" charset="0"/>
+                <a:cs typeface="Tahoma" panose="020B0604030504040204" pitchFamily="34" charset="0"/>
+              </a:rPr>
+              <a:t>dữ</a:t>
+            </a:r>
+            <a:r>
+              <a:rPr lang="en-US" sz="2000" dirty="0">
+                <a:solidFill>
+                  <a:schemeClr val="tx1"/>
+                </a:solidFill>
+                <a:latin typeface="Tahoma" panose="020B0604030504040204" pitchFamily="34" charset="0"/>
+                <a:ea typeface="Tahoma" panose="020B0604030504040204" pitchFamily="34" charset="0"/>
+                <a:cs typeface="Tahoma" panose="020B0604030504040204" pitchFamily="34" charset="0"/>
+              </a:rPr>
+              <a:t> </a:t>
+            </a:r>
+            <a:r>
+              <a:rPr lang="en-US" sz="2000" dirty="0" err="1">
+                <a:solidFill>
+                  <a:schemeClr val="tx1"/>
+                </a:solidFill>
+                <a:latin typeface="Tahoma" panose="020B0604030504040204" pitchFamily="34" charset="0"/>
+                <a:ea typeface="Tahoma" panose="020B0604030504040204" pitchFamily="34" charset="0"/>
+                <a:cs typeface="Tahoma" panose="020B0604030504040204" pitchFamily="34" charset="0"/>
+              </a:rPr>
+              <a:t>liệu</a:t>
+            </a:r>
+            <a:r>
+              <a:rPr lang="en-US" sz="2000" dirty="0">
+                <a:solidFill>
+                  <a:schemeClr val="tx1"/>
+                </a:solidFill>
+                <a:latin typeface="Tahoma" panose="020B0604030504040204" pitchFamily="34" charset="0"/>
+                <a:ea typeface="Tahoma" panose="020B0604030504040204" pitchFamily="34" charset="0"/>
+                <a:cs typeface="Tahoma" panose="020B0604030504040204" pitchFamily="34" charset="0"/>
+              </a:rPr>
+              <a:t> </a:t>
+            </a:r>
+            <a:r>
+              <a:rPr lang="en-US" sz="2000" dirty="0" err="1">
+                <a:solidFill>
+                  <a:schemeClr val="tx1"/>
+                </a:solidFill>
+                <a:latin typeface="Tahoma" panose="020B0604030504040204" pitchFamily="34" charset="0"/>
+                <a:ea typeface="Tahoma" panose="020B0604030504040204" pitchFamily="34" charset="0"/>
+                <a:cs typeface="Tahoma" panose="020B0604030504040204" pitchFamily="34" charset="0"/>
+              </a:rPr>
+              <a:t>vào</a:t>
+            </a:r>
+            <a:r>
+              <a:rPr lang="en-US" sz="2000" dirty="0">
+                <a:solidFill>
+                  <a:schemeClr val="tx1"/>
+                </a:solidFill>
+                <a:latin typeface="Tahoma" panose="020B0604030504040204" pitchFamily="34" charset="0"/>
+                <a:ea typeface="Tahoma" panose="020B0604030504040204" pitchFamily="34" charset="0"/>
+                <a:cs typeface="Tahoma" panose="020B0604030504040204" pitchFamily="34" charset="0"/>
+              </a:rPr>
+              <a:t> ta </a:t>
+            </a:r>
+            <a:r>
+              <a:rPr lang="en-US" sz="2000" dirty="0" err="1">
+                <a:solidFill>
+                  <a:schemeClr val="tx1"/>
+                </a:solidFill>
+                <a:latin typeface="Tahoma" panose="020B0604030504040204" pitchFamily="34" charset="0"/>
+                <a:ea typeface="Tahoma" panose="020B0604030504040204" pitchFamily="34" charset="0"/>
+                <a:cs typeface="Tahoma" panose="020B0604030504040204" pitchFamily="34" charset="0"/>
+              </a:rPr>
+              <a:t>thấy</a:t>
+            </a:r>
+            <a:r>
+              <a:rPr lang="en-US" sz="2000" dirty="0">
+                <a:solidFill>
+                  <a:schemeClr val="tx1"/>
+                </a:solidFill>
+                <a:latin typeface="Tahoma" panose="020B0604030504040204" pitchFamily="34" charset="0"/>
+                <a:ea typeface="Tahoma" panose="020B0604030504040204" pitchFamily="34" charset="0"/>
+                <a:cs typeface="Tahoma" panose="020B0604030504040204" pitchFamily="34" charset="0"/>
+              </a:rPr>
+              <a:t> </a:t>
+            </a:r>
+            <a:r>
+              <a:rPr lang="en-US" sz="2000" dirty="0" err="1">
+                <a:solidFill>
+                  <a:schemeClr val="tx1"/>
+                </a:solidFill>
+                <a:latin typeface="Tahoma" panose="020B0604030504040204" pitchFamily="34" charset="0"/>
+                <a:ea typeface="Tahoma" panose="020B0604030504040204" pitchFamily="34" charset="0"/>
+                <a:cs typeface="Tahoma" panose="020B0604030504040204" pitchFamily="34" charset="0"/>
+              </a:rPr>
+              <a:t>hợp</a:t>
+            </a:r>
+            <a:r>
+              <a:rPr lang="en-US" sz="2000" dirty="0">
+                <a:solidFill>
+                  <a:schemeClr val="tx1"/>
+                </a:solidFill>
+                <a:latin typeface="Tahoma" panose="020B0604030504040204" pitchFamily="34" charset="0"/>
+                <a:ea typeface="Tahoma" panose="020B0604030504040204" pitchFamily="34" charset="0"/>
+                <a:cs typeface="Tahoma" panose="020B0604030504040204" pitchFamily="34" charset="0"/>
+              </a:rPr>
+              <a:t> </a:t>
+            </a:r>
+            <a:r>
+              <a:rPr lang="en-US" sz="2000" dirty="0" err="1">
+                <a:solidFill>
+                  <a:schemeClr val="tx1"/>
+                </a:solidFill>
+                <a:latin typeface="Tahoma" panose="020B0604030504040204" pitchFamily="34" charset="0"/>
+                <a:ea typeface="Tahoma" panose="020B0604030504040204" pitchFamily="34" charset="0"/>
+                <a:cs typeface="Tahoma" panose="020B0604030504040204" pitchFamily="34" charset="0"/>
+              </a:rPr>
+              <a:t>lý</a:t>
+            </a:r>
+            <a:r>
+              <a:rPr lang="en-US" sz="2000" dirty="0">
+                <a:solidFill>
+                  <a:schemeClr val="tx1"/>
+                </a:solidFill>
+                <a:latin typeface="Tahoma" panose="020B0604030504040204" pitchFamily="34" charset="0"/>
+                <a:ea typeface="Tahoma" panose="020B0604030504040204" pitchFamily="34" charset="0"/>
+                <a:cs typeface="Tahoma" panose="020B0604030504040204" pitchFamily="34" charset="0"/>
+              </a:rPr>
+              <a:t> </a:t>
+            </a:r>
+            <a:r>
+              <a:rPr lang="en-US" sz="2000" dirty="0" err="1">
+                <a:solidFill>
+                  <a:schemeClr val="tx1"/>
+                </a:solidFill>
+                <a:latin typeface="Tahoma" panose="020B0604030504040204" pitchFamily="34" charset="0"/>
+                <a:ea typeface="Tahoma" panose="020B0604030504040204" pitchFamily="34" charset="0"/>
+                <a:cs typeface="Tahoma" panose="020B0604030504040204" pitchFamily="34" charset="0"/>
+              </a:rPr>
+              <a:t>nhất</a:t>
+            </a:r>
+            <a:r>
+              <a:rPr lang="en-US" sz="2000" dirty="0">
+                <a:solidFill>
+                  <a:schemeClr val="tx1"/>
+                </a:solidFill>
+                <a:latin typeface="Tahoma" panose="020B0604030504040204" pitchFamily="34" charset="0"/>
+                <a:ea typeface="Tahoma" panose="020B0604030504040204" pitchFamily="34" charset="0"/>
+                <a:cs typeface="Tahoma" panose="020B0604030504040204" pitchFamily="34" charset="0"/>
+              </a:rPr>
+              <a:t>, </a:t>
+            </a:r>
+            <a:r>
+              <a:rPr lang="en-US" sz="2000" dirty="0" err="1">
+                <a:solidFill>
+                  <a:schemeClr val="tx1"/>
+                </a:solidFill>
+                <a:latin typeface="Tahoma" panose="020B0604030504040204" pitchFamily="34" charset="0"/>
+                <a:ea typeface="Tahoma" panose="020B0604030504040204" pitchFamily="34" charset="0"/>
+                <a:cs typeface="Tahoma" panose="020B0604030504040204" pitchFamily="34" charset="0"/>
+              </a:rPr>
+              <a:t>ví</a:t>
+            </a:r>
+            <a:r>
+              <a:rPr lang="en-US" sz="2000" dirty="0">
+                <a:solidFill>
+                  <a:schemeClr val="tx1"/>
+                </a:solidFill>
+                <a:latin typeface="Tahoma" panose="020B0604030504040204" pitchFamily="34" charset="0"/>
+                <a:ea typeface="Tahoma" panose="020B0604030504040204" pitchFamily="34" charset="0"/>
+                <a:cs typeface="Tahoma" panose="020B0604030504040204" pitchFamily="34" charset="0"/>
+              </a:rPr>
+              <a:t> </a:t>
+            </a:r>
+            <a:r>
+              <a:rPr lang="en-US" sz="2000" dirty="0" err="1">
+                <a:solidFill>
+                  <a:schemeClr val="tx1"/>
+                </a:solidFill>
+                <a:latin typeface="Tahoma" panose="020B0604030504040204" pitchFamily="34" charset="0"/>
+                <a:ea typeface="Tahoma" panose="020B0604030504040204" pitchFamily="34" charset="0"/>
+                <a:cs typeface="Tahoma" panose="020B0604030504040204" pitchFamily="34" charset="0"/>
+              </a:rPr>
+              <a:t>dụ</a:t>
+            </a:r>
+            <a:r>
+              <a:rPr lang="en-US" sz="2000" dirty="0">
+                <a:solidFill>
+                  <a:schemeClr val="tx1"/>
+                </a:solidFill>
+                <a:latin typeface="Tahoma" panose="020B0604030504040204" pitchFamily="34" charset="0"/>
+                <a:ea typeface="Tahoma" panose="020B0604030504040204" pitchFamily="34" charset="0"/>
+                <a:cs typeface="Tahoma" panose="020B0604030504040204" pitchFamily="34" charset="0"/>
+              </a:rPr>
+              <a:t> </a:t>
+            </a:r>
+            <a:r>
+              <a:rPr lang="en-US" sz="2000" dirty="0" err="1">
+                <a:solidFill>
+                  <a:schemeClr val="tx1"/>
+                </a:solidFill>
+                <a:latin typeface="Tahoma" panose="020B0604030504040204" pitchFamily="34" charset="0"/>
+                <a:ea typeface="Tahoma" panose="020B0604030504040204" pitchFamily="34" charset="0"/>
+                <a:cs typeface="Tahoma" panose="020B0604030504040204" pitchFamily="34" charset="0"/>
+              </a:rPr>
+              <a:t>như</a:t>
+            </a:r>
+            <a:r>
+              <a:rPr lang="en-US" sz="2000" dirty="0">
+                <a:solidFill>
+                  <a:schemeClr val="tx1"/>
+                </a:solidFill>
+                <a:latin typeface="Tahoma" panose="020B0604030504040204" pitchFamily="34" charset="0"/>
+                <a:ea typeface="Tahoma" panose="020B0604030504040204" pitchFamily="34" charset="0"/>
+                <a:cs typeface="Tahoma" panose="020B0604030504040204" pitchFamily="34" charset="0"/>
+              </a:rPr>
+              <a:t> …</a:t>
+            </a:r>
+          </a:p>
+          <a:p>
+            <a:r>
+              <a:rPr lang="en-US" sz="2000" dirty="0">
+                <a:solidFill>
+                  <a:schemeClr val="tx1"/>
+                </a:solidFill>
+                <a:latin typeface="Tahoma" panose="020B0604030504040204" pitchFamily="34" charset="0"/>
+                <a:ea typeface="Tahoma" panose="020B0604030504040204" pitchFamily="34" charset="0"/>
+                <a:cs typeface="Tahoma" panose="020B0604030504040204" pitchFamily="34" charset="0"/>
+              </a:rPr>
+              <a:t>Bài </a:t>
+            </a:r>
+            <a:r>
+              <a:rPr lang="en-US" sz="2000" dirty="0" err="1">
+                <a:solidFill>
+                  <a:schemeClr val="tx1"/>
+                </a:solidFill>
+                <a:latin typeface="Tahoma" panose="020B0604030504040204" pitchFamily="34" charset="0"/>
+                <a:ea typeface="Tahoma" panose="020B0604030504040204" pitchFamily="34" charset="0"/>
+                <a:cs typeface="Tahoma" panose="020B0604030504040204" pitchFamily="34" charset="0"/>
+              </a:rPr>
+              <a:t>toán</a:t>
+            </a:r>
+            <a:r>
+              <a:rPr lang="en-US" sz="2000" dirty="0">
+                <a:solidFill>
+                  <a:schemeClr val="tx1"/>
+                </a:solidFill>
+                <a:latin typeface="Tahoma" panose="020B0604030504040204" pitchFamily="34" charset="0"/>
+                <a:ea typeface="Tahoma" panose="020B0604030504040204" pitchFamily="34" charset="0"/>
+                <a:cs typeface="Tahoma" panose="020B0604030504040204" pitchFamily="34" charset="0"/>
+              </a:rPr>
+              <a:t> </a:t>
+            </a:r>
+            <a:r>
+              <a:rPr lang="en-US" sz="2000" dirty="0" err="1">
+                <a:solidFill>
+                  <a:schemeClr val="tx1"/>
+                </a:solidFill>
+                <a:latin typeface="Tahoma" panose="020B0604030504040204" pitchFamily="34" charset="0"/>
+                <a:ea typeface="Tahoma" panose="020B0604030504040204" pitchFamily="34" charset="0"/>
+                <a:cs typeface="Tahoma" panose="020B0604030504040204" pitchFamily="34" charset="0"/>
+              </a:rPr>
+              <a:t>này</a:t>
+            </a:r>
+            <a:r>
+              <a:rPr lang="en-US" sz="2000" dirty="0">
+                <a:solidFill>
+                  <a:schemeClr val="tx1"/>
+                </a:solidFill>
+                <a:latin typeface="Tahoma" panose="020B0604030504040204" pitchFamily="34" charset="0"/>
+                <a:ea typeface="Tahoma" panose="020B0604030504040204" pitchFamily="34" charset="0"/>
+                <a:cs typeface="Tahoma" panose="020B0604030504040204" pitchFamily="34" charset="0"/>
+              </a:rPr>
+              <a:t> </a:t>
+            </a:r>
+            <a:r>
+              <a:rPr lang="en-US" sz="2000" dirty="0" err="1">
+                <a:solidFill>
+                  <a:schemeClr val="tx1"/>
+                </a:solidFill>
+                <a:latin typeface="Tahoma" panose="020B0604030504040204" pitchFamily="34" charset="0"/>
+                <a:ea typeface="Tahoma" panose="020B0604030504040204" pitchFamily="34" charset="0"/>
+                <a:cs typeface="Tahoma" panose="020B0604030504040204" pitchFamily="34" charset="0"/>
+              </a:rPr>
+              <a:t>còn</a:t>
+            </a:r>
+            <a:r>
+              <a:rPr lang="en-US" sz="2000" dirty="0">
+                <a:solidFill>
+                  <a:schemeClr val="tx1"/>
+                </a:solidFill>
+                <a:latin typeface="Tahoma" panose="020B0604030504040204" pitchFamily="34" charset="0"/>
+                <a:ea typeface="Tahoma" panose="020B0604030504040204" pitchFamily="34" charset="0"/>
+                <a:cs typeface="Tahoma" panose="020B0604030504040204" pitchFamily="34" charset="0"/>
+              </a:rPr>
+              <a:t> </a:t>
+            </a:r>
+            <a:r>
+              <a:rPr lang="en-US" sz="2000" dirty="0" err="1">
+                <a:solidFill>
+                  <a:schemeClr val="tx1"/>
+                </a:solidFill>
+                <a:latin typeface="Tahoma" panose="020B0604030504040204" pitchFamily="34" charset="0"/>
+                <a:ea typeface="Tahoma" panose="020B0604030504040204" pitchFamily="34" charset="0"/>
+                <a:cs typeface="Tahoma" panose="020B0604030504040204" pitchFamily="34" charset="0"/>
+              </a:rPr>
               <a:t>có</a:t>
             </a:r>
             <a:r>
@@ -8143,7 +13728,7 @@
                 <a:ea typeface="Tahoma" panose="020B0604030504040204" pitchFamily="34" charset="0"/>
                 <a:cs typeface="Tahoma" panose="020B0604030504040204" pitchFamily="34" charset="0"/>
               </a:rPr>
-              <a:t>thể</a:t>
+              <a:t>tên</a:t>
             </a:r>
             <a:r>
               <a:rPr lang="en-US" sz="2000" dirty="0">
@@ -8165,7 +13750,7 @@
                 <a:ea typeface="Tahoma" panose="020B0604030504040204" pitchFamily="34" charset="0"/>
                 <a:cs typeface="Tahoma" panose="020B0604030504040204" pitchFamily="34" charset="0"/>
               </a:rPr>
-              <a:t>bậc</a:t>
+              <a:t>là</a:t>
             </a:r>
             <a:r>
               <a:rPr lang="en-US" sz="2000" dirty="0">
@@ -8176,7 +13761,7 @@
                 <a:ea typeface="Tahoma" panose="020B0604030504040204" pitchFamily="34" charset="0"/>
                 <a:cs typeface="Tahoma" panose="020B0604030504040204" pitchFamily="34" charset="0"/>
               </a:rPr>
-              <a:t> </a:t>
+              <a:t> Bài </a:t>
             </a:r>
             <a:r>
               <a:rPr lang="en-US" sz="2000" dirty="0" err="1">
@@ -8187,7 +13772,7 @@
                 <a:ea typeface="Tahoma" panose="020B0604030504040204" pitchFamily="34" charset="0"/>
                 <a:cs typeface="Tahoma" panose="020B0604030504040204" pitchFamily="34" charset="0"/>
               </a:rPr>
-              <a:t>của</a:t>
+              <a:t>toán</a:t>
             </a:r>
             <a:r>
               <a:rPr lang="en-US" sz="2000" dirty="0">
@@ -8209,6 +13794,270 @@
                 <a:ea typeface="Tahoma" panose="020B0604030504040204" pitchFamily="34" charset="0"/>
                 <a:cs typeface="Tahoma" panose="020B0604030504040204" pitchFamily="34" charset="0"/>
               </a:rPr>
+              <a:t>hồi</a:t>
+            </a:r>
+            <a:r>
+              <a:rPr lang="en-US" sz="2000" dirty="0">
+                <a:solidFill>
+                  <a:schemeClr val="tx1"/>
+                </a:solidFill>
+                <a:latin typeface="Tahoma" panose="020B0604030504040204" pitchFamily="34" charset="0"/>
+                <a:ea typeface="Tahoma" panose="020B0604030504040204" pitchFamily="34" charset="0"/>
+                <a:cs typeface="Tahoma" panose="020B0604030504040204" pitchFamily="34" charset="0"/>
+              </a:rPr>
+              <a:t> </a:t>
+            </a:r>
+            <a:r>
+              <a:rPr lang="en-US" sz="2000" dirty="0" err="1">
+                <a:solidFill>
+                  <a:schemeClr val="tx1"/>
+                </a:solidFill>
+                <a:latin typeface="Tahoma" panose="020B0604030504040204" pitchFamily="34" charset="0"/>
+                <a:ea typeface="Tahoma" panose="020B0604030504040204" pitchFamily="34" charset="0"/>
+                <a:cs typeface="Tahoma" panose="020B0604030504040204" pitchFamily="34" charset="0"/>
+              </a:rPr>
+              <a:t>quy</a:t>
+            </a:r>
+            <a:r>
+              <a:rPr lang="en-US" sz="2000" dirty="0">
+                <a:solidFill>
+                  <a:schemeClr val="tx1"/>
+                </a:solidFill>
+                <a:latin typeface="Tahoma" panose="020B0604030504040204" pitchFamily="34" charset="0"/>
+                <a:ea typeface="Tahoma" panose="020B0604030504040204" pitchFamily="34" charset="0"/>
+                <a:cs typeface="Tahoma" panose="020B0604030504040204" pitchFamily="34" charset="0"/>
+              </a:rPr>
+              <a:t> (Regression) </a:t>
+            </a:r>
+            <a:r>
+              <a:rPr lang="en-US" sz="2000" dirty="0" err="1">
+                <a:solidFill>
+                  <a:schemeClr val="tx1"/>
+                </a:solidFill>
+                <a:latin typeface="Tahoma" panose="020B0604030504040204" pitchFamily="34" charset="0"/>
+                <a:ea typeface="Tahoma" panose="020B0604030504040204" pitchFamily="34" charset="0"/>
+                <a:cs typeface="Tahoma" panose="020B0604030504040204" pitchFamily="34" charset="0"/>
+              </a:rPr>
+              <a:t>gặp</a:t>
+            </a:r>
+            <a:r>
+              <a:rPr lang="en-US" sz="2000" dirty="0">
+                <a:solidFill>
+                  <a:schemeClr val="tx1"/>
+                </a:solidFill>
+                <a:latin typeface="Tahoma" panose="020B0604030504040204" pitchFamily="34" charset="0"/>
+                <a:ea typeface="Tahoma" panose="020B0604030504040204" pitchFamily="34" charset="0"/>
+                <a:cs typeface="Tahoma" panose="020B0604030504040204" pitchFamily="34" charset="0"/>
+              </a:rPr>
+              <a:t> </a:t>
+            </a:r>
+            <a:r>
+              <a:rPr lang="en-US" sz="2000" dirty="0" err="1">
+                <a:solidFill>
+                  <a:schemeClr val="tx1"/>
+                </a:solidFill>
+                <a:latin typeface="Tahoma" panose="020B0604030504040204" pitchFamily="34" charset="0"/>
+                <a:ea typeface="Tahoma" panose="020B0604030504040204" pitchFamily="34" charset="0"/>
+                <a:cs typeface="Tahoma" panose="020B0604030504040204" pitchFamily="34" charset="0"/>
+              </a:rPr>
+              <a:t>rất</a:t>
+            </a:r>
+            <a:r>
+              <a:rPr lang="en-US" sz="2000" dirty="0">
+                <a:solidFill>
+                  <a:schemeClr val="tx1"/>
+                </a:solidFill>
+                <a:latin typeface="Tahoma" panose="020B0604030504040204" pitchFamily="34" charset="0"/>
+                <a:ea typeface="Tahoma" panose="020B0604030504040204" pitchFamily="34" charset="0"/>
+                <a:cs typeface="Tahoma" panose="020B0604030504040204" pitchFamily="34" charset="0"/>
+              </a:rPr>
+              <a:t> </a:t>
+            </a:r>
+            <a:r>
+              <a:rPr lang="en-US" sz="2000" dirty="0" err="1">
+                <a:solidFill>
+                  <a:schemeClr val="tx1"/>
+                </a:solidFill>
+                <a:latin typeface="Tahoma" panose="020B0604030504040204" pitchFamily="34" charset="0"/>
+                <a:ea typeface="Tahoma" panose="020B0604030504040204" pitchFamily="34" charset="0"/>
+                <a:cs typeface="Tahoma" panose="020B0604030504040204" pitchFamily="34" charset="0"/>
+              </a:rPr>
+              <a:t>nhiều</a:t>
+            </a:r>
+            <a:r>
+              <a:rPr lang="en-US" sz="2000" dirty="0">
+                <a:solidFill>
+                  <a:schemeClr val="tx1"/>
+                </a:solidFill>
+                <a:latin typeface="Tahoma" panose="020B0604030504040204" pitchFamily="34" charset="0"/>
+                <a:ea typeface="Tahoma" panose="020B0604030504040204" pitchFamily="34" charset="0"/>
+                <a:cs typeface="Tahoma" panose="020B0604030504040204" pitchFamily="34" charset="0"/>
+              </a:rPr>
+              <a:t> </a:t>
+            </a:r>
+            <a:r>
+              <a:rPr lang="en-US" sz="2000" dirty="0" err="1">
+                <a:solidFill>
+                  <a:schemeClr val="tx1"/>
+                </a:solidFill>
+                <a:latin typeface="Tahoma" panose="020B0604030504040204" pitchFamily="34" charset="0"/>
+                <a:ea typeface="Tahoma" panose="020B0604030504040204" pitchFamily="34" charset="0"/>
+                <a:cs typeface="Tahoma" panose="020B0604030504040204" pitchFamily="34" charset="0"/>
+              </a:rPr>
+              <a:t>trong</a:t>
+            </a:r>
+            <a:r>
+              <a:rPr lang="en-US" sz="2000" dirty="0">
+                <a:solidFill>
+                  <a:schemeClr val="tx1"/>
+                </a:solidFill>
+                <a:latin typeface="Tahoma" panose="020B0604030504040204" pitchFamily="34" charset="0"/>
+                <a:ea typeface="Tahoma" panose="020B0604030504040204" pitchFamily="34" charset="0"/>
+                <a:cs typeface="Tahoma" panose="020B0604030504040204" pitchFamily="34" charset="0"/>
+              </a:rPr>
+              <a:t> Machine Learning. </a:t>
+            </a:r>
+            <a:r>
+              <a:rPr lang="en-US" sz="2000" dirty="0" err="1">
+                <a:solidFill>
+                  <a:schemeClr val="tx1"/>
+                </a:solidFill>
+                <a:latin typeface="Tahoma" panose="020B0604030504040204" pitchFamily="34" charset="0"/>
+                <a:ea typeface="Tahoma" panose="020B0604030504040204" pitchFamily="34" charset="0"/>
+                <a:cs typeface="Tahoma" panose="020B0604030504040204" pitchFamily="34" charset="0"/>
+              </a:rPr>
+              <a:t>Các</a:t>
+            </a:r>
+            <a:r>
+              <a:rPr lang="en-US" sz="2000" dirty="0">
+                <a:solidFill>
+                  <a:schemeClr val="tx1"/>
+                </a:solidFill>
+                <a:latin typeface="Tahoma" panose="020B0604030504040204" pitchFamily="34" charset="0"/>
+                <a:ea typeface="Tahoma" panose="020B0604030504040204" pitchFamily="34" charset="0"/>
+                <a:cs typeface="Tahoma" panose="020B0604030504040204" pitchFamily="34" charset="0"/>
+              </a:rPr>
+              <a:t> </a:t>
+            </a:r>
+            <a:r>
+              <a:rPr lang="en-US" sz="2000" dirty="0" err="1">
+                <a:solidFill>
+                  <a:schemeClr val="tx1"/>
+                </a:solidFill>
+                <a:latin typeface="Tahoma" panose="020B0604030504040204" pitchFamily="34" charset="0"/>
+                <a:ea typeface="Tahoma" panose="020B0604030504040204" pitchFamily="34" charset="0"/>
+                <a:cs typeface="Tahoma" panose="020B0604030504040204" pitchFamily="34" charset="0"/>
+              </a:rPr>
+              <a:t>mô</a:t>
+            </a:r>
+            <a:r>
+              <a:rPr lang="en-US" sz="2000" dirty="0">
+                <a:solidFill>
+                  <a:schemeClr val="tx1"/>
+                </a:solidFill>
+                <a:latin typeface="Tahoma" panose="020B0604030504040204" pitchFamily="34" charset="0"/>
+                <a:ea typeface="Tahoma" panose="020B0604030504040204" pitchFamily="34" charset="0"/>
+                <a:cs typeface="Tahoma" panose="020B0604030504040204" pitchFamily="34" charset="0"/>
+              </a:rPr>
+              <a:t> </a:t>
+            </a:r>
+            <a:r>
+              <a:rPr lang="en-US" sz="2000" dirty="0" err="1">
+                <a:solidFill>
+                  <a:schemeClr val="tx1"/>
+                </a:solidFill>
+                <a:latin typeface="Tahoma" panose="020B0604030504040204" pitchFamily="34" charset="0"/>
+                <a:ea typeface="Tahoma" panose="020B0604030504040204" pitchFamily="34" charset="0"/>
+                <a:cs typeface="Tahoma" panose="020B0604030504040204" pitchFamily="34" charset="0"/>
+              </a:rPr>
+              <a:t>hình</a:t>
+            </a:r>
+            <a:r>
+              <a:rPr lang="en-US" sz="2000" dirty="0">
+                <a:solidFill>
+                  <a:schemeClr val="tx1"/>
+                </a:solidFill>
+                <a:latin typeface="Tahoma" panose="020B0604030504040204" pitchFamily="34" charset="0"/>
+                <a:ea typeface="Tahoma" panose="020B0604030504040204" pitchFamily="34" charset="0"/>
+                <a:cs typeface="Tahoma" panose="020B0604030504040204" pitchFamily="34" charset="0"/>
+              </a:rPr>
+              <a:t> </a:t>
+            </a:r>
+            <a:r>
+              <a:rPr lang="en-US" sz="2000" dirty="0" err="1">
+                <a:solidFill>
+                  <a:schemeClr val="tx1"/>
+                </a:solidFill>
+                <a:latin typeface="Tahoma" panose="020B0604030504040204" pitchFamily="34" charset="0"/>
+                <a:ea typeface="Tahoma" panose="020B0604030504040204" pitchFamily="34" charset="0"/>
+                <a:cs typeface="Tahoma" panose="020B0604030504040204" pitchFamily="34" charset="0"/>
+              </a:rPr>
+              <a:t>hồi</a:t>
+            </a:r>
+            <a:r>
+              <a:rPr lang="en-US" sz="2000" dirty="0">
+                <a:solidFill>
+                  <a:schemeClr val="tx1"/>
+                </a:solidFill>
+                <a:latin typeface="Tahoma" panose="020B0604030504040204" pitchFamily="34" charset="0"/>
+                <a:ea typeface="Tahoma" panose="020B0604030504040204" pitchFamily="34" charset="0"/>
+                <a:cs typeface="Tahoma" panose="020B0604030504040204" pitchFamily="34" charset="0"/>
+              </a:rPr>
+              <a:t> </a:t>
+            </a:r>
+            <a:r>
+              <a:rPr lang="en-US" sz="2000" dirty="0" err="1">
+                <a:solidFill>
+                  <a:schemeClr val="tx1"/>
+                </a:solidFill>
+                <a:latin typeface="Tahoma" panose="020B0604030504040204" pitchFamily="34" charset="0"/>
+                <a:ea typeface="Tahoma" panose="020B0604030504040204" pitchFamily="34" charset="0"/>
+                <a:cs typeface="Tahoma" panose="020B0604030504040204" pitchFamily="34" charset="0"/>
+              </a:rPr>
+              <a:t>quy</a:t>
+            </a:r>
+            <a:r>
+              <a:rPr lang="en-US" sz="2000" dirty="0">
+                <a:solidFill>
+                  <a:schemeClr val="tx1"/>
+                </a:solidFill>
+                <a:latin typeface="Tahoma" panose="020B0604030504040204" pitchFamily="34" charset="0"/>
+                <a:ea typeface="Tahoma" panose="020B0604030504040204" pitchFamily="34" charset="0"/>
+                <a:cs typeface="Tahoma" panose="020B0604030504040204" pitchFamily="34" charset="0"/>
+              </a:rPr>
+              <a:t> </a:t>
+            </a:r>
+            <a:r>
+              <a:rPr lang="en-US" sz="2000" dirty="0" err="1">
+                <a:solidFill>
+                  <a:schemeClr val="tx1"/>
+                </a:solidFill>
+                <a:latin typeface="Tahoma" panose="020B0604030504040204" pitchFamily="34" charset="0"/>
+                <a:ea typeface="Tahoma" panose="020B0604030504040204" pitchFamily="34" charset="0"/>
+                <a:cs typeface="Tahoma" panose="020B0604030504040204" pitchFamily="34" charset="0"/>
+              </a:rPr>
+              <a:t>rất</a:t>
+            </a:r>
+            <a:r>
+              <a:rPr lang="en-US" sz="2000" dirty="0">
+                <a:solidFill>
+                  <a:schemeClr val="tx1"/>
+                </a:solidFill>
+                <a:latin typeface="Tahoma" panose="020B0604030504040204" pitchFamily="34" charset="0"/>
+                <a:ea typeface="Tahoma" panose="020B0604030504040204" pitchFamily="34" charset="0"/>
+                <a:cs typeface="Tahoma" panose="020B0604030504040204" pitchFamily="34" charset="0"/>
+              </a:rPr>
+              <a:t> </a:t>
+            </a:r>
+            <a:r>
+              <a:rPr lang="en-US" sz="2000" dirty="0" err="1">
+                <a:solidFill>
+                  <a:schemeClr val="tx1"/>
+                </a:solidFill>
+                <a:latin typeface="Tahoma" panose="020B0604030504040204" pitchFamily="34" charset="0"/>
+                <a:ea typeface="Tahoma" panose="020B0604030504040204" pitchFamily="34" charset="0"/>
+                <a:cs typeface="Tahoma" panose="020B0604030504040204" pitchFamily="34" charset="0"/>
+              </a:rPr>
               <a:t>đa</a:t>
             </a:r>
             <a:r>
@@ -8231,7 +14080,7 @@
                 <a:ea typeface="Tahoma" panose="020B0604030504040204" pitchFamily="34" charset="0"/>
                 <a:cs typeface="Tahoma" panose="020B0604030504040204" pitchFamily="34" charset="0"/>
               </a:rPr>
-              <a:t>thức</a:t>
+              <a:t>dạng</a:t>
             </a:r>
             <a:r>
               <a:rPr lang="en-US" sz="2000" dirty="0">
@@ -8242,7 +14091,7 @@
                 <a:ea typeface="Tahoma" panose="020B0604030504040204" pitchFamily="34" charset="0"/>
                 <a:cs typeface="Tahoma" panose="020B0604030504040204" pitchFamily="34" charset="0"/>
               </a:rPr>
-              <a:t> </a:t>
+              <a:t> (</a:t>
             </a:r>
             <a:r>
               <a:rPr lang="en-US" sz="2000" dirty="0" err="1">
@@ -8253,7 +14102,7 @@
                 <a:ea typeface="Tahoma" panose="020B0604030504040204" pitchFamily="34" charset="0"/>
                 <a:cs typeface="Tahoma" panose="020B0604030504040204" pitchFamily="34" charset="0"/>
               </a:rPr>
-              <a:t>nội</a:t>
+              <a:t>tuyến</a:t>
             </a:r>
             <a:r>
               <a:rPr lang="en-US" sz="2000" dirty="0">
@@ -8275,7 +14124,7 @@
                 <a:ea typeface="Tahoma" panose="020B0604030504040204" pitchFamily="34" charset="0"/>
                 <a:cs typeface="Tahoma" panose="020B0604030504040204" pitchFamily="34" charset="0"/>
               </a:rPr>
-              <a:t>suy</a:t>
+              <a:t>tính</a:t>
             </a:r>
             <a:r>
               <a:rPr lang="en-US" sz="2000" dirty="0">
@@ -8286,7 +14135,7 @@
                 <a:ea typeface="Tahoma" panose="020B0604030504040204" pitchFamily="34" charset="0"/>
                 <a:cs typeface="Tahoma" panose="020B0604030504040204" pitchFamily="34" charset="0"/>
               </a:rPr>
-              <a:t> </a:t>
+              <a:t>, </a:t>
             </a:r>
             <a:r>
               <a:rPr lang="en-US" sz="2000" dirty="0" err="1">
@@ -8297,7 +14146,7 @@
                 <a:ea typeface="Tahoma" panose="020B0604030504040204" pitchFamily="34" charset="0"/>
                 <a:cs typeface="Tahoma" panose="020B0604030504040204" pitchFamily="34" charset="0"/>
               </a:rPr>
-              <a:t>rất</a:t>
+              <a:t>đa</a:t>
             </a:r>
             <a:r>
               <a:rPr lang="en-US" sz="2000" dirty="0">
@@ -8319,7 +14168,7 @@
                 <a:ea typeface="Tahoma" panose="020B0604030504040204" pitchFamily="34" charset="0"/>
                 <a:cs typeface="Tahoma" panose="020B0604030504040204" pitchFamily="34" charset="0"/>
               </a:rPr>
-              <a:t>lớn</a:t>
+              <a:t>tuyến</a:t>
             </a:r>
             <a:r>
               <a:rPr lang="en-US" sz="2000" dirty="0">
@@ -8330,7 +14179,7 @@
                 <a:ea typeface="Tahoma" panose="020B0604030504040204" pitchFamily="34" charset="0"/>
                 <a:cs typeface="Tahoma" panose="020B0604030504040204" pitchFamily="34" charset="0"/>
               </a:rPr>
-              <a:t> (</a:t>
+              <a:t> </a:t>
             </a:r>
             <a:r>
               <a:rPr lang="en-US" sz="2000" dirty="0" err="1">
@@ -8341,7 +14190,7 @@
                 <a:ea typeface="Tahoma" panose="020B0604030504040204" pitchFamily="34" charset="0"/>
                 <a:cs typeface="Tahoma" panose="020B0604030504040204" pitchFamily="34" charset="0"/>
               </a:rPr>
-              <a:t>nếu</a:t>
+              <a:t>tính</a:t>
             </a:r>
             <a:r>
               <a:rPr lang="en-US" sz="2000" dirty="0">
@@ -8352,1434 +14201,8 @@
                 <a:ea typeface="Tahoma" panose="020B0604030504040204" pitchFamily="34" charset="0"/>
                 <a:cs typeface="Tahoma" panose="020B0604030504040204" pitchFamily="34" charset="0"/>
               </a:rPr>
-              <a:t> n </a:t>
-            </a:r>
-            <a:r>
-              <a:rPr lang="en-US" sz="2000" dirty="0" err="1">
-                <a:solidFill>
-                  <a:schemeClr val="tx1"/>
-                </a:solidFill>
-                <a:latin typeface="Tahoma" panose="020B0604030504040204" pitchFamily="34" charset="0"/>
-                <a:ea typeface="Tahoma" panose="020B0604030504040204" pitchFamily="34" charset="0"/>
-                <a:cs typeface="Tahoma" panose="020B0604030504040204" pitchFamily="34" charset="0"/>
-              </a:rPr>
-              <a:t>rất</a:t>
-            </a:r>
-            <a:r>
-              <a:rPr lang="en-US" sz="2000" dirty="0">
-                <a:solidFill>
-                  <a:schemeClr val="tx1"/>
-                </a:solidFill>
-                <a:latin typeface="Tahoma" panose="020B0604030504040204" pitchFamily="34" charset="0"/>
-                <a:ea typeface="Tahoma" panose="020B0604030504040204" pitchFamily="34" charset="0"/>
-                <a:cs typeface="Tahoma" panose="020B0604030504040204" pitchFamily="34" charset="0"/>
-              </a:rPr>
-              <a:t> </a:t>
-            </a:r>
-            <a:r>
-              <a:rPr lang="en-US" sz="2000" dirty="0" err="1">
-                <a:solidFill>
-                  <a:schemeClr val="tx1"/>
-                </a:solidFill>
-                <a:latin typeface="Tahoma" panose="020B0604030504040204" pitchFamily="34" charset="0"/>
-                <a:ea typeface="Tahoma" panose="020B0604030504040204" pitchFamily="34" charset="0"/>
-                <a:cs typeface="Tahoma" panose="020B0604030504040204" pitchFamily="34" charset="0"/>
-              </a:rPr>
-              <a:t>lớn</a:t>
-            </a:r>
-            <a:r>
-              <a:rPr lang="en-US" sz="2000" dirty="0">
-                <a:solidFill>
-                  <a:schemeClr val="tx1"/>
-                </a:solidFill>
-                <a:latin typeface="Tahoma" panose="020B0604030504040204" pitchFamily="34" charset="0"/>
-                <a:ea typeface="Tahoma" panose="020B0604030504040204" pitchFamily="34" charset="0"/>
-                <a:cs typeface="Tahoma" panose="020B0604030504040204" pitchFamily="34" charset="0"/>
-              </a:rPr>
-              <a:t>), chi </a:t>
-            </a:r>
-            <a:r>
-              <a:rPr lang="en-US" sz="2000" dirty="0" err="1">
-                <a:solidFill>
-                  <a:schemeClr val="tx1"/>
-                </a:solidFill>
-                <a:latin typeface="Tahoma" panose="020B0604030504040204" pitchFamily="34" charset="0"/>
-                <a:ea typeface="Tahoma" panose="020B0604030504040204" pitchFamily="34" charset="0"/>
-                <a:cs typeface="Tahoma" panose="020B0604030504040204" pitchFamily="34" charset="0"/>
-              </a:rPr>
-              <a:t>phí</a:t>
-            </a:r>
-            <a:r>
-              <a:rPr lang="en-US" sz="2000" dirty="0">
-                <a:solidFill>
-                  <a:schemeClr val="tx1"/>
-                </a:solidFill>
-                <a:latin typeface="Tahoma" panose="020B0604030504040204" pitchFamily="34" charset="0"/>
-                <a:ea typeface="Tahoma" panose="020B0604030504040204" pitchFamily="34" charset="0"/>
-                <a:cs typeface="Tahoma" panose="020B0604030504040204" pitchFamily="34" charset="0"/>
-              </a:rPr>
-              <a:t> &amp; </a:t>
-            </a:r>
-            <a:r>
-              <a:rPr lang="en-US" sz="2000" dirty="0" err="1">
-                <a:solidFill>
-                  <a:schemeClr val="tx1"/>
-                </a:solidFill>
-                <a:latin typeface="Tahoma" panose="020B0604030504040204" pitchFamily="34" charset="0"/>
-                <a:ea typeface="Tahoma" panose="020B0604030504040204" pitchFamily="34" charset="0"/>
-                <a:cs typeface="Tahoma" panose="020B0604030504040204" pitchFamily="34" charset="0"/>
-              </a:rPr>
-              <a:t>thời</a:t>
-            </a:r>
-            <a:r>
-              <a:rPr lang="en-US" sz="2000" dirty="0">
-                <a:solidFill>
-                  <a:schemeClr val="tx1"/>
-                </a:solidFill>
-                <a:latin typeface="Tahoma" panose="020B0604030504040204" pitchFamily="34" charset="0"/>
-                <a:ea typeface="Tahoma" panose="020B0604030504040204" pitchFamily="34" charset="0"/>
-                <a:cs typeface="Tahoma" panose="020B0604030504040204" pitchFamily="34" charset="0"/>
-              </a:rPr>
-              <a:t> </a:t>
-            </a:r>
-            <a:r>
-              <a:rPr lang="en-US" sz="2000" dirty="0" err="1">
-                <a:solidFill>
-                  <a:schemeClr val="tx1"/>
-                </a:solidFill>
-                <a:latin typeface="Tahoma" panose="020B0604030504040204" pitchFamily="34" charset="0"/>
-                <a:ea typeface="Tahoma" panose="020B0604030504040204" pitchFamily="34" charset="0"/>
-                <a:cs typeface="Tahoma" panose="020B0604030504040204" pitchFamily="34" charset="0"/>
-              </a:rPr>
-              <a:t>gian</a:t>
-            </a:r>
-            <a:r>
-              <a:rPr lang="en-US" sz="2000" dirty="0">
-                <a:solidFill>
-                  <a:schemeClr val="tx1"/>
-                </a:solidFill>
-                <a:latin typeface="Tahoma" panose="020B0604030504040204" pitchFamily="34" charset="0"/>
-                <a:ea typeface="Tahoma" panose="020B0604030504040204" pitchFamily="34" charset="0"/>
-                <a:cs typeface="Tahoma" panose="020B0604030504040204" pitchFamily="34" charset="0"/>
-              </a:rPr>
-              <a:t> </a:t>
-            </a:r>
-            <a:r>
-              <a:rPr lang="en-US" sz="2000" dirty="0" err="1">
-                <a:solidFill>
-                  <a:schemeClr val="tx1"/>
-                </a:solidFill>
-                <a:latin typeface="Tahoma" panose="020B0604030504040204" pitchFamily="34" charset="0"/>
-                <a:ea typeface="Tahoma" panose="020B0604030504040204" pitchFamily="34" charset="0"/>
-                <a:cs typeface="Tahoma" panose="020B0604030504040204" pitchFamily="34" charset="0"/>
-              </a:rPr>
-              <a:t>tính</a:t>
-            </a:r>
-            <a:r>
-              <a:rPr lang="en-US" sz="2000" dirty="0">
-                <a:solidFill>
-                  <a:schemeClr val="tx1"/>
-                </a:solidFill>
-                <a:latin typeface="Tahoma" panose="020B0604030504040204" pitchFamily="34" charset="0"/>
-                <a:ea typeface="Tahoma" panose="020B0604030504040204" pitchFamily="34" charset="0"/>
-                <a:cs typeface="Tahoma" panose="020B0604030504040204" pitchFamily="34" charset="0"/>
-              </a:rPr>
-              <a:t> </a:t>
-            </a:r>
-            <a:r>
-              <a:rPr lang="en-US" sz="2000" dirty="0" err="1">
-                <a:solidFill>
-                  <a:schemeClr val="tx1"/>
-                </a:solidFill>
-                <a:latin typeface="Tahoma" panose="020B0604030504040204" pitchFamily="34" charset="0"/>
-                <a:ea typeface="Tahoma" panose="020B0604030504040204" pitchFamily="34" charset="0"/>
-                <a:cs typeface="Tahoma" panose="020B0604030504040204" pitchFamily="34" charset="0"/>
-              </a:rPr>
-              <a:t>toán</a:t>
-            </a:r>
-            <a:r>
-              <a:rPr lang="en-US" sz="2000" dirty="0">
-                <a:solidFill>
-                  <a:schemeClr val="tx1"/>
-                </a:solidFill>
-                <a:latin typeface="Tahoma" panose="020B0604030504040204" pitchFamily="34" charset="0"/>
-                <a:ea typeface="Tahoma" panose="020B0604030504040204" pitchFamily="34" charset="0"/>
-                <a:cs typeface="Tahoma" panose="020B0604030504040204" pitchFamily="34" charset="0"/>
-              </a:rPr>
-              <a:t> </a:t>
-            </a:r>
-            <a:r>
-              <a:rPr lang="en-US" sz="2000" dirty="0" err="1">
-                <a:solidFill>
-                  <a:schemeClr val="tx1"/>
-                </a:solidFill>
-                <a:latin typeface="Tahoma" panose="020B0604030504040204" pitchFamily="34" charset="0"/>
-                <a:ea typeface="Tahoma" panose="020B0604030504040204" pitchFamily="34" charset="0"/>
-                <a:cs typeface="Tahoma" panose="020B0604030504040204" pitchFamily="34" charset="0"/>
-              </a:rPr>
-              <a:t>lớn</a:t>
-            </a:r>
-            <a:r>
-              <a:rPr lang="en-US" sz="2000" dirty="0">
-                <a:solidFill>
-                  <a:schemeClr val="tx1"/>
-                </a:solidFill>
-                <a:latin typeface="Tahoma" panose="020B0604030504040204" pitchFamily="34" charset="0"/>
-                <a:ea typeface="Tahoma" panose="020B0604030504040204" pitchFamily="34" charset="0"/>
-                <a:cs typeface="Tahoma" panose="020B0604030504040204" pitchFamily="34" charset="0"/>
-              </a:rPr>
-              <a:t>. </a:t>
-            </a:r>
-          </a:p>
-          <a:p>
-            <a:r>
-              <a:rPr lang="en-US" sz="2000" dirty="0" err="1">
-                <a:solidFill>
-                  <a:schemeClr val="tx1"/>
-                </a:solidFill>
-                <a:latin typeface="Tahoma" panose="020B0604030504040204" pitchFamily="34" charset="0"/>
-                <a:ea typeface="Tahoma" panose="020B0604030504040204" pitchFamily="34" charset="0"/>
-                <a:cs typeface="Tahoma" panose="020B0604030504040204" pitchFamily="34" charset="0"/>
-              </a:rPr>
-              <a:t>Thay</a:t>
-            </a:r>
-            <a:r>
-              <a:rPr lang="en-US" sz="2000" dirty="0">
-                <a:solidFill>
-                  <a:schemeClr val="tx1"/>
-                </a:solidFill>
-                <a:latin typeface="Tahoma" panose="020B0604030504040204" pitchFamily="34" charset="0"/>
-                <a:ea typeface="Tahoma" panose="020B0604030504040204" pitchFamily="34" charset="0"/>
-                <a:cs typeface="Tahoma" panose="020B0604030504040204" pitchFamily="34" charset="0"/>
-              </a:rPr>
-              <a:t> </a:t>
-            </a:r>
-            <a:r>
-              <a:rPr lang="en-US" sz="2000" dirty="0" err="1">
-                <a:solidFill>
-                  <a:schemeClr val="tx1"/>
-                </a:solidFill>
-                <a:latin typeface="Tahoma" panose="020B0604030504040204" pitchFamily="34" charset="0"/>
-                <a:ea typeface="Tahoma" panose="020B0604030504040204" pitchFamily="34" charset="0"/>
-                <a:cs typeface="Tahoma" panose="020B0604030504040204" pitchFamily="34" charset="0"/>
-              </a:rPr>
-              <a:t>vào</a:t>
-            </a:r>
-            <a:r>
-              <a:rPr lang="en-US" sz="2000" dirty="0">
-                <a:solidFill>
-                  <a:schemeClr val="tx1"/>
-                </a:solidFill>
-                <a:latin typeface="Tahoma" panose="020B0604030504040204" pitchFamily="34" charset="0"/>
-                <a:ea typeface="Tahoma" panose="020B0604030504040204" pitchFamily="34" charset="0"/>
-                <a:cs typeface="Tahoma" panose="020B0604030504040204" pitchFamily="34" charset="0"/>
-              </a:rPr>
-              <a:t> </a:t>
-            </a:r>
-            <a:r>
-              <a:rPr lang="en-US" sz="2000" dirty="0" err="1">
-                <a:solidFill>
-                  <a:schemeClr val="tx1"/>
-                </a:solidFill>
-                <a:latin typeface="Tahoma" panose="020B0604030504040204" pitchFamily="34" charset="0"/>
-                <a:ea typeface="Tahoma" panose="020B0604030504040204" pitchFamily="34" charset="0"/>
-                <a:cs typeface="Tahoma" panose="020B0604030504040204" pitchFamily="34" charset="0"/>
-              </a:rPr>
-              <a:t>đó</a:t>
-            </a:r>
-            <a:r>
-              <a:rPr lang="en-US" sz="2000" dirty="0">
-                <a:solidFill>
-                  <a:schemeClr val="tx1"/>
-                </a:solidFill>
-                <a:latin typeface="Tahoma" panose="020B0604030504040204" pitchFamily="34" charset="0"/>
-                <a:ea typeface="Tahoma" panose="020B0604030504040204" pitchFamily="34" charset="0"/>
-                <a:cs typeface="Tahoma" panose="020B0604030504040204" pitchFamily="34" charset="0"/>
-              </a:rPr>
-              <a:t> </a:t>
-            </a:r>
-            <a:r>
-              <a:rPr lang="en-US" sz="2000" dirty="0" err="1">
-                <a:solidFill>
-                  <a:schemeClr val="tx1"/>
-                </a:solidFill>
-                <a:latin typeface="Tahoma" panose="020B0604030504040204" pitchFamily="34" charset="0"/>
-                <a:ea typeface="Tahoma" panose="020B0604030504040204" pitchFamily="34" charset="0"/>
-                <a:cs typeface="Tahoma" panose="020B0604030504040204" pitchFamily="34" charset="0"/>
-              </a:rPr>
-              <a:t>người</a:t>
-            </a:r>
-            <a:r>
-              <a:rPr lang="en-US" sz="2000" dirty="0">
-                <a:solidFill>
-                  <a:schemeClr val="tx1"/>
-                </a:solidFill>
-                <a:latin typeface="Tahoma" panose="020B0604030504040204" pitchFamily="34" charset="0"/>
-                <a:ea typeface="Tahoma" panose="020B0604030504040204" pitchFamily="34" charset="0"/>
-                <a:cs typeface="Tahoma" panose="020B0604030504040204" pitchFamily="34" charset="0"/>
-              </a:rPr>
-              <a:t> ta </a:t>
-            </a:r>
-            <a:r>
-              <a:rPr lang="en-US" sz="2000" dirty="0" err="1">
-                <a:solidFill>
-                  <a:schemeClr val="tx1"/>
-                </a:solidFill>
-                <a:latin typeface="Tahoma" panose="020B0604030504040204" pitchFamily="34" charset="0"/>
-                <a:ea typeface="Tahoma" panose="020B0604030504040204" pitchFamily="34" charset="0"/>
-                <a:cs typeface="Tahoma" panose="020B0604030504040204" pitchFamily="34" charset="0"/>
-              </a:rPr>
-              <a:t>sẽ</a:t>
-            </a:r>
-            <a:r>
-              <a:rPr lang="en-US" sz="2000" dirty="0">
-                <a:solidFill>
-                  <a:schemeClr val="tx1"/>
-                </a:solidFill>
-                <a:latin typeface="Tahoma" panose="020B0604030504040204" pitchFamily="34" charset="0"/>
-                <a:ea typeface="Tahoma" panose="020B0604030504040204" pitchFamily="34" charset="0"/>
-                <a:cs typeface="Tahoma" panose="020B0604030504040204" pitchFamily="34" charset="0"/>
-              </a:rPr>
-              <a:t> </a:t>
-            </a:r>
-            <a:r>
-              <a:rPr lang="en-US" sz="2000" dirty="0" err="1">
-                <a:solidFill>
-                  <a:schemeClr val="tx1"/>
-                </a:solidFill>
-                <a:latin typeface="Tahoma" panose="020B0604030504040204" pitchFamily="34" charset="0"/>
-                <a:ea typeface="Tahoma" panose="020B0604030504040204" pitchFamily="34" charset="0"/>
-                <a:cs typeface="Tahoma" panose="020B0604030504040204" pitchFamily="34" charset="0"/>
-              </a:rPr>
-              <a:t>dùng</a:t>
-            </a:r>
-            <a:r>
-              <a:rPr lang="en-US" sz="2000" dirty="0">
-                <a:solidFill>
-                  <a:schemeClr val="tx1"/>
-                </a:solidFill>
-                <a:latin typeface="Tahoma" panose="020B0604030504040204" pitchFamily="34" charset="0"/>
-                <a:ea typeface="Tahoma" panose="020B0604030504040204" pitchFamily="34" charset="0"/>
-                <a:cs typeface="Tahoma" panose="020B0604030504040204" pitchFamily="34" charset="0"/>
-              </a:rPr>
-              <a:t> </a:t>
-            </a:r>
-            <a:r>
-              <a:rPr lang="en-US" sz="2000" dirty="0" err="1">
-                <a:solidFill>
-                  <a:schemeClr val="tx1"/>
-                </a:solidFill>
-                <a:latin typeface="Tahoma" panose="020B0604030504040204" pitchFamily="34" charset="0"/>
-                <a:ea typeface="Tahoma" panose="020B0604030504040204" pitchFamily="34" charset="0"/>
-                <a:cs typeface="Tahoma" panose="020B0604030504040204" pitchFamily="34" charset="0"/>
-              </a:rPr>
-              <a:t>phương</a:t>
-            </a:r>
-            <a:r>
-              <a:rPr lang="en-US" sz="2000" dirty="0">
-                <a:solidFill>
-                  <a:schemeClr val="tx1"/>
-                </a:solidFill>
-                <a:latin typeface="Tahoma" panose="020B0604030504040204" pitchFamily="34" charset="0"/>
-                <a:ea typeface="Tahoma" panose="020B0604030504040204" pitchFamily="34" charset="0"/>
-                <a:cs typeface="Tahoma" panose="020B0604030504040204" pitchFamily="34" charset="0"/>
-              </a:rPr>
-              <a:t> </a:t>
-            </a:r>
-            <a:r>
-              <a:rPr lang="en-US" sz="2000" dirty="0" err="1">
-                <a:solidFill>
-                  <a:schemeClr val="tx1"/>
-                </a:solidFill>
-                <a:latin typeface="Tahoma" panose="020B0604030504040204" pitchFamily="34" charset="0"/>
-                <a:ea typeface="Tahoma" panose="020B0604030504040204" pitchFamily="34" charset="0"/>
-                <a:cs typeface="Tahoma" panose="020B0604030504040204" pitchFamily="34" charset="0"/>
-              </a:rPr>
-              <a:t>pháp</a:t>
-            </a:r>
-            <a:r>
-              <a:rPr lang="en-US" sz="2000" dirty="0">
-                <a:solidFill>
-                  <a:schemeClr val="tx1"/>
-                </a:solidFill>
-                <a:latin typeface="Tahoma" panose="020B0604030504040204" pitchFamily="34" charset="0"/>
-                <a:ea typeface="Tahoma" panose="020B0604030504040204" pitchFamily="34" charset="0"/>
-                <a:cs typeface="Tahoma" panose="020B0604030504040204" pitchFamily="34" charset="0"/>
-              </a:rPr>
-              <a:t> </a:t>
-            </a:r>
-            <a:r>
-              <a:rPr lang="en-US" sz="2000" dirty="0" err="1">
-                <a:solidFill>
-                  <a:schemeClr val="tx1"/>
-                </a:solidFill>
-                <a:latin typeface="Tahoma" panose="020B0604030504040204" pitchFamily="34" charset="0"/>
-                <a:ea typeface="Tahoma" panose="020B0604030504040204" pitchFamily="34" charset="0"/>
-                <a:cs typeface="Tahoma" panose="020B0604030504040204" pitchFamily="34" charset="0"/>
-              </a:rPr>
-              <a:t>bình</a:t>
-            </a:r>
-            <a:r>
-              <a:rPr lang="en-US" sz="2000" dirty="0">
-                <a:solidFill>
-                  <a:schemeClr val="tx1"/>
-                </a:solidFill>
-                <a:latin typeface="Tahoma" panose="020B0604030504040204" pitchFamily="34" charset="0"/>
-                <a:ea typeface="Tahoma" panose="020B0604030504040204" pitchFamily="34" charset="0"/>
-                <a:cs typeface="Tahoma" panose="020B0604030504040204" pitchFamily="34" charset="0"/>
-              </a:rPr>
-              <a:t> </a:t>
-            </a:r>
-            <a:r>
-              <a:rPr lang="en-US" sz="2000" dirty="0" err="1">
-                <a:solidFill>
-                  <a:schemeClr val="tx1"/>
-                </a:solidFill>
-                <a:latin typeface="Tahoma" panose="020B0604030504040204" pitchFamily="34" charset="0"/>
-                <a:ea typeface="Tahoma" panose="020B0604030504040204" pitchFamily="34" charset="0"/>
-                <a:cs typeface="Tahoma" panose="020B0604030504040204" pitchFamily="34" charset="0"/>
-              </a:rPr>
-              <a:t>phương</a:t>
-            </a:r>
-            <a:r>
-              <a:rPr lang="en-US" sz="2000" dirty="0">
-                <a:solidFill>
-                  <a:schemeClr val="tx1"/>
-                </a:solidFill>
-                <a:latin typeface="Tahoma" panose="020B0604030504040204" pitchFamily="34" charset="0"/>
-                <a:ea typeface="Tahoma" panose="020B0604030504040204" pitchFamily="34" charset="0"/>
-                <a:cs typeface="Tahoma" panose="020B0604030504040204" pitchFamily="34" charset="0"/>
-              </a:rPr>
-              <a:t> </a:t>
-            </a:r>
-            <a:r>
-              <a:rPr lang="en-US" sz="2000" dirty="0" err="1">
-                <a:solidFill>
-                  <a:schemeClr val="tx1"/>
-                </a:solidFill>
-                <a:latin typeface="Tahoma" panose="020B0604030504040204" pitchFamily="34" charset="0"/>
-                <a:ea typeface="Tahoma" panose="020B0604030504040204" pitchFamily="34" charset="0"/>
-                <a:cs typeface="Tahoma" panose="020B0604030504040204" pitchFamily="34" charset="0"/>
-              </a:rPr>
-              <a:t>tối</a:t>
-            </a:r>
-            <a:r>
-              <a:rPr lang="en-US" sz="2000" dirty="0">
-                <a:solidFill>
-                  <a:schemeClr val="tx1"/>
-                </a:solidFill>
-                <a:latin typeface="Tahoma" panose="020B0604030504040204" pitchFamily="34" charset="0"/>
-                <a:ea typeface="Tahoma" panose="020B0604030504040204" pitchFamily="34" charset="0"/>
-                <a:cs typeface="Tahoma" panose="020B0604030504040204" pitchFamily="34" charset="0"/>
-              </a:rPr>
-              <a:t> </a:t>
-            </a:r>
-            <a:r>
-              <a:rPr lang="en-US" sz="2000" dirty="0" err="1">
-                <a:solidFill>
-                  <a:schemeClr val="tx1"/>
-                </a:solidFill>
-                <a:latin typeface="Tahoma" panose="020B0604030504040204" pitchFamily="34" charset="0"/>
-                <a:ea typeface="Tahoma" panose="020B0604030504040204" pitchFamily="34" charset="0"/>
-                <a:cs typeface="Tahoma" panose="020B0604030504040204" pitchFamily="34" charset="0"/>
-              </a:rPr>
-              <a:t>thiểu</a:t>
-            </a:r>
-            <a:r>
-              <a:rPr lang="en-US" sz="2000" dirty="0">
-                <a:solidFill>
-                  <a:schemeClr val="tx1"/>
-                </a:solidFill>
-                <a:latin typeface="Tahoma" panose="020B0604030504040204" pitchFamily="34" charset="0"/>
-                <a:ea typeface="Tahoma" panose="020B0604030504040204" pitchFamily="34" charset="0"/>
-                <a:cs typeface="Tahoma" panose="020B0604030504040204" pitchFamily="34" charset="0"/>
-              </a:rPr>
-              <a:t> </a:t>
-            </a:r>
-            <a:r>
-              <a:rPr lang="en-US" sz="2000" dirty="0" err="1">
-                <a:solidFill>
-                  <a:schemeClr val="tx1"/>
-                </a:solidFill>
-                <a:latin typeface="Tahoma" panose="020B0604030504040204" pitchFamily="34" charset="0"/>
-                <a:ea typeface="Tahoma" panose="020B0604030504040204" pitchFamily="34" charset="0"/>
-                <a:cs typeface="Tahoma" panose="020B0604030504040204" pitchFamily="34" charset="0"/>
-              </a:rPr>
-              <a:t>để</a:t>
-            </a:r>
-            <a:r>
-              <a:rPr lang="en-US" sz="2000" dirty="0">
-                <a:solidFill>
-                  <a:schemeClr val="tx1"/>
-                </a:solidFill>
-                <a:latin typeface="Tahoma" panose="020B0604030504040204" pitchFamily="34" charset="0"/>
-                <a:ea typeface="Tahoma" panose="020B0604030504040204" pitchFamily="34" charset="0"/>
-                <a:cs typeface="Tahoma" panose="020B0604030504040204" pitchFamily="34" charset="0"/>
-              </a:rPr>
-              <a:t> </a:t>
-            </a:r>
-            <a:r>
-              <a:rPr lang="en-US" sz="2000" dirty="0" err="1">
-                <a:solidFill>
-                  <a:schemeClr val="tx1"/>
-                </a:solidFill>
-                <a:latin typeface="Tahoma" panose="020B0604030504040204" pitchFamily="34" charset="0"/>
-                <a:ea typeface="Tahoma" panose="020B0604030504040204" pitchFamily="34" charset="0"/>
-                <a:cs typeface="Tahoma" panose="020B0604030504040204" pitchFamily="34" charset="0"/>
-              </a:rPr>
-              <a:t>đi</a:t>
-            </a:r>
-            <a:r>
-              <a:rPr lang="en-US" sz="2000" dirty="0">
-                <a:solidFill>
-                  <a:schemeClr val="tx1"/>
-                </a:solidFill>
-                <a:latin typeface="Tahoma" panose="020B0604030504040204" pitchFamily="34" charset="0"/>
-                <a:ea typeface="Tahoma" panose="020B0604030504040204" pitchFamily="34" charset="0"/>
-                <a:cs typeface="Tahoma" panose="020B0604030504040204" pitchFamily="34" charset="0"/>
-              </a:rPr>
-              <a:t> </a:t>
-            </a:r>
-            <a:r>
-              <a:rPr lang="en-US" sz="2000" dirty="0" err="1">
-                <a:solidFill>
-                  <a:schemeClr val="tx1"/>
-                </a:solidFill>
-                <a:latin typeface="Tahoma" panose="020B0604030504040204" pitchFamily="34" charset="0"/>
-                <a:ea typeface="Tahoma" panose="020B0604030504040204" pitchFamily="34" charset="0"/>
-                <a:cs typeface="Tahoma" panose="020B0604030504040204" pitchFamily="34" charset="0"/>
-              </a:rPr>
-              <a:t>tìm</a:t>
-            </a:r>
-            <a:r>
-              <a:rPr lang="en-US" sz="2000" dirty="0">
-                <a:solidFill>
-                  <a:schemeClr val="tx1"/>
-                </a:solidFill>
-                <a:latin typeface="Tahoma" panose="020B0604030504040204" pitchFamily="34" charset="0"/>
-                <a:ea typeface="Tahoma" panose="020B0604030504040204" pitchFamily="34" charset="0"/>
-                <a:cs typeface="Tahoma" panose="020B0604030504040204" pitchFamily="34" charset="0"/>
-              </a:rPr>
-              <a:t> 1 </a:t>
-            </a:r>
-            <a:r>
-              <a:rPr lang="en-US" sz="2000" dirty="0" err="1">
-                <a:solidFill>
-                  <a:schemeClr val="tx1"/>
-                </a:solidFill>
-                <a:latin typeface="Tahoma" panose="020B0604030504040204" pitchFamily="34" charset="0"/>
-                <a:ea typeface="Tahoma" panose="020B0604030504040204" pitchFamily="34" charset="0"/>
-                <a:cs typeface="Tahoma" panose="020B0604030504040204" pitchFamily="34" charset="0"/>
-              </a:rPr>
-              <a:t>đường</a:t>
-            </a:r>
-            <a:r>
-              <a:rPr lang="en-US" sz="2000" dirty="0">
-                <a:solidFill>
-                  <a:schemeClr val="tx1"/>
-                </a:solidFill>
-                <a:latin typeface="Tahoma" panose="020B0604030504040204" pitchFamily="34" charset="0"/>
-                <a:ea typeface="Tahoma" panose="020B0604030504040204" pitchFamily="34" charset="0"/>
-                <a:cs typeface="Tahoma" panose="020B0604030504040204" pitchFamily="34" charset="0"/>
-              </a:rPr>
-              <a:t> </a:t>
-            </a:r>
-            <a:r>
-              <a:rPr lang="en-US" sz="2000" dirty="0" err="1">
-                <a:solidFill>
-                  <a:schemeClr val="tx1"/>
-                </a:solidFill>
-                <a:latin typeface="Tahoma" panose="020B0604030504040204" pitchFamily="34" charset="0"/>
-                <a:ea typeface="Tahoma" panose="020B0604030504040204" pitchFamily="34" charset="0"/>
-                <a:cs typeface="Tahoma" panose="020B0604030504040204" pitchFamily="34" charset="0"/>
-              </a:rPr>
-              <a:t>cong</a:t>
-            </a:r>
-            <a:r>
-              <a:rPr lang="en-US" sz="2000" dirty="0">
-                <a:solidFill>
-                  <a:schemeClr val="tx1"/>
-                </a:solidFill>
-                <a:latin typeface="Tahoma" panose="020B0604030504040204" pitchFamily="34" charset="0"/>
-                <a:ea typeface="Tahoma" panose="020B0604030504040204" pitchFamily="34" charset="0"/>
-                <a:cs typeface="Tahoma" panose="020B0604030504040204" pitchFamily="34" charset="0"/>
-              </a:rPr>
-              <a:t> </a:t>
-            </a:r>
-            <a:r>
-              <a:rPr lang="en-US" sz="2000" dirty="0" err="1">
-                <a:solidFill>
-                  <a:schemeClr val="tx1"/>
-                </a:solidFill>
-                <a:latin typeface="Tahoma" panose="020B0604030504040204" pitchFamily="34" charset="0"/>
-                <a:ea typeface="Tahoma" panose="020B0604030504040204" pitchFamily="34" charset="0"/>
-                <a:cs typeface="Tahoma" panose="020B0604030504040204" pitchFamily="34" charset="0"/>
-              </a:rPr>
-              <a:t>mà</a:t>
-            </a:r>
-            <a:r>
-              <a:rPr lang="en-US" sz="2000" dirty="0">
-                <a:solidFill>
-                  <a:schemeClr val="tx1"/>
-                </a:solidFill>
-                <a:latin typeface="Tahoma" panose="020B0604030504040204" pitchFamily="34" charset="0"/>
-                <a:ea typeface="Tahoma" panose="020B0604030504040204" pitchFamily="34" charset="0"/>
-                <a:cs typeface="Tahoma" panose="020B0604030504040204" pitchFamily="34" charset="0"/>
-              </a:rPr>
-              <a:t> </a:t>
-            </a:r>
-            <a:r>
-              <a:rPr lang="en-US" sz="2000" dirty="0" err="1">
-                <a:solidFill>
-                  <a:schemeClr val="tx1"/>
-                </a:solidFill>
-                <a:latin typeface="Tahoma" panose="020B0604030504040204" pitchFamily="34" charset="0"/>
-                <a:ea typeface="Tahoma" panose="020B0604030504040204" pitchFamily="34" charset="0"/>
-                <a:cs typeface="Tahoma" panose="020B0604030504040204" pitchFamily="34" charset="0"/>
-              </a:rPr>
-              <a:t>khi</a:t>
-            </a:r>
-            <a:r>
-              <a:rPr lang="en-US" sz="2000" dirty="0">
-                <a:solidFill>
-                  <a:schemeClr val="tx1"/>
-                </a:solidFill>
-                <a:latin typeface="Tahoma" panose="020B0604030504040204" pitchFamily="34" charset="0"/>
-                <a:ea typeface="Tahoma" panose="020B0604030504040204" pitchFamily="34" charset="0"/>
-                <a:cs typeface="Tahoma" panose="020B0604030504040204" pitchFamily="34" charset="0"/>
-              </a:rPr>
-              <a:t> </a:t>
-            </a:r>
-            <a:r>
-              <a:rPr lang="en-US" sz="2000" dirty="0" err="1">
-                <a:solidFill>
-                  <a:schemeClr val="tx1"/>
-                </a:solidFill>
-                <a:latin typeface="Tahoma" panose="020B0604030504040204" pitchFamily="34" charset="0"/>
-                <a:ea typeface="Tahoma" panose="020B0604030504040204" pitchFamily="34" charset="0"/>
-                <a:cs typeface="Tahoma" panose="020B0604030504040204" pitchFamily="34" charset="0"/>
-              </a:rPr>
-              <a:t>thay</a:t>
-            </a:r>
-            <a:r>
-              <a:rPr lang="en-US" sz="2000" dirty="0">
-                <a:solidFill>
-                  <a:schemeClr val="tx1"/>
-                </a:solidFill>
-                <a:latin typeface="Tahoma" panose="020B0604030504040204" pitchFamily="34" charset="0"/>
-                <a:ea typeface="Tahoma" panose="020B0604030504040204" pitchFamily="34" charset="0"/>
-                <a:cs typeface="Tahoma" panose="020B0604030504040204" pitchFamily="34" charset="0"/>
-              </a:rPr>
-              <a:t> </a:t>
-            </a:r>
-            <a:r>
-              <a:rPr lang="en-US" sz="2000" dirty="0" err="1">
-                <a:solidFill>
-                  <a:schemeClr val="tx1"/>
-                </a:solidFill>
-                <a:latin typeface="Tahoma" panose="020B0604030504040204" pitchFamily="34" charset="0"/>
-                <a:ea typeface="Tahoma" panose="020B0604030504040204" pitchFamily="34" charset="0"/>
-                <a:cs typeface="Tahoma" panose="020B0604030504040204" pitchFamily="34" charset="0"/>
-              </a:rPr>
-              <a:t>dữ</a:t>
-            </a:r>
-            <a:r>
-              <a:rPr lang="en-US" sz="2000" dirty="0">
-                <a:solidFill>
-                  <a:schemeClr val="tx1"/>
-                </a:solidFill>
-                <a:latin typeface="Tahoma" panose="020B0604030504040204" pitchFamily="34" charset="0"/>
-                <a:ea typeface="Tahoma" panose="020B0604030504040204" pitchFamily="34" charset="0"/>
-                <a:cs typeface="Tahoma" panose="020B0604030504040204" pitchFamily="34" charset="0"/>
-              </a:rPr>
-              <a:t> </a:t>
-            </a:r>
-            <a:r>
-              <a:rPr lang="en-US" sz="2000" dirty="0" err="1">
-                <a:solidFill>
-                  <a:schemeClr val="tx1"/>
-                </a:solidFill>
-                <a:latin typeface="Tahoma" panose="020B0604030504040204" pitchFamily="34" charset="0"/>
-                <a:ea typeface="Tahoma" panose="020B0604030504040204" pitchFamily="34" charset="0"/>
-                <a:cs typeface="Tahoma" panose="020B0604030504040204" pitchFamily="34" charset="0"/>
-              </a:rPr>
-              <a:t>liệu</a:t>
-            </a:r>
-            <a:r>
-              <a:rPr lang="en-US" sz="2000" dirty="0">
-                <a:solidFill>
-                  <a:schemeClr val="tx1"/>
-                </a:solidFill>
-                <a:latin typeface="Tahoma" panose="020B0604030504040204" pitchFamily="34" charset="0"/>
-                <a:ea typeface="Tahoma" panose="020B0604030504040204" pitchFamily="34" charset="0"/>
-                <a:cs typeface="Tahoma" panose="020B0604030504040204" pitchFamily="34" charset="0"/>
-              </a:rPr>
-              <a:t> </a:t>
-            </a:r>
-            <a:r>
-              <a:rPr lang="en-US" sz="2000" dirty="0" err="1">
-                <a:solidFill>
-                  <a:schemeClr val="tx1"/>
-                </a:solidFill>
-                <a:latin typeface="Tahoma" panose="020B0604030504040204" pitchFamily="34" charset="0"/>
-                <a:ea typeface="Tahoma" panose="020B0604030504040204" pitchFamily="34" charset="0"/>
-                <a:cs typeface="Tahoma" panose="020B0604030504040204" pitchFamily="34" charset="0"/>
-              </a:rPr>
-              <a:t>vào</a:t>
-            </a:r>
-            <a:r>
-              <a:rPr lang="en-US" sz="2000" dirty="0">
-                <a:solidFill>
-                  <a:schemeClr val="tx1"/>
-                </a:solidFill>
-                <a:latin typeface="Tahoma" panose="020B0604030504040204" pitchFamily="34" charset="0"/>
-                <a:ea typeface="Tahoma" panose="020B0604030504040204" pitchFamily="34" charset="0"/>
-                <a:cs typeface="Tahoma" panose="020B0604030504040204" pitchFamily="34" charset="0"/>
-              </a:rPr>
-              <a:t> ta </a:t>
-            </a:r>
-            <a:r>
-              <a:rPr lang="en-US" sz="2000" dirty="0" err="1">
-                <a:solidFill>
-                  <a:schemeClr val="tx1"/>
-                </a:solidFill>
-                <a:latin typeface="Tahoma" panose="020B0604030504040204" pitchFamily="34" charset="0"/>
-                <a:ea typeface="Tahoma" panose="020B0604030504040204" pitchFamily="34" charset="0"/>
-                <a:cs typeface="Tahoma" panose="020B0604030504040204" pitchFamily="34" charset="0"/>
-              </a:rPr>
-              <a:t>thấy</a:t>
-            </a:r>
-            <a:r>
-              <a:rPr lang="en-US" sz="2000" dirty="0">
-                <a:solidFill>
-                  <a:schemeClr val="tx1"/>
-                </a:solidFill>
-                <a:latin typeface="Tahoma" panose="020B0604030504040204" pitchFamily="34" charset="0"/>
-                <a:ea typeface="Tahoma" panose="020B0604030504040204" pitchFamily="34" charset="0"/>
-                <a:cs typeface="Tahoma" panose="020B0604030504040204" pitchFamily="34" charset="0"/>
-              </a:rPr>
-              <a:t> </a:t>
-            </a:r>
-            <a:r>
-              <a:rPr lang="en-US" sz="2000" dirty="0" err="1">
-                <a:solidFill>
-                  <a:schemeClr val="tx1"/>
-                </a:solidFill>
-                <a:latin typeface="Tahoma" panose="020B0604030504040204" pitchFamily="34" charset="0"/>
-                <a:ea typeface="Tahoma" panose="020B0604030504040204" pitchFamily="34" charset="0"/>
-                <a:cs typeface="Tahoma" panose="020B0604030504040204" pitchFamily="34" charset="0"/>
-              </a:rPr>
-              <a:t>hợp</a:t>
-            </a:r>
-            <a:r>
-              <a:rPr lang="en-US" sz="2000" dirty="0">
-                <a:solidFill>
-                  <a:schemeClr val="tx1"/>
-                </a:solidFill>
-                <a:latin typeface="Tahoma" panose="020B0604030504040204" pitchFamily="34" charset="0"/>
-                <a:ea typeface="Tahoma" panose="020B0604030504040204" pitchFamily="34" charset="0"/>
-                <a:cs typeface="Tahoma" panose="020B0604030504040204" pitchFamily="34" charset="0"/>
-              </a:rPr>
-              <a:t> </a:t>
-            </a:r>
-            <a:r>
-              <a:rPr lang="en-US" sz="2000" dirty="0" err="1">
-                <a:solidFill>
-                  <a:schemeClr val="tx1"/>
-                </a:solidFill>
-                <a:latin typeface="Tahoma" panose="020B0604030504040204" pitchFamily="34" charset="0"/>
-                <a:ea typeface="Tahoma" panose="020B0604030504040204" pitchFamily="34" charset="0"/>
-                <a:cs typeface="Tahoma" panose="020B0604030504040204" pitchFamily="34" charset="0"/>
-              </a:rPr>
-              <a:t>lý</a:t>
-            </a:r>
-            <a:r>
-              <a:rPr lang="en-US" sz="2000" dirty="0">
-                <a:solidFill>
-                  <a:schemeClr val="tx1"/>
-                </a:solidFill>
-                <a:latin typeface="Tahoma" panose="020B0604030504040204" pitchFamily="34" charset="0"/>
-                <a:ea typeface="Tahoma" panose="020B0604030504040204" pitchFamily="34" charset="0"/>
-                <a:cs typeface="Tahoma" panose="020B0604030504040204" pitchFamily="34" charset="0"/>
-              </a:rPr>
-              <a:t> </a:t>
-            </a:r>
-            <a:r>
-              <a:rPr lang="en-US" sz="2000" dirty="0" err="1">
-                <a:solidFill>
-                  <a:schemeClr val="tx1"/>
-                </a:solidFill>
-                <a:latin typeface="Tahoma" panose="020B0604030504040204" pitchFamily="34" charset="0"/>
-                <a:ea typeface="Tahoma" panose="020B0604030504040204" pitchFamily="34" charset="0"/>
-                <a:cs typeface="Tahoma" panose="020B0604030504040204" pitchFamily="34" charset="0"/>
-              </a:rPr>
-              <a:t>nhất</a:t>
-            </a:r>
-            <a:r>
-              <a:rPr lang="en-US" sz="2000" dirty="0">
-                <a:solidFill>
-                  <a:schemeClr val="tx1"/>
-                </a:solidFill>
-                <a:latin typeface="Tahoma" panose="020B0604030504040204" pitchFamily="34" charset="0"/>
-                <a:ea typeface="Tahoma" panose="020B0604030504040204" pitchFamily="34" charset="0"/>
-                <a:cs typeface="Tahoma" panose="020B0604030504040204" pitchFamily="34" charset="0"/>
-              </a:rPr>
-              <a:t>, </a:t>
-            </a:r>
-            <a:r>
-              <a:rPr lang="en-US" sz="2000" dirty="0" err="1">
-                <a:solidFill>
-                  <a:schemeClr val="tx1"/>
-                </a:solidFill>
-                <a:latin typeface="Tahoma" panose="020B0604030504040204" pitchFamily="34" charset="0"/>
-                <a:ea typeface="Tahoma" panose="020B0604030504040204" pitchFamily="34" charset="0"/>
-                <a:cs typeface="Tahoma" panose="020B0604030504040204" pitchFamily="34" charset="0"/>
-              </a:rPr>
-              <a:t>ví</a:t>
-            </a:r>
-            <a:r>
-              <a:rPr lang="en-US" sz="2000" dirty="0">
-                <a:solidFill>
-                  <a:schemeClr val="tx1"/>
-                </a:solidFill>
-                <a:latin typeface="Tahoma" panose="020B0604030504040204" pitchFamily="34" charset="0"/>
-                <a:ea typeface="Tahoma" panose="020B0604030504040204" pitchFamily="34" charset="0"/>
-                <a:cs typeface="Tahoma" panose="020B0604030504040204" pitchFamily="34" charset="0"/>
-              </a:rPr>
-              <a:t> </a:t>
-            </a:r>
-            <a:r>
-              <a:rPr lang="en-US" sz="2000" dirty="0" err="1">
-                <a:solidFill>
-                  <a:schemeClr val="tx1"/>
-                </a:solidFill>
-                <a:latin typeface="Tahoma" panose="020B0604030504040204" pitchFamily="34" charset="0"/>
-                <a:ea typeface="Tahoma" panose="020B0604030504040204" pitchFamily="34" charset="0"/>
-                <a:cs typeface="Tahoma" panose="020B0604030504040204" pitchFamily="34" charset="0"/>
-              </a:rPr>
-              <a:t>dụ</a:t>
-            </a:r>
-            <a:r>
-              <a:rPr lang="en-US" sz="2000" dirty="0">
-                <a:solidFill>
-                  <a:schemeClr val="tx1"/>
-                </a:solidFill>
-                <a:latin typeface="Tahoma" panose="020B0604030504040204" pitchFamily="34" charset="0"/>
-                <a:ea typeface="Tahoma" panose="020B0604030504040204" pitchFamily="34" charset="0"/>
-                <a:cs typeface="Tahoma" panose="020B0604030504040204" pitchFamily="34" charset="0"/>
-              </a:rPr>
-              <a:t> </a:t>
-            </a:r>
-            <a:r>
-              <a:rPr lang="en-US" sz="2000" dirty="0" err="1">
-                <a:solidFill>
-                  <a:schemeClr val="tx1"/>
-                </a:solidFill>
-                <a:latin typeface="Tahoma" panose="020B0604030504040204" pitchFamily="34" charset="0"/>
-                <a:ea typeface="Tahoma" panose="020B0604030504040204" pitchFamily="34" charset="0"/>
-                <a:cs typeface="Tahoma" panose="020B0604030504040204" pitchFamily="34" charset="0"/>
-              </a:rPr>
-              <a:t>như</a:t>
-            </a:r>
-            <a:r>
-              <a:rPr lang="en-US" sz="2000" dirty="0">
-                <a:solidFill>
-                  <a:schemeClr val="tx1"/>
-                </a:solidFill>
-                <a:latin typeface="Tahoma" panose="020B0604030504040204" pitchFamily="34" charset="0"/>
-                <a:ea typeface="Tahoma" panose="020B0604030504040204" pitchFamily="34" charset="0"/>
-                <a:cs typeface="Tahoma" panose="020B0604030504040204" pitchFamily="34" charset="0"/>
-              </a:rPr>
-              <a:t> …</a:t>
-            </a:r>
-          </a:p>
-          <a:p>
-            <a:r>
-              <a:rPr lang="en-US" sz="2000" dirty="0">
-                <a:solidFill>
-                  <a:schemeClr val="tx1"/>
-                </a:solidFill>
-                <a:latin typeface="Tahoma" panose="020B0604030504040204" pitchFamily="34" charset="0"/>
-                <a:ea typeface="Tahoma" panose="020B0604030504040204" pitchFamily="34" charset="0"/>
-                <a:cs typeface="Tahoma" panose="020B0604030504040204" pitchFamily="34" charset="0"/>
-              </a:rPr>
-              <a:t>Bài </a:t>
-            </a:r>
-            <a:r>
-              <a:rPr lang="en-US" sz="2000" dirty="0" err="1">
-                <a:solidFill>
-                  <a:schemeClr val="tx1"/>
-                </a:solidFill>
-                <a:latin typeface="Tahoma" panose="020B0604030504040204" pitchFamily="34" charset="0"/>
-                <a:ea typeface="Tahoma" panose="020B0604030504040204" pitchFamily="34" charset="0"/>
-                <a:cs typeface="Tahoma" panose="020B0604030504040204" pitchFamily="34" charset="0"/>
-              </a:rPr>
-              <a:t>toán</a:t>
-            </a:r>
-            <a:r>
-              <a:rPr lang="en-US" sz="2000" dirty="0">
-                <a:solidFill>
-                  <a:schemeClr val="tx1"/>
-                </a:solidFill>
-                <a:latin typeface="Tahoma" panose="020B0604030504040204" pitchFamily="34" charset="0"/>
-                <a:ea typeface="Tahoma" panose="020B0604030504040204" pitchFamily="34" charset="0"/>
-                <a:cs typeface="Tahoma" panose="020B0604030504040204" pitchFamily="34" charset="0"/>
-              </a:rPr>
-              <a:t> </a:t>
-            </a:r>
-            <a:r>
-              <a:rPr lang="en-US" sz="2000" dirty="0" err="1">
-                <a:solidFill>
-                  <a:schemeClr val="tx1"/>
-                </a:solidFill>
-                <a:latin typeface="Tahoma" panose="020B0604030504040204" pitchFamily="34" charset="0"/>
-                <a:ea typeface="Tahoma" panose="020B0604030504040204" pitchFamily="34" charset="0"/>
-                <a:cs typeface="Tahoma" panose="020B0604030504040204" pitchFamily="34" charset="0"/>
-              </a:rPr>
-              <a:t>này</a:t>
-            </a:r>
-            <a:r>
-              <a:rPr lang="en-US" sz="2000" dirty="0">
-                <a:solidFill>
-                  <a:schemeClr val="tx1"/>
-                </a:solidFill>
-                <a:latin typeface="Tahoma" panose="020B0604030504040204" pitchFamily="34" charset="0"/>
-                <a:ea typeface="Tahoma" panose="020B0604030504040204" pitchFamily="34" charset="0"/>
-                <a:cs typeface="Tahoma" panose="020B0604030504040204" pitchFamily="34" charset="0"/>
-              </a:rPr>
-              <a:t> </a:t>
-            </a:r>
-            <a:r>
-              <a:rPr lang="en-US" sz="2000" dirty="0" err="1">
-                <a:solidFill>
-                  <a:schemeClr val="tx1"/>
-                </a:solidFill>
-                <a:latin typeface="Tahoma" panose="020B0604030504040204" pitchFamily="34" charset="0"/>
-                <a:ea typeface="Tahoma" panose="020B0604030504040204" pitchFamily="34" charset="0"/>
-                <a:cs typeface="Tahoma" panose="020B0604030504040204" pitchFamily="34" charset="0"/>
-              </a:rPr>
-              <a:t>còn</a:t>
-            </a:r>
-            <a:r>
-              <a:rPr lang="en-US" sz="2000" dirty="0">
-                <a:solidFill>
-                  <a:schemeClr val="tx1"/>
-                </a:solidFill>
-                <a:latin typeface="Tahoma" panose="020B0604030504040204" pitchFamily="34" charset="0"/>
-                <a:ea typeface="Tahoma" panose="020B0604030504040204" pitchFamily="34" charset="0"/>
-                <a:cs typeface="Tahoma" panose="020B0604030504040204" pitchFamily="34" charset="0"/>
-              </a:rPr>
-              <a:t> </a:t>
-            </a:r>
-            <a:r>
-              <a:rPr lang="en-US" sz="2000" dirty="0" err="1">
-                <a:solidFill>
-                  <a:schemeClr val="tx1"/>
-                </a:solidFill>
-                <a:latin typeface="Tahoma" panose="020B0604030504040204" pitchFamily="34" charset="0"/>
-                <a:ea typeface="Tahoma" panose="020B0604030504040204" pitchFamily="34" charset="0"/>
-                <a:cs typeface="Tahoma" panose="020B0604030504040204" pitchFamily="34" charset="0"/>
-              </a:rPr>
-              <a:t>có</a:t>
-            </a:r>
-            <a:r>
-              <a:rPr lang="en-US" sz="2000" dirty="0">
-                <a:solidFill>
-                  <a:schemeClr val="tx1"/>
-                </a:solidFill>
-                <a:latin typeface="Tahoma" panose="020B0604030504040204" pitchFamily="34" charset="0"/>
-                <a:ea typeface="Tahoma" panose="020B0604030504040204" pitchFamily="34" charset="0"/>
-                <a:cs typeface="Tahoma" panose="020B0604030504040204" pitchFamily="34" charset="0"/>
-              </a:rPr>
-              <a:t> </a:t>
-            </a:r>
-            <a:r>
-              <a:rPr lang="en-US" sz="2000" dirty="0" err="1">
-                <a:solidFill>
-                  <a:schemeClr val="tx1"/>
-                </a:solidFill>
-                <a:latin typeface="Tahoma" panose="020B0604030504040204" pitchFamily="34" charset="0"/>
-                <a:ea typeface="Tahoma" panose="020B0604030504040204" pitchFamily="34" charset="0"/>
-                <a:cs typeface="Tahoma" panose="020B0604030504040204" pitchFamily="34" charset="0"/>
-              </a:rPr>
-              <a:t>tên</a:t>
-            </a:r>
-            <a:r>
-              <a:rPr lang="en-US" sz="2000" dirty="0">
-                <a:solidFill>
-                  <a:schemeClr val="tx1"/>
-                </a:solidFill>
-                <a:latin typeface="Tahoma" panose="020B0604030504040204" pitchFamily="34" charset="0"/>
-                <a:ea typeface="Tahoma" panose="020B0604030504040204" pitchFamily="34" charset="0"/>
-                <a:cs typeface="Tahoma" panose="020B0604030504040204" pitchFamily="34" charset="0"/>
-              </a:rPr>
-              <a:t> </a:t>
-            </a:r>
-            <a:r>
-              <a:rPr lang="en-US" sz="2000" dirty="0" err="1">
-                <a:solidFill>
-                  <a:schemeClr val="tx1"/>
-                </a:solidFill>
-                <a:latin typeface="Tahoma" panose="020B0604030504040204" pitchFamily="34" charset="0"/>
-                <a:ea typeface="Tahoma" panose="020B0604030504040204" pitchFamily="34" charset="0"/>
-                <a:cs typeface="Tahoma" panose="020B0604030504040204" pitchFamily="34" charset="0"/>
-              </a:rPr>
-              <a:t>là</a:t>
-            </a:r>
-            <a:r>
-              <a:rPr lang="en-US" sz="2000" dirty="0">
-                <a:solidFill>
-                  <a:schemeClr val="tx1"/>
-                </a:solidFill>
-                <a:latin typeface="Tahoma" panose="020B0604030504040204" pitchFamily="34" charset="0"/>
-                <a:ea typeface="Tahoma" panose="020B0604030504040204" pitchFamily="34" charset="0"/>
-                <a:cs typeface="Tahoma" panose="020B0604030504040204" pitchFamily="34" charset="0"/>
-              </a:rPr>
-              <a:t> Bài </a:t>
-            </a:r>
-            <a:r>
-              <a:rPr lang="en-US" sz="2000" dirty="0" err="1">
-                <a:solidFill>
-                  <a:schemeClr val="tx1"/>
-                </a:solidFill>
-                <a:latin typeface="Tahoma" panose="020B0604030504040204" pitchFamily="34" charset="0"/>
-                <a:ea typeface="Tahoma" panose="020B0604030504040204" pitchFamily="34" charset="0"/>
-                <a:cs typeface="Tahoma" panose="020B0604030504040204" pitchFamily="34" charset="0"/>
-              </a:rPr>
-              <a:t>toán</a:t>
-            </a:r>
-            <a:r>
-              <a:rPr lang="en-US" sz="2000" dirty="0">
-                <a:solidFill>
-                  <a:schemeClr val="tx1"/>
-                </a:solidFill>
-                <a:latin typeface="Tahoma" panose="020B0604030504040204" pitchFamily="34" charset="0"/>
-                <a:ea typeface="Tahoma" panose="020B0604030504040204" pitchFamily="34" charset="0"/>
-                <a:cs typeface="Tahoma" panose="020B0604030504040204" pitchFamily="34" charset="0"/>
-              </a:rPr>
-              <a:t> </a:t>
-            </a:r>
-            <a:r>
-              <a:rPr lang="en-US" sz="2000" dirty="0" err="1">
-                <a:solidFill>
-                  <a:schemeClr val="tx1"/>
-                </a:solidFill>
-                <a:latin typeface="Tahoma" panose="020B0604030504040204" pitchFamily="34" charset="0"/>
-                <a:ea typeface="Tahoma" panose="020B0604030504040204" pitchFamily="34" charset="0"/>
-                <a:cs typeface="Tahoma" panose="020B0604030504040204" pitchFamily="34" charset="0"/>
-              </a:rPr>
-              <a:t>hồi</a:t>
-            </a:r>
-            <a:r>
-              <a:rPr lang="en-US" sz="2000" dirty="0">
-                <a:solidFill>
-                  <a:schemeClr val="tx1"/>
-                </a:solidFill>
-                <a:latin typeface="Tahoma" panose="020B0604030504040204" pitchFamily="34" charset="0"/>
-                <a:ea typeface="Tahoma" panose="020B0604030504040204" pitchFamily="34" charset="0"/>
-                <a:cs typeface="Tahoma" panose="020B0604030504040204" pitchFamily="34" charset="0"/>
-              </a:rPr>
-              <a:t> </a:t>
-            </a:r>
-            <a:r>
-              <a:rPr lang="en-US" sz="2000" dirty="0" err="1">
-                <a:solidFill>
-                  <a:schemeClr val="tx1"/>
-                </a:solidFill>
-                <a:latin typeface="Tahoma" panose="020B0604030504040204" pitchFamily="34" charset="0"/>
-                <a:ea typeface="Tahoma" panose="020B0604030504040204" pitchFamily="34" charset="0"/>
-                <a:cs typeface="Tahoma" panose="020B0604030504040204" pitchFamily="34" charset="0"/>
-              </a:rPr>
-              <a:t>quy</a:t>
-            </a:r>
-            <a:r>
-              <a:rPr lang="en-US" sz="2000" dirty="0">
-                <a:solidFill>
-                  <a:schemeClr val="tx1"/>
-                </a:solidFill>
-                <a:latin typeface="Tahoma" panose="020B0604030504040204" pitchFamily="34" charset="0"/>
-                <a:ea typeface="Tahoma" panose="020B0604030504040204" pitchFamily="34" charset="0"/>
-                <a:cs typeface="Tahoma" panose="020B0604030504040204" pitchFamily="34" charset="0"/>
-              </a:rPr>
-              <a:t> (Regression) </a:t>
-            </a:r>
-            <a:r>
-              <a:rPr lang="en-US" sz="2000" dirty="0" err="1">
-                <a:solidFill>
-                  <a:schemeClr val="tx1"/>
-                </a:solidFill>
-                <a:latin typeface="Tahoma" panose="020B0604030504040204" pitchFamily="34" charset="0"/>
-                <a:ea typeface="Tahoma" panose="020B0604030504040204" pitchFamily="34" charset="0"/>
-                <a:cs typeface="Tahoma" panose="020B0604030504040204" pitchFamily="34" charset="0"/>
-              </a:rPr>
-              <a:t>gặp</a:t>
-            </a:r>
-            <a:r>
-              <a:rPr lang="en-US" sz="2000" dirty="0">
-                <a:solidFill>
-                  <a:schemeClr val="tx1"/>
-                </a:solidFill>
-                <a:latin typeface="Tahoma" panose="020B0604030504040204" pitchFamily="34" charset="0"/>
-                <a:ea typeface="Tahoma" panose="020B0604030504040204" pitchFamily="34" charset="0"/>
-                <a:cs typeface="Tahoma" panose="020B0604030504040204" pitchFamily="34" charset="0"/>
-              </a:rPr>
-              <a:t> </a:t>
-            </a:r>
-            <a:r>
-              <a:rPr lang="en-US" sz="2000" dirty="0" err="1">
-                <a:solidFill>
-                  <a:schemeClr val="tx1"/>
-                </a:solidFill>
-                <a:latin typeface="Tahoma" panose="020B0604030504040204" pitchFamily="34" charset="0"/>
-                <a:ea typeface="Tahoma" panose="020B0604030504040204" pitchFamily="34" charset="0"/>
-                <a:cs typeface="Tahoma" panose="020B0604030504040204" pitchFamily="34" charset="0"/>
-              </a:rPr>
-              <a:t>rất</a:t>
-            </a:r>
-            <a:r>
-              <a:rPr lang="en-US" sz="2000" dirty="0">
-                <a:solidFill>
-                  <a:schemeClr val="tx1"/>
-                </a:solidFill>
-                <a:latin typeface="Tahoma" panose="020B0604030504040204" pitchFamily="34" charset="0"/>
-                <a:ea typeface="Tahoma" panose="020B0604030504040204" pitchFamily="34" charset="0"/>
-                <a:cs typeface="Tahoma" panose="020B0604030504040204" pitchFamily="34" charset="0"/>
-              </a:rPr>
-              <a:t> </a:t>
-            </a:r>
-            <a:r>
-              <a:rPr lang="en-US" sz="2000" dirty="0" err="1">
-                <a:solidFill>
-                  <a:schemeClr val="tx1"/>
-                </a:solidFill>
-                <a:latin typeface="Tahoma" panose="020B0604030504040204" pitchFamily="34" charset="0"/>
-                <a:ea typeface="Tahoma" panose="020B0604030504040204" pitchFamily="34" charset="0"/>
-                <a:cs typeface="Tahoma" panose="020B0604030504040204" pitchFamily="34" charset="0"/>
-              </a:rPr>
-              <a:t>nhiều</a:t>
-            </a:r>
-            <a:r>
-              <a:rPr lang="en-US" sz="2000" dirty="0">
-                <a:solidFill>
-                  <a:schemeClr val="tx1"/>
-                </a:solidFill>
-                <a:latin typeface="Tahoma" panose="020B0604030504040204" pitchFamily="34" charset="0"/>
-                <a:ea typeface="Tahoma" panose="020B0604030504040204" pitchFamily="34" charset="0"/>
-                <a:cs typeface="Tahoma" panose="020B0604030504040204" pitchFamily="34" charset="0"/>
-              </a:rPr>
-              <a:t> </a:t>
-            </a:r>
-            <a:r>
-              <a:rPr lang="en-US" sz="2000" dirty="0" err="1">
-                <a:solidFill>
-                  <a:schemeClr val="tx1"/>
-                </a:solidFill>
-                <a:latin typeface="Tahoma" panose="020B0604030504040204" pitchFamily="34" charset="0"/>
-                <a:ea typeface="Tahoma" panose="020B0604030504040204" pitchFamily="34" charset="0"/>
-                <a:cs typeface="Tahoma" panose="020B0604030504040204" pitchFamily="34" charset="0"/>
-              </a:rPr>
-              <a:t>trong</a:t>
-            </a:r>
-            <a:r>
-              <a:rPr lang="en-US" sz="2000" dirty="0">
-                <a:solidFill>
-                  <a:schemeClr val="tx1"/>
-                </a:solidFill>
-                <a:latin typeface="Tahoma" panose="020B0604030504040204" pitchFamily="34" charset="0"/>
-                <a:ea typeface="Tahoma" panose="020B0604030504040204" pitchFamily="34" charset="0"/>
-                <a:cs typeface="Tahoma" panose="020B0604030504040204" pitchFamily="34" charset="0"/>
-              </a:rPr>
-              <a:t> Machine Learning. </a:t>
-            </a:r>
-            <a:r>
-              <a:rPr lang="en-US" sz="2000" dirty="0" err="1">
-                <a:solidFill>
-                  <a:schemeClr val="tx1"/>
-                </a:solidFill>
-                <a:latin typeface="Tahoma" panose="020B0604030504040204" pitchFamily="34" charset="0"/>
-                <a:ea typeface="Tahoma" panose="020B0604030504040204" pitchFamily="34" charset="0"/>
-                <a:cs typeface="Tahoma" panose="020B0604030504040204" pitchFamily="34" charset="0"/>
-              </a:rPr>
-              <a:t>Các</a:t>
-            </a:r>
-            <a:r>
-              <a:rPr lang="en-US" sz="2000" dirty="0">
-                <a:solidFill>
-                  <a:schemeClr val="tx1"/>
-                </a:solidFill>
-                <a:latin typeface="Tahoma" panose="020B0604030504040204" pitchFamily="34" charset="0"/>
-                <a:ea typeface="Tahoma" panose="020B0604030504040204" pitchFamily="34" charset="0"/>
-                <a:cs typeface="Tahoma" panose="020B0604030504040204" pitchFamily="34" charset="0"/>
-              </a:rPr>
-              <a:t> </a:t>
-            </a:r>
-            <a:r>
-              <a:rPr lang="en-US" sz="2000" dirty="0" err="1">
-                <a:solidFill>
-                  <a:schemeClr val="tx1"/>
-                </a:solidFill>
-                <a:latin typeface="Tahoma" panose="020B0604030504040204" pitchFamily="34" charset="0"/>
-                <a:ea typeface="Tahoma" panose="020B0604030504040204" pitchFamily="34" charset="0"/>
-                <a:cs typeface="Tahoma" panose="020B0604030504040204" pitchFamily="34" charset="0"/>
-              </a:rPr>
-              <a:t>mô</a:t>
-            </a:r>
-            <a:r>
-              <a:rPr lang="en-US" sz="2000" dirty="0">
-                <a:solidFill>
-                  <a:schemeClr val="tx1"/>
-                </a:solidFill>
-                <a:latin typeface="Tahoma" panose="020B0604030504040204" pitchFamily="34" charset="0"/>
-                <a:ea typeface="Tahoma" panose="020B0604030504040204" pitchFamily="34" charset="0"/>
-                <a:cs typeface="Tahoma" panose="020B0604030504040204" pitchFamily="34" charset="0"/>
-              </a:rPr>
-              <a:t> </a:t>
-            </a:r>
-            <a:r>
-              <a:rPr lang="en-US" sz="2000" dirty="0" err="1">
-                <a:solidFill>
-                  <a:schemeClr val="tx1"/>
-                </a:solidFill>
-                <a:latin typeface="Tahoma" panose="020B0604030504040204" pitchFamily="34" charset="0"/>
-                <a:ea typeface="Tahoma" panose="020B0604030504040204" pitchFamily="34" charset="0"/>
-                <a:cs typeface="Tahoma" panose="020B0604030504040204" pitchFamily="34" charset="0"/>
-              </a:rPr>
-              <a:t>hình</a:t>
-            </a:r>
-            <a:r>
-              <a:rPr lang="en-US" sz="2000" dirty="0">
-                <a:solidFill>
-                  <a:schemeClr val="tx1"/>
-                </a:solidFill>
-                <a:latin typeface="Tahoma" panose="020B0604030504040204" pitchFamily="34" charset="0"/>
-                <a:ea typeface="Tahoma" panose="020B0604030504040204" pitchFamily="34" charset="0"/>
-                <a:cs typeface="Tahoma" panose="020B0604030504040204" pitchFamily="34" charset="0"/>
-              </a:rPr>
-              <a:t> </a:t>
-            </a:r>
-            <a:r>
-              <a:rPr lang="en-US" sz="2000" dirty="0" err="1">
-                <a:solidFill>
-                  <a:schemeClr val="tx1"/>
-                </a:solidFill>
-                <a:latin typeface="Tahoma" panose="020B0604030504040204" pitchFamily="34" charset="0"/>
-                <a:ea typeface="Tahoma" panose="020B0604030504040204" pitchFamily="34" charset="0"/>
-                <a:cs typeface="Tahoma" panose="020B0604030504040204" pitchFamily="34" charset="0"/>
-              </a:rPr>
-              <a:t>hồi</a:t>
-            </a:r>
-            <a:r>
-              <a:rPr lang="en-US" sz="2000" dirty="0">
-                <a:solidFill>
-                  <a:schemeClr val="tx1"/>
-                </a:solidFill>
-                <a:latin typeface="Tahoma" panose="020B0604030504040204" pitchFamily="34" charset="0"/>
-                <a:ea typeface="Tahoma" panose="020B0604030504040204" pitchFamily="34" charset="0"/>
-                <a:cs typeface="Tahoma" panose="020B0604030504040204" pitchFamily="34" charset="0"/>
-              </a:rPr>
-              <a:t> </a:t>
-            </a:r>
-            <a:r>
-              <a:rPr lang="en-US" sz="2000" dirty="0" err="1">
-                <a:solidFill>
-                  <a:schemeClr val="tx1"/>
-                </a:solidFill>
-                <a:latin typeface="Tahoma" panose="020B0604030504040204" pitchFamily="34" charset="0"/>
-                <a:ea typeface="Tahoma" panose="020B0604030504040204" pitchFamily="34" charset="0"/>
-                <a:cs typeface="Tahoma" panose="020B0604030504040204" pitchFamily="34" charset="0"/>
-              </a:rPr>
-              <a:t>quy</a:t>
-            </a:r>
-            <a:r>
-              <a:rPr lang="en-US" sz="2000" dirty="0">
-                <a:solidFill>
-                  <a:schemeClr val="tx1"/>
-                </a:solidFill>
-                <a:latin typeface="Tahoma" panose="020B0604030504040204" pitchFamily="34" charset="0"/>
-                <a:ea typeface="Tahoma" panose="020B0604030504040204" pitchFamily="34" charset="0"/>
-                <a:cs typeface="Tahoma" panose="020B0604030504040204" pitchFamily="34" charset="0"/>
-              </a:rPr>
-              <a:t> </a:t>
-            </a:r>
-            <a:r>
-              <a:rPr lang="en-US" sz="2000" dirty="0" err="1">
-                <a:solidFill>
-                  <a:schemeClr val="tx1"/>
-                </a:solidFill>
-                <a:latin typeface="Tahoma" panose="020B0604030504040204" pitchFamily="34" charset="0"/>
-                <a:ea typeface="Tahoma" panose="020B0604030504040204" pitchFamily="34" charset="0"/>
-                <a:cs typeface="Tahoma" panose="020B0604030504040204" pitchFamily="34" charset="0"/>
-              </a:rPr>
-              <a:t>rất</a:t>
-            </a:r>
-            <a:r>
-              <a:rPr lang="en-US" sz="2000" dirty="0">
-                <a:solidFill>
-                  <a:schemeClr val="tx1"/>
-                </a:solidFill>
-                <a:latin typeface="Tahoma" panose="020B0604030504040204" pitchFamily="34" charset="0"/>
-                <a:ea typeface="Tahoma" panose="020B0604030504040204" pitchFamily="34" charset="0"/>
-                <a:cs typeface="Tahoma" panose="020B0604030504040204" pitchFamily="34" charset="0"/>
-              </a:rPr>
-              <a:t> </a:t>
-            </a:r>
-            <a:r>
-              <a:rPr lang="en-US" sz="2000" dirty="0" err="1">
-                <a:solidFill>
-                  <a:schemeClr val="tx1"/>
-                </a:solidFill>
-                <a:latin typeface="Tahoma" panose="020B0604030504040204" pitchFamily="34" charset="0"/>
-                <a:ea typeface="Tahoma" panose="020B0604030504040204" pitchFamily="34" charset="0"/>
-                <a:cs typeface="Tahoma" panose="020B0604030504040204" pitchFamily="34" charset="0"/>
-              </a:rPr>
-              <a:t>đa</a:t>
-            </a:r>
-            <a:r>
-              <a:rPr lang="en-US" sz="2000" dirty="0">
-                <a:solidFill>
-                  <a:schemeClr val="tx1"/>
-                </a:solidFill>
-                <a:latin typeface="Tahoma" panose="020B0604030504040204" pitchFamily="34" charset="0"/>
-                <a:ea typeface="Tahoma" panose="020B0604030504040204" pitchFamily="34" charset="0"/>
-                <a:cs typeface="Tahoma" panose="020B0604030504040204" pitchFamily="34" charset="0"/>
-              </a:rPr>
-              <a:t> </a:t>
-            </a:r>
-            <a:r>
-              <a:rPr lang="en-US" sz="2000" dirty="0" err="1">
-                <a:solidFill>
-                  <a:schemeClr val="tx1"/>
-                </a:solidFill>
-                <a:latin typeface="Tahoma" panose="020B0604030504040204" pitchFamily="34" charset="0"/>
-                <a:ea typeface="Tahoma" panose="020B0604030504040204" pitchFamily="34" charset="0"/>
-                <a:cs typeface="Tahoma" panose="020B0604030504040204" pitchFamily="34" charset="0"/>
-              </a:rPr>
-              <a:t>dạng</a:t>
-            </a:r>
-            <a:r>
-              <a:rPr lang="en-US" sz="2000" dirty="0">
-                <a:solidFill>
-                  <a:schemeClr val="tx1"/>
-                </a:solidFill>
-                <a:latin typeface="Tahoma" panose="020B0604030504040204" pitchFamily="34" charset="0"/>
-                <a:ea typeface="Tahoma" panose="020B0604030504040204" pitchFamily="34" charset="0"/>
-                <a:cs typeface="Tahoma" panose="020B0604030504040204" pitchFamily="34" charset="0"/>
-              </a:rPr>
-              <a:t> (</a:t>
-            </a:r>
-            <a:r>
-              <a:rPr lang="en-US" sz="2000" dirty="0" err="1">
-                <a:solidFill>
-                  <a:schemeClr val="tx1"/>
-                </a:solidFill>
-                <a:latin typeface="Tahoma" panose="020B0604030504040204" pitchFamily="34" charset="0"/>
-                <a:ea typeface="Tahoma" panose="020B0604030504040204" pitchFamily="34" charset="0"/>
-                <a:cs typeface="Tahoma" panose="020B0604030504040204" pitchFamily="34" charset="0"/>
-              </a:rPr>
-              <a:t>tuyến</a:t>
-            </a:r>
-            <a:r>
-              <a:rPr lang="en-US" sz="2000" dirty="0">
-                <a:solidFill>
-                  <a:schemeClr val="tx1"/>
-                </a:solidFill>
-                <a:latin typeface="Tahoma" panose="020B0604030504040204" pitchFamily="34" charset="0"/>
-                <a:ea typeface="Tahoma" panose="020B0604030504040204" pitchFamily="34" charset="0"/>
-                <a:cs typeface="Tahoma" panose="020B0604030504040204" pitchFamily="34" charset="0"/>
-              </a:rPr>
-              <a:t> </a:t>
-            </a:r>
-            <a:r>
-              <a:rPr lang="en-US" sz="2000" dirty="0" err="1">
-                <a:solidFill>
-                  <a:schemeClr val="tx1"/>
-                </a:solidFill>
-                <a:latin typeface="Tahoma" panose="020B0604030504040204" pitchFamily="34" charset="0"/>
-                <a:ea typeface="Tahoma" panose="020B0604030504040204" pitchFamily="34" charset="0"/>
-                <a:cs typeface="Tahoma" panose="020B0604030504040204" pitchFamily="34" charset="0"/>
-              </a:rPr>
-              <a:t>tính</a:t>
-            </a:r>
-            <a:r>
-              <a:rPr lang="en-US" sz="2000" dirty="0">
-                <a:solidFill>
-                  <a:schemeClr val="tx1"/>
-                </a:solidFill>
-                <a:latin typeface="Tahoma" panose="020B0604030504040204" pitchFamily="34" charset="0"/>
-                <a:ea typeface="Tahoma" panose="020B0604030504040204" pitchFamily="34" charset="0"/>
-                <a:cs typeface="Tahoma" panose="020B0604030504040204" pitchFamily="34" charset="0"/>
-              </a:rPr>
-              <a:t>, </a:t>
-            </a:r>
-            <a:r>
-              <a:rPr lang="en-US" sz="2000" dirty="0" err="1">
-                <a:solidFill>
-                  <a:schemeClr val="tx1"/>
-                </a:solidFill>
-                <a:latin typeface="Tahoma" panose="020B0604030504040204" pitchFamily="34" charset="0"/>
-                <a:ea typeface="Tahoma" panose="020B0604030504040204" pitchFamily="34" charset="0"/>
-                <a:cs typeface="Tahoma" panose="020B0604030504040204" pitchFamily="34" charset="0"/>
-              </a:rPr>
-              <a:t>đa</a:t>
-            </a:r>
-            <a:r>
-              <a:rPr lang="en-US" sz="2000" dirty="0">
-                <a:solidFill>
-                  <a:schemeClr val="tx1"/>
-                </a:solidFill>
-                <a:latin typeface="Tahoma" panose="020B0604030504040204" pitchFamily="34" charset="0"/>
-                <a:ea typeface="Tahoma" panose="020B0604030504040204" pitchFamily="34" charset="0"/>
-                <a:cs typeface="Tahoma" panose="020B0604030504040204" pitchFamily="34" charset="0"/>
-              </a:rPr>
-              <a:t> </a:t>
-            </a:r>
-            <a:r>
-              <a:rPr lang="en-US" sz="2000" dirty="0" err="1">
-                <a:solidFill>
-                  <a:schemeClr val="tx1"/>
-                </a:solidFill>
-                <a:latin typeface="Tahoma" panose="020B0604030504040204" pitchFamily="34" charset="0"/>
-                <a:ea typeface="Tahoma" panose="020B0604030504040204" pitchFamily="34" charset="0"/>
-                <a:cs typeface="Tahoma" panose="020B0604030504040204" pitchFamily="34" charset="0"/>
-              </a:rPr>
-              <a:t>tuyến</a:t>
-            </a:r>
-            <a:r>
-              <a:rPr lang="en-US" sz="2000" dirty="0">
-                <a:solidFill>
-                  <a:schemeClr val="tx1"/>
-                </a:solidFill>
-                <a:latin typeface="Tahoma" panose="020B0604030504040204" pitchFamily="34" charset="0"/>
-                <a:ea typeface="Tahoma" panose="020B0604030504040204" pitchFamily="34" charset="0"/>
-                <a:cs typeface="Tahoma" panose="020B0604030504040204" pitchFamily="34" charset="0"/>
-              </a:rPr>
-              <a:t> </a:t>
-            </a:r>
-            <a:r>
-              <a:rPr lang="en-US" sz="2000" dirty="0" err="1">
-                <a:solidFill>
-                  <a:schemeClr val="tx1"/>
-                </a:solidFill>
-                <a:latin typeface="Tahoma" panose="020B0604030504040204" pitchFamily="34" charset="0"/>
-                <a:ea typeface="Tahoma" panose="020B0604030504040204" pitchFamily="34" charset="0"/>
-                <a:cs typeface="Tahoma" panose="020B0604030504040204" pitchFamily="34" charset="0"/>
-              </a:rPr>
-              <a:t>tính</a:t>
-            </a:r>
-            <a:r>
-              <a:rPr lang="en-US" sz="2000" dirty="0">
-                <a:solidFill>
-                  <a:schemeClr val="tx1"/>
-                </a:solidFill>
-                <a:latin typeface="Tahoma" panose="020B0604030504040204" pitchFamily="34" charset="0"/>
-                <a:ea typeface="Tahoma" panose="020B0604030504040204" pitchFamily="34" charset="0"/>
-                <a:cs typeface="Tahoma" panose="020B0604030504040204" pitchFamily="34" charset="0"/>
-              </a:rPr>
               <a:t>, logistic, ).</a:t>
             </a:r>
-          </a:p>
-          <a:p>
-            <a:endParaRPr lang="vi-VN" dirty="0"/>
           </a:p>
         </p:txBody>
       </p:sp>
@@ -9805,8 +14228,8 @@
         </p:blipFill>
         <p:spPr>
           <a:xfrm>
-            <a:off x="8311301" y="685801"/>
-            <a:ext cx="3554479" cy="2369652"/>
+            <a:off x="8499399" y="685801"/>
+            <a:ext cx="3352429" cy="2234952"/>
           </a:xfrm>
           <a:prstGeom prst="rect">
             <a:avLst/>
@@ -9835,8 +14258,8 @@
         </p:blipFill>
         <p:spPr>
           <a:xfrm>
-            <a:off x="8334395" y="3233422"/>
-            <a:ext cx="3531385" cy="2106961"/>
+            <a:off x="8499399" y="3318090"/>
+            <a:ext cx="3366381" cy="2008513"/>
           </a:xfrm>
           <a:prstGeom prst="rect">
             <a:avLst/>
@@ -10069,8 +14492,8 @@
         </p:blipFill>
         <p:spPr>
           <a:xfrm>
-            <a:off x="2775267" y="1298838"/>
-            <a:ext cx="3269382" cy="795083"/>
+            <a:off x="3099324" y="1281124"/>
+            <a:ext cx="2750674" cy="668938"/>
           </a:xfrm>
           <a:prstGeom prst="rect">
             <a:avLst/>
@@ -10090,7 +14513,7 @@
 </p:sld>
 </file>
 
-<file path=ppt/slides/slide3.xml><?xml version="1.0" encoding="utf-8"?>
+<file path=ppt/slides/slide4.xml><?xml version="1.0" encoding="utf-8"?>
 <p:sld xmlns:a="http://schemas.openxmlformats.org/drawingml/2006/main" xmlns:r="http://schemas.openxmlformats.org/officeDocument/2006/relationships" xmlns:p="http://schemas.openxmlformats.org/presentationml/2006/main">
   <p:cSld>
     <p:spTree>
@@ -12639,7 +17062,7 @@
 </p:sld>
 </file>
 
-<file path=ppt/slides/slide4.xml><?xml version="1.0" encoding="utf-8"?>
+<file path=ppt/slides/slide5.xml><?xml version="1.0" encoding="utf-8"?>
 <p:sld xmlns:a="http://schemas.openxmlformats.org/drawingml/2006/main" xmlns:r="http://schemas.openxmlformats.org/officeDocument/2006/relationships" xmlns:p="http://schemas.openxmlformats.org/presentationml/2006/main">
   <p:cSld>
     <p:spTree>
@@ -13002,7 +17425,7 @@
 </p:sld>
 </file>
 
-<file path=ppt/slides/slide5.xml><?xml version="1.0" encoding="utf-8"?>
+<file path=ppt/slides/slide6.xml><?xml version="1.0" encoding="utf-8"?>
 <p:sld xmlns:a="http://schemas.openxmlformats.org/drawingml/2006/main" xmlns:r="http://schemas.openxmlformats.org/officeDocument/2006/relationships" xmlns:p="http://schemas.openxmlformats.org/presentationml/2006/main">
   <p:cSld>
     <p:spTree>
@@ -13796,7 +18219,7 @@
 </p:sld>
 </file>
 
-<file path=ppt/slides/slide6.xml><?xml version="1.0" encoding="utf-8"?>
+<file path=ppt/slides/slide7.xml><?xml version="1.0" encoding="utf-8"?>
 <p:sld xmlns:a="http://schemas.openxmlformats.org/drawingml/2006/main" xmlns:r="http://schemas.openxmlformats.org/officeDocument/2006/relationships" xmlns:p="http://schemas.openxmlformats.org/presentationml/2006/main">
   <p:cSld>
     <p:spTree>
@@ -14954,7 +19377,7 @@
 </p:sld>
 </file>
 
-<file path=ppt/slides/slide7.xml><?xml version="1.0" encoding="utf-8"?>
+<file path=ppt/slides/slide8.xml><?xml version="1.0" encoding="utf-8"?>
 <p:sld xmlns:a="http://schemas.openxmlformats.org/drawingml/2006/main" xmlns:r="http://schemas.openxmlformats.org/officeDocument/2006/relationships" xmlns:p="http://schemas.openxmlformats.org/presentationml/2006/main">
   <p:cSld>
     <p:spTree>
@@ -15014,7 +19437,7 @@
 </p:sld>
 </file>
 
-<file path=ppt/slides/slide8.xml><?xml version="1.0" encoding="utf-8"?>
+<file path=ppt/slides/slide9.xml><?xml version="1.0" encoding="utf-8"?>
 <p:sld xmlns:a="http://schemas.openxmlformats.org/drawingml/2006/main" xmlns:r="http://schemas.openxmlformats.org/officeDocument/2006/relationships" xmlns:p="http://schemas.openxmlformats.org/presentationml/2006/main">
   <p:cSld>
     <p:spTree>
@@ -15065,525 +19488,6 @@
     <p:extLst>
       <p:ext uri="{BB962C8B-B14F-4D97-AF65-F5344CB8AC3E}">
         <p14:creationId xmlns:p14="http://schemas.microsoft.com/office/powerpoint/2010/main" val="952378016"/>
-      </p:ext>
-    </p:extLst>
-  </p:cSld>
-  <p:clrMapOvr>
-    <a:masterClrMapping/>
-  </p:clrMapOvr>
-</p:sld>
-</file>
-
-<file path=ppt/slides/slide9.xml><?xml version="1.0" encoding="utf-8"?>
-<p:sld xmlns:a="http://schemas.openxmlformats.org/drawingml/2006/main" xmlns:r="http://schemas.openxmlformats.org/officeDocument/2006/relationships" xmlns:p="http://schemas.openxmlformats.org/presentationml/2006/main">
-  <p:cSld>
-    <p:spTree>
-      <p:nvGrpSpPr>
-        <p:cNvPr id="1" name=""/>
-        <p:cNvGrpSpPr/>
-        <p:nvPr/>
-      </p:nvGrpSpPr>
-      <p:grpSpPr>
-        <a:xfrm>
-          <a:off x="0" y="0"/>
-          <a:ext cx="0" cy="0"/>
-          <a:chOff x="0" y="0"/>
-          <a:chExt cx="0" cy="0"/>
-        </a:xfrm>
-      </p:grpSpPr>
-      <p:sp>
-        <p:nvSpPr>
-          <p:cNvPr id="3" name="Content Placeholder 2"/>
-          <p:cNvSpPr>
-            <a:spLocks noGrp="1"/>
-          </p:cNvSpPr>
-          <p:nvPr>
-            <p:ph idx="1"/>
-          </p:nvPr>
-        </p:nvSpPr>
-        <p:spPr>
-          <a:xfrm>
-            <a:off x="679902" y="1198485"/>
-            <a:ext cx="8678864" cy="4171920"/>
-          </a:xfrm>
-        </p:spPr>
-        <p:txBody>
-          <a:bodyPr>
-            <a:normAutofit fontScale="25000" lnSpcReduction="20000"/>
-          </a:bodyPr>
-          <a:lstStyle/>
-          <a:p>
-            <a:endParaRPr lang="en-US" dirty="0">
-              <a:solidFill>
-                <a:schemeClr val="tx1"/>
-              </a:solidFill>
-            </a:endParaRPr>
-          </a:p>
-          <a:p>
-            <a:endParaRPr lang="en-US" dirty="0">
-              <a:solidFill>
-                <a:schemeClr val="tx1"/>
-              </a:solidFill>
-            </a:endParaRPr>
-          </a:p>
-          <a:p>
-            <a:endParaRPr lang="en-US" sz="6400" dirty="0">
-              <a:solidFill>
-                <a:schemeClr val="tx1"/>
-              </a:solidFill>
-            </a:endParaRPr>
-          </a:p>
-          <a:p>
-            <a:endParaRPr lang="en-US" sz="6400" dirty="0">
-              <a:solidFill>
-                <a:schemeClr val="tx1"/>
-              </a:solidFill>
-            </a:endParaRPr>
-          </a:p>
-          <a:p>
-            <a:endParaRPr lang="en-US" sz="6400" dirty="0">
-              <a:solidFill>
-                <a:schemeClr val="tx1"/>
-              </a:solidFill>
-            </a:endParaRPr>
-          </a:p>
-          <a:p>
-            <a:endParaRPr lang="vi-VN" sz="5600" dirty="0">
-              <a:solidFill>
-                <a:schemeClr val="tx1"/>
-              </a:solidFill>
-            </a:endParaRPr>
-          </a:p>
-          <a:p>
-            <a:r>
-              <a:rPr lang="vi-VN" sz="7200" dirty="0">
-                <a:solidFill>
-                  <a:schemeClr val="tx1"/>
-                </a:solidFill>
-              </a:rPr>
-              <a:t>Sử dụng phân tích QR (trực chuẩn hóa Gram-Schmidt) (yêu cầu khi đi thi)</a:t>
-            </a:r>
-          </a:p>
-          <a:p>
-            <a:pPr marL="0" indent="0">
-              <a:buNone/>
-            </a:pPr>
-            <a:r>
-              <a:rPr lang="vi-VN" sz="7200" dirty="0">
-                <a:solidFill>
-                  <a:schemeClr val="tx1"/>
-                </a:solidFill>
-              </a:rPr>
-              <a:t>Trực chuẩn hóa Gram-Schmidt các cột của A. (ĐSTT dạy các em như thế nào) ta được phân tích QR trong đó Q là ma trận trực giao, R là ma trận tam giác trên. </a:t>
-            </a:r>
-          </a:p>
-          <a:p>
-            <a:pPr marL="0" indent="0">
-              <a:buNone/>
-            </a:pPr>
-            <a:endParaRPr lang="vi-VN" sz="7200" dirty="0">
-              <a:solidFill>
-                <a:schemeClr val="tx1"/>
-              </a:solidFill>
-            </a:endParaRPr>
-          </a:p>
-          <a:p>
-            <a:pPr marL="0" indent="0">
-              <a:buNone/>
-            </a:pPr>
-            <a:endParaRPr lang="vi-VN" sz="7200" dirty="0">
-              <a:solidFill>
-                <a:schemeClr val="tx1"/>
-              </a:solidFill>
-            </a:endParaRPr>
-          </a:p>
-          <a:p>
-            <a:pPr marL="0" indent="0">
-              <a:buNone/>
-            </a:pPr>
-            <a:endParaRPr lang="vi-VN" sz="7200" dirty="0">
-              <a:solidFill>
-                <a:schemeClr val="tx1"/>
-              </a:solidFill>
-            </a:endParaRPr>
-          </a:p>
-          <a:p>
-            <a:pPr marL="0" indent="0">
-              <a:buNone/>
-            </a:pPr>
-            <a:endParaRPr lang="en-US" sz="7200" dirty="0">
-              <a:solidFill>
-                <a:schemeClr val="tx1"/>
-              </a:solidFill>
-            </a:endParaRPr>
-          </a:p>
-          <a:p>
-            <a:pPr marL="0" indent="0">
-              <a:buNone/>
-            </a:pPr>
-            <a:endParaRPr lang="en-US" sz="7200" dirty="0">
-              <a:solidFill>
-                <a:schemeClr val="tx1"/>
-              </a:solidFill>
-            </a:endParaRPr>
-          </a:p>
-          <a:p>
-            <a:pPr marL="0" indent="0">
-              <a:buNone/>
-            </a:pPr>
-            <a:endParaRPr lang="vi-VN" sz="7200" dirty="0">
-              <a:solidFill>
-                <a:schemeClr val="tx1"/>
-              </a:solidFill>
-            </a:endParaRPr>
-          </a:p>
-          <a:p>
-            <a:pPr>
-              <a:buFont typeface="Wingdings" panose="05000000000000000000" pitchFamily="2" charset="2"/>
-              <a:buChar char="Ø"/>
-            </a:pPr>
-            <a:r>
-              <a:rPr lang="vi-VN" sz="7200" dirty="0">
-                <a:solidFill>
-                  <a:schemeClr val="tx1"/>
-                </a:solidFill>
-              </a:rPr>
-              <a:t>Khi đó, thay vì giải Ax=b ta đi giải </a:t>
-            </a:r>
-            <a:endParaRPr lang="en-US" sz="7200" dirty="0">
-              <a:solidFill>
-                <a:schemeClr val="tx1"/>
-              </a:solidFill>
-            </a:endParaRPr>
-          </a:p>
-          <a:p>
-            <a:pPr>
-              <a:buFont typeface="Wingdings" panose="05000000000000000000" pitchFamily="2" charset="2"/>
-              <a:buChar char="Ø"/>
-            </a:pPr>
-            <a:r>
-              <a:rPr lang="vi-VN" sz="7200" dirty="0">
-                <a:solidFill>
-                  <a:schemeClr val="tx1"/>
-                </a:solidFill>
-              </a:rPr>
-              <a:t>Ví dụ 2. Giải lại hệ trong VD1 bằng phương pháp QR.</a:t>
-            </a:r>
-          </a:p>
-          <a:p>
-            <a:pPr marL="0" indent="0">
-              <a:buNone/>
-            </a:pPr>
-            <a:endParaRPr lang="vi-VN" sz="7200" dirty="0">
-              <a:solidFill>
-                <a:schemeClr val="tx1"/>
-              </a:solidFill>
-            </a:endParaRPr>
-          </a:p>
-          <a:p>
-            <a:pPr marL="0" indent="0">
-              <a:buNone/>
-            </a:pPr>
-            <a:r>
-              <a:rPr lang="vi-VN" sz="7200" dirty="0">
-                <a:solidFill>
-                  <a:schemeClr val="tx1"/>
-                </a:solidFill>
-              </a:rPr>
-              <a:t>Bình luận: </a:t>
-            </a:r>
-            <a:r>
-              <a:rPr lang="en-US" sz="7200" dirty="0">
-                <a:solidFill>
-                  <a:schemeClr val="tx1"/>
-                </a:solidFill>
-              </a:rPr>
-              <a:t>	</a:t>
-            </a:r>
-            <a:r>
-              <a:rPr lang="vi-VN" sz="7200" dirty="0">
-                <a:solidFill>
-                  <a:schemeClr val="tx1"/>
-                </a:solidFill>
-              </a:rPr>
-              <a:t>1. Thực tế Matlab hay Python dùng cách 2 để giải các bài toán lớn.</a:t>
-            </a:r>
-          </a:p>
-          <a:p>
-            <a:pPr marL="0" indent="0">
-              <a:buNone/>
-            </a:pPr>
-            <a:r>
-              <a:rPr lang="en-US" sz="7200" dirty="0">
-                <a:solidFill>
-                  <a:schemeClr val="tx1"/>
-                </a:solidFill>
-              </a:rPr>
-              <a:t>			</a:t>
-            </a:r>
-            <a:r>
-              <a:rPr lang="vi-VN" sz="7200" dirty="0">
-                <a:solidFill>
-                  <a:schemeClr val="tx1"/>
-                </a:solidFill>
-              </a:rPr>
-              <a:t>2. Nhưng đối với sv tính tay thì cách 1 tốt hơn.</a:t>
-            </a:r>
-          </a:p>
-          <a:p>
-            <a:pPr marL="0" indent="0">
-              <a:buNone/>
-            </a:pPr>
-            <a:r>
-              <a:rPr lang="en-US" sz="7200" dirty="0">
-                <a:solidFill>
-                  <a:schemeClr val="tx1"/>
-                </a:solidFill>
-              </a:rPr>
-              <a:t>			</a:t>
-            </a:r>
-            <a:r>
-              <a:rPr lang="vi-VN" sz="7200" dirty="0">
-                <a:solidFill>
-                  <a:schemeClr val="tx1"/>
-                </a:solidFill>
-              </a:rPr>
-              <a:t>3. Đi thi yêu cầu làm cách 2, làm cách 1 được 1/3 số điểm.</a:t>
-            </a:r>
-          </a:p>
-          <a:p>
-            <a:pPr marL="0" indent="0">
-              <a:buNone/>
-            </a:pPr>
-            <a:endParaRPr lang="vi-VN" sz="6400" dirty="0"/>
-          </a:p>
-          <a:p>
-            <a:endParaRPr lang="vi-VN" dirty="0"/>
-          </a:p>
-        </p:txBody>
-      </p:sp>
-      <mc:AlternateContent xmlns:mc="http://schemas.openxmlformats.org/markup-compatibility/2006" xmlns:a14="http://schemas.microsoft.com/office/drawing/2010/main">
-        <mc:Choice Requires="a14">
-          <p:sp>
-            <p:nvSpPr>
-              <p:cNvPr id="13" name="Rectangle 12"/>
-              <p:cNvSpPr/>
-              <p:nvPr/>
-            </p:nvSpPr>
-            <p:spPr>
-              <a:xfrm>
-                <a:off x="4623031" y="4243170"/>
-                <a:ext cx="1342763" cy="369332"/>
-              </a:xfrm>
-              <a:prstGeom prst="rect">
-                <a:avLst/>
-              </a:prstGeom>
-            </p:spPr>
-            <p:txBody>
-              <a:bodyPr wrap="square">
-                <a:spAutoFit/>
-              </a:bodyPr>
-              <a:lstStyle/>
-              <a:p>
-                <a:pPr/>
-                <a14:m>
-                  <m:oMathPara xmlns:m="http://schemas.openxmlformats.org/officeDocument/2006/math">
-                    <m:oMathParaPr>
-                      <m:jc m:val="centerGroup"/>
-                    </m:oMathParaPr>
-                    <m:oMath xmlns:m="http://schemas.openxmlformats.org/officeDocument/2006/math">
-                      <m:r>
-                        <a:rPr lang="vi-VN" i="1">
-                          <a:latin typeface="Cambria Math" panose="02040503050406030204" pitchFamily="18" charset="0"/>
-                        </a:rPr>
-                        <m:t>𝑅𝑥</m:t>
-                      </m:r>
-                      <m:r>
-                        <m:rPr>
-                          <m:nor/>
-                        </m:rPr>
-                        <a:rPr lang="vi-VN" i="1">
-                          <a:latin typeface="Cambria Math" panose="02040503050406030204" pitchFamily="18" charset="0"/>
-                        </a:rPr>
-                        <m:t> </m:t>
-                      </m:r>
-                      <m:r>
-                        <a:rPr lang="vi-VN" i="0">
-                          <a:latin typeface="Cambria Math" panose="02040503050406030204" pitchFamily="18" charset="0"/>
-                        </a:rPr>
-                        <m:t>=</m:t>
-                      </m:r>
-                      <m:r>
-                        <m:rPr>
-                          <m:nor/>
-                        </m:rPr>
-                        <a:rPr lang="vi-VN" i="1">
-                          <a:latin typeface="Cambria Math" panose="02040503050406030204" pitchFamily="18" charset="0"/>
-                        </a:rPr>
-                        <m:t> </m:t>
-                      </m:r>
-                      <m:sSup>
-                        <m:sSupPr>
-                          <m:ctrlPr>
-                            <a:rPr lang="vi-VN" i="1">
-                              <a:latin typeface="Cambria Math" panose="02040503050406030204" pitchFamily="18" charset="0"/>
-                            </a:rPr>
-                          </m:ctrlPr>
-                        </m:sSupPr>
-                        <m:e>
-                          <m:r>
-                            <a:rPr lang="vi-VN" i="1">
-                              <a:latin typeface="Cambria Math" panose="02040503050406030204" pitchFamily="18" charset="0"/>
-                            </a:rPr>
-                            <m:t>𝑄</m:t>
-                          </m:r>
-                        </m:e>
-                        <m:sup>
-                          <m:r>
-                            <a:rPr lang="vi-VN" i="1">
-                              <a:latin typeface="Cambria Math" panose="02040503050406030204" pitchFamily="18" charset="0"/>
-                            </a:rPr>
-                            <m:t>𝑇</m:t>
-                          </m:r>
-                        </m:sup>
-                      </m:sSup>
-                      <m:r>
-                        <a:rPr lang="vi-VN" i="1">
-                          <a:latin typeface="Cambria Math" panose="02040503050406030204" pitchFamily="18" charset="0"/>
-                        </a:rPr>
-                        <m:t>𝑏</m:t>
-                      </m:r>
-                    </m:oMath>
-                  </m:oMathPara>
-                </a14:m>
-                <a:endParaRPr lang="vi-VN" dirty="0"/>
-              </a:p>
-            </p:txBody>
-          </p:sp>
-        </mc:Choice>
-        <mc:Fallback xmlns="">
-          <p:sp>
-            <p:nvSpPr>
-              <p:cNvPr id="13" name="Rectangle 12"/>
-              <p:cNvSpPr>
-                <a:spLocks noRot="1" noChangeAspect="1" noMove="1" noResize="1" noEditPoints="1" noAdjustHandles="1" noChangeArrowheads="1" noChangeShapeType="1" noTextEdit="1"/>
-              </p:cNvSpPr>
-              <p:nvPr/>
-            </p:nvSpPr>
-            <p:spPr>
-              <a:xfrm>
-                <a:off x="4623031" y="4243170"/>
-                <a:ext cx="1342763" cy="369332"/>
-              </a:xfrm>
-              <a:prstGeom prst="rect">
-                <a:avLst/>
-              </a:prstGeom>
-              <a:blipFill>
-                <a:blip r:embed="rId2"/>
-                <a:stretch>
-                  <a:fillRect b="-11475"/>
-                </a:stretch>
-              </a:blipFill>
-            </p:spPr>
-            <p:txBody>
-              <a:bodyPr/>
-              <a:lstStyle/>
-              <a:p>
-                <a:r>
-                  <a:rPr lang="en-US">
-                    <a:noFill/>
-                  </a:rPr>
-                  <a:t> </a:t>
-                </a:r>
-              </a:p>
-            </p:txBody>
-          </p:sp>
-        </mc:Fallback>
-      </mc:AlternateContent>
-      <p:pic>
-        <p:nvPicPr>
-          <p:cNvPr id="14" name="Picture 13"/>
-          <p:cNvPicPr>
-            <a:picLocks noChangeAspect="1"/>
-          </p:cNvPicPr>
-          <p:nvPr/>
-        </p:nvPicPr>
-        <p:blipFill>
-          <a:blip r:embed="rId3"/>
-          <a:stretch>
-            <a:fillRect/>
-          </a:stretch>
-        </p:blipFill>
-        <p:spPr>
-          <a:xfrm>
-            <a:off x="2478517" y="2508242"/>
-            <a:ext cx="5338829" cy="1528108"/>
-          </a:xfrm>
-          <a:prstGeom prst="rect">
-            <a:avLst/>
-          </a:prstGeom>
-        </p:spPr>
-      </p:pic>
-      <p:sp>
-        <p:nvSpPr>
-          <p:cNvPr id="12" name="Title 1">
-            <a:extLst>
-              <a:ext uri="{FF2B5EF4-FFF2-40B4-BE49-F238E27FC236}">
-                <a16:creationId xmlns:a16="http://schemas.microsoft.com/office/drawing/2014/main" id="{91D311E4-D21C-4A5D-9429-96F96EFB6905}"/>
-              </a:ext>
-            </a:extLst>
-          </p:cNvPr>
-          <p:cNvSpPr>
-            <a:spLocks noGrp="1"/>
-          </p:cNvSpPr>
-          <p:nvPr>
-            <p:ph type="title"/>
-          </p:nvPr>
-        </p:nvSpPr>
-        <p:spPr>
-          <a:xfrm>
-            <a:off x="679902" y="378377"/>
-            <a:ext cx="10177203" cy="507076"/>
-          </a:xfrm>
-        </p:spPr>
-        <p:txBody>
-          <a:bodyPr>
-            <a:normAutofit fontScale="90000"/>
-          </a:bodyPr>
-          <a:lstStyle/>
-          <a:p>
-            <a:r>
-              <a:rPr lang="en-US" dirty="0" err="1"/>
-              <a:t>Phương</a:t>
-            </a:r>
-            <a:r>
-              <a:rPr lang="en-US" dirty="0"/>
-              <a:t> </a:t>
-            </a:r>
-            <a:r>
-              <a:rPr lang="en-US" dirty="0" err="1"/>
-              <a:t>pháp</a:t>
-            </a:r>
-            <a:r>
-              <a:rPr lang="en-US" dirty="0"/>
-              <a:t> 2: Phân </a:t>
-            </a:r>
-            <a:r>
-              <a:rPr lang="en-US" dirty="0" err="1"/>
-              <a:t>tích</a:t>
-            </a:r>
-            <a:r>
-              <a:rPr lang="en-US" dirty="0"/>
-              <a:t> QR</a:t>
-            </a:r>
-            <a:endParaRPr lang="vi-VN" dirty="0"/>
-          </a:p>
-        </p:txBody>
-      </p:sp>
-    </p:spTree>
-    <p:extLst>
-      <p:ext uri="{BB962C8B-B14F-4D97-AF65-F5344CB8AC3E}">
-        <p14:creationId xmlns:p14="http://schemas.microsoft.com/office/powerpoint/2010/main" val="370104146"/>
       </p:ext>
     </p:extLst>
   </p:cSld>
